--- a/V3.1.1/resources/threaded_connections_figures.pptx
+++ b/V3.1.1/resources/threaded_connections_figures.pptx
@@ -111,6 +111,11 @@
       </a:defRPr>
     </a:lvl9pPr>
   </p:defaultTextStyle>
+  <p:extLst>
+    <p:ext uri="{EFAFB233-063F-42B5-8137-9DF3F51BA10A}">
+      <p15:sldGuideLst xmlns:p15="http://schemas.microsoft.com/office/powerpoint/2012/main"/>
+    </p:ext>
+  </p:extLst>
 </p:presentation>
 </file>
 
@@ -261,7 +266,7 @@
           <a:p>
             <a:fld id="{CCDF1458-0C98-4E4B-BD22-1165A012E7A2}" type="datetimeFigureOut">
               <a:rPr lang="en-US" smtClean="0"/>
-              <a:t>1/19/2023</a:t>
+              <a:t>1/20/2023</a:t>
             </a:fld>
             <a:endParaRPr lang="en-US"/>
           </a:p>
@@ -315,7 +320,7 @@
           <a:p>
             <a:fld id="{0986484C-7E85-4992-A972-391343ED5836}" type="slidenum">
               <a:rPr lang="en-US" smtClean="0"/>
-              <a:t>‹#›</a:t>
+              <a:t>‹Nr.›</a:t>
             </a:fld>
             <a:endParaRPr lang="en-US"/>
           </a:p>
@@ -459,7 +464,7 @@
           <a:p>
             <a:fld id="{CCDF1458-0C98-4E4B-BD22-1165A012E7A2}" type="datetimeFigureOut">
               <a:rPr lang="en-US" smtClean="0"/>
-              <a:t>1/19/2023</a:t>
+              <a:t>1/20/2023</a:t>
             </a:fld>
             <a:endParaRPr lang="en-US"/>
           </a:p>
@@ -513,7 +518,7 @@
           <a:p>
             <a:fld id="{0986484C-7E85-4992-A972-391343ED5836}" type="slidenum">
               <a:rPr lang="en-US" smtClean="0"/>
-              <a:t>‹#›</a:t>
+              <a:t>‹Nr.›</a:t>
             </a:fld>
             <a:endParaRPr lang="en-US"/>
           </a:p>
@@ -667,7 +672,7 @@
           <a:p>
             <a:fld id="{CCDF1458-0C98-4E4B-BD22-1165A012E7A2}" type="datetimeFigureOut">
               <a:rPr lang="en-US" smtClean="0"/>
-              <a:t>1/19/2023</a:t>
+              <a:t>1/20/2023</a:t>
             </a:fld>
             <a:endParaRPr lang="en-US"/>
           </a:p>
@@ -721,7 +726,7 @@
           <a:p>
             <a:fld id="{0986484C-7E85-4992-A972-391343ED5836}" type="slidenum">
               <a:rPr lang="en-US" smtClean="0"/>
-              <a:t>‹#›</a:t>
+              <a:t>‹Nr.›</a:t>
             </a:fld>
             <a:endParaRPr lang="en-US"/>
           </a:p>
@@ -865,7 +870,7 @@
           <a:p>
             <a:fld id="{CCDF1458-0C98-4E4B-BD22-1165A012E7A2}" type="datetimeFigureOut">
               <a:rPr lang="en-US" smtClean="0"/>
-              <a:t>1/19/2023</a:t>
+              <a:t>1/20/2023</a:t>
             </a:fld>
             <a:endParaRPr lang="en-US"/>
           </a:p>
@@ -919,7 +924,7 @@
           <a:p>
             <a:fld id="{0986484C-7E85-4992-A972-391343ED5836}" type="slidenum">
               <a:rPr lang="en-US" smtClean="0"/>
-              <a:t>‹#›</a:t>
+              <a:t>‹Nr.›</a:t>
             </a:fld>
             <a:endParaRPr lang="en-US"/>
           </a:p>
@@ -1140,7 +1145,7 @@
           <a:p>
             <a:fld id="{CCDF1458-0C98-4E4B-BD22-1165A012E7A2}" type="datetimeFigureOut">
               <a:rPr lang="en-US" smtClean="0"/>
-              <a:t>1/19/2023</a:t>
+              <a:t>1/20/2023</a:t>
             </a:fld>
             <a:endParaRPr lang="en-US"/>
           </a:p>
@@ -1194,7 +1199,7 @@
           <a:p>
             <a:fld id="{0986484C-7E85-4992-A972-391343ED5836}" type="slidenum">
               <a:rPr lang="en-US" smtClean="0"/>
-              <a:t>‹#›</a:t>
+              <a:t>‹Nr.›</a:t>
             </a:fld>
             <a:endParaRPr lang="en-US"/>
           </a:p>
@@ -1405,7 +1410,7 @@
           <a:p>
             <a:fld id="{CCDF1458-0C98-4E4B-BD22-1165A012E7A2}" type="datetimeFigureOut">
               <a:rPr lang="en-US" smtClean="0"/>
-              <a:t>1/19/2023</a:t>
+              <a:t>1/20/2023</a:t>
             </a:fld>
             <a:endParaRPr lang="en-US"/>
           </a:p>
@@ -1459,7 +1464,7 @@
           <a:p>
             <a:fld id="{0986484C-7E85-4992-A972-391343ED5836}" type="slidenum">
               <a:rPr lang="en-US" smtClean="0"/>
-              <a:t>‹#›</a:t>
+              <a:t>‹Nr.›</a:t>
             </a:fld>
             <a:endParaRPr lang="en-US"/>
           </a:p>
@@ -1817,7 +1822,7 @@
           <a:p>
             <a:fld id="{CCDF1458-0C98-4E4B-BD22-1165A012E7A2}" type="datetimeFigureOut">
               <a:rPr lang="en-US" smtClean="0"/>
-              <a:t>1/19/2023</a:t>
+              <a:t>1/20/2023</a:t>
             </a:fld>
             <a:endParaRPr lang="en-US"/>
           </a:p>
@@ -1871,7 +1876,7 @@
           <a:p>
             <a:fld id="{0986484C-7E85-4992-A972-391343ED5836}" type="slidenum">
               <a:rPr lang="en-US" smtClean="0"/>
-              <a:t>‹#›</a:t>
+              <a:t>‹Nr.›</a:t>
             </a:fld>
             <a:endParaRPr lang="en-US"/>
           </a:p>
@@ -1958,7 +1963,7 @@
           <a:p>
             <a:fld id="{CCDF1458-0C98-4E4B-BD22-1165A012E7A2}" type="datetimeFigureOut">
               <a:rPr lang="en-US" smtClean="0"/>
-              <a:t>1/19/2023</a:t>
+              <a:t>1/20/2023</a:t>
             </a:fld>
             <a:endParaRPr lang="en-US"/>
           </a:p>
@@ -2012,7 +2017,7 @@
           <a:p>
             <a:fld id="{0986484C-7E85-4992-A972-391343ED5836}" type="slidenum">
               <a:rPr lang="en-US" smtClean="0"/>
-              <a:t>‹#›</a:t>
+              <a:t>‹Nr.›</a:t>
             </a:fld>
             <a:endParaRPr lang="en-US"/>
           </a:p>
@@ -2071,7 +2076,7 @@
           <a:p>
             <a:fld id="{CCDF1458-0C98-4E4B-BD22-1165A012E7A2}" type="datetimeFigureOut">
               <a:rPr lang="en-US" smtClean="0"/>
-              <a:t>1/19/2023</a:t>
+              <a:t>1/20/2023</a:t>
             </a:fld>
             <a:endParaRPr lang="en-US"/>
           </a:p>
@@ -2125,7 +2130,7 @@
           <a:p>
             <a:fld id="{0986484C-7E85-4992-A972-391343ED5836}" type="slidenum">
               <a:rPr lang="en-US" smtClean="0"/>
-              <a:t>‹#›</a:t>
+              <a:t>‹Nr.›</a:t>
             </a:fld>
             <a:endParaRPr lang="en-US"/>
           </a:p>
@@ -2382,7 +2387,7 @@
           <a:p>
             <a:fld id="{CCDF1458-0C98-4E4B-BD22-1165A012E7A2}" type="datetimeFigureOut">
               <a:rPr lang="en-US" smtClean="0"/>
-              <a:t>1/19/2023</a:t>
+              <a:t>1/20/2023</a:t>
             </a:fld>
             <a:endParaRPr lang="en-US"/>
           </a:p>
@@ -2436,7 +2441,7 @@
           <a:p>
             <a:fld id="{0986484C-7E85-4992-A972-391343ED5836}" type="slidenum">
               <a:rPr lang="en-US" smtClean="0"/>
-              <a:t>‹#›</a:t>
+              <a:t>‹Nr.›</a:t>
             </a:fld>
             <a:endParaRPr lang="en-US"/>
           </a:p>
@@ -2670,7 +2675,7 @@
           <a:p>
             <a:fld id="{CCDF1458-0C98-4E4B-BD22-1165A012E7A2}" type="datetimeFigureOut">
               <a:rPr lang="en-US" smtClean="0"/>
-              <a:t>1/19/2023</a:t>
+              <a:t>1/20/2023</a:t>
             </a:fld>
             <a:endParaRPr lang="en-US"/>
           </a:p>
@@ -2724,7 +2729,7 @@
           <a:p>
             <a:fld id="{0986484C-7E85-4992-A972-391343ED5836}" type="slidenum">
               <a:rPr lang="en-US" smtClean="0"/>
-              <a:t>‹#›</a:t>
+              <a:t>‹Nr.›</a:t>
             </a:fld>
             <a:endParaRPr lang="en-US"/>
           </a:p>
@@ -2911,7 +2916,7 @@
           <a:p>
             <a:fld id="{CCDF1458-0C98-4E4B-BD22-1165A012E7A2}" type="datetimeFigureOut">
               <a:rPr lang="en-US" smtClean="0"/>
-              <a:t>1/19/2023</a:t>
+              <a:t>1/20/2023</a:t>
             </a:fld>
             <a:endParaRPr lang="en-US"/>
           </a:p>
@@ -3001,7 +3006,7 @@
           <a:p>
             <a:fld id="{0986484C-7E85-4992-A972-391343ED5836}" type="slidenum">
               <a:rPr lang="en-US" smtClean="0"/>
-              <a:t>‹#›</a:t>
+              <a:t>‹Nr.›</a:t>
             </a:fld>
             <a:endParaRPr lang="en-US"/>
           </a:p>
@@ -3328,138 +3333,12 @@
           <a:chExt cx="0" cy="0"/>
         </a:xfrm>
       </p:grpSpPr>
-      <p:sp>
-        <p:nvSpPr>
-          <p:cNvPr id="25" name="Freeform: Shape 24">
+      <p:grpSp>
+        <p:nvGrpSpPr>
+          <p:cNvPr id="2" name="Gruppieren 1">
             <a:extLst>
               <a:ext uri="{FF2B5EF4-FFF2-40B4-BE49-F238E27FC236}">
-                <a16:creationId xmlns:a16="http://schemas.microsoft.com/office/drawing/2014/main" id="{8E963B22-031B-63AD-EE22-4678DDC75ADC}"/>
-              </a:ext>
-            </a:extLst>
-          </p:cNvPr>
-          <p:cNvSpPr/>
-          <p:nvPr/>
-        </p:nvSpPr>
-        <p:spPr>
-          <a:xfrm>
-            <a:off x="2512031" y="1217487"/>
-            <a:ext cx="1623317" cy="3554858"/>
-          </a:xfrm>
-          <a:custGeom>
-            <a:avLst/>
-            <a:gdLst>
-              <a:gd name="connsiteX0" fmla="*/ 0 w 1623317"/>
-              <a:gd name="connsiteY0" fmla="*/ 0 h 3554858"/>
-              <a:gd name="connsiteX1" fmla="*/ 1623317 w 1623317"/>
-              <a:gd name="connsiteY1" fmla="*/ 0 h 3554858"/>
-              <a:gd name="connsiteX2" fmla="*/ 1623317 w 1623317"/>
-              <a:gd name="connsiteY2" fmla="*/ 652409 h 3554858"/>
-              <a:gd name="connsiteX3" fmla="*/ 1130158 w 1623317"/>
-              <a:gd name="connsiteY3" fmla="*/ 652409 h 3554858"/>
-              <a:gd name="connsiteX4" fmla="*/ 1130158 w 1623317"/>
-              <a:gd name="connsiteY4" fmla="*/ 3554858 h 3554858"/>
-              <a:gd name="connsiteX5" fmla="*/ 565079 w 1623317"/>
-              <a:gd name="connsiteY5" fmla="*/ 3554858 h 3554858"/>
-              <a:gd name="connsiteX6" fmla="*/ 565079 w 1623317"/>
-              <a:gd name="connsiteY6" fmla="*/ 652409 h 3554858"/>
-              <a:gd name="connsiteX7" fmla="*/ 0 w 1623317"/>
-              <a:gd name="connsiteY7" fmla="*/ 652409 h 3554858"/>
-            </a:gdLst>
-            <a:ahLst/>
-            <a:cxnLst>
-              <a:cxn ang="0">
-                <a:pos x="connsiteX0" y="connsiteY0"/>
-              </a:cxn>
-              <a:cxn ang="0">
-                <a:pos x="connsiteX1" y="connsiteY1"/>
-              </a:cxn>
-              <a:cxn ang="0">
-                <a:pos x="connsiteX2" y="connsiteY2"/>
-              </a:cxn>
-              <a:cxn ang="0">
-                <a:pos x="connsiteX3" y="connsiteY3"/>
-              </a:cxn>
-              <a:cxn ang="0">
-                <a:pos x="connsiteX4" y="connsiteY4"/>
-              </a:cxn>
-              <a:cxn ang="0">
-                <a:pos x="connsiteX5" y="connsiteY5"/>
-              </a:cxn>
-              <a:cxn ang="0">
-                <a:pos x="connsiteX6" y="connsiteY6"/>
-              </a:cxn>
-              <a:cxn ang="0">
-                <a:pos x="connsiteX7" y="connsiteY7"/>
-              </a:cxn>
-            </a:cxnLst>
-            <a:rect l="l" t="t" r="r" b="b"/>
-            <a:pathLst>
-              <a:path w="1623317" h="3554858">
-                <a:moveTo>
-                  <a:pt x="0" y="0"/>
-                </a:moveTo>
-                <a:lnTo>
-                  <a:pt x="1623317" y="0"/>
-                </a:lnTo>
-                <a:lnTo>
-                  <a:pt x="1623317" y="652409"/>
-                </a:lnTo>
-                <a:lnTo>
-                  <a:pt x="1130158" y="652409"/>
-                </a:lnTo>
-                <a:lnTo>
-                  <a:pt x="1130158" y="3554858"/>
-                </a:lnTo>
-                <a:lnTo>
-                  <a:pt x="565079" y="3554858"/>
-                </a:lnTo>
-                <a:lnTo>
-                  <a:pt x="565079" y="652409"/>
-                </a:lnTo>
-                <a:lnTo>
-                  <a:pt x="0" y="652409"/>
-                </a:lnTo>
-                <a:close/>
-              </a:path>
-            </a:pathLst>
-          </a:custGeom>
-          <a:solidFill>
-            <a:srgbClr val="729FCF"/>
-          </a:solidFill>
-        </p:spPr>
-        <p:style>
-          <a:lnRef idx="2">
-            <a:schemeClr val="accent1">
-              <a:shade val="50000"/>
-            </a:schemeClr>
-          </a:lnRef>
-          <a:fillRef idx="1">
-            <a:schemeClr val="accent1"/>
-          </a:fillRef>
-          <a:effectRef idx="0">
-            <a:schemeClr val="accent1"/>
-          </a:effectRef>
-          <a:fontRef idx="minor">
-            <a:schemeClr val="lt1"/>
-          </a:fontRef>
-        </p:style>
-        <p:txBody>
-          <a:bodyPr wrap="square" rtlCol="0" anchor="ctr">
-            <a:noAutofit/>
-          </a:bodyPr>
-          <a:lstStyle/>
-          <a:p>
-            <a:pPr algn="ctr"/>
-            <a:endParaRPr lang="en-US"/>
-          </a:p>
-        </p:txBody>
-      </p:sp>
-      <p:grpSp>
-        <p:nvGrpSpPr>
-          <p:cNvPr id="97" name="Group 96">
-            <a:extLst>
-              <a:ext uri="{FF2B5EF4-FFF2-40B4-BE49-F238E27FC236}">
-                <a16:creationId xmlns:a16="http://schemas.microsoft.com/office/drawing/2014/main" id="{DB0516D9-B7F2-E0F9-402A-5A3C85B87B97}"/>
+                <a16:creationId xmlns:a16="http://schemas.microsoft.com/office/drawing/2014/main" id="{2F8A6A49-25F9-2C05-87B1-4FBE8FA580B4}"/>
               </a:ext>
             </a:extLst>
           </p:cNvPr>
@@ -3468,18 +3347,18 @@
         </p:nvGrpSpPr>
         <p:grpSpPr>
           <a:xfrm>
-            <a:off x="2065106" y="1962364"/>
-            <a:ext cx="2601930" cy="111307"/>
-            <a:chOff x="2065106" y="1962364"/>
-            <a:chExt cx="2601930" cy="111307"/>
+            <a:off x="1309954" y="135523"/>
+            <a:ext cx="4551293" cy="6642181"/>
+            <a:chOff x="1309954" y="135523"/>
+            <a:chExt cx="4551293" cy="6642181"/>
           </a:xfrm>
         </p:grpSpPr>
         <p:sp>
           <p:nvSpPr>
-            <p:cNvPr id="9" name="Rectangle 8">
+            <p:cNvPr id="25" name="Freeform: Shape 24">
               <a:extLst>
                 <a:ext uri="{FF2B5EF4-FFF2-40B4-BE49-F238E27FC236}">
-                  <a16:creationId xmlns:a16="http://schemas.microsoft.com/office/drawing/2014/main" id="{0AA25D5D-5613-544C-0EBF-1EA5463D5439}"/>
+                  <a16:creationId xmlns:a16="http://schemas.microsoft.com/office/drawing/2014/main" id="{8E963B22-031B-63AD-EE22-4678DDC75ADC}"/>
                 </a:ext>
               </a:extLst>
             </p:cNvPr>
@@ -3488,12 +3367,87 @@
           </p:nvSpPr>
           <p:spPr>
             <a:xfrm>
-              <a:off x="2065106" y="1962364"/>
-              <a:ext cx="919537" cy="97605"/>
+              <a:off x="2512031" y="1217487"/>
+              <a:ext cx="1623317" cy="3554858"/>
             </a:xfrm>
-            <a:prstGeom prst="rect">
+            <a:custGeom>
               <a:avLst/>
-            </a:prstGeom>
+              <a:gdLst>
+                <a:gd name="connsiteX0" fmla="*/ 0 w 1623317"/>
+                <a:gd name="connsiteY0" fmla="*/ 0 h 3554858"/>
+                <a:gd name="connsiteX1" fmla="*/ 1623317 w 1623317"/>
+                <a:gd name="connsiteY1" fmla="*/ 0 h 3554858"/>
+                <a:gd name="connsiteX2" fmla="*/ 1623317 w 1623317"/>
+                <a:gd name="connsiteY2" fmla="*/ 652409 h 3554858"/>
+                <a:gd name="connsiteX3" fmla="*/ 1130158 w 1623317"/>
+                <a:gd name="connsiteY3" fmla="*/ 652409 h 3554858"/>
+                <a:gd name="connsiteX4" fmla="*/ 1130158 w 1623317"/>
+                <a:gd name="connsiteY4" fmla="*/ 3554858 h 3554858"/>
+                <a:gd name="connsiteX5" fmla="*/ 565079 w 1623317"/>
+                <a:gd name="connsiteY5" fmla="*/ 3554858 h 3554858"/>
+                <a:gd name="connsiteX6" fmla="*/ 565079 w 1623317"/>
+                <a:gd name="connsiteY6" fmla="*/ 652409 h 3554858"/>
+                <a:gd name="connsiteX7" fmla="*/ 0 w 1623317"/>
+                <a:gd name="connsiteY7" fmla="*/ 652409 h 3554858"/>
+              </a:gdLst>
+              <a:ahLst/>
+              <a:cxnLst>
+                <a:cxn ang="0">
+                  <a:pos x="connsiteX0" y="connsiteY0"/>
+                </a:cxn>
+                <a:cxn ang="0">
+                  <a:pos x="connsiteX1" y="connsiteY1"/>
+                </a:cxn>
+                <a:cxn ang="0">
+                  <a:pos x="connsiteX2" y="connsiteY2"/>
+                </a:cxn>
+                <a:cxn ang="0">
+                  <a:pos x="connsiteX3" y="connsiteY3"/>
+                </a:cxn>
+                <a:cxn ang="0">
+                  <a:pos x="connsiteX4" y="connsiteY4"/>
+                </a:cxn>
+                <a:cxn ang="0">
+                  <a:pos x="connsiteX5" y="connsiteY5"/>
+                </a:cxn>
+                <a:cxn ang="0">
+                  <a:pos x="connsiteX6" y="connsiteY6"/>
+                </a:cxn>
+                <a:cxn ang="0">
+                  <a:pos x="connsiteX7" y="connsiteY7"/>
+                </a:cxn>
+              </a:cxnLst>
+              <a:rect l="l" t="t" r="r" b="b"/>
+              <a:pathLst>
+                <a:path w="1623317" h="3554858">
+                  <a:moveTo>
+                    <a:pt x="0" y="0"/>
+                  </a:moveTo>
+                  <a:lnTo>
+                    <a:pt x="1623317" y="0"/>
+                  </a:lnTo>
+                  <a:lnTo>
+                    <a:pt x="1623317" y="652409"/>
+                  </a:lnTo>
+                  <a:lnTo>
+                    <a:pt x="1130158" y="652409"/>
+                  </a:lnTo>
+                  <a:lnTo>
+                    <a:pt x="1130158" y="3554858"/>
+                  </a:lnTo>
+                  <a:lnTo>
+                    <a:pt x="565079" y="3554858"/>
+                  </a:lnTo>
+                  <a:lnTo>
+                    <a:pt x="565079" y="652409"/>
+                  </a:lnTo>
+                  <a:lnTo>
+                    <a:pt x="0" y="652409"/>
+                  </a:lnTo>
+                  <a:close/>
+                </a:path>
+              </a:pathLst>
+            </a:custGeom>
             <a:solidFill>
               <a:srgbClr val="729FCF"/>
             </a:solidFill>
@@ -3525,12 +3479,1917 @@
             </a:p>
           </p:txBody>
         </p:sp>
+        <p:grpSp>
+          <p:nvGrpSpPr>
+            <p:cNvPr id="97" name="Group 96">
+              <a:extLst>
+                <a:ext uri="{FF2B5EF4-FFF2-40B4-BE49-F238E27FC236}">
+                  <a16:creationId xmlns:a16="http://schemas.microsoft.com/office/drawing/2014/main" id="{DB0516D9-B7F2-E0F9-402A-5A3C85B87B97}"/>
+                </a:ext>
+              </a:extLst>
+            </p:cNvPr>
+            <p:cNvGrpSpPr/>
+            <p:nvPr/>
+          </p:nvGrpSpPr>
+          <p:grpSpPr>
+            <a:xfrm>
+              <a:off x="2065106" y="1962364"/>
+              <a:ext cx="2601930" cy="111307"/>
+              <a:chOff x="2065106" y="1962364"/>
+              <a:chExt cx="2601930" cy="111307"/>
+            </a:xfrm>
+          </p:grpSpPr>
+          <p:sp>
+            <p:nvSpPr>
+              <p:cNvPr id="9" name="Rectangle 8">
+                <a:extLst>
+                  <a:ext uri="{FF2B5EF4-FFF2-40B4-BE49-F238E27FC236}">
+                    <a16:creationId xmlns:a16="http://schemas.microsoft.com/office/drawing/2014/main" id="{0AA25D5D-5613-544C-0EBF-1EA5463D5439}"/>
+                  </a:ext>
+                </a:extLst>
+              </p:cNvPr>
+              <p:cNvSpPr/>
+              <p:nvPr/>
+            </p:nvSpPr>
+            <p:spPr>
+              <a:xfrm>
+                <a:off x="2065106" y="1962364"/>
+                <a:ext cx="919537" cy="97605"/>
+              </a:xfrm>
+              <a:prstGeom prst="rect">
+                <a:avLst/>
+              </a:prstGeom>
+              <a:solidFill>
+                <a:srgbClr val="729FCF"/>
+              </a:solidFill>
+            </p:spPr>
+            <p:style>
+              <a:lnRef idx="2">
+                <a:schemeClr val="accent1">
+                  <a:shade val="50000"/>
+                </a:schemeClr>
+              </a:lnRef>
+              <a:fillRef idx="1">
+                <a:schemeClr val="accent1"/>
+              </a:fillRef>
+              <a:effectRef idx="0">
+                <a:schemeClr val="accent1"/>
+              </a:effectRef>
+              <a:fontRef idx="minor">
+                <a:schemeClr val="lt1"/>
+              </a:fontRef>
+            </p:style>
+            <p:txBody>
+              <a:bodyPr wrap="square" rtlCol="0" anchor="ctr">
+                <a:noAutofit/>
+              </a:bodyPr>
+              <a:lstStyle/>
+              <a:p>
+                <a:pPr algn="ctr"/>
+                <a:endParaRPr lang="en-US"/>
+              </a:p>
+            </p:txBody>
+          </p:sp>
+          <p:sp>
+            <p:nvSpPr>
+              <p:cNvPr id="10" name="Rectangle 9">
+                <a:extLst>
+                  <a:ext uri="{FF2B5EF4-FFF2-40B4-BE49-F238E27FC236}">
+                    <a16:creationId xmlns:a16="http://schemas.microsoft.com/office/drawing/2014/main" id="{F88B5084-8689-F0B6-A821-6FCA629EAE1F}"/>
+                  </a:ext>
+                </a:extLst>
+              </p:cNvPr>
+              <p:cNvSpPr/>
+              <p:nvPr/>
+            </p:nvSpPr>
+            <p:spPr>
+              <a:xfrm>
+                <a:off x="3747499" y="1976066"/>
+                <a:ext cx="919537" cy="97605"/>
+              </a:xfrm>
+              <a:prstGeom prst="rect">
+                <a:avLst/>
+              </a:prstGeom>
+              <a:solidFill>
+                <a:srgbClr val="729FCF"/>
+              </a:solidFill>
+            </p:spPr>
+            <p:style>
+              <a:lnRef idx="2">
+                <a:schemeClr val="accent1">
+                  <a:shade val="50000"/>
+                </a:schemeClr>
+              </a:lnRef>
+              <a:fillRef idx="1">
+                <a:schemeClr val="accent1"/>
+              </a:fillRef>
+              <a:effectRef idx="0">
+                <a:schemeClr val="accent1"/>
+              </a:effectRef>
+              <a:fontRef idx="minor">
+                <a:schemeClr val="lt1"/>
+              </a:fontRef>
+            </p:style>
+            <p:txBody>
+              <a:bodyPr wrap="square" rtlCol="0" anchor="ctr">
+                <a:noAutofit/>
+              </a:bodyPr>
+              <a:lstStyle/>
+              <a:p>
+                <a:pPr algn="ctr"/>
+                <a:endParaRPr lang="en-US"/>
+              </a:p>
+            </p:txBody>
+          </p:sp>
+        </p:grpSp>
+        <p:grpSp>
+          <p:nvGrpSpPr>
+            <p:cNvPr id="129" name="Group 128">
+              <a:extLst>
+                <a:ext uri="{FF2B5EF4-FFF2-40B4-BE49-F238E27FC236}">
+                  <a16:creationId xmlns:a16="http://schemas.microsoft.com/office/drawing/2014/main" id="{AB35252D-D1CD-8FC8-0690-BF655D1E5DD4}"/>
+                </a:ext>
+              </a:extLst>
+            </p:cNvPr>
+            <p:cNvGrpSpPr/>
+            <p:nvPr/>
+          </p:nvGrpSpPr>
+          <p:grpSpPr>
+            <a:xfrm>
+              <a:off x="2065105" y="3945276"/>
+              <a:ext cx="2601930" cy="111307"/>
+              <a:chOff x="2065105" y="3945276"/>
+              <a:chExt cx="2601930" cy="111307"/>
+            </a:xfrm>
+          </p:grpSpPr>
+          <p:sp>
+            <p:nvSpPr>
+              <p:cNvPr id="11" name="Rectangle 10">
+                <a:extLst>
+                  <a:ext uri="{FF2B5EF4-FFF2-40B4-BE49-F238E27FC236}">
+                    <a16:creationId xmlns:a16="http://schemas.microsoft.com/office/drawing/2014/main" id="{6CB209AA-0A9D-18F3-818B-FBE5177A6845}"/>
+                  </a:ext>
+                </a:extLst>
+              </p:cNvPr>
+              <p:cNvSpPr/>
+              <p:nvPr/>
+            </p:nvSpPr>
+            <p:spPr>
+              <a:xfrm>
+                <a:off x="2065105" y="3945276"/>
+                <a:ext cx="919537" cy="97605"/>
+              </a:xfrm>
+              <a:prstGeom prst="rect">
+                <a:avLst/>
+              </a:prstGeom>
+              <a:solidFill>
+                <a:srgbClr val="729FCF"/>
+              </a:solidFill>
+            </p:spPr>
+            <p:style>
+              <a:lnRef idx="2">
+                <a:schemeClr val="accent1">
+                  <a:shade val="50000"/>
+                </a:schemeClr>
+              </a:lnRef>
+              <a:fillRef idx="1">
+                <a:schemeClr val="accent1"/>
+              </a:fillRef>
+              <a:effectRef idx="0">
+                <a:schemeClr val="accent1"/>
+              </a:effectRef>
+              <a:fontRef idx="minor">
+                <a:schemeClr val="lt1"/>
+              </a:fontRef>
+            </p:style>
+            <p:txBody>
+              <a:bodyPr wrap="square" rtlCol="0" anchor="ctr">
+                <a:noAutofit/>
+              </a:bodyPr>
+              <a:lstStyle/>
+              <a:p>
+                <a:pPr algn="ctr"/>
+                <a:endParaRPr lang="en-US"/>
+              </a:p>
+            </p:txBody>
+          </p:sp>
+          <p:sp>
+            <p:nvSpPr>
+              <p:cNvPr id="12" name="Rectangle 11">
+                <a:extLst>
+                  <a:ext uri="{FF2B5EF4-FFF2-40B4-BE49-F238E27FC236}">
+                    <a16:creationId xmlns:a16="http://schemas.microsoft.com/office/drawing/2014/main" id="{805D62D9-FAE9-1922-F443-B8EA1C948D86}"/>
+                  </a:ext>
+                </a:extLst>
+              </p:cNvPr>
+              <p:cNvSpPr/>
+              <p:nvPr/>
+            </p:nvSpPr>
+            <p:spPr>
+              <a:xfrm>
+                <a:off x="3747498" y="3958978"/>
+                <a:ext cx="919537" cy="97605"/>
+              </a:xfrm>
+              <a:prstGeom prst="rect">
+                <a:avLst/>
+              </a:prstGeom>
+              <a:solidFill>
+                <a:srgbClr val="729FCF"/>
+              </a:solidFill>
+            </p:spPr>
+            <p:style>
+              <a:lnRef idx="2">
+                <a:schemeClr val="accent1">
+                  <a:shade val="50000"/>
+                </a:schemeClr>
+              </a:lnRef>
+              <a:fillRef idx="1">
+                <a:schemeClr val="accent1"/>
+              </a:fillRef>
+              <a:effectRef idx="0">
+                <a:schemeClr val="accent1"/>
+              </a:effectRef>
+              <a:fontRef idx="minor">
+                <a:schemeClr val="lt1"/>
+              </a:fontRef>
+            </p:style>
+            <p:txBody>
+              <a:bodyPr wrap="square" rtlCol="0" anchor="ctr">
+                <a:noAutofit/>
+              </a:bodyPr>
+              <a:lstStyle/>
+              <a:p>
+                <a:pPr algn="ctr"/>
+                <a:endParaRPr lang="en-US"/>
+              </a:p>
+            </p:txBody>
+          </p:sp>
+        </p:grpSp>
+        <p:grpSp>
+          <p:nvGrpSpPr>
+            <p:cNvPr id="133" name="Group 132">
+              <a:extLst>
+                <a:ext uri="{FF2B5EF4-FFF2-40B4-BE49-F238E27FC236}">
+                  <a16:creationId xmlns:a16="http://schemas.microsoft.com/office/drawing/2014/main" id="{62D21B35-020A-4139-53AE-ED70C7E13E3C}"/>
+                </a:ext>
+              </a:extLst>
+            </p:cNvPr>
+            <p:cNvGrpSpPr/>
+            <p:nvPr/>
+          </p:nvGrpSpPr>
+          <p:grpSpPr>
+            <a:xfrm>
+              <a:off x="2470935" y="4119937"/>
+              <a:ext cx="1790271" cy="410966"/>
+              <a:chOff x="2470935" y="4119937"/>
+              <a:chExt cx="1790271" cy="410966"/>
+            </a:xfrm>
+          </p:grpSpPr>
+          <p:sp>
+            <p:nvSpPr>
+              <p:cNvPr id="13" name="Rectangle 12">
+                <a:extLst>
+                  <a:ext uri="{FF2B5EF4-FFF2-40B4-BE49-F238E27FC236}">
+                    <a16:creationId xmlns:a16="http://schemas.microsoft.com/office/drawing/2014/main" id="{2278AADB-8586-B2C3-4448-D056143AEC49}"/>
+                  </a:ext>
+                </a:extLst>
+              </p:cNvPr>
+              <p:cNvSpPr/>
+              <p:nvPr/>
+            </p:nvSpPr>
+            <p:spPr>
+              <a:xfrm>
+                <a:off x="2470935" y="4119937"/>
+                <a:ext cx="513708" cy="410966"/>
+              </a:xfrm>
+              <a:prstGeom prst="rect">
+                <a:avLst/>
+              </a:prstGeom>
+              <a:solidFill>
+                <a:srgbClr val="729FCF"/>
+              </a:solidFill>
+            </p:spPr>
+            <p:style>
+              <a:lnRef idx="2">
+                <a:schemeClr val="accent1">
+                  <a:shade val="50000"/>
+                </a:schemeClr>
+              </a:lnRef>
+              <a:fillRef idx="1">
+                <a:schemeClr val="accent1"/>
+              </a:fillRef>
+              <a:effectRef idx="0">
+                <a:schemeClr val="accent1"/>
+              </a:effectRef>
+              <a:fontRef idx="minor">
+                <a:schemeClr val="lt1"/>
+              </a:fontRef>
+            </p:style>
+            <p:txBody>
+              <a:bodyPr wrap="square" rtlCol="0" anchor="ctr">
+                <a:noAutofit/>
+              </a:bodyPr>
+              <a:lstStyle/>
+              <a:p>
+                <a:pPr algn="ctr"/>
+                <a:endParaRPr lang="en-US"/>
+              </a:p>
+            </p:txBody>
+          </p:sp>
+          <p:sp>
+            <p:nvSpPr>
+              <p:cNvPr id="14" name="Rectangle 13">
+                <a:extLst>
+                  <a:ext uri="{FF2B5EF4-FFF2-40B4-BE49-F238E27FC236}">
+                    <a16:creationId xmlns:a16="http://schemas.microsoft.com/office/drawing/2014/main" id="{ACE7CA90-2133-872C-C703-01E43B6C2152}"/>
+                  </a:ext>
+                </a:extLst>
+              </p:cNvPr>
+              <p:cNvSpPr/>
+              <p:nvPr/>
+            </p:nvSpPr>
+            <p:spPr>
+              <a:xfrm>
+                <a:off x="3747498" y="4119937"/>
+                <a:ext cx="513708" cy="410966"/>
+              </a:xfrm>
+              <a:prstGeom prst="rect">
+                <a:avLst/>
+              </a:prstGeom>
+              <a:solidFill>
+                <a:srgbClr val="729FCF"/>
+              </a:solidFill>
+            </p:spPr>
+            <p:style>
+              <a:lnRef idx="2">
+                <a:schemeClr val="accent1">
+                  <a:shade val="50000"/>
+                </a:schemeClr>
+              </a:lnRef>
+              <a:fillRef idx="1">
+                <a:schemeClr val="accent1"/>
+              </a:fillRef>
+              <a:effectRef idx="0">
+                <a:schemeClr val="accent1"/>
+              </a:effectRef>
+              <a:fontRef idx="minor">
+                <a:schemeClr val="lt1"/>
+              </a:fontRef>
+            </p:style>
+            <p:txBody>
+              <a:bodyPr wrap="square" rtlCol="0" anchor="ctr">
+                <a:noAutofit/>
+              </a:bodyPr>
+              <a:lstStyle/>
+              <a:p>
+                <a:pPr algn="ctr"/>
+                <a:endParaRPr lang="en-US"/>
+              </a:p>
+            </p:txBody>
+          </p:sp>
+        </p:grpSp>
+        <p:grpSp>
+          <p:nvGrpSpPr>
+            <p:cNvPr id="130" name="Group 129">
+              <a:extLst>
+                <a:ext uri="{FF2B5EF4-FFF2-40B4-BE49-F238E27FC236}">
+                  <a16:creationId xmlns:a16="http://schemas.microsoft.com/office/drawing/2014/main" id="{1BA5A4E1-B030-040A-E2F9-5BA14774D754}"/>
+                </a:ext>
+              </a:extLst>
+            </p:cNvPr>
+            <p:cNvGrpSpPr/>
+            <p:nvPr/>
+          </p:nvGrpSpPr>
+          <p:grpSpPr>
+            <a:xfrm>
+              <a:off x="1309955" y="2192687"/>
+              <a:ext cx="4099388" cy="505998"/>
+              <a:chOff x="1309955" y="2192687"/>
+              <a:chExt cx="4099388" cy="505998"/>
+            </a:xfrm>
+          </p:grpSpPr>
+          <p:sp>
+            <p:nvSpPr>
+              <p:cNvPr id="15" name="Rectangle 14">
+                <a:extLst>
+                  <a:ext uri="{FF2B5EF4-FFF2-40B4-BE49-F238E27FC236}">
+                    <a16:creationId xmlns:a16="http://schemas.microsoft.com/office/drawing/2014/main" id="{58B89C12-2EA2-675E-B34A-D0B5A7021929}"/>
+                  </a:ext>
+                </a:extLst>
+              </p:cNvPr>
+              <p:cNvSpPr/>
+              <p:nvPr/>
+            </p:nvSpPr>
+            <p:spPr>
+              <a:xfrm>
+                <a:off x="1309955" y="2192687"/>
+                <a:ext cx="1661845" cy="481167"/>
+              </a:xfrm>
+              <a:prstGeom prst="rect">
+                <a:avLst/>
+              </a:prstGeom>
+              <a:pattFill prst="wdUpDiag">
+                <a:fgClr>
+                  <a:schemeClr val="tx1">
+                    <a:lumMod val="85000"/>
+                    <a:lumOff val="15000"/>
+                  </a:schemeClr>
+                </a:fgClr>
+                <a:bgClr>
+                  <a:schemeClr val="bg1"/>
+                </a:bgClr>
+              </a:pattFill>
+              <a:ln w="12700"/>
+            </p:spPr>
+            <p:style>
+              <a:lnRef idx="2">
+                <a:schemeClr val="accent1">
+                  <a:shade val="50000"/>
+                </a:schemeClr>
+              </a:lnRef>
+              <a:fillRef idx="1">
+                <a:schemeClr val="accent1"/>
+              </a:fillRef>
+              <a:effectRef idx="0">
+                <a:schemeClr val="accent1"/>
+              </a:effectRef>
+              <a:fontRef idx="minor">
+                <a:schemeClr val="lt1"/>
+              </a:fontRef>
+            </p:style>
+            <p:txBody>
+              <a:bodyPr rtlCol="0" anchor="ctr"/>
+              <a:lstStyle/>
+              <a:p>
+                <a:pPr algn="ctr"/>
+                <a:endParaRPr lang="en-US"/>
+              </a:p>
+            </p:txBody>
+          </p:sp>
+          <p:sp>
+            <p:nvSpPr>
+              <p:cNvPr id="18" name="Rectangle 17">
+                <a:extLst>
+                  <a:ext uri="{FF2B5EF4-FFF2-40B4-BE49-F238E27FC236}">
+                    <a16:creationId xmlns:a16="http://schemas.microsoft.com/office/drawing/2014/main" id="{F4904731-5FAC-BC71-16EF-E8F037DB7C49}"/>
+                  </a:ext>
+                </a:extLst>
+              </p:cNvPr>
+              <p:cNvSpPr/>
+              <p:nvPr/>
+            </p:nvSpPr>
+            <p:spPr>
+              <a:xfrm>
+                <a:off x="3747498" y="2217518"/>
+                <a:ext cx="1661845" cy="481167"/>
+              </a:xfrm>
+              <a:prstGeom prst="rect">
+                <a:avLst/>
+              </a:prstGeom>
+              <a:pattFill prst="wdUpDiag">
+                <a:fgClr>
+                  <a:schemeClr val="tx1">
+                    <a:lumMod val="85000"/>
+                    <a:lumOff val="15000"/>
+                  </a:schemeClr>
+                </a:fgClr>
+                <a:bgClr>
+                  <a:schemeClr val="bg1"/>
+                </a:bgClr>
+              </a:pattFill>
+              <a:ln w="12700"/>
+            </p:spPr>
+            <p:style>
+              <a:lnRef idx="2">
+                <a:schemeClr val="accent1">
+                  <a:shade val="50000"/>
+                </a:schemeClr>
+              </a:lnRef>
+              <a:fillRef idx="1">
+                <a:schemeClr val="accent1"/>
+              </a:fillRef>
+              <a:effectRef idx="0">
+                <a:schemeClr val="accent1"/>
+              </a:effectRef>
+              <a:fontRef idx="minor">
+                <a:schemeClr val="lt1"/>
+              </a:fontRef>
+            </p:style>
+            <p:txBody>
+              <a:bodyPr rtlCol="0" anchor="ctr"/>
+              <a:lstStyle/>
+              <a:p>
+                <a:pPr algn="ctr"/>
+                <a:endParaRPr lang="en-US"/>
+              </a:p>
+            </p:txBody>
+          </p:sp>
+        </p:grpSp>
+        <p:grpSp>
+          <p:nvGrpSpPr>
+            <p:cNvPr id="131" name="Group 130">
+              <a:extLst>
+                <a:ext uri="{FF2B5EF4-FFF2-40B4-BE49-F238E27FC236}">
+                  <a16:creationId xmlns:a16="http://schemas.microsoft.com/office/drawing/2014/main" id="{795C4D76-E0E7-5454-A584-7EB7400D315E}"/>
+                </a:ext>
+              </a:extLst>
+            </p:cNvPr>
+            <p:cNvGrpSpPr/>
+            <p:nvPr/>
+          </p:nvGrpSpPr>
+          <p:grpSpPr>
+            <a:xfrm>
+              <a:off x="1309954" y="2750910"/>
+              <a:ext cx="4099388" cy="505998"/>
+              <a:chOff x="1309954" y="2750910"/>
+              <a:chExt cx="4099388" cy="505998"/>
+            </a:xfrm>
+          </p:grpSpPr>
+          <p:sp>
+            <p:nvSpPr>
+              <p:cNvPr id="16" name="Rectangle 15">
+                <a:extLst>
+                  <a:ext uri="{FF2B5EF4-FFF2-40B4-BE49-F238E27FC236}">
+                    <a16:creationId xmlns:a16="http://schemas.microsoft.com/office/drawing/2014/main" id="{C2F47BAD-5FAC-D0E4-CAC7-EA6F044D7628}"/>
+                  </a:ext>
+                </a:extLst>
+              </p:cNvPr>
+              <p:cNvSpPr/>
+              <p:nvPr/>
+            </p:nvSpPr>
+            <p:spPr>
+              <a:xfrm>
+                <a:off x="1309954" y="2750910"/>
+                <a:ext cx="1661845" cy="481167"/>
+              </a:xfrm>
+              <a:prstGeom prst="rect">
+                <a:avLst/>
+              </a:prstGeom>
+              <a:pattFill prst="wdDnDiag">
+                <a:fgClr>
+                  <a:schemeClr val="tx1">
+                    <a:lumMod val="85000"/>
+                    <a:lumOff val="15000"/>
+                  </a:schemeClr>
+                </a:fgClr>
+                <a:bgClr>
+                  <a:schemeClr val="bg1"/>
+                </a:bgClr>
+              </a:pattFill>
+              <a:ln w="12700"/>
+            </p:spPr>
+            <p:style>
+              <a:lnRef idx="2">
+                <a:schemeClr val="accent1">
+                  <a:shade val="50000"/>
+                </a:schemeClr>
+              </a:lnRef>
+              <a:fillRef idx="1">
+                <a:schemeClr val="accent1"/>
+              </a:fillRef>
+              <a:effectRef idx="0">
+                <a:schemeClr val="accent1"/>
+              </a:effectRef>
+              <a:fontRef idx="minor">
+                <a:schemeClr val="lt1"/>
+              </a:fontRef>
+            </p:style>
+            <p:txBody>
+              <a:bodyPr rtlCol="0" anchor="ctr"/>
+              <a:lstStyle/>
+              <a:p>
+                <a:pPr algn="ctr"/>
+                <a:endParaRPr lang="en-US"/>
+              </a:p>
+            </p:txBody>
+          </p:sp>
+          <p:sp>
+            <p:nvSpPr>
+              <p:cNvPr id="19" name="Rectangle 18">
+                <a:extLst>
+                  <a:ext uri="{FF2B5EF4-FFF2-40B4-BE49-F238E27FC236}">
+                    <a16:creationId xmlns:a16="http://schemas.microsoft.com/office/drawing/2014/main" id="{832308B2-B8E5-A636-E82A-1388E69F39DD}"/>
+                  </a:ext>
+                </a:extLst>
+              </p:cNvPr>
+              <p:cNvSpPr/>
+              <p:nvPr/>
+            </p:nvSpPr>
+            <p:spPr>
+              <a:xfrm>
+                <a:off x="3747497" y="2775741"/>
+                <a:ext cx="1661845" cy="481167"/>
+              </a:xfrm>
+              <a:prstGeom prst="rect">
+                <a:avLst/>
+              </a:prstGeom>
+              <a:pattFill prst="wdDnDiag">
+                <a:fgClr>
+                  <a:schemeClr val="tx1">
+                    <a:lumMod val="85000"/>
+                    <a:lumOff val="15000"/>
+                  </a:schemeClr>
+                </a:fgClr>
+                <a:bgClr>
+                  <a:schemeClr val="bg1"/>
+                </a:bgClr>
+              </a:pattFill>
+              <a:ln w="12700"/>
+            </p:spPr>
+            <p:style>
+              <a:lnRef idx="2">
+                <a:schemeClr val="accent1">
+                  <a:shade val="50000"/>
+                </a:schemeClr>
+              </a:lnRef>
+              <a:fillRef idx="1">
+                <a:schemeClr val="accent1"/>
+              </a:fillRef>
+              <a:effectRef idx="0">
+                <a:schemeClr val="accent1"/>
+              </a:effectRef>
+              <a:fontRef idx="minor">
+                <a:schemeClr val="lt1"/>
+              </a:fontRef>
+            </p:style>
+            <p:txBody>
+              <a:bodyPr rtlCol="0" anchor="ctr"/>
+              <a:lstStyle/>
+              <a:p>
+                <a:pPr algn="ctr"/>
+                <a:endParaRPr lang="en-US"/>
+              </a:p>
+            </p:txBody>
+          </p:sp>
+        </p:grpSp>
+        <p:grpSp>
+          <p:nvGrpSpPr>
+            <p:cNvPr id="132" name="Group 131">
+              <a:extLst>
+                <a:ext uri="{FF2B5EF4-FFF2-40B4-BE49-F238E27FC236}">
+                  <a16:creationId xmlns:a16="http://schemas.microsoft.com/office/drawing/2014/main" id="{A6ABFAB6-8D98-1193-48C6-7E555AAAAD99}"/>
+                </a:ext>
+              </a:extLst>
+            </p:cNvPr>
+            <p:cNvGrpSpPr/>
+            <p:nvPr/>
+          </p:nvGrpSpPr>
+          <p:grpSpPr>
+            <a:xfrm>
+              <a:off x="1309954" y="3309133"/>
+              <a:ext cx="4099388" cy="505998"/>
+              <a:chOff x="1309954" y="3309133"/>
+              <a:chExt cx="4099388" cy="505998"/>
+            </a:xfrm>
+          </p:grpSpPr>
+          <p:sp>
+            <p:nvSpPr>
+              <p:cNvPr id="17" name="Rectangle 16">
+                <a:extLst>
+                  <a:ext uri="{FF2B5EF4-FFF2-40B4-BE49-F238E27FC236}">
+                    <a16:creationId xmlns:a16="http://schemas.microsoft.com/office/drawing/2014/main" id="{45D68AE6-1268-F56F-9EE1-075B8E0CBA66}"/>
+                  </a:ext>
+                </a:extLst>
+              </p:cNvPr>
+              <p:cNvSpPr/>
+              <p:nvPr/>
+            </p:nvSpPr>
+            <p:spPr>
+              <a:xfrm>
+                <a:off x="1309954" y="3309133"/>
+                <a:ext cx="1661845" cy="481167"/>
+              </a:xfrm>
+              <a:prstGeom prst="rect">
+                <a:avLst/>
+              </a:prstGeom>
+              <a:pattFill prst="wdUpDiag">
+                <a:fgClr>
+                  <a:schemeClr val="tx1">
+                    <a:lumMod val="85000"/>
+                    <a:lumOff val="15000"/>
+                  </a:schemeClr>
+                </a:fgClr>
+                <a:bgClr>
+                  <a:schemeClr val="bg1"/>
+                </a:bgClr>
+              </a:pattFill>
+              <a:ln w="12700"/>
+            </p:spPr>
+            <p:style>
+              <a:lnRef idx="2">
+                <a:schemeClr val="accent1">
+                  <a:shade val="50000"/>
+                </a:schemeClr>
+              </a:lnRef>
+              <a:fillRef idx="1">
+                <a:schemeClr val="accent1"/>
+              </a:fillRef>
+              <a:effectRef idx="0">
+                <a:schemeClr val="accent1"/>
+              </a:effectRef>
+              <a:fontRef idx="minor">
+                <a:schemeClr val="lt1"/>
+              </a:fontRef>
+            </p:style>
+            <p:txBody>
+              <a:bodyPr rtlCol="0" anchor="ctr"/>
+              <a:lstStyle/>
+              <a:p>
+                <a:pPr algn="ctr"/>
+                <a:endParaRPr lang="en-US"/>
+              </a:p>
+            </p:txBody>
+          </p:sp>
+          <p:sp>
+            <p:nvSpPr>
+              <p:cNvPr id="20" name="Rectangle 19">
+                <a:extLst>
+                  <a:ext uri="{FF2B5EF4-FFF2-40B4-BE49-F238E27FC236}">
+                    <a16:creationId xmlns:a16="http://schemas.microsoft.com/office/drawing/2014/main" id="{6C966EE0-D3B9-7F0C-D844-01018D09FDAA}"/>
+                  </a:ext>
+                </a:extLst>
+              </p:cNvPr>
+              <p:cNvSpPr/>
+              <p:nvPr/>
+            </p:nvSpPr>
+            <p:spPr>
+              <a:xfrm>
+                <a:off x="3747497" y="3333964"/>
+                <a:ext cx="1661845" cy="481167"/>
+              </a:xfrm>
+              <a:prstGeom prst="rect">
+                <a:avLst/>
+              </a:prstGeom>
+              <a:pattFill prst="wdUpDiag">
+                <a:fgClr>
+                  <a:schemeClr val="tx1">
+                    <a:lumMod val="85000"/>
+                    <a:lumOff val="15000"/>
+                  </a:schemeClr>
+                </a:fgClr>
+                <a:bgClr>
+                  <a:schemeClr val="bg1"/>
+                </a:bgClr>
+              </a:pattFill>
+              <a:ln w="12700"/>
+            </p:spPr>
+            <p:style>
+              <a:lnRef idx="2">
+                <a:schemeClr val="accent1">
+                  <a:shade val="50000"/>
+                </a:schemeClr>
+              </a:lnRef>
+              <a:fillRef idx="1">
+                <a:schemeClr val="accent1"/>
+              </a:fillRef>
+              <a:effectRef idx="0">
+                <a:schemeClr val="accent1"/>
+              </a:effectRef>
+              <a:fontRef idx="minor">
+                <a:schemeClr val="lt1"/>
+              </a:fontRef>
+            </p:style>
+            <p:txBody>
+              <a:bodyPr rtlCol="0" anchor="ctr"/>
+              <a:lstStyle/>
+              <a:p>
+                <a:pPr algn="ctr"/>
+                <a:endParaRPr lang="en-US"/>
+              </a:p>
+            </p:txBody>
+          </p:sp>
+        </p:grpSp>
+        <p:grpSp>
+          <p:nvGrpSpPr>
+            <p:cNvPr id="63" name="Group 62">
+              <a:extLst>
+                <a:ext uri="{FF2B5EF4-FFF2-40B4-BE49-F238E27FC236}">
+                  <a16:creationId xmlns:a16="http://schemas.microsoft.com/office/drawing/2014/main" id="{FCA2B361-DF7B-4C48-6986-9D12D5C71850}"/>
+                </a:ext>
+              </a:extLst>
+            </p:cNvPr>
+            <p:cNvGrpSpPr/>
+            <p:nvPr/>
+          </p:nvGrpSpPr>
+          <p:grpSpPr>
+            <a:xfrm>
+              <a:off x="2065105" y="340770"/>
+              <a:ext cx="2601930" cy="1488030"/>
+              <a:chOff x="2065105" y="340770"/>
+              <a:chExt cx="2601930" cy="1488030"/>
+            </a:xfrm>
+          </p:grpSpPr>
+          <p:cxnSp>
+            <p:nvCxnSpPr>
+              <p:cNvPr id="46" name="Straight Connector 45">
+                <a:extLst>
+                  <a:ext uri="{FF2B5EF4-FFF2-40B4-BE49-F238E27FC236}">
+                    <a16:creationId xmlns:a16="http://schemas.microsoft.com/office/drawing/2014/main" id="{B8E16050-0099-F9B7-0109-92AC6C3E4E92}"/>
+                  </a:ext>
+                </a:extLst>
+              </p:cNvPr>
+              <p:cNvCxnSpPr>
+                <a:cxnSpLocks/>
+              </p:cNvCxnSpPr>
+              <p:nvPr/>
+            </p:nvCxnSpPr>
+            <p:spPr>
+              <a:xfrm>
+                <a:off x="2065105" y="340770"/>
+                <a:ext cx="0" cy="1488030"/>
+              </a:xfrm>
+              <a:prstGeom prst="line">
+                <a:avLst/>
+              </a:prstGeom>
+              <a:ln w="19050">
+                <a:solidFill>
+                  <a:srgbClr val="000000"/>
+                </a:solidFill>
+              </a:ln>
+            </p:spPr>
+            <p:style>
+              <a:lnRef idx="1">
+                <a:schemeClr val="accent2"/>
+              </a:lnRef>
+              <a:fillRef idx="0">
+                <a:schemeClr val="accent2"/>
+              </a:fillRef>
+              <a:effectRef idx="0">
+                <a:schemeClr val="accent2"/>
+              </a:effectRef>
+              <a:fontRef idx="minor">
+                <a:schemeClr val="tx1"/>
+              </a:fontRef>
+            </p:style>
+          </p:cxnSp>
+          <p:cxnSp>
+            <p:nvCxnSpPr>
+              <p:cNvPr id="48" name="Straight Connector 47">
+                <a:extLst>
+                  <a:ext uri="{FF2B5EF4-FFF2-40B4-BE49-F238E27FC236}">
+                    <a16:creationId xmlns:a16="http://schemas.microsoft.com/office/drawing/2014/main" id="{1DC13867-63FC-2523-374A-6442F5623084}"/>
+                  </a:ext>
+                </a:extLst>
+              </p:cNvPr>
+              <p:cNvCxnSpPr>
+                <a:cxnSpLocks/>
+              </p:cNvCxnSpPr>
+              <p:nvPr/>
+            </p:nvCxnSpPr>
+            <p:spPr>
+              <a:xfrm>
+                <a:off x="4667035" y="340770"/>
+                <a:ext cx="0" cy="1488030"/>
+              </a:xfrm>
+              <a:prstGeom prst="line">
+                <a:avLst/>
+              </a:prstGeom>
+              <a:ln w="19050">
+                <a:solidFill>
+                  <a:srgbClr val="000000"/>
+                </a:solidFill>
+              </a:ln>
+            </p:spPr>
+            <p:style>
+              <a:lnRef idx="1">
+                <a:schemeClr val="accent2"/>
+              </a:lnRef>
+              <a:fillRef idx="0">
+                <a:schemeClr val="accent2"/>
+              </a:fillRef>
+              <a:effectRef idx="0">
+                <a:schemeClr val="accent2"/>
+              </a:effectRef>
+              <a:fontRef idx="minor">
+                <a:schemeClr val="tx1"/>
+              </a:fontRef>
+            </p:style>
+          </p:cxnSp>
+        </p:grpSp>
+        <p:grpSp>
+          <p:nvGrpSpPr>
+            <p:cNvPr id="74" name="Group 73">
+              <a:extLst>
+                <a:ext uri="{FF2B5EF4-FFF2-40B4-BE49-F238E27FC236}">
+                  <a16:creationId xmlns:a16="http://schemas.microsoft.com/office/drawing/2014/main" id="{46531140-A9AB-C2D6-E4D5-53B52DD5AA39}"/>
+                </a:ext>
+              </a:extLst>
+            </p:cNvPr>
+            <p:cNvGrpSpPr/>
+            <p:nvPr/>
+          </p:nvGrpSpPr>
+          <p:grpSpPr>
+            <a:xfrm>
+              <a:off x="2061924" y="4440425"/>
+              <a:ext cx="2601930" cy="2318184"/>
+              <a:chOff x="2061924" y="4440425"/>
+              <a:chExt cx="2601930" cy="2318184"/>
+            </a:xfrm>
+          </p:grpSpPr>
+          <p:cxnSp>
+            <p:nvCxnSpPr>
+              <p:cNvPr id="49" name="Straight Connector 48">
+                <a:extLst>
+                  <a:ext uri="{FF2B5EF4-FFF2-40B4-BE49-F238E27FC236}">
+                    <a16:creationId xmlns:a16="http://schemas.microsoft.com/office/drawing/2014/main" id="{4ECA061B-2757-70F0-49C9-B727834796A5}"/>
+                  </a:ext>
+                </a:extLst>
+              </p:cNvPr>
+              <p:cNvCxnSpPr>
+                <a:cxnSpLocks/>
+              </p:cNvCxnSpPr>
+              <p:nvPr/>
+            </p:nvCxnSpPr>
+            <p:spPr>
+              <a:xfrm>
+                <a:off x="2061924" y="4440425"/>
+                <a:ext cx="0" cy="2318184"/>
+              </a:xfrm>
+              <a:prstGeom prst="line">
+                <a:avLst/>
+              </a:prstGeom>
+              <a:ln w="19050">
+                <a:solidFill>
+                  <a:srgbClr val="000000"/>
+                </a:solidFill>
+              </a:ln>
+            </p:spPr>
+            <p:style>
+              <a:lnRef idx="1">
+                <a:schemeClr val="accent2"/>
+              </a:lnRef>
+              <a:fillRef idx="0">
+                <a:schemeClr val="accent2"/>
+              </a:fillRef>
+              <a:effectRef idx="0">
+                <a:schemeClr val="accent2"/>
+              </a:effectRef>
+              <a:fontRef idx="minor">
+                <a:schemeClr val="tx1"/>
+              </a:fontRef>
+            </p:style>
+          </p:cxnSp>
+          <p:cxnSp>
+            <p:nvCxnSpPr>
+              <p:cNvPr id="50" name="Straight Connector 49">
+                <a:extLst>
+                  <a:ext uri="{FF2B5EF4-FFF2-40B4-BE49-F238E27FC236}">
+                    <a16:creationId xmlns:a16="http://schemas.microsoft.com/office/drawing/2014/main" id="{C9856B49-FEC3-7381-D60F-BEC4F31F0C3E}"/>
+                  </a:ext>
+                </a:extLst>
+              </p:cNvPr>
+              <p:cNvCxnSpPr>
+                <a:cxnSpLocks/>
+              </p:cNvCxnSpPr>
+              <p:nvPr/>
+            </p:nvCxnSpPr>
+            <p:spPr>
+              <a:xfrm>
+                <a:off x="4663854" y="4440425"/>
+                <a:ext cx="0" cy="2318184"/>
+              </a:xfrm>
+              <a:prstGeom prst="line">
+                <a:avLst/>
+              </a:prstGeom>
+              <a:ln w="19050">
+                <a:solidFill>
+                  <a:srgbClr val="000000"/>
+                </a:solidFill>
+              </a:ln>
+            </p:spPr>
+            <p:style>
+              <a:lnRef idx="1">
+                <a:schemeClr val="accent2"/>
+              </a:lnRef>
+              <a:fillRef idx="0">
+                <a:schemeClr val="accent2"/>
+              </a:fillRef>
+              <a:effectRef idx="0">
+                <a:schemeClr val="accent2"/>
+              </a:effectRef>
+              <a:fontRef idx="minor">
+                <a:schemeClr val="tx1"/>
+              </a:fontRef>
+            </p:style>
+          </p:cxnSp>
+        </p:grpSp>
+        <p:grpSp>
+          <p:nvGrpSpPr>
+            <p:cNvPr id="73" name="Group 72">
+              <a:extLst>
+                <a:ext uri="{FF2B5EF4-FFF2-40B4-BE49-F238E27FC236}">
+                  <a16:creationId xmlns:a16="http://schemas.microsoft.com/office/drawing/2014/main" id="{9F2F5B2E-B34A-B140-5EC3-A7A6EBE6D98C}"/>
+                </a:ext>
+              </a:extLst>
+            </p:cNvPr>
+            <p:cNvGrpSpPr/>
+            <p:nvPr/>
+          </p:nvGrpSpPr>
+          <p:grpSpPr>
+            <a:xfrm>
+              <a:off x="3786562" y="1874236"/>
+              <a:ext cx="2074685" cy="2910094"/>
+              <a:chOff x="3786562" y="1874236"/>
+              <a:chExt cx="2074685" cy="2910094"/>
+            </a:xfrm>
+          </p:grpSpPr>
+          <p:cxnSp>
+            <p:nvCxnSpPr>
+              <p:cNvPr id="55" name="Straight Connector 54">
+                <a:extLst>
+                  <a:ext uri="{FF2B5EF4-FFF2-40B4-BE49-F238E27FC236}">
+                    <a16:creationId xmlns:a16="http://schemas.microsoft.com/office/drawing/2014/main" id="{775E299F-773B-B8DA-00E2-61AFA6B0C752}"/>
+                  </a:ext>
+                </a:extLst>
+              </p:cNvPr>
+              <p:cNvCxnSpPr>
+                <a:cxnSpLocks/>
+              </p:cNvCxnSpPr>
+              <p:nvPr/>
+            </p:nvCxnSpPr>
+            <p:spPr>
+              <a:xfrm flipH="1">
+                <a:off x="3786562" y="4772345"/>
+                <a:ext cx="2006531" cy="11985"/>
+              </a:xfrm>
+              <a:prstGeom prst="line">
+                <a:avLst/>
+              </a:prstGeom>
+              <a:ln w="19050">
+                <a:solidFill>
+                  <a:srgbClr val="000000"/>
+                </a:solidFill>
+              </a:ln>
+            </p:spPr>
+            <p:style>
+              <a:lnRef idx="1">
+                <a:schemeClr val="accent2"/>
+              </a:lnRef>
+              <a:fillRef idx="0">
+                <a:schemeClr val="accent2"/>
+              </a:fillRef>
+              <a:effectRef idx="0">
+                <a:schemeClr val="accent2"/>
+              </a:effectRef>
+              <a:fontRef idx="minor">
+                <a:schemeClr val="tx1"/>
+              </a:fontRef>
+            </p:style>
+          </p:cxnSp>
+          <p:cxnSp>
+            <p:nvCxnSpPr>
+              <p:cNvPr id="56" name="Straight Connector 55">
+                <a:extLst>
+                  <a:ext uri="{FF2B5EF4-FFF2-40B4-BE49-F238E27FC236}">
+                    <a16:creationId xmlns:a16="http://schemas.microsoft.com/office/drawing/2014/main" id="{DA3F4936-975C-F7B5-7EF7-CE940DAA8612}"/>
+                  </a:ext>
+                </a:extLst>
+              </p:cNvPr>
+              <p:cNvCxnSpPr>
+                <a:cxnSpLocks/>
+              </p:cNvCxnSpPr>
+              <p:nvPr/>
+            </p:nvCxnSpPr>
+            <p:spPr>
+              <a:xfrm>
+                <a:off x="4135348" y="1874236"/>
+                <a:ext cx="1725899" cy="0"/>
+              </a:xfrm>
+              <a:prstGeom prst="line">
+                <a:avLst/>
+              </a:prstGeom>
+              <a:ln w="19050">
+                <a:solidFill>
+                  <a:srgbClr val="000000"/>
+                </a:solidFill>
+              </a:ln>
+            </p:spPr>
+            <p:style>
+              <a:lnRef idx="1">
+                <a:schemeClr val="accent2"/>
+              </a:lnRef>
+              <a:fillRef idx="0">
+                <a:schemeClr val="accent2"/>
+              </a:fillRef>
+              <a:effectRef idx="0">
+                <a:schemeClr val="accent2"/>
+              </a:effectRef>
+              <a:fontRef idx="minor">
+                <a:schemeClr val="tx1"/>
+              </a:fontRef>
+            </p:style>
+          </p:cxnSp>
+        </p:grpSp>
+        <p:grpSp>
+          <p:nvGrpSpPr>
+            <p:cNvPr id="64" name="Group 63">
+              <a:extLst>
+                <a:ext uri="{FF2B5EF4-FFF2-40B4-BE49-F238E27FC236}">
+                  <a16:creationId xmlns:a16="http://schemas.microsoft.com/office/drawing/2014/main" id="{606C1AFE-D287-61E2-8520-8A67C8C29876}"/>
+                </a:ext>
+              </a:extLst>
+            </p:cNvPr>
+            <p:cNvGrpSpPr/>
+            <p:nvPr/>
+          </p:nvGrpSpPr>
+          <p:grpSpPr>
+            <a:xfrm>
+              <a:off x="2512031" y="776630"/>
+              <a:ext cx="1623316" cy="308139"/>
+              <a:chOff x="2065105" y="340770"/>
+              <a:chExt cx="2601930" cy="1488030"/>
+            </a:xfrm>
+          </p:grpSpPr>
+          <p:cxnSp>
+            <p:nvCxnSpPr>
+              <p:cNvPr id="65" name="Straight Connector 64">
+                <a:extLst>
+                  <a:ext uri="{FF2B5EF4-FFF2-40B4-BE49-F238E27FC236}">
+                    <a16:creationId xmlns:a16="http://schemas.microsoft.com/office/drawing/2014/main" id="{07352451-B7DC-63EB-6DEB-71F18C872F2C}"/>
+                  </a:ext>
+                </a:extLst>
+              </p:cNvPr>
+              <p:cNvCxnSpPr>
+                <a:cxnSpLocks/>
+              </p:cNvCxnSpPr>
+              <p:nvPr/>
+            </p:nvCxnSpPr>
+            <p:spPr>
+              <a:xfrm>
+                <a:off x="2065105" y="340770"/>
+                <a:ext cx="0" cy="1488030"/>
+              </a:xfrm>
+              <a:prstGeom prst="line">
+                <a:avLst/>
+              </a:prstGeom>
+              <a:ln w="19050">
+                <a:solidFill>
+                  <a:srgbClr val="000000"/>
+                </a:solidFill>
+              </a:ln>
+            </p:spPr>
+            <p:style>
+              <a:lnRef idx="1">
+                <a:schemeClr val="accent2"/>
+              </a:lnRef>
+              <a:fillRef idx="0">
+                <a:schemeClr val="accent2"/>
+              </a:fillRef>
+              <a:effectRef idx="0">
+                <a:schemeClr val="accent2"/>
+              </a:effectRef>
+              <a:fontRef idx="minor">
+                <a:schemeClr val="tx1"/>
+              </a:fontRef>
+            </p:style>
+          </p:cxnSp>
+          <p:cxnSp>
+            <p:nvCxnSpPr>
+              <p:cNvPr id="66" name="Straight Connector 65">
+                <a:extLst>
+                  <a:ext uri="{FF2B5EF4-FFF2-40B4-BE49-F238E27FC236}">
+                    <a16:creationId xmlns:a16="http://schemas.microsoft.com/office/drawing/2014/main" id="{B58BE295-78C5-9DCD-1018-64B255BC1C4A}"/>
+                  </a:ext>
+                </a:extLst>
+              </p:cNvPr>
+              <p:cNvCxnSpPr>
+                <a:cxnSpLocks/>
+              </p:cNvCxnSpPr>
+              <p:nvPr/>
+            </p:nvCxnSpPr>
+            <p:spPr>
+              <a:xfrm>
+                <a:off x="4667035" y="340770"/>
+                <a:ext cx="0" cy="1488030"/>
+              </a:xfrm>
+              <a:prstGeom prst="line">
+                <a:avLst/>
+              </a:prstGeom>
+              <a:ln w="19050">
+                <a:solidFill>
+                  <a:srgbClr val="000000"/>
+                </a:solidFill>
+              </a:ln>
+            </p:spPr>
+            <p:style>
+              <a:lnRef idx="1">
+                <a:schemeClr val="accent2"/>
+              </a:lnRef>
+              <a:fillRef idx="0">
+                <a:schemeClr val="accent2"/>
+              </a:fillRef>
+              <a:effectRef idx="0">
+                <a:schemeClr val="accent2"/>
+              </a:effectRef>
+              <a:fontRef idx="minor">
+                <a:schemeClr val="tx1"/>
+              </a:fontRef>
+            </p:style>
+          </p:cxnSp>
+        </p:grpSp>
+        <p:grpSp>
+          <p:nvGrpSpPr>
+            <p:cNvPr id="67" name="Group 66">
+              <a:extLst>
+                <a:ext uri="{FF2B5EF4-FFF2-40B4-BE49-F238E27FC236}">
+                  <a16:creationId xmlns:a16="http://schemas.microsoft.com/office/drawing/2014/main" id="{D5842C59-BD34-BDB8-6CD4-D964E8071BD9}"/>
+                </a:ext>
+              </a:extLst>
+            </p:cNvPr>
+            <p:cNvGrpSpPr/>
+            <p:nvPr/>
+          </p:nvGrpSpPr>
+          <p:grpSpPr>
+            <a:xfrm>
+              <a:off x="2464572" y="4705437"/>
+              <a:ext cx="1796623" cy="1338330"/>
+              <a:chOff x="2065105" y="340770"/>
+              <a:chExt cx="2601930" cy="1488030"/>
+            </a:xfrm>
+          </p:grpSpPr>
+          <p:cxnSp>
+            <p:nvCxnSpPr>
+              <p:cNvPr id="68" name="Straight Connector 67">
+                <a:extLst>
+                  <a:ext uri="{FF2B5EF4-FFF2-40B4-BE49-F238E27FC236}">
+                    <a16:creationId xmlns:a16="http://schemas.microsoft.com/office/drawing/2014/main" id="{8F17C7B8-9ECA-9ABF-B85D-462761820612}"/>
+                  </a:ext>
+                </a:extLst>
+              </p:cNvPr>
+              <p:cNvCxnSpPr>
+                <a:cxnSpLocks/>
+              </p:cNvCxnSpPr>
+              <p:nvPr/>
+            </p:nvCxnSpPr>
+            <p:spPr>
+              <a:xfrm>
+                <a:off x="2065105" y="340770"/>
+                <a:ext cx="0" cy="1488030"/>
+              </a:xfrm>
+              <a:prstGeom prst="line">
+                <a:avLst/>
+              </a:prstGeom>
+              <a:ln w="19050">
+                <a:solidFill>
+                  <a:srgbClr val="000000"/>
+                </a:solidFill>
+              </a:ln>
+            </p:spPr>
+            <p:style>
+              <a:lnRef idx="1">
+                <a:schemeClr val="accent2"/>
+              </a:lnRef>
+              <a:fillRef idx="0">
+                <a:schemeClr val="accent2"/>
+              </a:fillRef>
+              <a:effectRef idx="0">
+                <a:schemeClr val="accent2"/>
+              </a:effectRef>
+              <a:fontRef idx="minor">
+                <a:schemeClr val="tx1"/>
+              </a:fontRef>
+            </p:style>
+          </p:cxnSp>
+          <p:cxnSp>
+            <p:nvCxnSpPr>
+              <p:cNvPr id="69" name="Straight Connector 68">
+                <a:extLst>
+                  <a:ext uri="{FF2B5EF4-FFF2-40B4-BE49-F238E27FC236}">
+                    <a16:creationId xmlns:a16="http://schemas.microsoft.com/office/drawing/2014/main" id="{1315ECC2-D760-98F0-A6F1-7E71920D400B}"/>
+                  </a:ext>
+                </a:extLst>
+              </p:cNvPr>
+              <p:cNvCxnSpPr>
+                <a:cxnSpLocks/>
+              </p:cNvCxnSpPr>
+              <p:nvPr/>
+            </p:nvCxnSpPr>
+            <p:spPr>
+              <a:xfrm>
+                <a:off x="4667035" y="340770"/>
+                <a:ext cx="0" cy="1488030"/>
+              </a:xfrm>
+              <a:prstGeom prst="line">
+                <a:avLst/>
+              </a:prstGeom>
+              <a:ln w="19050">
+                <a:solidFill>
+                  <a:srgbClr val="000000"/>
+                </a:solidFill>
+              </a:ln>
+            </p:spPr>
+            <p:style>
+              <a:lnRef idx="1">
+                <a:schemeClr val="accent2"/>
+              </a:lnRef>
+              <a:fillRef idx="0">
+                <a:schemeClr val="accent2"/>
+              </a:fillRef>
+              <a:effectRef idx="0">
+                <a:schemeClr val="accent2"/>
+              </a:effectRef>
+              <a:fontRef idx="minor">
+                <a:schemeClr val="tx1"/>
+              </a:fontRef>
+            </p:style>
+          </p:cxnSp>
+        </p:grpSp>
+        <p:cxnSp>
+          <p:nvCxnSpPr>
+            <p:cNvPr id="76" name="Straight Arrow Connector 75">
+              <a:extLst>
+                <a:ext uri="{FF2B5EF4-FFF2-40B4-BE49-F238E27FC236}">
+                  <a16:creationId xmlns:a16="http://schemas.microsoft.com/office/drawing/2014/main" id="{287BD5E6-A8F7-40EC-DDD7-2204BEE801A9}"/>
+                </a:ext>
+              </a:extLst>
+            </p:cNvPr>
+            <p:cNvCxnSpPr>
+              <a:cxnSpLocks/>
+            </p:cNvCxnSpPr>
+            <p:nvPr/>
+          </p:nvCxnSpPr>
+          <p:spPr>
+            <a:xfrm>
+              <a:off x="2061924" y="431642"/>
+              <a:ext cx="2601930" cy="0"/>
+            </a:xfrm>
+            <a:prstGeom prst="straightConnector1">
+              <a:avLst/>
+            </a:prstGeom>
+            <a:ln w="19050">
+              <a:solidFill>
+                <a:srgbClr val="000000"/>
+              </a:solidFill>
+              <a:headEnd type="triangle" w="lg" len="med"/>
+              <a:tailEnd type="triangle" w="lg" len="med"/>
+            </a:ln>
+          </p:spPr>
+          <p:style>
+            <a:lnRef idx="1">
+              <a:schemeClr val="accent1"/>
+            </a:lnRef>
+            <a:fillRef idx="0">
+              <a:schemeClr val="accent1"/>
+            </a:fillRef>
+            <a:effectRef idx="0">
+              <a:schemeClr val="accent1"/>
+            </a:effectRef>
+            <a:fontRef idx="minor">
+              <a:schemeClr val="tx1"/>
+            </a:fontRef>
+          </p:style>
+        </p:cxnSp>
+        <p:cxnSp>
+          <p:nvCxnSpPr>
+            <p:cNvPr id="78" name="Straight Arrow Connector 77">
+              <a:extLst>
+                <a:ext uri="{FF2B5EF4-FFF2-40B4-BE49-F238E27FC236}">
+                  <a16:creationId xmlns:a16="http://schemas.microsoft.com/office/drawing/2014/main" id="{9C081CA4-29D3-DA90-1A15-EE9E163C3FB8}"/>
+                </a:ext>
+              </a:extLst>
+            </p:cNvPr>
+            <p:cNvCxnSpPr>
+              <a:cxnSpLocks/>
+            </p:cNvCxnSpPr>
+            <p:nvPr/>
+          </p:nvCxnSpPr>
+          <p:spPr>
+            <a:xfrm flipV="1">
+              <a:off x="2512030" y="857605"/>
+              <a:ext cx="1623317" cy="16601"/>
+            </a:xfrm>
+            <a:prstGeom prst="straightConnector1">
+              <a:avLst/>
+            </a:prstGeom>
+            <a:ln w="19050">
+              <a:solidFill>
+                <a:srgbClr val="000000"/>
+              </a:solidFill>
+              <a:headEnd type="triangle" w="lg" len="med"/>
+              <a:tailEnd type="triangle" w="lg" len="med"/>
+            </a:ln>
+          </p:spPr>
+          <p:style>
+            <a:lnRef idx="1">
+              <a:schemeClr val="accent1"/>
+            </a:lnRef>
+            <a:fillRef idx="0">
+              <a:schemeClr val="accent1"/>
+            </a:fillRef>
+            <a:effectRef idx="0">
+              <a:schemeClr val="accent1"/>
+            </a:effectRef>
+            <a:fontRef idx="minor">
+              <a:schemeClr val="tx1"/>
+            </a:fontRef>
+          </p:style>
+        </p:cxnSp>
+        <p:cxnSp>
+          <p:nvCxnSpPr>
+            <p:cNvPr id="82" name="Straight Arrow Connector 81">
+              <a:extLst>
+                <a:ext uri="{FF2B5EF4-FFF2-40B4-BE49-F238E27FC236}">
+                  <a16:creationId xmlns:a16="http://schemas.microsoft.com/office/drawing/2014/main" id="{7EF365E1-C2DA-CF0C-8578-E8C46E169DB7}"/>
+                </a:ext>
+              </a:extLst>
+            </p:cNvPr>
+            <p:cNvCxnSpPr>
+              <a:cxnSpLocks/>
+            </p:cNvCxnSpPr>
+            <p:nvPr/>
+          </p:nvCxnSpPr>
+          <p:spPr>
+            <a:xfrm>
+              <a:off x="2061924" y="6702031"/>
+              <a:ext cx="2601930" cy="0"/>
+            </a:xfrm>
+            <a:prstGeom prst="straightConnector1">
+              <a:avLst/>
+            </a:prstGeom>
+            <a:ln w="19050">
+              <a:solidFill>
+                <a:srgbClr val="000000"/>
+              </a:solidFill>
+              <a:headEnd type="triangle" w="lg" len="med"/>
+              <a:tailEnd type="triangle" w="lg" len="med"/>
+            </a:ln>
+          </p:spPr>
+          <p:style>
+            <a:lnRef idx="1">
+              <a:schemeClr val="accent1"/>
+            </a:lnRef>
+            <a:fillRef idx="0">
+              <a:schemeClr val="accent1"/>
+            </a:fillRef>
+            <a:effectRef idx="0">
+              <a:schemeClr val="accent1"/>
+            </a:effectRef>
+            <a:fontRef idx="minor">
+              <a:schemeClr val="tx1"/>
+            </a:fontRef>
+          </p:style>
+        </p:cxnSp>
+        <p:cxnSp>
+          <p:nvCxnSpPr>
+            <p:cNvPr id="83" name="Straight Arrow Connector 82">
+              <a:extLst>
+                <a:ext uri="{FF2B5EF4-FFF2-40B4-BE49-F238E27FC236}">
+                  <a16:creationId xmlns:a16="http://schemas.microsoft.com/office/drawing/2014/main" id="{AEAEFF3F-74BD-ED14-6215-012872AED9D4}"/>
+                </a:ext>
+              </a:extLst>
+            </p:cNvPr>
+            <p:cNvCxnSpPr>
+              <a:cxnSpLocks/>
+            </p:cNvCxnSpPr>
+            <p:nvPr/>
+          </p:nvCxnSpPr>
+          <p:spPr>
+            <a:xfrm>
+              <a:off x="2470935" y="6008695"/>
+              <a:ext cx="1790260" cy="0"/>
+            </a:xfrm>
+            <a:prstGeom prst="straightConnector1">
+              <a:avLst/>
+            </a:prstGeom>
+            <a:ln w="19050">
+              <a:solidFill>
+                <a:srgbClr val="000000"/>
+              </a:solidFill>
+              <a:headEnd type="triangle" w="lg" len="med"/>
+              <a:tailEnd type="triangle" w="lg" len="med"/>
+            </a:ln>
+          </p:spPr>
+          <p:style>
+            <a:lnRef idx="1">
+              <a:schemeClr val="accent1"/>
+            </a:lnRef>
+            <a:fillRef idx="0">
+              <a:schemeClr val="accent1"/>
+            </a:fillRef>
+            <a:effectRef idx="0">
+              <a:schemeClr val="accent1"/>
+            </a:effectRef>
+            <a:fontRef idx="minor">
+              <a:schemeClr val="tx1"/>
+            </a:fontRef>
+          </p:style>
+        </p:cxnSp>
+        <p:cxnSp>
+          <p:nvCxnSpPr>
+            <p:cNvPr id="71" name="Straight Connector 70">
+              <a:extLst>
+                <a:ext uri="{FF2B5EF4-FFF2-40B4-BE49-F238E27FC236}">
+                  <a16:creationId xmlns:a16="http://schemas.microsoft.com/office/drawing/2014/main" id="{C00F7ED7-2540-2B44-470C-6552FC09CF1C}"/>
+                </a:ext>
+              </a:extLst>
+            </p:cNvPr>
+            <p:cNvCxnSpPr>
+              <a:cxnSpLocks/>
+            </p:cNvCxnSpPr>
+            <p:nvPr/>
+          </p:nvCxnSpPr>
+          <p:spPr>
+            <a:xfrm>
+              <a:off x="3040234" y="4705437"/>
+              <a:ext cx="0" cy="690092"/>
+            </a:xfrm>
+            <a:prstGeom prst="line">
+              <a:avLst/>
+            </a:prstGeom>
+            <a:ln w="19050">
+              <a:solidFill>
+                <a:srgbClr val="000000"/>
+              </a:solidFill>
+            </a:ln>
+          </p:spPr>
+          <p:style>
+            <a:lnRef idx="1">
+              <a:schemeClr val="accent2"/>
+            </a:lnRef>
+            <a:fillRef idx="0">
+              <a:schemeClr val="accent2"/>
+            </a:fillRef>
+            <a:effectRef idx="0">
+              <a:schemeClr val="accent2"/>
+            </a:effectRef>
+            <a:fontRef idx="minor">
+              <a:schemeClr val="tx1"/>
+            </a:fontRef>
+          </p:style>
+        </p:cxnSp>
+        <p:cxnSp>
+          <p:nvCxnSpPr>
+            <p:cNvPr id="72" name="Straight Connector 71">
+              <a:extLst>
+                <a:ext uri="{FF2B5EF4-FFF2-40B4-BE49-F238E27FC236}">
+                  <a16:creationId xmlns:a16="http://schemas.microsoft.com/office/drawing/2014/main" id="{45C856D8-26D8-A10A-3339-4A2D4476A924}"/>
+                </a:ext>
+              </a:extLst>
+            </p:cNvPr>
+            <p:cNvCxnSpPr>
+              <a:cxnSpLocks/>
+            </p:cNvCxnSpPr>
+            <p:nvPr/>
+          </p:nvCxnSpPr>
+          <p:spPr>
+            <a:xfrm>
+              <a:off x="3666650" y="4705437"/>
+              <a:ext cx="0" cy="690092"/>
+            </a:xfrm>
+            <a:prstGeom prst="line">
+              <a:avLst/>
+            </a:prstGeom>
+            <a:ln w="19050">
+              <a:solidFill>
+                <a:srgbClr val="000000"/>
+              </a:solidFill>
+            </a:ln>
+          </p:spPr>
+          <p:style>
+            <a:lnRef idx="1">
+              <a:schemeClr val="accent2"/>
+            </a:lnRef>
+            <a:fillRef idx="0">
+              <a:schemeClr val="accent2"/>
+            </a:fillRef>
+            <a:effectRef idx="0">
+              <a:schemeClr val="accent2"/>
+            </a:effectRef>
+            <a:fontRef idx="minor">
+              <a:schemeClr val="tx1"/>
+            </a:fontRef>
+          </p:style>
+        </p:cxnSp>
+        <p:cxnSp>
+          <p:nvCxnSpPr>
+            <p:cNvPr id="85" name="Straight Arrow Connector 84">
+              <a:extLst>
+                <a:ext uri="{FF2B5EF4-FFF2-40B4-BE49-F238E27FC236}">
+                  <a16:creationId xmlns:a16="http://schemas.microsoft.com/office/drawing/2014/main" id="{AAC3F3EC-1E0A-276C-BF64-EC4C023B5D91}"/>
+                </a:ext>
+              </a:extLst>
+            </p:cNvPr>
+            <p:cNvCxnSpPr>
+              <a:cxnSpLocks/>
+            </p:cNvCxnSpPr>
+            <p:nvPr/>
+          </p:nvCxnSpPr>
+          <p:spPr>
+            <a:xfrm>
+              <a:off x="3040234" y="5257730"/>
+              <a:ext cx="626416" cy="0"/>
+            </a:xfrm>
+            <a:prstGeom prst="straightConnector1">
+              <a:avLst/>
+            </a:prstGeom>
+            <a:ln w="19050">
+              <a:solidFill>
+                <a:srgbClr val="000000"/>
+              </a:solidFill>
+              <a:headEnd type="triangle" w="lg" len="med"/>
+              <a:tailEnd type="triangle" w="lg" len="med"/>
+            </a:ln>
+          </p:spPr>
+          <p:style>
+            <a:lnRef idx="1">
+              <a:schemeClr val="accent1"/>
+            </a:lnRef>
+            <a:fillRef idx="0">
+              <a:schemeClr val="accent1"/>
+            </a:fillRef>
+            <a:effectRef idx="0">
+              <a:schemeClr val="accent1"/>
+            </a:effectRef>
+            <a:fontRef idx="minor">
+              <a:schemeClr val="tx1"/>
+            </a:fontRef>
+          </p:style>
+        </p:cxnSp>
         <p:sp>
           <p:nvSpPr>
-            <p:cNvPr id="10" name="Rectangle 9">
+            <p:cNvPr id="101" name="TextBox 100">
               <a:extLst>
                 <a:ext uri="{FF2B5EF4-FFF2-40B4-BE49-F238E27FC236}">
-                  <a16:creationId xmlns:a16="http://schemas.microsoft.com/office/drawing/2014/main" id="{F88B5084-8689-F0B6-A821-6FCA629EAE1F}"/>
+                  <a16:creationId xmlns:a16="http://schemas.microsoft.com/office/drawing/2014/main" id="{6972D580-4047-80A7-6A3B-6E71D9FEF4B6}"/>
+                </a:ext>
+              </a:extLst>
+            </p:cNvPr>
+            <p:cNvSpPr txBox="1"/>
+            <p:nvPr/>
+          </p:nvSpPr>
+          <p:spPr>
+            <a:xfrm>
+              <a:off x="2812426" y="135523"/>
+              <a:ext cx="1022524" cy="276999"/>
+            </a:xfrm>
+            <a:prstGeom prst="rect">
+              <a:avLst/>
+            </a:prstGeom>
+            <a:noFill/>
+          </p:spPr>
+          <p:txBody>
+            <a:bodyPr wrap="none" rtlCol="0">
+              <a:spAutoFit/>
+            </a:bodyPr>
+            <a:lstStyle/>
+            <a:p>
+              <a:r>
+                <a:rPr lang="en-US" sz="1200" dirty="0"/>
+                <a:t>Head Washer</a:t>
+              </a:r>
+            </a:p>
+          </p:txBody>
+        </p:sp>
+        <p:sp>
+          <p:nvSpPr>
+            <p:cNvPr id="102" name="TextBox 101">
+              <a:extLst>
+                <a:ext uri="{FF2B5EF4-FFF2-40B4-BE49-F238E27FC236}">
+                  <a16:creationId xmlns:a16="http://schemas.microsoft.com/office/drawing/2014/main" id="{D290269D-1F9B-A5C4-6260-9ECA31376ECA}"/>
+                </a:ext>
+              </a:extLst>
+            </p:cNvPr>
+            <p:cNvSpPr txBox="1"/>
+            <p:nvPr/>
+          </p:nvSpPr>
+          <p:spPr>
+            <a:xfrm>
+              <a:off x="2750987" y="638614"/>
+              <a:ext cx="1129540" cy="276999"/>
+            </a:xfrm>
+            <a:prstGeom prst="rect">
+              <a:avLst/>
+            </a:prstGeom>
+            <a:noFill/>
+          </p:spPr>
+          <p:txBody>
+            <a:bodyPr wrap="none" rtlCol="0">
+              <a:spAutoFit/>
+            </a:bodyPr>
+            <a:lstStyle/>
+            <a:p>
+              <a:r>
+                <a:rPr lang="en-US" sz="1200" dirty="0"/>
+                <a:t>Head Diameter</a:t>
+              </a:r>
+            </a:p>
+          </p:txBody>
+        </p:sp>
+        <p:sp>
+          <p:nvSpPr>
+            <p:cNvPr id="103" name="TextBox 102">
+              <a:extLst>
+                <a:ext uri="{FF2B5EF4-FFF2-40B4-BE49-F238E27FC236}">
+                  <a16:creationId xmlns:a16="http://schemas.microsoft.com/office/drawing/2014/main" id="{F92968C4-3135-76D7-234C-EF14689F78F2}"/>
+                </a:ext>
+              </a:extLst>
+            </p:cNvPr>
+            <p:cNvSpPr txBox="1"/>
+            <p:nvPr/>
+          </p:nvSpPr>
+          <p:spPr>
+            <a:xfrm>
+              <a:off x="2965427" y="5286613"/>
+              <a:ext cx="767261" cy="276999"/>
+            </a:xfrm>
+            <a:prstGeom prst="rect">
+              <a:avLst/>
+            </a:prstGeom>
+            <a:noFill/>
+            <a:ln>
+              <a:noFill/>
+            </a:ln>
+          </p:spPr>
+          <p:txBody>
+            <a:bodyPr wrap="none" rtlCol="0">
+              <a:spAutoFit/>
+            </a:bodyPr>
+            <a:lstStyle/>
+            <a:p>
+              <a:r>
+                <a:rPr lang="en-US" sz="1200" dirty="0"/>
+                <a:t>Diameter</a:t>
+              </a:r>
+            </a:p>
+          </p:txBody>
+        </p:sp>
+        <p:sp>
+          <p:nvSpPr>
+            <p:cNvPr id="104" name="TextBox 103">
+              <a:extLst>
+                <a:ext uri="{FF2B5EF4-FFF2-40B4-BE49-F238E27FC236}">
+                  <a16:creationId xmlns:a16="http://schemas.microsoft.com/office/drawing/2014/main" id="{AC6E8237-B9EB-2581-70CE-589A5922D640}"/>
+                </a:ext>
+              </a:extLst>
+            </p:cNvPr>
+            <p:cNvSpPr txBox="1"/>
+            <p:nvPr/>
+          </p:nvSpPr>
+          <p:spPr>
+            <a:xfrm>
+              <a:off x="2882628" y="6500705"/>
+              <a:ext cx="961610" cy="276999"/>
+            </a:xfrm>
+            <a:prstGeom prst="rect">
+              <a:avLst/>
+            </a:prstGeom>
+            <a:noFill/>
+          </p:spPr>
+          <p:txBody>
+            <a:bodyPr wrap="none" rtlCol="0">
+              <a:spAutoFit/>
+            </a:bodyPr>
+            <a:lstStyle/>
+            <a:p>
+              <a:r>
+                <a:rPr lang="en-US" sz="1200" dirty="0"/>
+                <a:t>Nut Washer </a:t>
+              </a:r>
+            </a:p>
+          </p:txBody>
+        </p:sp>
+        <p:sp>
+          <p:nvSpPr>
+            <p:cNvPr id="105" name="TextBox 104">
+              <a:extLst>
+                <a:ext uri="{FF2B5EF4-FFF2-40B4-BE49-F238E27FC236}">
+                  <a16:creationId xmlns:a16="http://schemas.microsoft.com/office/drawing/2014/main" id="{1BC182CE-106C-2942-0060-87D22C80D771}"/>
+                </a:ext>
+              </a:extLst>
+            </p:cNvPr>
+            <p:cNvSpPr txBox="1"/>
+            <p:nvPr/>
+          </p:nvSpPr>
+          <p:spPr>
+            <a:xfrm>
+              <a:off x="2847167" y="5950365"/>
+              <a:ext cx="1033360" cy="276999"/>
+            </a:xfrm>
+            <a:prstGeom prst="rect">
+              <a:avLst/>
+            </a:prstGeom>
+            <a:noFill/>
+          </p:spPr>
+          <p:txBody>
+            <a:bodyPr wrap="none" rtlCol="0">
+              <a:spAutoFit/>
+            </a:bodyPr>
+            <a:lstStyle/>
+            <a:p>
+              <a:r>
+                <a:rPr lang="en-US" sz="1200" dirty="0"/>
+                <a:t>Nut Diameter</a:t>
+              </a:r>
+            </a:p>
+          </p:txBody>
+        </p:sp>
+        <p:sp>
+          <p:nvSpPr>
+            <p:cNvPr id="107" name="TextBox 106">
+              <a:extLst>
+                <a:ext uri="{FF2B5EF4-FFF2-40B4-BE49-F238E27FC236}">
+                  <a16:creationId xmlns:a16="http://schemas.microsoft.com/office/drawing/2014/main" id="{CAC7314C-28AD-1095-C70F-AEBE2D43D1BB}"/>
+                </a:ext>
+              </a:extLst>
+            </p:cNvPr>
+            <p:cNvSpPr txBox="1"/>
+            <p:nvPr/>
+          </p:nvSpPr>
+          <p:spPr>
+            <a:xfrm rot="16200000">
+              <a:off x="5337136" y="3181401"/>
+              <a:ext cx="607154" cy="276999"/>
+            </a:xfrm>
+            <a:prstGeom prst="rect">
+              <a:avLst/>
+            </a:prstGeom>
+            <a:noFill/>
+          </p:spPr>
+          <p:txBody>
+            <a:bodyPr wrap="none" rtlCol="0">
+              <a:spAutoFit/>
+            </a:bodyPr>
+            <a:lstStyle/>
+            <a:p>
+              <a:r>
+                <a:rPr lang="en-US" sz="1200" dirty="0"/>
+                <a:t>Length</a:t>
+              </a:r>
+            </a:p>
+          </p:txBody>
+        </p:sp>
+        <p:cxnSp>
+          <p:nvCxnSpPr>
+            <p:cNvPr id="108" name="Straight Arrow Connector 107">
+              <a:extLst>
+                <a:ext uri="{FF2B5EF4-FFF2-40B4-BE49-F238E27FC236}">
+                  <a16:creationId xmlns:a16="http://schemas.microsoft.com/office/drawing/2014/main" id="{D1149A09-9689-7B5C-2CB2-EED7D684A0C5}"/>
+                </a:ext>
+              </a:extLst>
+            </p:cNvPr>
+            <p:cNvCxnSpPr>
+              <a:cxnSpLocks/>
+            </p:cNvCxnSpPr>
+            <p:nvPr/>
+          </p:nvCxnSpPr>
+          <p:spPr>
+            <a:xfrm flipH="1" flipV="1">
+              <a:off x="5733691" y="1872827"/>
+              <a:ext cx="24974" cy="2925094"/>
+            </a:xfrm>
+            <a:prstGeom prst="straightConnector1">
+              <a:avLst/>
+            </a:prstGeom>
+            <a:ln w="19050">
+              <a:solidFill>
+                <a:srgbClr val="000000"/>
+              </a:solidFill>
+              <a:headEnd type="triangle" w="lg" len="med"/>
+              <a:tailEnd type="triangle" w="lg" len="med"/>
+            </a:ln>
+          </p:spPr>
+          <p:style>
+            <a:lnRef idx="1">
+              <a:schemeClr val="accent1"/>
+            </a:lnRef>
+            <a:fillRef idx="0">
+              <a:schemeClr val="accent1"/>
+            </a:fillRef>
+            <a:effectRef idx="0">
+              <a:schemeClr val="accent1"/>
+            </a:effectRef>
+            <a:fontRef idx="minor">
+              <a:schemeClr val="tx1"/>
+            </a:fontRef>
+          </p:style>
+        </p:cxnSp>
+      </p:grpSp>
+      <p:grpSp>
+        <p:nvGrpSpPr>
+          <p:cNvPr id="3" name="Gruppieren 2">
+            <a:extLst>
+              <a:ext uri="{FF2B5EF4-FFF2-40B4-BE49-F238E27FC236}">
+                <a16:creationId xmlns:a16="http://schemas.microsoft.com/office/drawing/2014/main" id="{7FD4F37E-51DB-0565-D4F1-50158F79DC70}"/>
+              </a:ext>
+            </a:extLst>
+          </p:cNvPr>
+          <p:cNvGrpSpPr/>
+          <p:nvPr/>
+        </p:nvGrpSpPr>
+        <p:grpSpPr>
+          <a:xfrm>
+            <a:off x="6654366" y="139755"/>
+            <a:ext cx="4687781" cy="4407508"/>
+            <a:chOff x="6654366" y="139755"/>
+            <a:chExt cx="4687781" cy="4407508"/>
+          </a:xfrm>
+        </p:grpSpPr>
+        <p:sp>
+          <p:nvSpPr>
+            <p:cNvPr id="21" name="Rectangle 20">
+              <a:extLst>
+                <a:ext uri="{FF2B5EF4-FFF2-40B4-BE49-F238E27FC236}">
+                  <a16:creationId xmlns:a16="http://schemas.microsoft.com/office/drawing/2014/main" id="{D3F6C372-267F-6DA0-5066-A515B8FD2C02}"/>
                 </a:ext>
               </a:extLst>
             </p:cNvPr>
@@ -3539,325 +5398,7 @@
           </p:nvSpPr>
           <p:spPr>
             <a:xfrm>
-              <a:off x="3747499" y="1976066"/>
-              <a:ext cx="919537" cy="97605"/>
-            </a:xfrm>
-            <a:prstGeom prst="rect">
-              <a:avLst/>
-            </a:prstGeom>
-            <a:solidFill>
-              <a:srgbClr val="729FCF"/>
-            </a:solidFill>
-          </p:spPr>
-          <p:style>
-            <a:lnRef idx="2">
-              <a:schemeClr val="accent1">
-                <a:shade val="50000"/>
-              </a:schemeClr>
-            </a:lnRef>
-            <a:fillRef idx="1">
-              <a:schemeClr val="accent1"/>
-            </a:fillRef>
-            <a:effectRef idx="0">
-              <a:schemeClr val="accent1"/>
-            </a:effectRef>
-            <a:fontRef idx="minor">
-              <a:schemeClr val="lt1"/>
-            </a:fontRef>
-          </p:style>
-          <p:txBody>
-            <a:bodyPr wrap="square" rtlCol="0" anchor="ctr">
-              <a:noAutofit/>
-            </a:bodyPr>
-            <a:lstStyle/>
-            <a:p>
-              <a:pPr algn="ctr"/>
-              <a:endParaRPr lang="en-US"/>
-            </a:p>
-          </p:txBody>
-        </p:sp>
-      </p:grpSp>
-      <p:grpSp>
-        <p:nvGrpSpPr>
-          <p:cNvPr id="129" name="Group 128">
-            <a:extLst>
-              <a:ext uri="{FF2B5EF4-FFF2-40B4-BE49-F238E27FC236}">
-                <a16:creationId xmlns:a16="http://schemas.microsoft.com/office/drawing/2014/main" id="{AB35252D-D1CD-8FC8-0690-BF655D1E5DD4}"/>
-              </a:ext>
-            </a:extLst>
-          </p:cNvPr>
-          <p:cNvGrpSpPr/>
-          <p:nvPr/>
-        </p:nvGrpSpPr>
-        <p:grpSpPr>
-          <a:xfrm>
-            <a:off x="2065105" y="3945276"/>
-            <a:ext cx="2601930" cy="111307"/>
-            <a:chOff x="2065105" y="3945276"/>
-            <a:chExt cx="2601930" cy="111307"/>
-          </a:xfrm>
-        </p:grpSpPr>
-        <p:sp>
-          <p:nvSpPr>
-            <p:cNvPr id="11" name="Rectangle 10">
-              <a:extLst>
-                <a:ext uri="{FF2B5EF4-FFF2-40B4-BE49-F238E27FC236}">
-                  <a16:creationId xmlns:a16="http://schemas.microsoft.com/office/drawing/2014/main" id="{6CB209AA-0A9D-18F3-818B-FBE5177A6845}"/>
-                </a:ext>
-              </a:extLst>
-            </p:cNvPr>
-            <p:cNvSpPr/>
-            <p:nvPr/>
-          </p:nvSpPr>
-          <p:spPr>
-            <a:xfrm>
-              <a:off x="2065105" y="3945276"/>
-              <a:ext cx="919537" cy="97605"/>
-            </a:xfrm>
-            <a:prstGeom prst="rect">
-              <a:avLst/>
-            </a:prstGeom>
-            <a:solidFill>
-              <a:srgbClr val="729FCF"/>
-            </a:solidFill>
-          </p:spPr>
-          <p:style>
-            <a:lnRef idx="2">
-              <a:schemeClr val="accent1">
-                <a:shade val="50000"/>
-              </a:schemeClr>
-            </a:lnRef>
-            <a:fillRef idx="1">
-              <a:schemeClr val="accent1"/>
-            </a:fillRef>
-            <a:effectRef idx="0">
-              <a:schemeClr val="accent1"/>
-            </a:effectRef>
-            <a:fontRef idx="minor">
-              <a:schemeClr val="lt1"/>
-            </a:fontRef>
-          </p:style>
-          <p:txBody>
-            <a:bodyPr wrap="square" rtlCol="0" anchor="ctr">
-              <a:noAutofit/>
-            </a:bodyPr>
-            <a:lstStyle/>
-            <a:p>
-              <a:pPr algn="ctr"/>
-              <a:endParaRPr lang="en-US"/>
-            </a:p>
-          </p:txBody>
-        </p:sp>
-        <p:sp>
-          <p:nvSpPr>
-            <p:cNvPr id="12" name="Rectangle 11">
-              <a:extLst>
-                <a:ext uri="{FF2B5EF4-FFF2-40B4-BE49-F238E27FC236}">
-                  <a16:creationId xmlns:a16="http://schemas.microsoft.com/office/drawing/2014/main" id="{805D62D9-FAE9-1922-F443-B8EA1C948D86}"/>
-                </a:ext>
-              </a:extLst>
-            </p:cNvPr>
-            <p:cNvSpPr/>
-            <p:nvPr/>
-          </p:nvSpPr>
-          <p:spPr>
-            <a:xfrm>
-              <a:off x="3747498" y="3958978"/>
-              <a:ext cx="919537" cy="97605"/>
-            </a:xfrm>
-            <a:prstGeom prst="rect">
-              <a:avLst/>
-            </a:prstGeom>
-            <a:solidFill>
-              <a:srgbClr val="729FCF"/>
-            </a:solidFill>
-          </p:spPr>
-          <p:style>
-            <a:lnRef idx="2">
-              <a:schemeClr val="accent1">
-                <a:shade val="50000"/>
-              </a:schemeClr>
-            </a:lnRef>
-            <a:fillRef idx="1">
-              <a:schemeClr val="accent1"/>
-            </a:fillRef>
-            <a:effectRef idx="0">
-              <a:schemeClr val="accent1"/>
-            </a:effectRef>
-            <a:fontRef idx="minor">
-              <a:schemeClr val="lt1"/>
-            </a:fontRef>
-          </p:style>
-          <p:txBody>
-            <a:bodyPr wrap="square" rtlCol="0" anchor="ctr">
-              <a:noAutofit/>
-            </a:bodyPr>
-            <a:lstStyle/>
-            <a:p>
-              <a:pPr algn="ctr"/>
-              <a:endParaRPr lang="en-US"/>
-            </a:p>
-          </p:txBody>
-        </p:sp>
-      </p:grpSp>
-      <p:grpSp>
-        <p:nvGrpSpPr>
-          <p:cNvPr id="133" name="Group 132">
-            <a:extLst>
-              <a:ext uri="{FF2B5EF4-FFF2-40B4-BE49-F238E27FC236}">
-                <a16:creationId xmlns:a16="http://schemas.microsoft.com/office/drawing/2014/main" id="{62D21B35-020A-4139-53AE-ED70C7E13E3C}"/>
-              </a:ext>
-            </a:extLst>
-          </p:cNvPr>
-          <p:cNvGrpSpPr/>
-          <p:nvPr/>
-        </p:nvGrpSpPr>
-        <p:grpSpPr>
-          <a:xfrm>
-            <a:off x="2470935" y="4119937"/>
-            <a:ext cx="1790271" cy="410966"/>
-            <a:chOff x="2470935" y="4119937"/>
-            <a:chExt cx="1790271" cy="410966"/>
-          </a:xfrm>
-        </p:grpSpPr>
-        <p:sp>
-          <p:nvSpPr>
-            <p:cNvPr id="13" name="Rectangle 12">
-              <a:extLst>
-                <a:ext uri="{FF2B5EF4-FFF2-40B4-BE49-F238E27FC236}">
-                  <a16:creationId xmlns:a16="http://schemas.microsoft.com/office/drawing/2014/main" id="{2278AADB-8586-B2C3-4448-D056143AEC49}"/>
-                </a:ext>
-              </a:extLst>
-            </p:cNvPr>
-            <p:cNvSpPr/>
-            <p:nvPr/>
-          </p:nvSpPr>
-          <p:spPr>
-            <a:xfrm>
-              <a:off x="2470935" y="4119937"/>
-              <a:ext cx="513708" cy="410966"/>
-            </a:xfrm>
-            <a:prstGeom prst="rect">
-              <a:avLst/>
-            </a:prstGeom>
-            <a:solidFill>
-              <a:srgbClr val="729FCF"/>
-            </a:solidFill>
-          </p:spPr>
-          <p:style>
-            <a:lnRef idx="2">
-              <a:schemeClr val="accent1">
-                <a:shade val="50000"/>
-              </a:schemeClr>
-            </a:lnRef>
-            <a:fillRef idx="1">
-              <a:schemeClr val="accent1"/>
-            </a:fillRef>
-            <a:effectRef idx="0">
-              <a:schemeClr val="accent1"/>
-            </a:effectRef>
-            <a:fontRef idx="minor">
-              <a:schemeClr val="lt1"/>
-            </a:fontRef>
-          </p:style>
-          <p:txBody>
-            <a:bodyPr wrap="square" rtlCol="0" anchor="ctr">
-              <a:noAutofit/>
-            </a:bodyPr>
-            <a:lstStyle/>
-            <a:p>
-              <a:pPr algn="ctr"/>
-              <a:endParaRPr lang="en-US"/>
-            </a:p>
-          </p:txBody>
-        </p:sp>
-        <p:sp>
-          <p:nvSpPr>
-            <p:cNvPr id="14" name="Rectangle 13">
-              <a:extLst>
-                <a:ext uri="{FF2B5EF4-FFF2-40B4-BE49-F238E27FC236}">
-                  <a16:creationId xmlns:a16="http://schemas.microsoft.com/office/drawing/2014/main" id="{ACE7CA90-2133-872C-C703-01E43B6C2152}"/>
-                </a:ext>
-              </a:extLst>
-            </p:cNvPr>
-            <p:cNvSpPr/>
-            <p:nvPr/>
-          </p:nvSpPr>
-          <p:spPr>
-            <a:xfrm>
-              <a:off x="3747498" y="4119937"/>
-              <a:ext cx="513708" cy="410966"/>
-            </a:xfrm>
-            <a:prstGeom prst="rect">
-              <a:avLst/>
-            </a:prstGeom>
-            <a:solidFill>
-              <a:srgbClr val="729FCF"/>
-            </a:solidFill>
-          </p:spPr>
-          <p:style>
-            <a:lnRef idx="2">
-              <a:schemeClr val="accent1">
-                <a:shade val="50000"/>
-              </a:schemeClr>
-            </a:lnRef>
-            <a:fillRef idx="1">
-              <a:schemeClr val="accent1"/>
-            </a:fillRef>
-            <a:effectRef idx="0">
-              <a:schemeClr val="accent1"/>
-            </a:effectRef>
-            <a:fontRef idx="minor">
-              <a:schemeClr val="lt1"/>
-            </a:fontRef>
-          </p:style>
-          <p:txBody>
-            <a:bodyPr wrap="square" rtlCol="0" anchor="ctr">
-              <a:noAutofit/>
-            </a:bodyPr>
-            <a:lstStyle/>
-            <a:p>
-              <a:pPr algn="ctr"/>
-              <a:endParaRPr lang="en-US"/>
-            </a:p>
-          </p:txBody>
-        </p:sp>
-      </p:grpSp>
-      <p:grpSp>
-        <p:nvGrpSpPr>
-          <p:cNvPr id="130" name="Group 129">
-            <a:extLst>
-              <a:ext uri="{FF2B5EF4-FFF2-40B4-BE49-F238E27FC236}">
-                <a16:creationId xmlns:a16="http://schemas.microsoft.com/office/drawing/2014/main" id="{1BA5A4E1-B030-040A-E2F9-5BA14774D754}"/>
-              </a:ext>
-            </a:extLst>
-          </p:cNvPr>
-          <p:cNvGrpSpPr/>
-          <p:nvPr/>
-        </p:nvGrpSpPr>
-        <p:grpSpPr>
-          <a:xfrm>
-            <a:off x="1309955" y="2192687"/>
-            <a:ext cx="4099388" cy="505998"/>
-            <a:chOff x="1309955" y="2192687"/>
-            <a:chExt cx="4099388" cy="505998"/>
-          </a:xfrm>
-        </p:grpSpPr>
-        <p:sp>
-          <p:nvSpPr>
-            <p:cNvPr id="15" name="Rectangle 14">
-              <a:extLst>
-                <a:ext uri="{FF2B5EF4-FFF2-40B4-BE49-F238E27FC236}">
-                  <a16:creationId xmlns:a16="http://schemas.microsoft.com/office/drawing/2014/main" id="{58B89C12-2EA2-675E-B34A-D0B5A7021929}"/>
-                </a:ext>
-              </a:extLst>
-            </p:cNvPr>
-            <p:cNvSpPr/>
-            <p:nvPr/>
-          </p:nvSpPr>
-          <p:spPr>
-            <a:xfrm>
-              <a:off x="1309955" y="2192687"/>
+              <a:off x="6654367" y="2217518"/>
               <a:ext cx="1661845" cy="481167"/>
             </a:xfrm>
             <a:prstGeom prst="rect">
@@ -3903,10 +5444,10 @@
         </p:sp>
         <p:sp>
           <p:nvSpPr>
-            <p:cNvPr id="18" name="Rectangle 17">
+            <p:cNvPr id="22" name="Rectangle 21">
               <a:extLst>
                 <a:ext uri="{FF2B5EF4-FFF2-40B4-BE49-F238E27FC236}">
-                  <a16:creationId xmlns:a16="http://schemas.microsoft.com/office/drawing/2014/main" id="{F4904731-5FAC-BC71-16EF-E8F037DB7C49}"/>
+                  <a16:creationId xmlns:a16="http://schemas.microsoft.com/office/drawing/2014/main" id="{5A170B0F-299A-7B96-2AD9-1F955B314CEE}"/>
                 </a:ext>
               </a:extLst>
             </p:cNvPr>
@@ -3915,86 +5456,7 @@
           </p:nvSpPr>
           <p:spPr>
             <a:xfrm>
-              <a:off x="3747498" y="2217518"/>
-              <a:ext cx="1661845" cy="481167"/>
-            </a:xfrm>
-            <a:prstGeom prst="rect">
-              <a:avLst/>
-            </a:prstGeom>
-            <a:pattFill prst="wdUpDiag">
-              <a:fgClr>
-                <a:schemeClr val="tx1">
-                  <a:lumMod val="85000"/>
-                  <a:lumOff val="15000"/>
-                </a:schemeClr>
-              </a:fgClr>
-              <a:bgClr>
-                <a:schemeClr val="bg1"/>
-              </a:bgClr>
-            </a:pattFill>
-            <a:ln w="12700"/>
-          </p:spPr>
-          <p:style>
-            <a:lnRef idx="2">
-              <a:schemeClr val="accent1">
-                <a:shade val="50000"/>
-              </a:schemeClr>
-            </a:lnRef>
-            <a:fillRef idx="1">
-              <a:schemeClr val="accent1"/>
-            </a:fillRef>
-            <a:effectRef idx="0">
-              <a:schemeClr val="accent1"/>
-            </a:effectRef>
-            <a:fontRef idx="minor">
-              <a:schemeClr val="lt1"/>
-            </a:fontRef>
-          </p:style>
-          <p:txBody>
-            <a:bodyPr rtlCol="0" anchor="ctr"/>
-            <a:lstStyle/>
-            <a:p>
-              <a:pPr algn="ctr"/>
-              <a:endParaRPr lang="en-US"/>
-            </a:p>
-          </p:txBody>
-        </p:sp>
-      </p:grpSp>
-      <p:grpSp>
-        <p:nvGrpSpPr>
-          <p:cNvPr id="131" name="Group 130">
-            <a:extLst>
-              <a:ext uri="{FF2B5EF4-FFF2-40B4-BE49-F238E27FC236}">
-                <a16:creationId xmlns:a16="http://schemas.microsoft.com/office/drawing/2014/main" id="{795C4D76-E0E7-5454-A584-7EB7400D315E}"/>
-              </a:ext>
-            </a:extLst>
-          </p:cNvPr>
-          <p:cNvGrpSpPr/>
-          <p:nvPr/>
-        </p:nvGrpSpPr>
-        <p:grpSpPr>
-          <a:xfrm>
-            <a:off x="1309954" y="2750910"/>
-            <a:ext cx="4099388" cy="505998"/>
-            <a:chOff x="1309954" y="2750910"/>
-            <a:chExt cx="4099388" cy="505998"/>
-          </a:xfrm>
-        </p:grpSpPr>
-        <p:sp>
-          <p:nvSpPr>
-            <p:cNvPr id="16" name="Rectangle 15">
-              <a:extLst>
-                <a:ext uri="{FF2B5EF4-FFF2-40B4-BE49-F238E27FC236}">
-                  <a16:creationId xmlns:a16="http://schemas.microsoft.com/office/drawing/2014/main" id="{C2F47BAD-5FAC-D0E4-CAC7-EA6F044D7628}"/>
-                </a:ext>
-              </a:extLst>
-            </p:cNvPr>
-            <p:cNvSpPr/>
-            <p:nvPr/>
-          </p:nvSpPr>
-          <p:spPr>
-            <a:xfrm>
-              <a:off x="1309954" y="2750910"/>
+              <a:off x="6654366" y="2775741"/>
               <a:ext cx="1661845" cy="481167"/>
             </a:xfrm>
             <a:prstGeom prst="rect">
@@ -4040,10 +5502,10 @@
         </p:sp>
         <p:sp>
           <p:nvSpPr>
-            <p:cNvPr id="19" name="Rectangle 18">
+            <p:cNvPr id="23" name="Rectangle 22">
               <a:extLst>
                 <a:ext uri="{FF2B5EF4-FFF2-40B4-BE49-F238E27FC236}">
-                  <a16:creationId xmlns:a16="http://schemas.microsoft.com/office/drawing/2014/main" id="{832308B2-B8E5-A636-E82A-1388E69F39DD}"/>
+                  <a16:creationId xmlns:a16="http://schemas.microsoft.com/office/drawing/2014/main" id="{CDF618A4-B98D-3BB6-335C-1EBFE2792A79}"/>
                 </a:ext>
               </a:extLst>
             </p:cNvPr>
@@ -4052,86 +5514,7 @@
           </p:nvSpPr>
           <p:spPr>
             <a:xfrm>
-              <a:off x="3747497" y="2775741"/>
-              <a:ext cx="1661845" cy="481167"/>
-            </a:xfrm>
-            <a:prstGeom prst="rect">
-              <a:avLst/>
-            </a:prstGeom>
-            <a:pattFill prst="wdDnDiag">
-              <a:fgClr>
-                <a:schemeClr val="tx1">
-                  <a:lumMod val="85000"/>
-                  <a:lumOff val="15000"/>
-                </a:schemeClr>
-              </a:fgClr>
-              <a:bgClr>
-                <a:schemeClr val="bg1"/>
-              </a:bgClr>
-            </a:pattFill>
-            <a:ln w="12700"/>
-          </p:spPr>
-          <p:style>
-            <a:lnRef idx="2">
-              <a:schemeClr val="accent1">
-                <a:shade val="50000"/>
-              </a:schemeClr>
-            </a:lnRef>
-            <a:fillRef idx="1">
-              <a:schemeClr val="accent1"/>
-            </a:fillRef>
-            <a:effectRef idx="0">
-              <a:schemeClr val="accent1"/>
-            </a:effectRef>
-            <a:fontRef idx="minor">
-              <a:schemeClr val="lt1"/>
-            </a:fontRef>
-          </p:style>
-          <p:txBody>
-            <a:bodyPr rtlCol="0" anchor="ctr"/>
-            <a:lstStyle/>
-            <a:p>
-              <a:pPr algn="ctr"/>
-              <a:endParaRPr lang="en-US"/>
-            </a:p>
-          </p:txBody>
-        </p:sp>
-      </p:grpSp>
-      <p:grpSp>
-        <p:nvGrpSpPr>
-          <p:cNvPr id="132" name="Group 131">
-            <a:extLst>
-              <a:ext uri="{FF2B5EF4-FFF2-40B4-BE49-F238E27FC236}">
-                <a16:creationId xmlns:a16="http://schemas.microsoft.com/office/drawing/2014/main" id="{A6ABFAB6-8D98-1193-48C6-7E555AAAAD99}"/>
-              </a:ext>
-            </a:extLst>
-          </p:cNvPr>
-          <p:cNvGrpSpPr/>
-          <p:nvPr/>
-        </p:nvGrpSpPr>
-        <p:grpSpPr>
-          <a:xfrm>
-            <a:off x="1309954" y="3309133"/>
-            <a:ext cx="4099388" cy="505998"/>
-            <a:chOff x="1309954" y="3309133"/>
-            <a:chExt cx="4099388" cy="505998"/>
-          </a:xfrm>
-        </p:grpSpPr>
-        <p:sp>
-          <p:nvSpPr>
-            <p:cNvPr id="17" name="Rectangle 16">
-              <a:extLst>
-                <a:ext uri="{FF2B5EF4-FFF2-40B4-BE49-F238E27FC236}">
-                  <a16:creationId xmlns:a16="http://schemas.microsoft.com/office/drawing/2014/main" id="{45D68AE6-1268-F56F-9EE1-075B8E0CBA66}"/>
-                </a:ext>
-              </a:extLst>
-            </p:cNvPr>
-            <p:cNvSpPr/>
-            <p:nvPr/>
-          </p:nvSpPr>
-          <p:spPr>
-            <a:xfrm>
-              <a:off x="1309954" y="3309133"/>
+              <a:off x="9091910" y="2242349"/>
               <a:ext cx="1661845" cy="481167"/>
             </a:xfrm>
             <a:prstGeom prst="rect">
@@ -4177,10 +5560,10 @@
         </p:sp>
         <p:sp>
           <p:nvSpPr>
-            <p:cNvPr id="20" name="Rectangle 19">
+            <p:cNvPr id="24" name="Rectangle 23">
               <a:extLst>
                 <a:ext uri="{FF2B5EF4-FFF2-40B4-BE49-F238E27FC236}">
-                  <a16:creationId xmlns:a16="http://schemas.microsoft.com/office/drawing/2014/main" id="{6C966EE0-D3B9-7F0C-D844-01018D09FDAA}"/>
+                  <a16:creationId xmlns:a16="http://schemas.microsoft.com/office/drawing/2014/main" id="{8A4505B4-42F2-4D6A-056D-AD6C8F5CEA0F}"/>
                 </a:ext>
               </a:extLst>
             </p:cNvPr>
@@ -4189,13 +5572,13 @@
           </p:nvSpPr>
           <p:spPr>
             <a:xfrm>
-              <a:off x="3747497" y="3333964"/>
+              <a:off x="9091909" y="2800572"/>
               <a:ext cx="1661845" cy="481167"/>
             </a:xfrm>
             <a:prstGeom prst="rect">
               <a:avLst/>
             </a:prstGeom>
-            <a:pattFill prst="wdUpDiag">
+            <a:pattFill prst="wdDnDiag">
               <a:fgClr>
                 <a:schemeClr val="tx1">
                   <a:lumMod val="85000"/>
@@ -4233,1527 +5616,12 @@
             </a:p>
           </p:txBody>
         </p:sp>
-      </p:grpSp>
-      <p:sp>
-        <p:nvSpPr>
-          <p:cNvPr id="21" name="Rectangle 20">
-            <a:extLst>
-              <a:ext uri="{FF2B5EF4-FFF2-40B4-BE49-F238E27FC236}">
-                <a16:creationId xmlns:a16="http://schemas.microsoft.com/office/drawing/2014/main" id="{D3F6C372-267F-6DA0-5066-A515B8FD2C02}"/>
-              </a:ext>
-            </a:extLst>
-          </p:cNvPr>
-          <p:cNvSpPr/>
-          <p:nvPr/>
-        </p:nvSpPr>
-        <p:spPr>
-          <a:xfrm>
-            <a:off x="6654367" y="2217518"/>
-            <a:ext cx="1661845" cy="481167"/>
-          </a:xfrm>
-          <a:prstGeom prst="rect">
-            <a:avLst/>
-          </a:prstGeom>
-          <a:pattFill prst="wdUpDiag">
-            <a:fgClr>
-              <a:schemeClr val="tx1">
-                <a:lumMod val="85000"/>
-                <a:lumOff val="15000"/>
-              </a:schemeClr>
-            </a:fgClr>
-            <a:bgClr>
-              <a:schemeClr val="bg1"/>
-            </a:bgClr>
-          </a:pattFill>
-          <a:ln w="12700"/>
-        </p:spPr>
-        <p:style>
-          <a:lnRef idx="2">
-            <a:schemeClr val="accent1">
-              <a:shade val="50000"/>
-            </a:schemeClr>
-          </a:lnRef>
-          <a:fillRef idx="1">
-            <a:schemeClr val="accent1"/>
-          </a:fillRef>
-          <a:effectRef idx="0">
-            <a:schemeClr val="accent1"/>
-          </a:effectRef>
-          <a:fontRef idx="minor">
-            <a:schemeClr val="lt1"/>
-          </a:fontRef>
-        </p:style>
-        <p:txBody>
-          <a:bodyPr rtlCol="0" anchor="ctr"/>
-          <a:lstStyle/>
-          <a:p>
-            <a:pPr algn="ctr"/>
-            <a:endParaRPr lang="en-US"/>
-          </a:p>
-        </p:txBody>
-      </p:sp>
-      <p:sp>
-        <p:nvSpPr>
-          <p:cNvPr id="22" name="Rectangle 21">
-            <a:extLst>
-              <a:ext uri="{FF2B5EF4-FFF2-40B4-BE49-F238E27FC236}">
-                <a16:creationId xmlns:a16="http://schemas.microsoft.com/office/drawing/2014/main" id="{5A170B0F-299A-7B96-2AD9-1F955B314CEE}"/>
-              </a:ext>
-            </a:extLst>
-          </p:cNvPr>
-          <p:cNvSpPr/>
-          <p:nvPr/>
-        </p:nvSpPr>
-        <p:spPr>
-          <a:xfrm>
-            <a:off x="6654366" y="2775741"/>
-            <a:ext cx="1661845" cy="481167"/>
-          </a:xfrm>
-          <a:prstGeom prst="rect">
-            <a:avLst/>
-          </a:prstGeom>
-          <a:pattFill prst="wdDnDiag">
-            <a:fgClr>
-              <a:schemeClr val="tx1">
-                <a:lumMod val="85000"/>
-                <a:lumOff val="15000"/>
-              </a:schemeClr>
-            </a:fgClr>
-            <a:bgClr>
-              <a:schemeClr val="bg1"/>
-            </a:bgClr>
-          </a:pattFill>
-          <a:ln w="12700"/>
-        </p:spPr>
-        <p:style>
-          <a:lnRef idx="2">
-            <a:schemeClr val="accent1">
-              <a:shade val="50000"/>
-            </a:schemeClr>
-          </a:lnRef>
-          <a:fillRef idx="1">
-            <a:schemeClr val="accent1"/>
-          </a:fillRef>
-          <a:effectRef idx="0">
-            <a:schemeClr val="accent1"/>
-          </a:effectRef>
-          <a:fontRef idx="minor">
-            <a:schemeClr val="lt1"/>
-          </a:fontRef>
-        </p:style>
-        <p:txBody>
-          <a:bodyPr rtlCol="0" anchor="ctr"/>
-          <a:lstStyle/>
-          <a:p>
-            <a:pPr algn="ctr"/>
-            <a:endParaRPr lang="en-US"/>
-          </a:p>
-        </p:txBody>
-      </p:sp>
-      <p:sp>
-        <p:nvSpPr>
-          <p:cNvPr id="23" name="Rectangle 22">
-            <a:extLst>
-              <a:ext uri="{FF2B5EF4-FFF2-40B4-BE49-F238E27FC236}">
-                <a16:creationId xmlns:a16="http://schemas.microsoft.com/office/drawing/2014/main" id="{CDF618A4-B98D-3BB6-335C-1EBFE2792A79}"/>
-              </a:ext>
-            </a:extLst>
-          </p:cNvPr>
-          <p:cNvSpPr/>
-          <p:nvPr/>
-        </p:nvSpPr>
-        <p:spPr>
-          <a:xfrm>
-            <a:off x="9091910" y="2242349"/>
-            <a:ext cx="1661845" cy="481167"/>
-          </a:xfrm>
-          <a:prstGeom prst="rect">
-            <a:avLst/>
-          </a:prstGeom>
-          <a:pattFill prst="wdUpDiag">
-            <a:fgClr>
-              <a:schemeClr val="tx1">
-                <a:lumMod val="85000"/>
-                <a:lumOff val="15000"/>
-              </a:schemeClr>
-            </a:fgClr>
-            <a:bgClr>
-              <a:schemeClr val="bg1"/>
-            </a:bgClr>
-          </a:pattFill>
-          <a:ln w="12700"/>
-        </p:spPr>
-        <p:style>
-          <a:lnRef idx="2">
-            <a:schemeClr val="accent1">
-              <a:shade val="50000"/>
-            </a:schemeClr>
-          </a:lnRef>
-          <a:fillRef idx="1">
-            <a:schemeClr val="accent1"/>
-          </a:fillRef>
-          <a:effectRef idx="0">
-            <a:schemeClr val="accent1"/>
-          </a:effectRef>
-          <a:fontRef idx="minor">
-            <a:schemeClr val="lt1"/>
-          </a:fontRef>
-        </p:style>
-        <p:txBody>
-          <a:bodyPr rtlCol="0" anchor="ctr"/>
-          <a:lstStyle/>
-          <a:p>
-            <a:pPr algn="ctr"/>
-            <a:endParaRPr lang="en-US"/>
-          </a:p>
-        </p:txBody>
-      </p:sp>
-      <p:sp>
-        <p:nvSpPr>
-          <p:cNvPr id="24" name="Rectangle 23">
-            <a:extLst>
-              <a:ext uri="{FF2B5EF4-FFF2-40B4-BE49-F238E27FC236}">
-                <a16:creationId xmlns:a16="http://schemas.microsoft.com/office/drawing/2014/main" id="{8A4505B4-42F2-4D6A-056D-AD6C8F5CEA0F}"/>
-              </a:ext>
-            </a:extLst>
-          </p:cNvPr>
-          <p:cNvSpPr/>
-          <p:nvPr/>
-        </p:nvSpPr>
-        <p:spPr>
-          <a:xfrm>
-            <a:off x="9091909" y="2800572"/>
-            <a:ext cx="1661845" cy="481167"/>
-          </a:xfrm>
-          <a:prstGeom prst="rect">
-            <a:avLst/>
-          </a:prstGeom>
-          <a:pattFill prst="wdDnDiag">
-            <a:fgClr>
-              <a:schemeClr val="tx1">
-                <a:lumMod val="85000"/>
-                <a:lumOff val="15000"/>
-              </a:schemeClr>
-            </a:fgClr>
-            <a:bgClr>
-              <a:schemeClr val="bg1"/>
-            </a:bgClr>
-          </a:pattFill>
-          <a:ln w="12700"/>
-        </p:spPr>
-        <p:style>
-          <a:lnRef idx="2">
-            <a:schemeClr val="accent1">
-              <a:shade val="50000"/>
-            </a:schemeClr>
-          </a:lnRef>
-          <a:fillRef idx="1">
-            <a:schemeClr val="accent1"/>
-          </a:fillRef>
-          <a:effectRef idx="0">
-            <a:schemeClr val="accent1"/>
-          </a:effectRef>
-          <a:fontRef idx="minor">
-            <a:schemeClr val="lt1"/>
-          </a:fontRef>
-        </p:style>
-        <p:txBody>
-          <a:bodyPr rtlCol="0" anchor="ctr"/>
-          <a:lstStyle/>
-          <a:p>
-            <a:pPr algn="ctr"/>
-            <a:endParaRPr lang="en-US"/>
-          </a:p>
-        </p:txBody>
-      </p:sp>
-      <p:sp>
-        <p:nvSpPr>
-          <p:cNvPr id="38" name="Freeform: Shape 37">
-            <a:extLst>
-              <a:ext uri="{FF2B5EF4-FFF2-40B4-BE49-F238E27FC236}">
-                <a16:creationId xmlns:a16="http://schemas.microsoft.com/office/drawing/2014/main" id="{70CB52F4-C863-69C0-D5AA-30854C150495}"/>
-              </a:ext>
-            </a:extLst>
-          </p:cNvPr>
-          <p:cNvSpPr/>
-          <p:nvPr/>
-        </p:nvSpPr>
-        <p:spPr>
-          <a:xfrm>
-            <a:off x="7869682" y="1253824"/>
-            <a:ext cx="1623317" cy="2510957"/>
-          </a:xfrm>
-          <a:custGeom>
-            <a:avLst/>
-            <a:gdLst>
-              <a:gd name="connsiteX0" fmla="*/ 0 w 1623317"/>
-              <a:gd name="connsiteY0" fmla="*/ 0 h 2510957"/>
-              <a:gd name="connsiteX1" fmla="*/ 1623317 w 1623317"/>
-              <a:gd name="connsiteY1" fmla="*/ 0 h 2510957"/>
-              <a:gd name="connsiteX2" fmla="*/ 1623317 w 1623317"/>
-              <a:gd name="connsiteY2" fmla="*/ 652409 h 2510957"/>
-              <a:gd name="connsiteX3" fmla="*/ 1130158 w 1623317"/>
-              <a:gd name="connsiteY3" fmla="*/ 652409 h 2510957"/>
-              <a:gd name="connsiteX4" fmla="*/ 1130158 w 1623317"/>
-              <a:gd name="connsiteY4" fmla="*/ 2325842 h 2510957"/>
-              <a:gd name="connsiteX5" fmla="*/ 842104 w 1623317"/>
-              <a:gd name="connsiteY5" fmla="*/ 2510957 h 2510957"/>
-              <a:gd name="connsiteX6" fmla="*/ 565079 w 1623317"/>
-              <a:gd name="connsiteY6" fmla="*/ 2332930 h 2510957"/>
-              <a:gd name="connsiteX7" fmla="*/ 565079 w 1623317"/>
-              <a:gd name="connsiteY7" fmla="*/ 652409 h 2510957"/>
-              <a:gd name="connsiteX8" fmla="*/ 0 w 1623317"/>
-              <a:gd name="connsiteY8" fmla="*/ 652409 h 2510957"/>
-            </a:gdLst>
-            <a:ahLst/>
-            <a:cxnLst>
-              <a:cxn ang="0">
-                <a:pos x="connsiteX0" y="connsiteY0"/>
-              </a:cxn>
-              <a:cxn ang="0">
-                <a:pos x="connsiteX1" y="connsiteY1"/>
-              </a:cxn>
-              <a:cxn ang="0">
-                <a:pos x="connsiteX2" y="connsiteY2"/>
-              </a:cxn>
-              <a:cxn ang="0">
-                <a:pos x="connsiteX3" y="connsiteY3"/>
-              </a:cxn>
-              <a:cxn ang="0">
-                <a:pos x="connsiteX4" y="connsiteY4"/>
-              </a:cxn>
-              <a:cxn ang="0">
-                <a:pos x="connsiteX5" y="connsiteY5"/>
-              </a:cxn>
-              <a:cxn ang="0">
-                <a:pos x="connsiteX6" y="connsiteY6"/>
-              </a:cxn>
-              <a:cxn ang="0">
-                <a:pos x="connsiteX7" y="connsiteY7"/>
-              </a:cxn>
-              <a:cxn ang="0">
-                <a:pos x="connsiteX8" y="connsiteY8"/>
-              </a:cxn>
-            </a:cxnLst>
-            <a:rect l="l" t="t" r="r" b="b"/>
-            <a:pathLst>
-              <a:path w="1623317" h="2510957">
-                <a:moveTo>
-                  <a:pt x="0" y="0"/>
-                </a:moveTo>
-                <a:lnTo>
-                  <a:pt x="1623317" y="0"/>
-                </a:lnTo>
-                <a:lnTo>
-                  <a:pt x="1623317" y="652409"/>
-                </a:lnTo>
-                <a:lnTo>
-                  <a:pt x="1130158" y="652409"/>
-                </a:lnTo>
-                <a:lnTo>
-                  <a:pt x="1130158" y="2325842"/>
-                </a:lnTo>
-                <a:lnTo>
-                  <a:pt x="842104" y="2510957"/>
-                </a:lnTo>
-                <a:lnTo>
-                  <a:pt x="565079" y="2332930"/>
-                </a:lnTo>
-                <a:lnTo>
-                  <a:pt x="565079" y="652409"/>
-                </a:lnTo>
-                <a:lnTo>
-                  <a:pt x="0" y="652409"/>
-                </a:lnTo>
-                <a:close/>
-              </a:path>
-            </a:pathLst>
-          </a:custGeom>
-          <a:solidFill>
-            <a:srgbClr val="729FCF"/>
-          </a:solidFill>
-        </p:spPr>
-        <p:style>
-          <a:lnRef idx="2">
-            <a:schemeClr val="accent1">
-              <a:shade val="50000"/>
-            </a:schemeClr>
-          </a:lnRef>
-          <a:fillRef idx="1">
-            <a:schemeClr val="accent1"/>
-          </a:fillRef>
-          <a:effectRef idx="0">
-            <a:schemeClr val="accent1"/>
-          </a:effectRef>
-          <a:fontRef idx="minor">
-            <a:schemeClr val="lt1"/>
-          </a:fontRef>
-        </p:style>
-        <p:txBody>
-          <a:bodyPr wrap="square" rtlCol="0" anchor="ctr">
-            <a:noAutofit/>
-          </a:bodyPr>
-          <a:lstStyle/>
-          <a:p>
-            <a:pPr algn="ctr"/>
-            <a:endParaRPr lang="en-US"/>
-          </a:p>
-        </p:txBody>
-      </p:sp>
-      <p:sp>
-        <p:nvSpPr>
-          <p:cNvPr id="44" name="Freeform: Shape 43">
-            <a:extLst>
-              <a:ext uri="{FF2B5EF4-FFF2-40B4-BE49-F238E27FC236}">
-                <a16:creationId xmlns:a16="http://schemas.microsoft.com/office/drawing/2014/main" id="{F5176B1D-4E92-D088-8391-857D7F38D493}"/>
-              </a:ext>
-            </a:extLst>
-          </p:cNvPr>
-          <p:cNvSpPr/>
-          <p:nvPr/>
-        </p:nvSpPr>
-        <p:spPr>
-          <a:xfrm>
-            <a:off x="6654366" y="3333964"/>
-            <a:ext cx="4099388" cy="825352"/>
-          </a:xfrm>
-          <a:custGeom>
-            <a:avLst/>
-            <a:gdLst>
-              <a:gd name="connsiteX0" fmla="*/ 0 w 4099388"/>
-              <a:gd name="connsiteY0" fmla="*/ 0 h 825352"/>
-              <a:gd name="connsiteX1" fmla="*/ 1661845 w 4099388"/>
-              <a:gd name="connsiteY1" fmla="*/ 0 h 825352"/>
-              <a:gd name="connsiteX2" fmla="*/ 1661845 w 4099388"/>
-              <a:gd name="connsiteY2" fmla="*/ 303364 h 825352"/>
-              <a:gd name="connsiteX3" fmla="*/ 1847910 w 4099388"/>
-              <a:gd name="connsiteY3" fmla="*/ 481167 h 825352"/>
-              <a:gd name="connsiteX4" fmla="*/ 2276910 w 4099388"/>
-              <a:gd name="connsiteY4" fmla="*/ 481167 h 825352"/>
-              <a:gd name="connsiteX5" fmla="*/ 2437543 w 4099388"/>
-              <a:gd name="connsiteY5" fmla="*/ 327666 h 825352"/>
-              <a:gd name="connsiteX6" fmla="*/ 2437543 w 4099388"/>
-              <a:gd name="connsiteY6" fmla="*/ 0 h 825352"/>
-              <a:gd name="connsiteX7" fmla="*/ 4099388 w 4099388"/>
-              <a:gd name="connsiteY7" fmla="*/ 0 h 825352"/>
-              <a:gd name="connsiteX8" fmla="*/ 4099388 w 4099388"/>
-              <a:gd name="connsiteY8" fmla="*/ 825352 h 825352"/>
-              <a:gd name="connsiteX9" fmla="*/ 0 w 4099388"/>
-              <a:gd name="connsiteY9" fmla="*/ 825352 h 825352"/>
-            </a:gdLst>
-            <a:ahLst/>
-            <a:cxnLst>
-              <a:cxn ang="0">
-                <a:pos x="connsiteX0" y="connsiteY0"/>
-              </a:cxn>
-              <a:cxn ang="0">
-                <a:pos x="connsiteX1" y="connsiteY1"/>
-              </a:cxn>
-              <a:cxn ang="0">
-                <a:pos x="connsiteX2" y="connsiteY2"/>
-              </a:cxn>
-              <a:cxn ang="0">
-                <a:pos x="connsiteX3" y="connsiteY3"/>
-              </a:cxn>
-              <a:cxn ang="0">
-                <a:pos x="connsiteX4" y="connsiteY4"/>
-              </a:cxn>
-              <a:cxn ang="0">
-                <a:pos x="connsiteX5" y="connsiteY5"/>
-              </a:cxn>
-              <a:cxn ang="0">
-                <a:pos x="connsiteX6" y="connsiteY6"/>
-              </a:cxn>
-              <a:cxn ang="0">
-                <a:pos x="connsiteX7" y="connsiteY7"/>
-              </a:cxn>
-              <a:cxn ang="0">
-                <a:pos x="connsiteX8" y="connsiteY8"/>
-              </a:cxn>
-              <a:cxn ang="0">
-                <a:pos x="connsiteX9" y="connsiteY9"/>
-              </a:cxn>
-            </a:cxnLst>
-            <a:rect l="l" t="t" r="r" b="b"/>
-            <a:pathLst>
-              <a:path w="4099388" h="825352">
-                <a:moveTo>
-                  <a:pt x="0" y="0"/>
-                </a:moveTo>
-                <a:lnTo>
-                  <a:pt x="1661845" y="0"/>
-                </a:lnTo>
-                <a:lnTo>
-                  <a:pt x="1661845" y="303364"/>
-                </a:lnTo>
-                <a:lnTo>
-                  <a:pt x="1847910" y="481167"/>
-                </a:lnTo>
-                <a:lnTo>
-                  <a:pt x="2276910" y="481167"/>
-                </a:lnTo>
-                <a:lnTo>
-                  <a:pt x="2437543" y="327666"/>
-                </a:lnTo>
-                <a:lnTo>
-                  <a:pt x="2437543" y="0"/>
-                </a:lnTo>
-                <a:lnTo>
-                  <a:pt x="4099388" y="0"/>
-                </a:lnTo>
-                <a:lnTo>
-                  <a:pt x="4099388" y="825352"/>
-                </a:lnTo>
-                <a:lnTo>
-                  <a:pt x="0" y="825352"/>
-                </a:lnTo>
-                <a:close/>
-              </a:path>
-            </a:pathLst>
-          </a:custGeom>
-          <a:pattFill prst="wdUpDiag">
-            <a:fgClr>
-              <a:schemeClr val="tx1">
-                <a:lumMod val="85000"/>
-                <a:lumOff val="15000"/>
-              </a:schemeClr>
-            </a:fgClr>
-            <a:bgClr>
-              <a:schemeClr val="bg1"/>
-            </a:bgClr>
-          </a:pattFill>
-          <a:ln w="12700"/>
-        </p:spPr>
-        <p:style>
-          <a:lnRef idx="2">
-            <a:schemeClr val="accent1">
-              <a:shade val="50000"/>
-            </a:schemeClr>
-          </a:lnRef>
-          <a:fillRef idx="1">
-            <a:schemeClr val="accent1"/>
-          </a:fillRef>
-          <a:effectRef idx="0">
-            <a:schemeClr val="accent1"/>
-          </a:effectRef>
-          <a:fontRef idx="minor">
-            <a:schemeClr val="lt1"/>
-          </a:fontRef>
-        </p:style>
-        <p:txBody>
-          <a:bodyPr wrap="square" rtlCol="0" anchor="ctr">
-            <a:noAutofit/>
-          </a:bodyPr>
-          <a:lstStyle/>
-          <a:p>
-            <a:pPr algn="ctr"/>
-            <a:endParaRPr lang="en-US"/>
-          </a:p>
-        </p:txBody>
-      </p:sp>
-      <p:grpSp>
-        <p:nvGrpSpPr>
-          <p:cNvPr id="63" name="Group 62">
-            <a:extLst>
-              <a:ext uri="{FF2B5EF4-FFF2-40B4-BE49-F238E27FC236}">
-                <a16:creationId xmlns:a16="http://schemas.microsoft.com/office/drawing/2014/main" id="{FCA2B361-DF7B-4C48-6986-9D12D5C71850}"/>
-              </a:ext>
-            </a:extLst>
-          </p:cNvPr>
-          <p:cNvGrpSpPr/>
-          <p:nvPr/>
-        </p:nvGrpSpPr>
-        <p:grpSpPr>
-          <a:xfrm>
-            <a:off x="2065105" y="340770"/>
-            <a:ext cx="2601930" cy="1488030"/>
-            <a:chOff x="2065105" y="340770"/>
-            <a:chExt cx="2601930" cy="1488030"/>
-          </a:xfrm>
-        </p:grpSpPr>
-        <p:cxnSp>
-          <p:nvCxnSpPr>
-            <p:cNvPr id="46" name="Straight Connector 45">
+        <p:sp>
+          <p:nvSpPr>
+            <p:cNvPr id="38" name="Freeform: Shape 37">
               <a:extLst>
                 <a:ext uri="{FF2B5EF4-FFF2-40B4-BE49-F238E27FC236}">
-                  <a16:creationId xmlns:a16="http://schemas.microsoft.com/office/drawing/2014/main" id="{B8E16050-0099-F9B7-0109-92AC6C3E4E92}"/>
-                </a:ext>
-              </a:extLst>
-            </p:cNvPr>
-            <p:cNvCxnSpPr>
-              <a:cxnSpLocks/>
-            </p:cNvCxnSpPr>
-            <p:nvPr/>
-          </p:nvCxnSpPr>
-          <p:spPr>
-            <a:xfrm>
-              <a:off x="2065105" y="340770"/>
-              <a:ext cx="0" cy="1488030"/>
-            </a:xfrm>
-            <a:prstGeom prst="line">
-              <a:avLst/>
-            </a:prstGeom>
-            <a:ln w="19050">
-              <a:solidFill>
-                <a:srgbClr val="000000"/>
-              </a:solidFill>
-            </a:ln>
-          </p:spPr>
-          <p:style>
-            <a:lnRef idx="1">
-              <a:schemeClr val="accent2"/>
-            </a:lnRef>
-            <a:fillRef idx="0">
-              <a:schemeClr val="accent2"/>
-            </a:fillRef>
-            <a:effectRef idx="0">
-              <a:schemeClr val="accent2"/>
-            </a:effectRef>
-            <a:fontRef idx="minor">
-              <a:schemeClr val="tx1"/>
-            </a:fontRef>
-          </p:style>
-        </p:cxnSp>
-        <p:cxnSp>
-          <p:nvCxnSpPr>
-            <p:cNvPr id="48" name="Straight Connector 47">
-              <a:extLst>
-                <a:ext uri="{FF2B5EF4-FFF2-40B4-BE49-F238E27FC236}">
-                  <a16:creationId xmlns:a16="http://schemas.microsoft.com/office/drawing/2014/main" id="{1DC13867-63FC-2523-374A-6442F5623084}"/>
-                </a:ext>
-              </a:extLst>
-            </p:cNvPr>
-            <p:cNvCxnSpPr>
-              <a:cxnSpLocks/>
-            </p:cNvCxnSpPr>
-            <p:nvPr/>
-          </p:nvCxnSpPr>
-          <p:spPr>
-            <a:xfrm>
-              <a:off x="4667035" y="340770"/>
-              <a:ext cx="0" cy="1488030"/>
-            </a:xfrm>
-            <a:prstGeom prst="line">
-              <a:avLst/>
-            </a:prstGeom>
-            <a:ln w="19050">
-              <a:solidFill>
-                <a:srgbClr val="000000"/>
-              </a:solidFill>
-            </a:ln>
-          </p:spPr>
-          <p:style>
-            <a:lnRef idx="1">
-              <a:schemeClr val="accent2"/>
-            </a:lnRef>
-            <a:fillRef idx="0">
-              <a:schemeClr val="accent2"/>
-            </a:fillRef>
-            <a:effectRef idx="0">
-              <a:schemeClr val="accent2"/>
-            </a:effectRef>
-            <a:fontRef idx="minor">
-              <a:schemeClr val="tx1"/>
-            </a:fontRef>
-          </p:style>
-        </p:cxnSp>
-      </p:grpSp>
-      <p:grpSp>
-        <p:nvGrpSpPr>
-          <p:cNvPr id="74" name="Group 73">
-            <a:extLst>
-              <a:ext uri="{FF2B5EF4-FFF2-40B4-BE49-F238E27FC236}">
-                <a16:creationId xmlns:a16="http://schemas.microsoft.com/office/drawing/2014/main" id="{46531140-A9AB-C2D6-E4D5-53B52DD5AA39}"/>
-              </a:ext>
-            </a:extLst>
-          </p:cNvPr>
-          <p:cNvGrpSpPr/>
-          <p:nvPr/>
-        </p:nvGrpSpPr>
-        <p:grpSpPr>
-          <a:xfrm>
-            <a:off x="2061924" y="4440425"/>
-            <a:ext cx="2601930" cy="2318184"/>
-            <a:chOff x="2061924" y="4440425"/>
-            <a:chExt cx="2601930" cy="2318184"/>
-          </a:xfrm>
-        </p:grpSpPr>
-        <p:cxnSp>
-          <p:nvCxnSpPr>
-            <p:cNvPr id="49" name="Straight Connector 48">
-              <a:extLst>
-                <a:ext uri="{FF2B5EF4-FFF2-40B4-BE49-F238E27FC236}">
-                  <a16:creationId xmlns:a16="http://schemas.microsoft.com/office/drawing/2014/main" id="{4ECA061B-2757-70F0-49C9-B727834796A5}"/>
-                </a:ext>
-              </a:extLst>
-            </p:cNvPr>
-            <p:cNvCxnSpPr>
-              <a:cxnSpLocks/>
-            </p:cNvCxnSpPr>
-            <p:nvPr/>
-          </p:nvCxnSpPr>
-          <p:spPr>
-            <a:xfrm>
-              <a:off x="2061924" y="4440425"/>
-              <a:ext cx="0" cy="2318184"/>
-            </a:xfrm>
-            <a:prstGeom prst="line">
-              <a:avLst/>
-            </a:prstGeom>
-            <a:ln w="19050">
-              <a:solidFill>
-                <a:srgbClr val="000000"/>
-              </a:solidFill>
-            </a:ln>
-          </p:spPr>
-          <p:style>
-            <a:lnRef idx="1">
-              <a:schemeClr val="accent2"/>
-            </a:lnRef>
-            <a:fillRef idx="0">
-              <a:schemeClr val="accent2"/>
-            </a:fillRef>
-            <a:effectRef idx="0">
-              <a:schemeClr val="accent2"/>
-            </a:effectRef>
-            <a:fontRef idx="minor">
-              <a:schemeClr val="tx1"/>
-            </a:fontRef>
-          </p:style>
-        </p:cxnSp>
-        <p:cxnSp>
-          <p:nvCxnSpPr>
-            <p:cNvPr id="50" name="Straight Connector 49">
-              <a:extLst>
-                <a:ext uri="{FF2B5EF4-FFF2-40B4-BE49-F238E27FC236}">
-                  <a16:creationId xmlns:a16="http://schemas.microsoft.com/office/drawing/2014/main" id="{C9856B49-FEC3-7381-D60F-BEC4F31F0C3E}"/>
-                </a:ext>
-              </a:extLst>
-            </p:cNvPr>
-            <p:cNvCxnSpPr>
-              <a:cxnSpLocks/>
-            </p:cNvCxnSpPr>
-            <p:nvPr/>
-          </p:nvCxnSpPr>
-          <p:spPr>
-            <a:xfrm>
-              <a:off x="4663854" y="4440425"/>
-              <a:ext cx="0" cy="2318184"/>
-            </a:xfrm>
-            <a:prstGeom prst="line">
-              <a:avLst/>
-            </a:prstGeom>
-            <a:ln w="19050">
-              <a:solidFill>
-                <a:srgbClr val="000000"/>
-              </a:solidFill>
-            </a:ln>
-          </p:spPr>
-          <p:style>
-            <a:lnRef idx="1">
-              <a:schemeClr val="accent2"/>
-            </a:lnRef>
-            <a:fillRef idx="0">
-              <a:schemeClr val="accent2"/>
-            </a:fillRef>
-            <a:effectRef idx="0">
-              <a:schemeClr val="accent2"/>
-            </a:effectRef>
-            <a:fontRef idx="minor">
-              <a:schemeClr val="tx1"/>
-            </a:fontRef>
-          </p:style>
-        </p:cxnSp>
-      </p:grpSp>
-      <p:grpSp>
-        <p:nvGrpSpPr>
-          <p:cNvPr id="73" name="Group 72">
-            <a:extLst>
-              <a:ext uri="{FF2B5EF4-FFF2-40B4-BE49-F238E27FC236}">
-                <a16:creationId xmlns:a16="http://schemas.microsoft.com/office/drawing/2014/main" id="{9F2F5B2E-B34A-B140-5EC3-A7A6EBE6D98C}"/>
-              </a:ext>
-            </a:extLst>
-          </p:cNvPr>
-          <p:cNvGrpSpPr/>
-          <p:nvPr/>
-        </p:nvGrpSpPr>
-        <p:grpSpPr>
-          <a:xfrm>
-            <a:off x="3786562" y="1874236"/>
-            <a:ext cx="2074685" cy="2910094"/>
-            <a:chOff x="3786562" y="1874236"/>
-            <a:chExt cx="2074685" cy="2910094"/>
-          </a:xfrm>
-        </p:grpSpPr>
-        <p:cxnSp>
-          <p:nvCxnSpPr>
-            <p:cNvPr id="55" name="Straight Connector 54">
-              <a:extLst>
-                <a:ext uri="{FF2B5EF4-FFF2-40B4-BE49-F238E27FC236}">
-                  <a16:creationId xmlns:a16="http://schemas.microsoft.com/office/drawing/2014/main" id="{775E299F-773B-B8DA-00E2-61AFA6B0C752}"/>
-                </a:ext>
-              </a:extLst>
-            </p:cNvPr>
-            <p:cNvCxnSpPr>
-              <a:cxnSpLocks/>
-            </p:cNvCxnSpPr>
-            <p:nvPr/>
-          </p:nvCxnSpPr>
-          <p:spPr>
-            <a:xfrm flipH="1">
-              <a:off x="3786562" y="4772345"/>
-              <a:ext cx="2006531" cy="11985"/>
-            </a:xfrm>
-            <a:prstGeom prst="line">
-              <a:avLst/>
-            </a:prstGeom>
-            <a:ln w="19050">
-              <a:solidFill>
-                <a:srgbClr val="000000"/>
-              </a:solidFill>
-            </a:ln>
-          </p:spPr>
-          <p:style>
-            <a:lnRef idx="1">
-              <a:schemeClr val="accent2"/>
-            </a:lnRef>
-            <a:fillRef idx="0">
-              <a:schemeClr val="accent2"/>
-            </a:fillRef>
-            <a:effectRef idx="0">
-              <a:schemeClr val="accent2"/>
-            </a:effectRef>
-            <a:fontRef idx="minor">
-              <a:schemeClr val="tx1"/>
-            </a:fontRef>
-          </p:style>
-        </p:cxnSp>
-        <p:cxnSp>
-          <p:nvCxnSpPr>
-            <p:cNvPr id="56" name="Straight Connector 55">
-              <a:extLst>
-                <a:ext uri="{FF2B5EF4-FFF2-40B4-BE49-F238E27FC236}">
-                  <a16:creationId xmlns:a16="http://schemas.microsoft.com/office/drawing/2014/main" id="{DA3F4936-975C-F7B5-7EF7-CE940DAA8612}"/>
-                </a:ext>
-              </a:extLst>
-            </p:cNvPr>
-            <p:cNvCxnSpPr>
-              <a:cxnSpLocks/>
-            </p:cNvCxnSpPr>
-            <p:nvPr/>
-          </p:nvCxnSpPr>
-          <p:spPr>
-            <a:xfrm>
-              <a:off x="4135348" y="1874236"/>
-              <a:ext cx="1725899" cy="0"/>
-            </a:xfrm>
-            <a:prstGeom prst="line">
-              <a:avLst/>
-            </a:prstGeom>
-            <a:ln w="19050">
-              <a:solidFill>
-                <a:srgbClr val="000000"/>
-              </a:solidFill>
-            </a:ln>
-          </p:spPr>
-          <p:style>
-            <a:lnRef idx="1">
-              <a:schemeClr val="accent2"/>
-            </a:lnRef>
-            <a:fillRef idx="0">
-              <a:schemeClr val="accent2"/>
-            </a:fillRef>
-            <a:effectRef idx="0">
-              <a:schemeClr val="accent2"/>
-            </a:effectRef>
-            <a:fontRef idx="minor">
-              <a:schemeClr val="tx1"/>
-            </a:fontRef>
-          </p:style>
-        </p:cxnSp>
-      </p:grpSp>
-      <p:grpSp>
-        <p:nvGrpSpPr>
-          <p:cNvPr id="64" name="Group 63">
-            <a:extLst>
-              <a:ext uri="{FF2B5EF4-FFF2-40B4-BE49-F238E27FC236}">
-                <a16:creationId xmlns:a16="http://schemas.microsoft.com/office/drawing/2014/main" id="{606C1AFE-D287-61E2-8520-8A67C8C29876}"/>
-              </a:ext>
-            </a:extLst>
-          </p:cNvPr>
-          <p:cNvGrpSpPr/>
-          <p:nvPr/>
-        </p:nvGrpSpPr>
-        <p:grpSpPr>
-          <a:xfrm>
-            <a:off x="2512031" y="776630"/>
-            <a:ext cx="1623316" cy="308139"/>
-            <a:chOff x="2065105" y="340770"/>
-            <a:chExt cx="2601930" cy="1488030"/>
-          </a:xfrm>
-        </p:grpSpPr>
-        <p:cxnSp>
-          <p:nvCxnSpPr>
-            <p:cNvPr id="65" name="Straight Connector 64">
-              <a:extLst>
-                <a:ext uri="{FF2B5EF4-FFF2-40B4-BE49-F238E27FC236}">
-                  <a16:creationId xmlns:a16="http://schemas.microsoft.com/office/drawing/2014/main" id="{07352451-B7DC-63EB-6DEB-71F18C872F2C}"/>
-                </a:ext>
-              </a:extLst>
-            </p:cNvPr>
-            <p:cNvCxnSpPr>
-              <a:cxnSpLocks/>
-            </p:cNvCxnSpPr>
-            <p:nvPr/>
-          </p:nvCxnSpPr>
-          <p:spPr>
-            <a:xfrm>
-              <a:off x="2065105" y="340770"/>
-              <a:ext cx="0" cy="1488030"/>
-            </a:xfrm>
-            <a:prstGeom prst="line">
-              <a:avLst/>
-            </a:prstGeom>
-            <a:ln w="19050">
-              <a:solidFill>
-                <a:srgbClr val="000000"/>
-              </a:solidFill>
-            </a:ln>
-          </p:spPr>
-          <p:style>
-            <a:lnRef idx="1">
-              <a:schemeClr val="accent2"/>
-            </a:lnRef>
-            <a:fillRef idx="0">
-              <a:schemeClr val="accent2"/>
-            </a:fillRef>
-            <a:effectRef idx="0">
-              <a:schemeClr val="accent2"/>
-            </a:effectRef>
-            <a:fontRef idx="minor">
-              <a:schemeClr val="tx1"/>
-            </a:fontRef>
-          </p:style>
-        </p:cxnSp>
-        <p:cxnSp>
-          <p:nvCxnSpPr>
-            <p:cNvPr id="66" name="Straight Connector 65">
-              <a:extLst>
-                <a:ext uri="{FF2B5EF4-FFF2-40B4-BE49-F238E27FC236}">
-                  <a16:creationId xmlns:a16="http://schemas.microsoft.com/office/drawing/2014/main" id="{B58BE295-78C5-9DCD-1018-64B255BC1C4A}"/>
-                </a:ext>
-              </a:extLst>
-            </p:cNvPr>
-            <p:cNvCxnSpPr>
-              <a:cxnSpLocks/>
-            </p:cNvCxnSpPr>
-            <p:nvPr/>
-          </p:nvCxnSpPr>
-          <p:spPr>
-            <a:xfrm>
-              <a:off x="4667035" y="340770"/>
-              <a:ext cx="0" cy="1488030"/>
-            </a:xfrm>
-            <a:prstGeom prst="line">
-              <a:avLst/>
-            </a:prstGeom>
-            <a:ln w="19050">
-              <a:solidFill>
-                <a:srgbClr val="000000"/>
-              </a:solidFill>
-            </a:ln>
-          </p:spPr>
-          <p:style>
-            <a:lnRef idx="1">
-              <a:schemeClr val="accent2"/>
-            </a:lnRef>
-            <a:fillRef idx="0">
-              <a:schemeClr val="accent2"/>
-            </a:fillRef>
-            <a:effectRef idx="0">
-              <a:schemeClr val="accent2"/>
-            </a:effectRef>
-            <a:fontRef idx="minor">
-              <a:schemeClr val="tx1"/>
-            </a:fontRef>
-          </p:style>
-        </p:cxnSp>
-      </p:grpSp>
-      <p:grpSp>
-        <p:nvGrpSpPr>
-          <p:cNvPr id="67" name="Group 66">
-            <a:extLst>
-              <a:ext uri="{FF2B5EF4-FFF2-40B4-BE49-F238E27FC236}">
-                <a16:creationId xmlns:a16="http://schemas.microsoft.com/office/drawing/2014/main" id="{D5842C59-BD34-BDB8-6CD4-D964E8071BD9}"/>
-              </a:ext>
-            </a:extLst>
-          </p:cNvPr>
-          <p:cNvGrpSpPr/>
-          <p:nvPr/>
-        </p:nvGrpSpPr>
-        <p:grpSpPr>
-          <a:xfrm>
-            <a:off x="2464572" y="4705437"/>
-            <a:ext cx="1796623" cy="1338330"/>
-            <a:chOff x="2065105" y="340770"/>
-            <a:chExt cx="2601930" cy="1488030"/>
-          </a:xfrm>
-        </p:grpSpPr>
-        <p:cxnSp>
-          <p:nvCxnSpPr>
-            <p:cNvPr id="68" name="Straight Connector 67">
-              <a:extLst>
-                <a:ext uri="{FF2B5EF4-FFF2-40B4-BE49-F238E27FC236}">
-                  <a16:creationId xmlns:a16="http://schemas.microsoft.com/office/drawing/2014/main" id="{8F17C7B8-9ECA-9ABF-B85D-462761820612}"/>
-                </a:ext>
-              </a:extLst>
-            </p:cNvPr>
-            <p:cNvCxnSpPr>
-              <a:cxnSpLocks/>
-            </p:cNvCxnSpPr>
-            <p:nvPr/>
-          </p:nvCxnSpPr>
-          <p:spPr>
-            <a:xfrm>
-              <a:off x="2065105" y="340770"/>
-              <a:ext cx="0" cy="1488030"/>
-            </a:xfrm>
-            <a:prstGeom prst="line">
-              <a:avLst/>
-            </a:prstGeom>
-            <a:ln w="19050">
-              <a:solidFill>
-                <a:srgbClr val="000000"/>
-              </a:solidFill>
-            </a:ln>
-          </p:spPr>
-          <p:style>
-            <a:lnRef idx="1">
-              <a:schemeClr val="accent2"/>
-            </a:lnRef>
-            <a:fillRef idx="0">
-              <a:schemeClr val="accent2"/>
-            </a:fillRef>
-            <a:effectRef idx="0">
-              <a:schemeClr val="accent2"/>
-            </a:effectRef>
-            <a:fontRef idx="minor">
-              <a:schemeClr val="tx1"/>
-            </a:fontRef>
-          </p:style>
-        </p:cxnSp>
-        <p:cxnSp>
-          <p:nvCxnSpPr>
-            <p:cNvPr id="69" name="Straight Connector 68">
-              <a:extLst>
-                <a:ext uri="{FF2B5EF4-FFF2-40B4-BE49-F238E27FC236}">
-                  <a16:creationId xmlns:a16="http://schemas.microsoft.com/office/drawing/2014/main" id="{1315ECC2-D760-98F0-A6F1-7E71920D400B}"/>
-                </a:ext>
-              </a:extLst>
-            </p:cNvPr>
-            <p:cNvCxnSpPr>
-              <a:cxnSpLocks/>
-            </p:cNvCxnSpPr>
-            <p:nvPr/>
-          </p:nvCxnSpPr>
-          <p:spPr>
-            <a:xfrm>
-              <a:off x="4667035" y="340770"/>
-              <a:ext cx="0" cy="1488030"/>
-            </a:xfrm>
-            <a:prstGeom prst="line">
-              <a:avLst/>
-            </a:prstGeom>
-            <a:ln w="19050">
-              <a:solidFill>
-                <a:srgbClr val="000000"/>
-              </a:solidFill>
-            </a:ln>
-          </p:spPr>
-          <p:style>
-            <a:lnRef idx="1">
-              <a:schemeClr val="accent2"/>
-            </a:lnRef>
-            <a:fillRef idx="0">
-              <a:schemeClr val="accent2"/>
-            </a:fillRef>
-            <a:effectRef idx="0">
-              <a:schemeClr val="accent2"/>
-            </a:effectRef>
-            <a:fontRef idx="minor">
-              <a:schemeClr val="tx1"/>
-            </a:fontRef>
-          </p:style>
-        </p:cxnSp>
-      </p:grpSp>
-      <p:cxnSp>
-        <p:nvCxnSpPr>
-          <p:cNvPr id="76" name="Straight Arrow Connector 75">
-            <a:extLst>
-              <a:ext uri="{FF2B5EF4-FFF2-40B4-BE49-F238E27FC236}">
-                <a16:creationId xmlns:a16="http://schemas.microsoft.com/office/drawing/2014/main" id="{287BD5E6-A8F7-40EC-DDD7-2204BEE801A9}"/>
-              </a:ext>
-            </a:extLst>
-          </p:cNvPr>
-          <p:cNvCxnSpPr>
-            <a:cxnSpLocks/>
-          </p:cNvCxnSpPr>
-          <p:nvPr/>
-        </p:nvCxnSpPr>
-        <p:spPr>
-          <a:xfrm>
-            <a:off x="2061924" y="431642"/>
-            <a:ext cx="2601930" cy="0"/>
-          </a:xfrm>
-          <a:prstGeom prst="straightConnector1">
-            <a:avLst/>
-          </a:prstGeom>
-          <a:ln w="19050">
-            <a:solidFill>
-              <a:srgbClr val="000000"/>
-            </a:solidFill>
-            <a:headEnd type="triangle" w="lg" len="med"/>
-            <a:tailEnd type="triangle" w="lg" len="med"/>
-          </a:ln>
-        </p:spPr>
-        <p:style>
-          <a:lnRef idx="1">
-            <a:schemeClr val="accent1"/>
-          </a:lnRef>
-          <a:fillRef idx="0">
-            <a:schemeClr val="accent1"/>
-          </a:fillRef>
-          <a:effectRef idx="0">
-            <a:schemeClr val="accent1"/>
-          </a:effectRef>
-          <a:fontRef idx="minor">
-            <a:schemeClr val="tx1"/>
-          </a:fontRef>
-        </p:style>
-      </p:cxnSp>
-      <p:cxnSp>
-        <p:nvCxnSpPr>
-          <p:cNvPr id="78" name="Straight Arrow Connector 77">
-            <a:extLst>
-              <a:ext uri="{FF2B5EF4-FFF2-40B4-BE49-F238E27FC236}">
-                <a16:creationId xmlns:a16="http://schemas.microsoft.com/office/drawing/2014/main" id="{9C081CA4-29D3-DA90-1A15-EE9E163C3FB8}"/>
-              </a:ext>
-            </a:extLst>
-          </p:cNvPr>
-          <p:cNvCxnSpPr>
-            <a:cxnSpLocks/>
-          </p:cNvCxnSpPr>
-          <p:nvPr/>
-        </p:nvCxnSpPr>
-        <p:spPr>
-          <a:xfrm flipV="1">
-            <a:off x="2512030" y="857605"/>
-            <a:ext cx="1623317" cy="16601"/>
-          </a:xfrm>
-          <a:prstGeom prst="straightConnector1">
-            <a:avLst/>
-          </a:prstGeom>
-          <a:ln w="19050">
-            <a:solidFill>
-              <a:srgbClr val="000000"/>
-            </a:solidFill>
-            <a:headEnd type="triangle" w="lg" len="med"/>
-            <a:tailEnd type="triangle" w="lg" len="med"/>
-          </a:ln>
-        </p:spPr>
-        <p:style>
-          <a:lnRef idx="1">
-            <a:schemeClr val="accent1"/>
-          </a:lnRef>
-          <a:fillRef idx="0">
-            <a:schemeClr val="accent1"/>
-          </a:fillRef>
-          <a:effectRef idx="0">
-            <a:schemeClr val="accent1"/>
-          </a:effectRef>
-          <a:fontRef idx="minor">
-            <a:schemeClr val="tx1"/>
-          </a:fontRef>
-        </p:style>
-      </p:cxnSp>
-      <p:cxnSp>
-        <p:nvCxnSpPr>
-          <p:cNvPr id="82" name="Straight Arrow Connector 81">
-            <a:extLst>
-              <a:ext uri="{FF2B5EF4-FFF2-40B4-BE49-F238E27FC236}">
-                <a16:creationId xmlns:a16="http://schemas.microsoft.com/office/drawing/2014/main" id="{7EF365E1-C2DA-CF0C-8578-E8C46E169DB7}"/>
-              </a:ext>
-            </a:extLst>
-          </p:cNvPr>
-          <p:cNvCxnSpPr>
-            <a:cxnSpLocks/>
-          </p:cNvCxnSpPr>
-          <p:nvPr/>
-        </p:nvCxnSpPr>
-        <p:spPr>
-          <a:xfrm>
-            <a:off x="2061924" y="6702031"/>
-            <a:ext cx="2601930" cy="0"/>
-          </a:xfrm>
-          <a:prstGeom prst="straightConnector1">
-            <a:avLst/>
-          </a:prstGeom>
-          <a:ln w="19050">
-            <a:solidFill>
-              <a:srgbClr val="000000"/>
-            </a:solidFill>
-            <a:headEnd type="triangle" w="lg" len="med"/>
-            <a:tailEnd type="triangle" w="lg" len="med"/>
-          </a:ln>
-        </p:spPr>
-        <p:style>
-          <a:lnRef idx="1">
-            <a:schemeClr val="accent1"/>
-          </a:lnRef>
-          <a:fillRef idx="0">
-            <a:schemeClr val="accent1"/>
-          </a:fillRef>
-          <a:effectRef idx="0">
-            <a:schemeClr val="accent1"/>
-          </a:effectRef>
-          <a:fontRef idx="minor">
-            <a:schemeClr val="tx1"/>
-          </a:fontRef>
-        </p:style>
-      </p:cxnSp>
-      <p:cxnSp>
-        <p:nvCxnSpPr>
-          <p:cNvPr id="83" name="Straight Arrow Connector 82">
-            <a:extLst>
-              <a:ext uri="{FF2B5EF4-FFF2-40B4-BE49-F238E27FC236}">
-                <a16:creationId xmlns:a16="http://schemas.microsoft.com/office/drawing/2014/main" id="{AEAEFF3F-74BD-ED14-6215-012872AED9D4}"/>
-              </a:ext>
-            </a:extLst>
-          </p:cNvPr>
-          <p:cNvCxnSpPr>
-            <a:cxnSpLocks/>
-          </p:cNvCxnSpPr>
-          <p:nvPr/>
-        </p:nvCxnSpPr>
-        <p:spPr>
-          <a:xfrm>
-            <a:off x="2470935" y="6008695"/>
-            <a:ext cx="1790260" cy="0"/>
-          </a:xfrm>
-          <a:prstGeom prst="straightConnector1">
-            <a:avLst/>
-          </a:prstGeom>
-          <a:ln w="19050">
-            <a:solidFill>
-              <a:srgbClr val="000000"/>
-            </a:solidFill>
-            <a:headEnd type="triangle" w="lg" len="med"/>
-            <a:tailEnd type="triangle" w="lg" len="med"/>
-          </a:ln>
-        </p:spPr>
-        <p:style>
-          <a:lnRef idx="1">
-            <a:schemeClr val="accent1"/>
-          </a:lnRef>
-          <a:fillRef idx="0">
-            <a:schemeClr val="accent1"/>
-          </a:fillRef>
-          <a:effectRef idx="0">
-            <a:schemeClr val="accent1"/>
-          </a:effectRef>
-          <a:fontRef idx="minor">
-            <a:schemeClr val="tx1"/>
-          </a:fontRef>
-        </p:style>
-      </p:cxnSp>
-      <p:cxnSp>
-        <p:nvCxnSpPr>
-          <p:cNvPr id="71" name="Straight Connector 70">
-            <a:extLst>
-              <a:ext uri="{FF2B5EF4-FFF2-40B4-BE49-F238E27FC236}">
-                <a16:creationId xmlns:a16="http://schemas.microsoft.com/office/drawing/2014/main" id="{C00F7ED7-2540-2B44-470C-6552FC09CF1C}"/>
-              </a:ext>
-            </a:extLst>
-          </p:cNvPr>
-          <p:cNvCxnSpPr>
-            <a:cxnSpLocks/>
-          </p:cNvCxnSpPr>
-          <p:nvPr/>
-        </p:nvCxnSpPr>
-        <p:spPr>
-          <a:xfrm>
-            <a:off x="3040234" y="4705437"/>
-            <a:ext cx="0" cy="690092"/>
-          </a:xfrm>
-          <a:prstGeom prst="line">
-            <a:avLst/>
-          </a:prstGeom>
-          <a:ln w="19050">
-            <a:solidFill>
-              <a:srgbClr val="000000"/>
-            </a:solidFill>
-          </a:ln>
-        </p:spPr>
-        <p:style>
-          <a:lnRef idx="1">
-            <a:schemeClr val="accent2"/>
-          </a:lnRef>
-          <a:fillRef idx="0">
-            <a:schemeClr val="accent2"/>
-          </a:fillRef>
-          <a:effectRef idx="0">
-            <a:schemeClr val="accent2"/>
-          </a:effectRef>
-          <a:fontRef idx="minor">
-            <a:schemeClr val="tx1"/>
-          </a:fontRef>
-        </p:style>
-      </p:cxnSp>
-      <p:cxnSp>
-        <p:nvCxnSpPr>
-          <p:cNvPr id="72" name="Straight Connector 71">
-            <a:extLst>
-              <a:ext uri="{FF2B5EF4-FFF2-40B4-BE49-F238E27FC236}">
-                <a16:creationId xmlns:a16="http://schemas.microsoft.com/office/drawing/2014/main" id="{45C856D8-26D8-A10A-3339-4A2D4476A924}"/>
-              </a:ext>
-            </a:extLst>
-          </p:cNvPr>
-          <p:cNvCxnSpPr>
-            <a:cxnSpLocks/>
-          </p:cNvCxnSpPr>
-          <p:nvPr/>
-        </p:nvCxnSpPr>
-        <p:spPr>
-          <a:xfrm>
-            <a:off x="3666650" y="4705437"/>
-            <a:ext cx="0" cy="690092"/>
-          </a:xfrm>
-          <a:prstGeom prst="line">
-            <a:avLst/>
-          </a:prstGeom>
-          <a:ln w="19050">
-            <a:solidFill>
-              <a:srgbClr val="000000"/>
-            </a:solidFill>
-          </a:ln>
-        </p:spPr>
-        <p:style>
-          <a:lnRef idx="1">
-            <a:schemeClr val="accent2"/>
-          </a:lnRef>
-          <a:fillRef idx="0">
-            <a:schemeClr val="accent2"/>
-          </a:fillRef>
-          <a:effectRef idx="0">
-            <a:schemeClr val="accent2"/>
-          </a:effectRef>
-          <a:fontRef idx="minor">
-            <a:schemeClr val="tx1"/>
-          </a:fontRef>
-        </p:style>
-      </p:cxnSp>
-      <p:cxnSp>
-        <p:nvCxnSpPr>
-          <p:cNvPr id="85" name="Straight Arrow Connector 84">
-            <a:extLst>
-              <a:ext uri="{FF2B5EF4-FFF2-40B4-BE49-F238E27FC236}">
-                <a16:creationId xmlns:a16="http://schemas.microsoft.com/office/drawing/2014/main" id="{AAC3F3EC-1E0A-276C-BF64-EC4C023B5D91}"/>
-              </a:ext>
-            </a:extLst>
-          </p:cNvPr>
-          <p:cNvCxnSpPr>
-            <a:cxnSpLocks/>
-          </p:cNvCxnSpPr>
-          <p:nvPr/>
-        </p:nvCxnSpPr>
-        <p:spPr>
-          <a:xfrm>
-            <a:off x="3040234" y="5257730"/>
-            <a:ext cx="626416" cy="0"/>
-          </a:xfrm>
-          <a:prstGeom prst="straightConnector1">
-            <a:avLst/>
-          </a:prstGeom>
-          <a:ln w="19050">
-            <a:solidFill>
-              <a:srgbClr val="000000"/>
-            </a:solidFill>
-            <a:headEnd type="triangle" w="lg" len="med"/>
-            <a:tailEnd type="triangle" w="lg" len="med"/>
-          </a:ln>
-        </p:spPr>
-        <p:style>
-          <a:lnRef idx="1">
-            <a:schemeClr val="accent1"/>
-          </a:lnRef>
-          <a:fillRef idx="0">
-            <a:schemeClr val="accent1"/>
-          </a:fillRef>
-          <a:effectRef idx="0">
-            <a:schemeClr val="accent1"/>
-          </a:effectRef>
-          <a:fontRef idx="minor">
-            <a:schemeClr val="tx1"/>
-          </a:fontRef>
-        </p:style>
-      </p:cxnSp>
-      <p:cxnSp>
-        <p:nvCxnSpPr>
-          <p:cNvPr id="94" name="Straight Connector 93">
-            <a:extLst>
-              <a:ext uri="{FF2B5EF4-FFF2-40B4-BE49-F238E27FC236}">
-                <a16:creationId xmlns:a16="http://schemas.microsoft.com/office/drawing/2014/main" id="{D51300B7-96D8-D8CC-9F58-5A890C4AA65D}"/>
-              </a:ext>
-            </a:extLst>
-          </p:cNvPr>
-          <p:cNvCxnSpPr>
-            <a:cxnSpLocks/>
-          </p:cNvCxnSpPr>
-          <p:nvPr/>
-        </p:nvCxnSpPr>
-        <p:spPr>
-          <a:xfrm>
-            <a:off x="8404671" y="3603901"/>
-            <a:ext cx="0" cy="825351"/>
-          </a:xfrm>
-          <a:prstGeom prst="line">
-            <a:avLst/>
-          </a:prstGeom>
-          <a:ln w="19050">
-            <a:solidFill>
-              <a:srgbClr val="000000"/>
-            </a:solidFill>
-          </a:ln>
-        </p:spPr>
-        <p:style>
-          <a:lnRef idx="1">
-            <a:schemeClr val="accent2"/>
-          </a:lnRef>
-          <a:fillRef idx="0">
-            <a:schemeClr val="accent2"/>
-          </a:fillRef>
-          <a:effectRef idx="0">
-            <a:schemeClr val="accent2"/>
-          </a:effectRef>
-          <a:fontRef idx="minor">
-            <a:schemeClr val="tx1"/>
-          </a:fontRef>
-        </p:style>
-      </p:cxnSp>
-      <p:cxnSp>
-        <p:nvCxnSpPr>
-          <p:cNvPr id="95" name="Straight Connector 94">
-            <a:extLst>
-              <a:ext uri="{FF2B5EF4-FFF2-40B4-BE49-F238E27FC236}">
-                <a16:creationId xmlns:a16="http://schemas.microsoft.com/office/drawing/2014/main" id="{700368CE-EE7C-3CE7-58D6-BE60034692A2}"/>
-              </a:ext>
-            </a:extLst>
-          </p:cNvPr>
-          <p:cNvCxnSpPr>
-            <a:cxnSpLocks/>
-          </p:cNvCxnSpPr>
-          <p:nvPr/>
-        </p:nvCxnSpPr>
-        <p:spPr>
-          <a:xfrm>
-            <a:off x="9013371" y="3603901"/>
-            <a:ext cx="0" cy="825351"/>
-          </a:xfrm>
-          <a:prstGeom prst="line">
-            <a:avLst/>
-          </a:prstGeom>
-          <a:ln w="19050">
-            <a:solidFill>
-              <a:srgbClr val="000000"/>
-            </a:solidFill>
-          </a:ln>
-        </p:spPr>
-        <p:style>
-          <a:lnRef idx="1">
-            <a:schemeClr val="accent2"/>
-          </a:lnRef>
-          <a:fillRef idx="0">
-            <a:schemeClr val="accent2"/>
-          </a:fillRef>
-          <a:effectRef idx="0">
-            <a:schemeClr val="accent2"/>
-          </a:effectRef>
-          <a:fontRef idx="minor">
-            <a:schemeClr val="tx1"/>
-          </a:fontRef>
-        </p:style>
-      </p:cxnSp>
-      <p:cxnSp>
-        <p:nvCxnSpPr>
-          <p:cNvPr id="96" name="Straight Arrow Connector 95">
-            <a:extLst>
-              <a:ext uri="{FF2B5EF4-FFF2-40B4-BE49-F238E27FC236}">
-                <a16:creationId xmlns:a16="http://schemas.microsoft.com/office/drawing/2014/main" id="{6119A8D8-5BEC-DF82-3295-0F90CAE0807C}"/>
-              </a:ext>
-            </a:extLst>
-          </p:cNvPr>
-          <p:cNvCxnSpPr>
-            <a:cxnSpLocks/>
-          </p:cNvCxnSpPr>
-          <p:nvPr/>
-        </p:nvCxnSpPr>
-        <p:spPr>
-          <a:xfrm>
-            <a:off x="8404671" y="4270268"/>
-            <a:ext cx="608700" cy="0"/>
-          </a:xfrm>
-          <a:prstGeom prst="straightConnector1">
-            <a:avLst/>
-          </a:prstGeom>
-          <a:ln w="19050">
-            <a:solidFill>
-              <a:srgbClr val="000000"/>
-            </a:solidFill>
-            <a:headEnd type="triangle" w="lg" len="med"/>
-            <a:tailEnd type="triangle" w="lg" len="med"/>
-          </a:ln>
-        </p:spPr>
-        <p:style>
-          <a:lnRef idx="1">
-            <a:schemeClr val="accent1"/>
-          </a:lnRef>
-          <a:fillRef idx="0">
-            <a:schemeClr val="accent1"/>
-          </a:fillRef>
-          <a:effectRef idx="0">
-            <a:schemeClr val="accent1"/>
-          </a:effectRef>
-          <a:fontRef idx="minor">
-            <a:schemeClr val="tx1"/>
-          </a:fontRef>
-        </p:style>
-      </p:cxnSp>
-      <p:grpSp>
-        <p:nvGrpSpPr>
-          <p:cNvPr id="98" name="Group 97">
-            <a:extLst>
-              <a:ext uri="{FF2B5EF4-FFF2-40B4-BE49-F238E27FC236}">
-                <a16:creationId xmlns:a16="http://schemas.microsoft.com/office/drawing/2014/main" id="{8D8B55CA-9966-A312-939C-11B3EFDEA7FD}"/>
-              </a:ext>
-            </a:extLst>
-          </p:cNvPr>
-          <p:cNvGrpSpPr/>
-          <p:nvPr/>
-        </p:nvGrpSpPr>
-        <p:grpSpPr>
-          <a:xfrm>
-            <a:off x="7425671" y="1996073"/>
-            <a:ext cx="2601930" cy="111307"/>
-            <a:chOff x="2065106" y="1962364"/>
-            <a:chExt cx="2601930" cy="111307"/>
-          </a:xfrm>
-        </p:grpSpPr>
-        <p:sp>
-          <p:nvSpPr>
-            <p:cNvPr id="99" name="Rectangle 98">
-              <a:extLst>
-                <a:ext uri="{FF2B5EF4-FFF2-40B4-BE49-F238E27FC236}">
-                  <a16:creationId xmlns:a16="http://schemas.microsoft.com/office/drawing/2014/main" id="{7D191E33-279C-6E5D-AB23-835ACDB24EC3}"/>
+                  <a16:creationId xmlns:a16="http://schemas.microsoft.com/office/drawing/2014/main" id="{70CB52F4-C863-69C0-D5AA-30854C150495}"/>
                 </a:ext>
               </a:extLst>
             </p:cNvPr>
@@ -5762,12 +5630,95 @@
           </p:nvSpPr>
           <p:spPr>
             <a:xfrm>
-              <a:off x="2065106" y="1962364"/>
-              <a:ext cx="919537" cy="97605"/>
+              <a:off x="7869682" y="1253824"/>
+              <a:ext cx="1623317" cy="2510957"/>
             </a:xfrm>
-            <a:prstGeom prst="rect">
+            <a:custGeom>
               <a:avLst/>
-            </a:prstGeom>
+              <a:gdLst>
+                <a:gd name="connsiteX0" fmla="*/ 0 w 1623317"/>
+                <a:gd name="connsiteY0" fmla="*/ 0 h 2510957"/>
+                <a:gd name="connsiteX1" fmla="*/ 1623317 w 1623317"/>
+                <a:gd name="connsiteY1" fmla="*/ 0 h 2510957"/>
+                <a:gd name="connsiteX2" fmla="*/ 1623317 w 1623317"/>
+                <a:gd name="connsiteY2" fmla="*/ 652409 h 2510957"/>
+                <a:gd name="connsiteX3" fmla="*/ 1130158 w 1623317"/>
+                <a:gd name="connsiteY3" fmla="*/ 652409 h 2510957"/>
+                <a:gd name="connsiteX4" fmla="*/ 1130158 w 1623317"/>
+                <a:gd name="connsiteY4" fmla="*/ 2325842 h 2510957"/>
+                <a:gd name="connsiteX5" fmla="*/ 842104 w 1623317"/>
+                <a:gd name="connsiteY5" fmla="*/ 2510957 h 2510957"/>
+                <a:gd name="connsiteX6" fmla="*/ 565079 w 1623317"/>
+                <a:gd name="connsiteY6" fmla="*/ 2332930 h 2510957"/>
+                <a:gd name="connsiteX7" fmla="*/ 565079 w 1623317"/>
+                <a:gd name="connsiteY7" fmla="*/ 652409 h 2510957"/>
+                <a:gd name="connsiteX8" fmla="*/ 0 w 1623317"/>
+                <a:gd name="connsiteY8" fmla="*/ 652409 h 2510957"/>
+              </a:gdLst>
+              <a:ahLst/>
+              <a:cxnLst>
+                <a:cxn ang="0">
+                  <a:pos x="connsiteX0" y="connsiteY0"/>
+                </a:cxn>
+                <a:cxn ang="0">
+                  <a:pos x="connsiteX1" y="connsiteY1"/>
+                </a:cxn>
+                <a:cxn ang="0">
+                  <a:pos x="connsiteX2" y="connsiteY2"/>
+                </a:cxn>
+                <a:cxn ang="0">
+                  <a:pos x="connsiteX3" y="connsiteY3"/>
+                </a:cxn>
+                <a:cxn ang="0">
+                  <a:pos x="connsiteX4" y="connsiteY4"/>
+                </a:cxn>
+                <a:cxn ang="0">
+                  <a:pos x="connsiteX5" y="connsiteY5"/>
+                </a:cxn>
+                <a:cxn ang="0">
+                  <a:pos x="connsiteX6" y="connsiteY6"/>
+                </a:cxn>
+                <a:cxn ang="0">
+                  <a:pos x="connsiteX7" y="connsiteY7"/>
+                </a:cxn>
+                <a:cxn ang="0">
+                  <a:pos x="connsiteX8" y="connsiteY8"/>
+                </a:cxn>
+              </a:cxnLst>
+              <a:rect l="l" t="t" r="r" b="b"/>
+              <a:pathLst>
+                <a:path w="1623317" h="2510957">
+                  <a:moveTo>
+                    <a:pt x="0" y="0"/>
+                  </a:moveTo>
+                  <a:lnTo>
+                    <a:pt x="1623317" y="0"/>
+                  </a:lnTo>
+                  <a:lnTo>
+                    <a:pt x="1623317" y="652409"/>
+                  </a:lnTo>
+                  <a:lnTo>
+                    <a:pt x="1130158" y="652409"/>
+                  </a:lnTo>
+                  <a:lnTo>
+                    <a:pt x="1130158" y="2325842"/>
+                  </a:lnTo>
+                  <a:lnTo>
+                    <a:pt x="842104" y="2510957"/>
+                  </a:lnTo>
+                  <a:lnTo>
+                    <a:pt x="565079" y="2332930"/>
+                  </a:lnTo>
+                  <a:lnTo>
+                    <a:pt x="565079" y="652409"/>
+                  </a:lnTo>
+                  <a:lnTo>
+                    <a:pt x="0" y="652409"/>
+                  </a:lnTo>
+                  <a:close/>
+                </a:path>
+              </a:pathLst>
+            </a:custGeom>
             <a:solidFill>
               <a:srgbClr val="729FCF"/>
             </a:solidFill>
@@ -5801,10 +5752,10 @@
         </p:sp>
         <p:sp>
           <p:nvSpPr>
-            <p:cNvPr id="100" name="Rectangle 99">
+            <p:cNvPr id="44" name="Freeform: Shape 43">
               <a:extLst>
                 <a:ext uri="{FF2B5EF4-FFF2-40B4-BE49-F238E27FC236}">
-                  <a16:creationId xmlns:a16="http://schemas.microsoft.com/office/drawing/2014/main" id="{DE9A585F-F018-76E7-5EA3-CFC144A7D7B8}"/>
+                  <a16:creationId xmlns:a16="http://schemas.microsoft.com/office/drawing/2014/main" id="{F5176B1D-4E92-D088-8391-857D7F38D493}"/>
                 </a:ext>
               </a:extLst>
             </p:cNvPr>
@@ -5813,12 +5764,1240 @@
           </p:nvSpPr>
           <p:spPr>
             <a:xfrm>
-              <a:off x="3747499" y="1976066"/>
-              <a:ext cx="919537" cy="97605"/>
+              <a:off x="6654366" y="3333964"/>
+              <a:ext cx="4099388" cy="825352"/>
+            </a:xfrm>
+            <a:custGeom>
+              <a:avLst/>
+              <a:gdLst>
+                <a:gd name="connsiteX0" fmla="*/ 0 w 4099388"/>
+                <a:gd name="connsiteY0" fmla="*/ 0 h 825352"/>
+                <a:gd name="connsiteX1" fmla="*/ 1661845 w 4099388"/>
+                <a:gd name="connsiteY1" fmla="*/ 0 h 825352"/>
+                <a:gd name="connsiteX2" fmla="*/ 1661845 w 4099388"/>
+                <a:gd name="connsiteY2" fmla="*/ 303364 h 825352"/>
+                <a:gd name="connsiteX3" fmla="*/ 1847910 w 4099388"/>
+                <a:gd name="connsiteY3" fmla="*/ 481167 h 825352"/>
+                <a:gd name="connsiteX4" fmla="*/ 2276910 w 4099388"/>
+                <a:gd name="connsiteY4" fmla="*/ 481167 h 825352"/>
+                <a:gd name="connsiteX5" fmla="*/ 2437543 w 4099388"/>
+                <a:gd name="connsiteY5" fmla="*/ 327666 h 825352"/>
+                <a:gd name="connsiteX6" fmla="*/ 2437543 w 4099388"/>
+                <a:gd name="connsiteY6" fmla="*/ 0 h 825352"/>
+                <a:gd name="connsiteX7" fmla="*/ 4099388 w 4099388"/>
+                <a:gd name="connsiteY7" fmla="*/ 0 h 825352"/>
+                <a:gd name="connsiteX8" fmla="*/ 4099388 w 4099388"/>
+                <a:gd name="connsiteY8" fmla="*/ 825352 h 825352"/>
+                <a:gd name="connsiteX9" fmla="*/ 0 w 4099388"/>
+                <a:gd name="connsiteY9" fmla="*/ 825352 h 825352"/>
+              </a:gdLst>
+              <a:ahLst/>
+              <a:cxnLst>
+                <a:cxn ang="0">
+                  <a:pos x="connsiteX0" y="connsiteY0"/>
+                </a:cxn>
+                <a:cxn ang="0">
+                  <a:pos x="connsiteX1" y="connsiteY1"/>
+                </a:cxn>
+                <a:cxn ang="0">
+                  <a:pos x="connsiteX2" y="connsiteY2"/>
+                </a:cxn>
+                <a:cxn ang="0">
+                  <a:pos x="connsiteX3" y="connsiteY3"/>
+                </a:cxn>
+                <a:cxn ang="0">
+                  <a:pos x="connsiteX4" y="connsiteY4"/>
+                </a:cxn>
+                <a:cxn ang="0">
+                  <a:pos x="connsiteX5" y="connsiteY5"/>
+                </a:cxn>
+                <a:cxn ang="0">
+                  <a:pos x="connsiteX6" y="connsiteY6"/>
+                </a:cxn>
+                <a:cxn ang="0">
+                  <a:pos x="connsiteX7" y="connsiteY7"/>
+                </a:cxn>
+                <a:cxn ang="0">
+                  <a:pos x="connsiteX8" y="connsiteY8"/>
+                </a:cxn>
+                <a:cxn ang="0">
+                  <a:pos x="connsiteX9" y="connsiteY9"/>
+                </a:cxn>
+              </a:cxnLst>
+              <a:rect l="l" t="t" r="r" b="b"/>
+              <a:pathLst>
+                <a:path w="4099388" h="825352">
+                  <a:moveTo>
+                    <a:pt x="0" y="0"/>
+                  </a:moveTo>
+                  <a:lnTo>
+                    <a:pt x="1661845" y="0"/>
+                  </a:lnTo>
+                  <a:lnTo>
+                    <a:pt x="1661845" y="303364"/>
+                  </a:lnTo>
+                  <a:lnTo>
+                    <a:pt x="1847910" y="481167"/>
+                  </a:lnTo>
+                  <a:lnTo>
+                    <a:pt x="2276910" y="481167"/>
+                  </a:lnTo>
+                  <a:lnTo>
+                    <a:pt x="2437543" y="327666"/>
+                  </a:lnTo>
+                  <a:lnTo>
+                    <a:pt x="2437543" y="0"/>
+                  </a:lnTo>
+                  <a:lnTo>
+                    <a:pt x="4099388" y="0"/>
+                  </a:lnTo>
+                  <a:lnTo>
+                    <a:pt x="4099388" y="825352"/>
+                  </a:lnTo>
+                  <a:lnTo>
+                    <a:pt x="0" y="825352"/>
+                  </a:lnTo>
+                  <a:close/>
+                </a:path>
+              </a:pathLst>
+            </a:custGeom>
+            <a:pattFill prst="wdUpDiag">
+              <a:fgClr>
+                <a:schemeClr val="tx1">
+                  <a:lumMod val="85000"/>
+                  <a:lumOff val="15000"/>
+                </a:schemeClr>
+              </a:fgClr>
+              <a:bgClr>
+                <a:schemeClr val="bg1"/>
+              </a:bgClr>
+            </a:pattFill>
+            <a:ln w="12700"/>
+          </p:spPr>
+          <p:style>
+            <a:lnRef idx="2">
+              <a:schemeClr val="accent1">
+                <a:shade val="50000"/>
+              </a:schemeClr>
+            </a:lnRef>
+            <a:fillRef idx="1">
+              <a:schemeClr val="accent1"/>
+            </a:fillRef>
+            <a:effectRef idx="0">
+              <a:schemeClr val="accent1"/>
+            </a:effectRef>
+            <a:fontRef idx="minor">
+              <a:schemeClr val="lt1"/>
+            </a:fontRef>
+          </p:style>
+          <p:txBody>
+            <a:bodyPr wrap="square" rtlCol="0" anchor="ctr">
+              <a:noAutofit/>
+            </a:bodyPr>
+            <a:lstStyle/>
+            <a:p>
+              <a:pPr algn="ctr"/>
+              <a:endParaRPr lang="en-US"/>
+            </a:p>
+          </p:txBody>
+        </p:sp>
+        <p:cxnSp>
+          <p:nvCxnSpPr>
+            <p:cNvPr id="94" name="Straight Connector 93">
+              <a:extLst>
+                <a:ext uri="{FF2B5EF4-FFF2-40B4-BE49-F238E27FC236}">
+                  <a16:creationId xmlns:a16="http://schemas.microsoft.com/office/drawing/2014/main" id="{D51300B7-96D8-D8CC-9F58-5A890C4AA65D}"/>
+                </a:ext>
+              </a:extLst>
+            </p:cNvPr>
+            <p:cNvCxnSpPr>
+              <a:cxnSpLocks/>
+            </p:cNvCxnSpPr>
+            <p:nvPr/>
+          </p:nvCxnSpPr>
+          <p:spPr>
+            <a:xfrm>
+              <a:off x="8404671" y="3603901"/>
+              <a:ext cx="0" cy="825351"/>
+            </a:xfrm>
+            <a:prstGeom prst="line">
+              <a:avLst/>
+            </a:prstGeom>
+            <a:ln w="19050">
+              <a:solidFill>
+                <a:srgbClr val="000000"/>
+              </a:solidFill>
+            </a:ln>
+          </p:spPr>
+          <p:style>
+            <a:lnRef idx="1">
+              <a:schemeClr val="accent2"/>
+            </a:lnRef>
+            <a:fillRef idx="0">
+              <a:schemeClr val="accent2"/>
+            </a:fillRef>
+            <a:effectRef idx="0">
+              <a:schemeClr val="accent2"/>
+            </a:effectRef>
+            <a:fontRef idx="minor">
+              <a:schemeClr val="tx1"/>
+            </a:fontRef>
+          </p:style>
+        </p:cxnSp>
+        <p:cxnSp>
+          <p:nvCxnSpPr>
+            <p:cNvPr id="95" name="Straight Connector 94">
+              <a:extLst>
+                <a:ext uri="{FF2B5EF4-FFF2-40B4-BE49-F238E27FC236}">
+                  <a16:creationId xmlns:a16="http://schemas.microsoft.com/office/drawing/2014/main" id="{700368CE-EE7C-3CE7-58D6-BE60034692A2}"/>
+                </a:ext>
+              </a:extLst>
+            </p:cNvPr>
+            <p:cNvCxnSpPr>
+              <a:cxnSpLocks/>
+            </p:cNvCxnSpPr>
+            <p:nvPr/>
+          </p:nvCxnSpPr>
+          <p:spPr>
+            <a:xfrm>
+              <a:off x="9013371" y="3603901"/>
+              <a:ext cx="0" cy="825351"/>
+            </a:xfrm>
+            <a:prstGeom prst="line">
+              <a:avLst/>
+            </a:prstGeom>
+            <a:ln w="19050">
+              <a:solidFill>
+                <a:srgbClr val="000000"/>
+              </a:solidFill>
+            </a:ln>
+          </p:spPr>
+          <p:style>
+            <a:lnRef idx="1">
+              <a:schemeClr val="accent2"/>
+            </a:lnRef>
+            <a:fillRef idx="0">
+              <a:schemeClr val="accent2"/>
+            </a:fillRef>
+            <a:effectRef idx="0">
+              <a:schemeClr val="accent2"/>
+            </a:effectRef>
+            <a:fontRef idx="minor">
+              <a:schemeClr val="tx1"/>
+            </a:fontRef>
+          </p:style>
+        </p:cxnSp>
+        <p:cxnSp>
+          <p:nvCxnSpPr>
+            <p:cNvPr id="96" name="Straight Arrow Connector 95">
+              <a:extLst>
+                <a:ext uri="{FF2B5EF4-FFF2-40B4-BE49-F238E27FC236}">
+                  <a16:creationId xmlns:a16="http://schemas.microsoft.com/office/drawing/2014/main" id="{6119A8D8-5BEC-DF82-3295-0F90CAE0807C}"/>
+                </a:ext>
+              </a:extLst>
+            </p:cNvPr>
+            <p:cNvCxnSpPr>
+              <a:cxnSpLocks/>
+            </p:cNvCxnSpPr>
+            <p:nvPr/>
+          </p:nvCxnSpPr>
+          <p:spPr>
+            <a:xfrm>
+              <a:off x="8404671" y="4270268"/>
+              <a:ext cx="608700" cy="0"/>
+            </a:xfrm>
+            <a:prstGeom prst="straightConnector1">
+              <a:avLst/>
+            </a:prstGeom>
+            <a:ln w="19050">
+              <a:solidFill>
+                <a:srgbClr val="000000"/>
+              </a:solidFill>
+              <a:headEnd type="triangle" w="lg" len="med"/>
+              <a:tailEnd type="triangle" w="lg" len="med"/>
+            </a:ln>
+          </p:spPr>
+          <p:style>
+            <a:lnRef idx="1">
+              <a:schemeClr val="accent1"/>
+            </a:lnRef>
+            <a:fillRef idx="0">
+              <a:schemeClr val="accent1"/>
+            </a:fillRef>
+            <a:effectRef idx="0">
+              <a:schemeClr val="accent1"/>
+            </a:effectRef>
+            <a:fontRef idx="minor">
+              <a:schemeClr val="tx1"/>
+            </a:fontRef>
+          </p:style>
+        </p:cxnSp>
+        <p:grpSp>
+          <p:nvGrpSpPr>
+            <p:cNvPr id="98" name="Group 97">
+              <a:extLst>
+                <a:ext uri="{FF2B5EF4-FFF2-40B4-BE49-F238E27FC236}">
+                  <a16:creationId xmlns:a16="http://schemas.microsoft.com/office/drawing/2014/main" id="{8D8B55CA-9966-A312-939C-11B3EFDEA7FD}"/>
+                </a:ext>
+              </a:extLst>
+            </p:cNvPr>
+            <p:cNvGrpSpPr/>
+            <p:nvPr/>
+          </p:nvGrpSpPr>
+          <p:grpSpPr>
+            <a:xfrm>
+              <a:off x="7425671" y="1996073"/>
+              <a:ext cx="2601930" cy="111307"/>
+              <a:chOff x="2065106" y="1962364"/>
+              <a:chExt cx="2601930" cy="111307"/>
+            </a:xfrm>
+          </p:grpSpPr>
+          <p:sp>
+            <p:nvSpPr>
+              <p:cNvPr id="99" name="Rectangle 98">
+                <a:extLst>
+                  <a:ext uri="{FF2B5EF4-FFF2-40B4-BE49-F238E27FC236}">
+                    <a16:creationId xmlns:a16="http://schemas.microsoft.com/office/drawing/2014/main" id="{7D191E33-279C-6E5D-AB23-835ACDB24EC3}"/>
+                  </a:ext>
+                </a:extLst>
+              </p:cNvPr>
+              <p:cNvSpPr/>
+              <p:nvPr/>
+            </p:nvSpPr>
+            <p:spPr>
+              <a:xfrm>
+                <a:off x="2065106" y="1962364"/>
+                <a:ext cx="919537" cy="97605"/>
+              </a:xfrm>
+              <a:prstGeom prst="rect">
+                <a:avLst/>
+              </a:prstGeom>
+              <a:solidFill>
+                <a:srgbClr val="729FCF"/>
+              </a:solidFill>
+            </p:spPr>
+            <p:style>
+              <a:lnRef idx="2">
+                <a:schemeClr val="accent1">
+                  <a:shade val="50000"/>
+                </a:schemeClr>
+              </a:lnRef>
+              <a:fillRef idx="1">
+                <a:schemeClr val="accent1"/>
+              </a:fillRef>
+              <a:effectRef idx="0">
+                <a:schemeClr val="accent1"/>
+              </a:effectRef>
+              <a:fontRef idx="minor">
+                <a:schemeClr val="lt1"/>
+              </a:fontRef>
+            </p:style>
+            <p:txBody>
+              <a:bodyPr wrap="square" rtlCol="0" anchor="ctr">
+                <a:noAutofit/>
+              </a:bodyPr>
+              <a:lstStyle/>
+              <a:p>
+                <a:pPr algn="ctr"/>
+                <a:endParaRPr lang="en-US"/>
+              </a:p>
+            </p:txBody>
+          </p:sp>
+          <p:sp>
+            <p:nvSpPr>
+              <p:cNvPr id="100" name="Rectangle 99">
+                <a:extLst>
+                  <a:ext uri="{FF2B5EF4-FFF2-40B4-BE49-F238E27FC236}">
+                    <a16:creationId xmlns:a16="http://schemas.microsoft.com/office/drawing/2014/main" id="{DE9A585F-F018-76E7-5EA3-CFC144A7D7B8}"/>
+                  </a:ext>
+                </a:extLst>
+              </p:cNvPr>
+              <p:cNvSpPr/>
+              <p:nvPr/>
+            </p:nvSpPr>
+            <p:spPr>
+              <a:xfrm>
+                <a:off x="3747499" y="1976066"/>
+                <a:ext cx="919537" cy="97605"/>
+              </a:xfrm>
+              <a:prstGeom prst="rect">
+                <a:avLst/>
+              </a:prstGeom>
+              <a:solidFill>
+                <a:srgbClr val="729FCF"/>
+              </a:solidFill>
+            </p:spPr>
+            <p:style>
+              <a:lnRef idx="2">
+                <a:schemeClr val="accent1">
+                  <a:shade val="50000"/>
+                </a:schemeClr>
+              </a:lnRef>
+              <a:fillRef idx="1">
+                <a:schemeClr val="accent1"/>
+              </a:fillRef>
+              <a:effectRef idx="0">
+                <a:schemeClr val="accent1"/>
+              </a:effectRef>
+              <a:fontRef idx="minor">
+                <a:schemeClr val="lt1"/>
+              </a:fontRef>
+            </p:style>
+            <p:txBody>
+              <a:bodyPr wrap="square" rtlCol="0" anchor="ctr">
+                <a:noAutofit/>
+              </a:bodyPr>
+              <a:lstStyle/>
+              <a:p>
+                <a:pPr algn="ctr"/>
+                <a:endParaRPr lang="en-US"/>
+              </a:p>
+            </p:txBody>
+          </p:sp>
+        </p:grpSp>
+        <p:sp>
+          <p:nvSpPr>
+            <p:cNvPr id="106" name="TextBox 105">
+              <a:extLst>
+                <a:ext uri="{FF2B5EF4-FFF2-40B4-BE49-F238E27FC236}">
+                  <a16:creationId xmlns:a16="http://schemas.microsoft.com/office/drawing/2014/main" id="{6839765E-8434-A034-9FE7-35F3579879CE}"/>
+                </a:ext>
+              </a:extLst>
+            </p:cNvPr>
+            <p:cNvSpPr txBox="1"/>
+            <p:nvPr/>
+          </p:nvSpPr>
+          <p:spPr>
+            <a:xfrm>
+              <a:off x="8345208" y="4270264"/>
+              <a:ext cx="767261" cy="276999"/>
             </a:xfrm>
             <a:prstGeom prst="rect">
               <a:avLst/>
             </a:prstGeom>
+            <a:noFill/>
+            <a:ln>
+              <a:noFill/>
+            </a:ln>
+          </p:spPr>
+          <p:txBody>
+            <a:bodyPr wrap="none" rtlCol="0">
+              <a:spAutoFit/>
+            </a:bodyPr>
+            <a:lstStyle/>
+            <a:p>
+              <a:r>
+                <a:rPr lang="en-US" sz="1200" dirty="0"/>
+                <a:t>Diameter</a:t>
+              </a:r>
+            </a:p>
+          </p:txBody>
+        </p:sp>
+        <p:sp>
+          <p:nvSpPr>
+            <p:cNvPr id="111" name="TextBox 110">
+              <a:extLst>
+                <a:ext uri="{FF2B5EF4-FFF2-40B4-BE49-F238E27FC236}">
+                  <a16:creationId xmlns:a16="http://schemas.microsoft.com/office/drawing/2014/main" id="{7309BC8F-AA5E-8CCC-28C3-DF9354B1EF36}"/>
+                </a:ext>
+              </a:extLst>
+            </p:cNvPr>
+            <p:cNvSpPr txBox="1"/>
+            <p:nvPr/>
+          </p:nvSpPr>
+          <p:spPr>
+            <a:xfrm rot="16200000">
+              <a:off x="10704756" y="2701197"/>
+              <a:ext cx="607154" cy="276999"/>
+            </a:xfrm>
+            <a:prstGeom prst="rect">
+              <a:avLst/>
+            </a:prstGeom>
+            <a:noFill/>
+          </p:spPr>
+          <p:txBody>
+            <a:bodyPr wrap="none" rtlCol="0">
+              <a:spAutoFit/>
+            </a:bodyPr>
+            <a:lstStyle/>
+            <a:p>
+              <a:r>
+                <a:rPr lang="en-US" sz="1200" dirty="0"/>
+                <a:t>Length</a:t>
+              </a:r>
+            </a:p>
+          </p:txBody>
+        </p:sp>
+        <p:cxnSp>
+          <p:nvCxnSpPr>
+            <p:cNvPr id="112" name="Straight Arrow Connector 111">
+              <a:extLst>
+                <a:ext uri="{FF2B5EF4-FFF2-40B4-BE49-F238E27FC236}">
+                  <a16:creationId xmlns:a16="http://schemas.microsoft.com/office/drawing/2014/main" id="{E6765649-9FF3-173D-5A6F-00EBA671B673}"/>
+                </a:ext>
+              </a:extLst>
+            </p:cNvPr>
+            <p:cNvCxnSpPr>
+              <a:cxnSpLocks/>
+            </p:cNvCxnSpPr>
+            <p:nvPr/>
+          </p:nvCxnSpPr>
+          <p:spPr>
+            <a:xfrm flipH="1" flipV="1">
+              <a:off x="11101312" y="1911847"/>
+              <a:ext cx="24972" cy="1826302"/>
+            </a:xfrm>
+            <a:prstGeom prst="straightConnector1">
+              <a:avLst/>
+            </a:prstGeom>
+            <a:ln w="19050">
+              <a:solidFill>
+                <a:srgbClr val="000000"/>
+              </a:solidFill>
+              <a:headEnd type="triangle" w="lg" len="med"/>
+              <a:tailEnd type="triangle" w="lg" len="med"/>
+            </a:ln>
+          </p:spPr>
+          <p:style>
+            <a:lnRef idx="1">
+              <a:schemeClr val="accent1"/>
+            </a:lnRef>
+            <a:fillRef idx="0">
+              <a:schemeClr val="accent1"/>
+            </a:fillRef>
+            <a:effectRef idx="0">
+              <a:schemeClr val="accent1"/>
+            </a:effectRef>
+            <a:fontRef idx="minor">
+              <a:schemeClr val="tx1"/>
+            </a:fontRef>
+          </p:style>
+        </p:cxnSp>
+        <p:grpSp>
+          <p:nvGrpSpPr>
+            <p:cNvPr id="113" name="Group 112">
+              <a:extLst>
+                <a:ext uri="{FF2B5EF4-FFF2-40B4-BE49-F238E27FC236}">
+                  <a16:creationId xmlns:a16="http://schemas.microsoft.com/office/drawing/2014/main" id="{7CA609C6-9123-06AB-D4D9-883854B64C63}"/>
+                </a:ext>
+              </a:extLst>
+            </p:cNvPr>
+            <p:cNvGrpSpPr/>
+            <p:nvPr/>
+          </p:nvGrpSpPr>
+          <p:grpSpPr>
+            <a:xfrm>
+              <a:off x="8760222" y="1911847"/>
+              <a:ext cx="2581925" cy="1833855"/>
+              <a:chOff x="3786562" y="1874236"/>
+              <a:chExt cx="2074685" cy="2910094"/>
+            </a:xfrm>
+          </p:grpSpPr>
+          <p:cxnSp>
+            <p:nvCxnSpPr>
+              <p:cNvPr id="114" name="Straight Connector 113">
+                <a:extLst>
+                  <a:ext uri="{FF2B5EF4-FFF2-40B4-BE49-F238E27FC236}">
+                    <a16:creationId xmlns:a16="http://schemas.microsoft.com/office/drawing/2014/main" id="{6D4040E4-435D-FC5F-D2D2-65E9FEAE7D2D}"/>
+                  </a:ext>
+                </a:extLst>
+              </p:cNvPr>
+              <p:cNvCxnSpPr>
+                <a:cxnSpLocks/>
+              </p:cNvCxnSpPr>
+              <p:nvPr/>
+            </p:nvCxnSpPr>
+            <p:spPr>
+              <a:xfrm flipH="1">
+                <a:off x="3786562" y="4772345"/>
+                <a:ext cx="2006531" cy="11985"/>
+              </a:xfrm>
+              <a:prstGeom prst="line">
+                <a:avLst/>
+              </a:prstGeom>
+              <a:ln w="19050">
+                <a:solidFill>
+                  <a:srgbClr val="000000"/>
+                </a:solidFill>
+              </a:ln>
+            </p:spPr>
+            <p:style>
+              <a:lnRef idx="1">
+                <a:schemeClr val="accent2"/>
+              </a:lnRef>
+              <a:fillRef idx="0">
+                <a:schemeClr val="accent2"/>
+              </a:fillRef>
+              <a:effectRef idx="0">
+                <a:schemeClr val="accent2"/>
+              </a:effectRef>
+              <a:fontRef idx="minor">
+                <a:schemeClr val="tx1"/>
+              </a:fontRef>
+            </p:style>
+          </p:cxnSp>
+          <p:cxnSp>
+            <p:nvCxnSpPr>
+              <p:cNvPr id="115" name="Straight Connector 114">
+                <a:extLst>
+                  <a:ext uri="{FF2B5EF4-FFF2-40B4-BE49-F238E27FC236}">
+                    <a16:creationId xmlns:a16="http://schemas.microsoft.com/office/drawing/2014/main" id="{57CF684B-7173-BF6E-54F1-0299F532B3C2}"/>
+                  </a:ext>
+                </a:extLst>
+              </p:cNvPr>
+              <p:cNvCxnSpPr>
+                <a:cxnSpLocks/>
+              </p:cNvCxnSpPr>
+              <p:nvPr/>
+            </p:nvCxnSpPr>
+            <p:spPr>
+              <a:xfrm>
+                <a:off x="4135348" y="1874236"/>
+                <a:ext cx="1725899" cy="0"/>
+              </a:xfrm>
+              <a:prstGeom prst="line">
+                <a:avLst/>
+              </a:prstGeom>
+              <a:ln w="19050">
+                <a:solidFill>
+                  <a:srgbClr val="000000"/>
+                </a:solidFill>
+              </a:ln>
+            </p:spPr>
+            <p:style>
+              <a:lnRef idx="1">
+                <a:schemeClr val="accent2"/>
+              </a:lnRef>
+              <a:fillRef idx="0">
+                <a:schemeClr val="accent2"/>
+              </a:fillRef>
+              <a:effectRef idx="0">
+                <a:schemeClr val="accent2"/>
+              </a:effectRef>
+              <a:fontRef idx="minor">
+                <a:schemeClr val="tx1"/>
+              </a:fontRef>
+            </p:style>
+          </p:cxnSp>
+        </p:grpSp>
+        <p:grpSp>
+          <p:nvGrpSpPr>
+            <p:cNvPr id="118" name="Group 117">
+              <a:extLst>
+                <a:ext uri="{FF2B5EF4-FFF2-40B4-BE49-F238E27FC236}">
+                  <a16:creationId xmlns:a16="http://schemas.microsoft.com/office/drawing/2014/main" id="{C80B3D1D-13B3-6285-A4F1-25D0FAB9A915}"/>
+                </a:ext>
+              </a:extLst>
+            </p:cNvPr>
+            <p:cNvGrpSpPr/>
+            <p:nvPr/>
+          </p:nvGrpSpPr>
+          <p:grpSpPr>
+            <a:xfrm>
+              <a:off x="7425671" y="345002"/>
+              <a:ext cx="2601930" cy="1488030"/>
+              <a:chOff x="2065105" y="340770"/>
+              <a:chExt cx="2601930" cy="1488030"/>
+            </a:xfrm>
+          </p:grpSpPr>
+          <p:cxnSp>
+            <p:nvCxnSpPr>
+              <p:cNvPr id="119" name="Straight Connector 118">
+                <a:extLst>
+                  <a:ext uri="{FF2B5EF4-FFF2-40B4-BE49-F238E27FC236}">
+                    <a16:creationId xmlns:a16="http://schemas.microsoft.com/office/drawing/2014/main" id="{B7E81E50-2FA7-6A80-4051-BAE0F9FCDD03}"/>
+                  </a:ext>
+                </a:extLst>
+              </p:cNvPr>
+              <p:cNvCxnSpPr>
+                <a:cxnSpLocks/>
+              </p:cNvCxnSpPr>
+              <p:nvPr/>
+            </p:nvCxnSpPr>
+            <p:spPr>
+              <a:xfrm>
+                <a:off x="2065105" y="340770"/>
+                <a:ext cx="0" cy="1488030"/>
+              </a:xfrm>
+              <a:prstGeom prst="line">
+                <a:avLst/>
+              </a:prstGeom>
+              <a:ln w="19050">
+                <a:solidFill>
+                  <a:srgbClr val="000000"/>
+                </a:solidFill>
+              </a:ln>
+            </p:spPr>
+            <p:style>
+              <a:lnRef idx="1">
+                <a:schemeClr val="accent2"/>
+              </a:lnRef>
+              <a:fillRef idx="0">
+                <a:schemeClr val="accent2"/>
+              </a:fillRef>
+              <a:effectRef idx="0">
+                <a:schemeClr val="accent2"/>
+              </a:effectRef>
+              <a:fontRef idx="minor">
+                <a:schemeClr val="tx1"/>
+              </a:fontRef>
+            </p:style>
+          </p:cxnSp>
+          <p:cxnSp>
+            <p:nvCxnSpPr>
+              <p:cNvPr id="120" name="Straight Connector 119">
+                <a:extLst>
+                  <a:ext uri="{FF2B5EF4-FFF2-40B4-BE49-F238E27FC236}">
+                    <a16:creationId xmlns:a16="http://schemas.microsoft.com/office/drawing/2014/main" id="{00E09C59-ECD3-6219-D0E0-E202D4FBF043}"/>
+                  </a:ext>
+                </a:extLst>
+              </p:cNvPr>
+              <p:cNvCxnSpPr>
+                <a:cxnSpLocks/>
+              </p:cNvCxnSpPr>
+              <p:nvPr/>
+            </p:nvCxnSpPr>
+            <p:spPr>
+              <a:xfrm>
+                <a:off x="4667035" y="340770"/>
+                <a:ext cx="0" cy="1488030"/>
+              </a:xfrm>
+              <a:prstGeom prst="line">
+                <a:avLst/>
+              </a:prstGeom>
+              <a:ln w="19050">
+                <a:solidFill>
+                  <a:srgbClr val="000000"/>
+                </a:solidFill>
+              </a:ln>
+            </p:spPr>
+            <p:style>
+              <a:lnRef idx="1">
+                <a:schemeClr val="accent2"/>
+              </a:lnRef>
+              <a:fillRef idx="0">
+                <a:schemeClr val="accent2"/>
+              </a:fillRef>
+              <a:effectRef idx="0">
+                <a:schemeClr val="accent2"/>
+              </a:effectRef>
+              <a:fontRef idx="minor">
+                <a:schemeClr val="tx1"/>
+              </a:fontRef>
+            </p:style>
+          </p:cxnSp>
+        </p:grpSp>
+        <p:grpSp>
+          <p:nvGrpSpPr>
+            <p:cNvPr id="121" name="Group 120">
+              <a:extLst>
+                <a:ext uri="{FF2B5EF4-FFF2-40B4-BE49-F238E27FC236}">
+                  <a16:creationId xmlns:a16="http://schemas.microsoft.com/office/drawing/2014/main" id="{BE59FDEF-3A34-21B3-6710-86753143DC0C}"/>
+                </a:ext>
+              </a:extLst>
+            </p:cNvPr>
+            <p:cNvGrpSpPr/>
+            <p:nvPr/>
+          </p:nvGrpSpPr>
+          <p:grpSpPr>
+            <a:xfrm>
+              <a:off x="7872597" y="780862"/>
+              <a:ext cx="1623316" cy="308139"/>
+              <a:chOff x="2065105" y="340770"/>
+              <a:chExt cx="2601930" cy="1488030"/>
+            </a:xfrm>
+          </p:grpSpPr>
+          <p:cxnSp>
+            <p:nvCxnSpPr>
+              <p:cNvPr id="122" name="Straight Connector 121">
+                <a:extLst>
+                  <a:ext uri="{FF2B5EF4-FFF2-40B4-BE49-F238E27FC236}">
+                    <a16:creationId xmlns:a16="http://schemas.microsoft.com/office/drawing/2014/main" id="{D1316886-3820-A970-D434-3A8AC0E34247}"/>
+                  </a:ext>
+                </a:extLst>
+              </p:cNvPr>
+              <p:cNvCxnSpPr>
+                <a:cxnSpLocks/>
+              </p:cNvCxnSpPr>
+              <p:nvPr/>
+            </p:nvCxnSpPr>
+            <p:spPr>
+              <a:xfrm>
+                <a:off x="2065105" y="340770"/>
+                <a:ext cx="0" cy="1488030"/>
+              </a:xfrm>
+              <a:prstGeom prst="line">
+                <a:avLst/>
+              </a:prstGeom>
+              <a:ln w="19050">
+                <a:solidFill>
+                  <a:srgbClr val="000000"/>
+                </a:solidFill>
+              </a:ln>
+            </p:spPr>
+            <p:style>
+              <a:lnRef idx="1">
+                <a:schemeClr val="accent2"/>
+              </a:lnRef>
+              <a:fillRef idx="0">
+                <a:schemeClr val="accent2"/>
+              </a:fillRef>
+              <a:effectRef idx="0">
+                <a:schemeClr val="accent2"/>
+              </a:effectRef>
+              <a:fontRef idx="minor">
+                <a:schemeClr val="tx1"/>
+              </a:fontRef>
+            </p:style>
+          </p:cxnSp>
+          <p:cxnSp>
+            <p:nvCxnSpPr>
+              <p:cNvPr id="123" name="Straight Connector 122">
+                <a:extLst>
+                  <a:ext uri="{FF2B5EF4-FFF2-40B4-BE49-F238E27FC236}">
+                    <a16:creationId xmlns:a16="http://schemas.microsoft.com/office/drawing/2014/main" id="{F926AC59-4433-8746-746C-CB656B8CFF09}"/>
+                  </a:ext>
+                </a:extLst>
+              </p:cNvPr>
+              <p:cNvCxnSpPr>
+                <a:cxnSpLocks/>
+              </p:cNvCxnSpPr>
+              <p:nvPr/>
+            </p:nvCxnSpPr>
+            <p:spPr>
+              <a:xfrm>
+                <a:off x="4667035" y="340770"/>
+                <a:ext cx="0" cy="1488030"/>
+              </a:xfrm>
+              <a:prstGeom prst="line">
+                <a:avLst/>
+              </a:prstGeom>
+              <a:ln w="19050">
+                <a:solidFill>
+                  <a:srgbClr val="000000"/>
+                </a:solidFill>
+              </a:ln>
+            </p:spPr>
+            <p:style>
+              <a:lnRef idx="1">
+                <a:schemeClr val="accent2"/>
+              </a:lnRef>
+              <a:fillRef idx="0">
+                <a:schemeClr val="accent2"/>
+              </a:fillRef>
+              <a:effectRef idx="0">
+                <a:schemeClr val="accent2"/>
+              </a:effectRef>
+              <a:fontRef idx="minor">
+                <a:schemeClr val="tx1"/>
+              </a:fontRef>
+            </p:style>
+          </p:cxnSp>
+        </p:grpSp>
+        <p:cxnSp>
+          <p:nvCxnSpPr>
+            <p:cNvPr id="124" name="Straight Arrow Connector 123">
+              <a:extLst>
+                <a:ext uri="{FF2B5EF4-FFF2-40B4-BE49-F238E27FC236}">
+                  <a16:creationId xmlns:a16="http://schemas.microsoft.com/office/drawing/2014/main" id="{BC896ED9-F671-D9A5-5472-B4985598BD79}"/>
+                </a:ext>
+              </a:extLst>
+            </p:cNvPr>
+            <p:cNvCxnSpPr>
+              <a:cxnSpLocks/>
+            </p:cNvCxnSpPr>
+            <p:nvPr/>
+          </p:nvCxnSpPr>
+          <p:spPr>
+            <a:xfrm>
+              <a:off x="7422490" y="435874"/>
+              <a:ext cx="2601930" cy="0"/>
+            </a:xfrm>
+            <a:prstGeom prst="straightConnector1">
+              <a:avLst/>
+            </a:prstGeom>
+            <a:ln w="19050">
+              <a:solidFill>
+                <a:srgbClr val="000000"/>
+              </a:solidFill>
+              <a:headEnd type="triangle" w="lg" len="med"/>
+              <a:tailEnd type="triangle" w="lg" len="med"/>
+            </a:ln>
+          </p:spPr>
+          <p:style>
+            <a:lnRef idx="1">
+              <a:schemeClr val="accent1"/>
+            </a:lnRef>
+            <a:fillRef idx="0">
+              <a:schemeClr val="accent1"/>
+            </a:fillRef>
+            <a:effectRef idx="0">
+              <a:schemeClr val="accent1"/>
+            </a:effectRef>
+            <a:fontRef idx="minor">
+              <a:schemeClr val="tx1"/>
+            </a:fontRef>
+          </p:style>
+        </p:cxnSp>
+        <p:cxnSp>
+          <p:nvCxnSpPr>
+            <p:cNvPr id="125" name="Straight Arrow Connector 124">
+              <a:extLst>
+                <a:ext uri="{FF2B5EF4-FFF2-40B4-BE49-F238E27FC236}">
+                  <a16:creationId xmlns:a16="http://schemas.microsoft.com/office/drawing/2014/main" id="{ACF54E83-5F31-BC77-729F-9950929A68D1}"/>
+                </a:ext>
+              </a:extLst>
+            </p:cNvPr>
+            <p:cNvCxnSpPr>
+              <a:cxnSpLocks/>
+            </p:cNvCxnSpPr>
+            <p:nvPr/>
+          </p:nvCxnSpPr>
+          <p:spPr>
+            <a:xfrm flipV="1">
+              <a:off x="7872596" y="861837"/>
+              <a:ext cx="1623317" cy="16601"/>
+            </a:xfrm>
+            <a:prstGeom prst="straightConnector1">
+              <a:avLst/>
+            </a:prstGeom>
+            <a:ln w="19050">
+              <a:solidFill>
+                <a:srgbClr val="000000"/>
+              </a:solidFill>
+              <a:headEnd type="triangle" w="lg" len="med"/>
+              <a:tailEnd type="triangle" w="lg" len="med"/>
+            </a:ln>
+          </p:spPr>
+          <p:style>
+            <a:lnRef idx="1">
+              <a:schemeClr val="accent1"/>
+            </a:lnRef>
+            <a:fillRef idx="0">
+              <a:schemeClr val="accent1"/>
+            </a:fillRef>
+            <a:effectRef idx="0">
+              <a:schemeClr val="accent1"/>
+            </a:effectRef>
+            <a:fontRef idx="minor">
+              <a:schemeClr val="tx1"/>
+            </a:fontRef>
+          </p:style>
+        </p:cxnSp>
+        <p:sp>
+          <p:nvSpPr>
+            <p:cNvPr id="126" name="TextBox 125">
+              <a:extLst>
+                <a:ext uri="{FF2B5EF4-FFF2-40B4-BE49-F238E27FC236}">
+                  <a16:creationId xmlns:a16="http://schemas.microsoft.com/office/drawing/2014/main" id="{FF16258C-575B-9E36-3EA4-7AED416F1938}"/>
+                </a:ext>
+              </a:extLst>
+            </p:cNvPr>
+            <p:cNvSpPr txBox="1"/>
+            <p:nvPr/>
+          </p:nvSpPr>
+          <p:spPr>
+            <a:xfrm>
+              <a:off x="8172992" y="139755"/>
+              <a:ext cx="1022524" cy="276999"/>
+            </a:xfrm>
+            <a:prstGeom prst="rect">
+              <a:avLst/>
+            </a:prstGeom>
+            <a:noFill/>
+          </p:spPr>
+          <p:txBody>
+            <a:bodyPr wrap="none" rtlCol="0">
+              <a:spAutoFit/>
+            </a:bodyPr>
+            <a:lstStyle/>
+            <a:p>
+              <a:r>
+                <a:rPr lang="en-US" sz="1200" dirty="0"/>
+                <a:t>Head Washer</a:t>
+              </a:r>
+            </a:p>
+          </p:txBody>
+        </p:sp>
+        <p:sp>
+          <p:nvSpPr>
+            <p:cNvPr id="127" name="TextBox 126">
+              <a:extLst>
+                <a:ext uri="{FF2B5EF4-FFF2-40B4-BE49-F238E27FC236}">
+                  <a16:creationId xmlns:a16="http://schemas.microsoft.com/office/drawing/2014/main" id="{8CD78940-7320-1F39-E2B8-5DBE40B166E4}"/>
+                </a:ext>
+              </a:extLst>
+            </p:cNvPr>
+            <p:cNvSpPr txBox="1"/>
+            <p:nvPr/>
+          </p:nvSpPr>
+          <p:spPr>
+            <a:xfrm>
+              <a:off x="8111553" y="642846"/>
+              <a:ext cx="1129540" cy="276999"/>
+            </a:xfrm>
+            <a:prstGeom prst="rect">
+              <a:avLst/>
+            </a:prstGeom>
+            <a:noFill/>
+            <a:ln>
+              <a:noFill/>
+            </a:ln>
+          </p:spPr>
+          <p:txBody>
+            <a:bodyPr wrap="none" rtlCol="0">
+              <a:spAutoFit/>
+            </a:bodyPr>
+            <a:lstStyle/>
+            <a:p>
+              <a:r>
+                <a:rPr lang="en-US" sz="1200" dirty="0"/>
+                <a:t>Head Diameter</a:t>
+              </a:r>
+            </a:p>
+          </p:txBody>
+        </p:sp>
+      </p:grpSp>
+    </p:spTree>
+    <p:extLst>
+      <p:ext uri="{BB962C8B-B14F-4D97-AF65-F5344CB8AC3E}">
+        <p14:creationId xmlns:p14="http://schemas.microsoft.com/office/powerpoint/2010/main" val="2207892408"/>
+      </p:ext>
+    </p:extLst>
+  </p:cSld>
+  <p:clrMapOvr>
+    <a:masterClrMapping/>
+  </p:clrMapOvr>
+</p:sld>
+</file>
+
+<file path=ppt/slides/slide2.xml><?xml version="1.0" encoding="utf-8"?>
+<p:sld xmlns:a="http://schemas.openxmlformats.org/drawingml/2006/main" xmlns:r="http://schemas.openxmlformats.org/officeDocument/2006/relationships" xmlns:p="http://schemas.openxmlformats.org/presentationml/2006/main">
+  <p:cSld>
+    <p:spTree>
+      <p:nvGrpSpPr>
+        <p:cNvPr id="1" name=""/>
+        <p:cNvGrpSpPr/>
+        <p:nvPr/>
+      </p:nvGrpSpPr>
+      <p:grpSpPr>
+        <a:xfrm>
+          <a:off x="0" y="0"/>
+          <a:ext cx="0" cy="0"/>
+          <a:chOff x="0" y="0"/>
+          <a:chExt cx="0" cy="0"/>
+        </a:xfrm>
+      </p:grpSpPr>
+      <p:grpSp>
+        <p:nvGrpSpPr>
+          <p:cNvPr id="2" name="Gruppieren 1">
+            <a:extLst>
+              <a:ext uri="{FF2B5EF4-FFF2-40B4-BE49-F238E27FC236}">
+                <a16:creationId xmlns:a16="http://schemas.microsoft.com/office/drawing/2014/main" id="{BC7B7F03-7341-BCE6-3A6B-50292AB5A1EA}"/>
+              </a:ext>
+            </a:extLst>
+          </p:cNvPr>
+          <p:cNvGrpSpPr/>
+          <p:nvPr/>
+        </p:nvGrpSpPr>
+        <p:grpSpPr>
+          <a:xfrm>
+            <a:off x="2104302" y="1267587"/>
+            <a:ext cx="8840779" cy="4996671"/>
+            <a:chOff x="2104302" y="1267587"/>
+            <a:chExt cx="8840779" cy="4996671"/>
+          </a:xfrm>
+        </p:grpSpPr>
+        <p:cxnSp>
+          <p:nvCxnSpPr>
+            <p:cNvPr id="23" name="Straight Connector 22">
+              <a:extLst>
+                <a:ext uri="{FF2B5EF4-FFF2-40B4-BE49-F238E27FC236}">
+                  <a16:creationId xmlns:a16="http://schemas.microsoft.com/office/drawing/2014/main" id="{5C0A5883-AD67-323C-EF56-05A10EF951C2}"/>
+                </a:ext>
+              </a:extLst>
+            </p:cNvPr>
+            <p:cNvCxnSpPr>
+              <a:cxnSpLocks/>
+            </p:cNvCxnSpPr>
+            <p:nvPr/>
+          </p:nvCxnSpPr>
+          <p:spPr>
+            <a:xfrm>
+              <a:off x="2349397" y="2791202"/>
+              <a:ext cx="8595684" cy="0"/>
+            </a:xfrm>
+            <a:prstGeom prst="line">
+              <a:avLst/>
+            </a:prstGeom>
+            <a:ln w="12700">
+              <a:solidFill>
+                <a:schemeClr val="tx1"/>
+              </a:solidFill>
+            </a:ln>
+          </p:spPr>
+          <p:style>
+            <a:lnRef idx="1">
+              <a:schemeClr val="accent2"/>
+            </a:lnRef>
+            <a:fillRef idx="0">
+              <a:schemeClr val="accent2"/>
+            </a:fillRef>
+            <a:effectRef idx="0">
+              <a:schemeClr val="accent2"/>
+            </a:effectRef>
+            <a:fontRef idx="minor">
+              <a:schemeClr val="tx1"/>
+            </a:fontRef>
+          </p:style>
+        </p:cxnSp>
+        <p:cxnSp>
+          <p:nvCxnSpPr>
+            <p:cNvPr id="29" name="Straight Connector 28">
+              <a:extLst>
+                <a:ext uri="{FF2B5EF4-FFF2-40B4-BE49-F238E27FC236}">
+                  <a16:creationId xmlns:a16="http://schemas.microsoft.com/office/drawing/2014/main" id="{A8A18DBC-D9A1-19DA-35C0-F4991D6BC7CB}"/>
+                </a:ext>
+              </a:extLst>
+            </p:cNvPr>
+            <p:cNvCxnSpPr>
+              <a:cxnSpLocks/>
+              <a:stCxn id="19" idx="8"/>
+            </p:cNvCxnSpPr>
+            <p:nvPr/>
+          </p:nvCxnSpPr>
+          <p:spPr>
+            <a:xfrm flipH="1">
+              <a:off x="2349397" y="3108818"/>
+              <a:ext cx="4343510" cy="7479"/>
+            </a:xfrm>
+            <a:prstGeom prst="line">
+              <a:avLst/>
+            </a:prstGeom>
+            <a:ln w="12700">
+              <a:solidFill>
+                <a:schemeClr val="tx1"/>
+              </a:solidFill>
+            </a:ln>
+          </p:spPr>
+          <p:style>
+            <a:lnRef idx="1">
+              <a:schemeClr val="accent2"/>
+            </a:lnRef>
+            <a:fillRef idx="0">
+              <a:schemeClr val="accent2"/>
+            </a:fillRef>
+            <a:effectRef idx="0">
+              <a:schemeClr val="accent2"/>
+            </a:effectRef>
+            <a:fontRef idx="minor">
+              <a:schemeClr val="tx1"/>
+            </a:fontRef>
+          </p:style>
+        </p:cxnSp>
+        <p:sp>
+          <p:nvSpPr>
+            <p:cNvPr id="18" name="Freeform: Shape 17">
+              <a:extLst>
+                <a:ext uri="{FF2B5EF4-FFF2-40B4-BE49-F238E27FC236}">
+                  <a16:creationId xmlns:a16="http://schemas.microsoft.com/office/drawing/2014/main" id="{D73352ED-42B1-19F5-88F3-5B3627F6255F}"/>
+                </a:ext>
+              </a:extLst>
+            </p:cNvPr>
+            <p:cNvSpPr/>
+            <p:nvPr/>
+          </p:nvSpPr>
+          <p:spPr>
+            <a:xfrm flipV="1">
+              <a:off x="2800709" y="2795617"/>
+              <a:ext cx="1886310" cy="2477430"/>
+            </a:xfrm>
+            <a:custGeom>
+              <a:avLst/>
+              <a:gdLst>
+                <a:gd name="connsiteX0" fmla="*/ 0 w 1886310"/>
+                <a:gd name="connsiteY0" fmla="*/ 2477430 h 2477430"/>
+                <a:gd name="connsiteX1" fmla="*/ 530736 w 1886310"/>
+                <a:gd name="connsiteY1" fmla="*/ 2477430 h 2477430"/>
+                <a:gd name="connsiteX2" fmla="*/ 1299530 w 1886310"/>
+                <a:gd name="connsiteY2" fmla="*/ 2477430 h 2477430"/>
+                <a:gd name="connsiteX3" fmla="*/ 1886310 w 1886310"/>
+                <a:gd name="connsiteY3" fmla="*/ 2477430 h 2477430"/>
+                <a:gd name="connsiteX4" fmla="*/ 1299530 w 1886310"/>
+                <a:gd name="connsiteY4" fmla="*/ 2159770 h 2477430"/>
+                <a:gd name="connsiteX5" fmla="*/ 1299530 w 1886310"/>
+                <a:gd name="connsiteY5" fmla="*/ 258408 h 2477430"/>
+                <a:gd name="connsiteX6" fmla="*/ 910443 w 1886310"/>
+                <a:gd name="connsiteY6" fmla="*/ 0 h 2477430"/>
+                <a:gd name="connsiteX7" fmla="*/ 530736 w 1886310"/>
+                <a:gd name="connsiteY7" fmla="*/ 258408 h 2477430"/>
+                <a:gd name="connsiteX8" fmla="*/ 530736 w 1886310"/>
+                <a:gd name="connsiteY8" fmla="*/ 2183014 h 2477430"/>
+              </a:gdLst>
+              <a:ahLst/>
+              <a:cxnLst>
+                <a:cxn ang="0">
+                  <a:pos x="connsiteX0" y="connsiteY0"/>
+                </a:cxn>
+                <a:cxn ang="0">
+                  <a:pos x="connsiteX1" y="connsiteY1"/>
+                </a:cxn>
+                <a:cxn ang="0">
+                  <a:pos x="connsiteX2" y="connsiteY2"/>
+                </a:cxn>
+                <a:cxn ang="0">
+                  <a:pos x="connsiteX3" y="connsiteY3"/>
+                </a:cxn>
+                <a:cxn ang="0">
+                  <a:pos x="connsiteX4" y="connsiteY4"/>
+                </a:cxn>
+                <a:cxn ang="0">
+                  <a:pos x="connsiteX5" y="connsiteY5"/>
+                </a:cxn>
+                <a:cxn ang="0">
+                  <a:pos x="connsiteX6" y="connsiteY6"/>
+                </a:cxn>
+                <a:cxn ang="0">
+                  <a:pos x="connsiteX7" y="connsiteY7"/>
+                </a:cxn>
+                <a:cxn ang="0">
+                  <a:pos x="connsiteX8" y="connsiteY8"/>
+                </a:cxn>
+              </a:cxnLst>
+              <a:rect l="l" t="t" r="r" b="b"/>
+              <a:pathLst>
+                <a:path w="1886310" h="2477430">
+                  <a:moveTo>
+                    <a:pt x="0" y="2477430"/>
+                  </a:moveTo>
+                  <a:lnTo>
+                    <a:pt x="530736" y="2477430"/>
+                  </a:lnTo>
+                  <a:lnTo>
+                    <a:pt x="1299530" y="2477430"/>
+                  </a:lnTo>
+                  <a:lnTo>
+                    <a:pt x="1886310" y="2477430"/>
+                  </a:lnTo>
+                  <a:lnTo>
+                    <a:pt x="1299530" y="2159770"/>
+                  </a:lnTo>
+                  <a:lnTo>
+                    <a:pt x="1299530" y="258408"/>
+                  </a:lnTo>
+                  <a:lnTo>
+                    <a:pt x="910443" y="0"/>
+                  </a:lnTo>
+                  <a:lnTo>
+                    <a:pt x="530736" y="258408"/>
+                  </a:lnTo>
+                  <a:lnTo>
+                    <a:pt x="530736" y="2183014"/>
+                  </a:lnTo>
+                  <a:close/>
+                </a:path>
+              </a:pathLst>
+            </a:custGeom>
             <a:solidFill>
               <a:srgbClr val="729FCF"/>
             </a:solidFill>
@@ -5850,409 +7029,384 @@
             </a:p>
           </p:txBody>
         </p:sp>
-      </p:grpSp>
-      <p:sp>
-        <p:nvSpPr>
-          <p:cNvPr id="101" name="TextBox 100">
-            <a:extLst>
-              <a:ext uri="{FF2B5EF4-FFF2-40B4-BE49-F238E27FC236}">
-                <a16:creationId xmlns:a16="http://schemas.microsoft.com/office/drawing/2014/main" id="{6972D580-4047-80A7-6A3B-6E71D9FEF4B6}"/>
-              </a:ext>
-            </a:extLst>
-          </p:cNvPr>
-          <p:cNvSpPr txBox="1"/>
-          <p:nvPr/>
-        </p:nvSpPr>
-        <p:spPr>
-          <a:xfrm>
-            <a:off x="2812426" y="135523"/>
-            <a:ext cx="1022524" cy="276999"/>
-          </a:xfrm>
-          <a:prstGeom prst="rect">
-            <a:avLst/>
-          </a:prstGeom>
-          <a:noFill/>
-        </p:spPr>
-        <p:txBody>
-          <a:bodyPr wrap="none" rtlCol="0">
-            <a:spAutoFit/>
-          </a:bodyPr>
-          <a:lstStyle/>
-          <a:p>
-            <a:r>
-              <a:rPr lang="en-US" sz="1200" dirty="0"/>
-              <a:t>Head Washer</a:t>
-            </a:r>
-          </a:p>
-        </p:txBody>
-      </p:sp>
-      <p:sp>
-        <p:nvSpPr>
-          <p:cNvPr id="102" name="TextBox 101">
-            <a:extLst>
-              <a:ext uri="{FF2B5EF4-FFF2-40B4-BE49-F238E27FC236}">
-                <a16:creationId xmlns:a16="http://schemas.microsoft.com/office/drawing/2014/main" id="{D290269D-1F9B-A5C4-6260-9ECA31376ECA}"/>
-              </a:ext>
-            </a:extLst>
-          </p:cNvPr>
-          <p:cNvSpPr txBox="1"/>
-          <p:nvPr/>
-        </p:nvSpPr>
-        <p:spPr>
-          <a:xfrm>
-            <a:off x="2750987" y="638614"/>
-            <a:ext cx="1129540" cy="276999"/>
-          </a:xfrm>
-          <a:prstGeom prst="rect">
-            <a:avLst/>
-          </a:prstGeom>
-          <a:noFill/>
-        </p:spPr>
-        <p:txBody>
-          <a:bodyPr wrap="none" rtlCol="0">
-            <a:spAutoFit/>
-          </a:bodyPr>
-          <a:lstStyle/>
-          <a:p>
-            <a:r>
-              <a:rPr lang="en-US" sz="1200" dirty="0"/>
-              <a:t>Head Diameter</a:t>
-            </a:r>
-          </a:p>
-        </p:txBody>
-      </p:sp>
-      <p:sp>
-        <p:nvSpPr>
-          <p:cNvPr id="103" name="TextBox 102">
-            <a:extLst>
-              <a:ext uri="{FF2B5EF4-FFF2-40B4-BE49-F238E27FC236}">
-                <a16:creationId xmlns:a16="http://schemas.microsoft.com/office/drawing/2014/main" id="{F92968C4-3135-76D7-234C-EF14689F78F2}"/>
-              </a:ext>
-            </a:extLst>
-          </p:cNvPr>
-          <p:cNvSpPr txBox="1"/>
-          <p:nvPr/>
-        </p:nvSpPr>
-        <p:spPr>
-          <a:xfrm>
-            <a:off x="2965427" y="5286613"/>
-            <a:ext cx="767261" cy="276999"/>
-          </a:xfrm>
-          <a:prstGeom prst="rect">
-            <a:avLst/>
-          </a:prstGeom>
-          <a:noFill/>
-          <a:ln>
-            <a:noFill/>
-          </a:ln>
-        </p:spPr>
-        <p:txBody>
-          <a:bodyPr wrap="none" rtlCol="0">
-            <a:spAutoFit/>
-          </a:bodyPr>
-          <a:lstStyle/>
-          <a:p>
-            <a:r>
-              <a:rPr lang="en-US" sz="1200" dirty="0"/>
-              <a:t>Diameter</a:t>
-            </a:r>
-          </a:p>
-        </p:txBody>
-      </p:sp>
-      <p:sp>
-        <p:nvSpPr>
-          <p:cNvPr id="104" name="TextBox 103">
-            <a:extLst>
-              <a:ext uri="{FF2B5EF4-FFF2-40B4-BE49-F238E27FC236}">
-                <a16:creationId xmlns:a16="http://schemas.microsoft.com/office/drawing/2014/main" id="{AC6E8237-B9EB-2581-70CE-589A5922D640}"/>
-              </a:ext>
-            </a:extLst>
-          </p:cNvPr>
-          <p:cNvSpPr txBox="1"/>
-          <p:nvPr/>
-        </p:nvSpPr>
-        <p:spPr>
-          <a:xfrm>
-            <a:off x="2882628" y="6500705"/>
-            <a:ext cx="961610" cy="276999"/>
-          </a:xfrm>
-          <a:prstGeom prst="rect">
-            <a:avLst/>
-          </a:prstGeom>
-          <a:noFill/>
-        </p:spPr>
-        <p:txBody>
-          <a:bodyPr wrap="none" rtlCol="0">
-            <a:spAutoFit/>
-          </a:bodyPr>
-          <a:lstStyle/>
-          <a:p>
-            <a:r>
-              <a:rPr lang="en-US" sz="1200" dirty="0"/>
-              <a:t>Nut Washer </a:t>
-            </a:r>
-          </a:p>
-        </p:txBody>
-      </p:sp>
-      <p:sp>
-        <p:nvSpPr>
-          <p:cNvPr id="105" name="TextBox 104">
-            <a:extLst>
-              <a:ext uri="{FF2B5EF4-FFF2-40B4-BE49-F238E27FC236}">
-                <a16:creationId xmlns:a16="http://schemas.microsoft.com/office/drawing/2014/main" id="{1BC182CE-106C-2942-0060-87D22C80D771}"/>
-              </a:ext>
-            </a:extLst>
-          </p:cNvPr>
-          <p:cNvSpPr txBox="1"/>
-          <p:nvPr/>
-        </p:nvSpPr>
-        <p:spPr>
-          <a:xfrm>
-            <a:off x="2847167" y="5950365"/>
-            <a:ext cx="1033360" cy="276999"/>
-          </a:xfrm>
-          <a:prstGeom prst="rect">
-            <a:avLst/>
-          </a:prstGeom>
-          <a:noFill/>
-        </p:spPr>
-        <p:txBody>
-          <a:bodyPr wrap="none" rtlCol="0">
-            <a:spAutoFit/>
-          </a:bodyPr>
-          <a:lstStyle/>
-          <a:p>
-            <a:r>
-              <a:rPr lang="en-US" sz="1200" dirty="0"/>
-              <a:t>Nut Diameter</a:t>
-            </a:r>
-          </a:p>
-        </p:txBody>
-      </p:sp>
-      <p:sp>
-        <p:nvSpPr>
-          <p:cNvPr id="106" name="TextBox 105">
-            <a:extLst>
-              <a:ext uri="{FF2B5EF4-FFF2-40B4-BE49-F238E27FC236}">
-                <a16:creationId xmlns:a16="http://schemas.microsoft.com/office/drawing/2014/main" id="{6839765E-8434-A034-9FE7-35F3579879CE}"/>
-              </a:ext>
-            </a:extLst>
-          </p:cNvPr>
-          <p:cNvSpPr txBox="1"/>
-          <p:nvPr/>
-        </p:nvSpPr>
-        <p:spPr>
-          <a:xfrm>
-            <a:off x="8345208" y="4270264"/>
-            <a:ext cx="767261" cy="276999"/>
-          </a:xfrm>
-          <a:prstGeom prst="rect">
-            <a:avLst/>
-          </a:prstGeom>
-          <a:noFill/>
-          <a:ln>
-            <a:noFill/>
-          </a:ln>
-        </p:spPr>
-        <p:txBody>
-          <a:bodyPr wrap="none" rtlCol="0">
-            <a:spAutoFit/>
-          </a:bodyPr>
-          <a:lstStyle/>
-          <a:p>
-            <a:r>
-              <a:rPr lang="en-US" sz="1200" dirty="0"/>
-              <a:t>Diameter</a:t>
-            </a:r>
-          </a:p>
-        </p:txBody>
-      </p:sp>
-      <p:sp>
-        <p:nvSpPr>
-          <p:cNvPr id="107" name="TextBox 106">
-            <a:extLst>
-              <a:ext uri="{FF2B5EF4-FFF2-40B4-BE49-F238E27FC236}">
-                <a16:creationId xmlns:a16="http://schemas.microsoft.com/office/drawing/2014/main" id="{CAC7314C-28AD-1095-C70F-AEBE2D43D1BB}"/>
-              </a:ext>
-            </a:extLst>
-          </p:cNvPr>
-          <p:cNvSpPr txBox="1"/>
-          <p:nvPr/>
-        </p:nvSpPr>
-        <p:spPr>
-          <a:xfrm rot="16200000">
-            <a:off x="5337136" y="3181401"/>
-            <a:ext cx="607154" cy="276999"/>
-          </a:xfrm>
-          <a:prstGeom prst="rect">
-            <a:avLst/>
-          </a:prstGeom>
-          <a:noFill/>
-        </p:spPr>
-        <p:txBody>
-          <a:bodyPr wrap="none" rtlCol="0">
-            <a:spAutoFit/>
-          </a:bodyPr>
-          <a:lstStyle/>
-          <a:p>
-            <a:r>
-              <a:rPr lang="en-US" sz="1200" dirty="0"/>
-              <a:t>Length</a:t>
-            </a:r>
-          </a:p>
-        </p:txBody>
-      </p:sp>
-      <p:cxnSp>
-        <p:nvCxnSpPr>
-          <p:cNvPr id="108" name="Straight Arrow Connector 107">
-            <a:extLst>
-              <a:ext uri="{FF2B5EF4-FFF2-40B4-BE49-F238E27FC236}">
-                <a16:creationId xmlns:a16="http://schemas.microsoft.com/office/drawing/2014/main" id="{D1149A09-9689-7B5C-2CB2-EED7D684A0C5}"/>
-              </a:ext>
-            </a:extLst>
-          </p:cNvPr>
-          <p:cNvCxnSpPr>
-            <a:cxnSpLocks/>
-          </p:cNvCxnSpPr>
-          <p:nvPr/>
-        </p:nvCxnSpPr>
-        <p:spPr>
-          <a:xfrm flipH="1" flipV="1">
-            <a:off x="5733691" y="1872827"/>
-            <a:ext cx="24974" cy="2925094"/>
-          </a:xfrm>
-          <a:prstGeom prst="straightConnector1">
-            <a:avLst/>
-          </a:prstGeom>
-          <a:ln w="19050">
+        <p:sp>
+          <p:nvSpPr>
+            <p:cNvPr id="20" name="Freeform: Shape 19">
+              <a:extLst>
+                <a:ext uri="{FF2B5EF4-FFF2-40B4-BE49-F238E27FC236}">
+                  <a16:creationId xmlns:a16="http://schemas.microsoft.com/office/drawing/2014/main" id="{CD57B6C0-A28B-5BC2-AC77-170F33F54853}"/>
+                </a:ext>
+              </a:extLst>
+            </p:cNvPr>
+            <p:cNvSpPr/>
+            <p:nvPr/>
+          </p:nvSpPr>
+          <p:spPr>
+            <a:xfrm rot="10800000">
+              <a:off x="8120518" y="2283122"/>
+              <a:ext cx="1722085" cy="2985466"/>
+            </a:xfrm>
+            <a:custGeom>
+              <a:avLst/>
+              <a:gdLst>
+                <a:gd name="connsiteX0" fmla="*/ 860062 w 1722085"/>
+                <a:gd name="connsiteY0" fmla="*/ 2985466 h 2985466"/>
+                <a:gd name="connsiteX1" fmla="*/ 580301 w 1722085"/>
+                <a:gd name="connsiteY1" fmla="*/ 2957496 h 2985466"/>
+                <a:gd name="connsiteX2" fmla="*/ 12 w 1722085"/>
+                <a:gd name="connsiteY2" fmla="*/ 2470868 h 2985466"/>
+                <a:gd name="connsiteX3" fmla="*/ 451312 w 1722085"/>
+                <a:gd name="connsiteY3" fmla="*/ 2472317 h 2985466"/>
+                <a:gd name="connsiteX4" fmla="*/ 451312 w 1722085"/>
+                <a:gd name="connsiteY4" fmla="*/ 258408 h 2985466"/>
+                <a:gd name="connsiteX5" fmla="*/ 840399 w 1722085"/>
+                <a:gd name="connsiteY5" fmla="*/ 0 h 2985466"/>
+                <a:gd name="connsiteX6" fmla="*/ 1220106 w 1722085"/>
+                <a:gd name="connsiteY6" fmla="*/ 258408 h 2985466"/>
+                <a:gd name="connsiteX7" fmla="*/ 1220106 w 1722085"/>
+                <a:gd name="connsiteY7" fmla="*/ 2473632 h 2985466"/>
+                <a:gd name="connsiteX8" fmla="*/ 1722085 w 1722085"/>
+                <a:gd name="connsiteY8" fmla="*/ 2473632 h 2985466"/>
+                <a:gd name="connsiteX9" fmla="*/ 1139929 w 1722085"/>
+                <a:gd name="connsiteY9" fmla="*/ 2957875 h 2985466"/>
+                <a:gd name="connsiteX10" fmla="*/ 860062 w 1722085"/>
+                <a:gd name="connsiteY10" fmla="*/ 2985466 h 2985466"/>
+              </a:gdLst>
+              <a:ahLst/>
+              <a:cxnLst>
+                <a:cxn ang="0">
+                  <a:pos x="connsiteX0" y="connsiteY0"/>
+                </a:cxn>
+                <a:cxn ang="0">
+                  <a:pos x="connsiteX1" y="connsiteY1"/>
+                </a:cxn>
+                <a:cxn ang="0">
+                  <a:pos x="connsiteX2" y="connsiteY2"/>
+                </a:cxn>
+                <a:cxn ang="0">
+                  <a:pos x="connsiteX3" y="connsiteY3"/>
+                </a:cxn>
+                <a:cxn ang="0">
+                  <a:pos x="connsiteX4" y="connsiteY4"/>
+                </a:cxn>
+                <a:cxn ang="0">
+                  <a:pos x="connsiteX5" y="connsiteY5"/>
+                </a:cxn>
+                <a:cxn ang="0">
+                  <a:pos x="connsiteX6" y="connsiteY6"/>
+                </a:cxn>
+                <a:cxn ang="0">
+                  <a:pos x="connsiteX7" y="connsiteY7"/>
+                </a:cxn>
+                <a:cxn ang="0">
+                  <a:pos x="connsiteX8" y="connsiteY8"/>
+                </a:cxn>
+                <a:cxn ang="0">
+                  <a:pos x="connsiteX9" y="connsiteY9"/>
+                </a:cxn>
+                <a:cxn ang="0">
+                  <a:pos x="connsiteX10" y="connsiteY10"/>
+                </a:cxn>
+              </a:cxnLst>
+              <a:rect l="l" t="t" r="r" b="b"/>
+              <a:pathLst>
+                <a:path w="1722085" h="2985466">
+                  <a:moveTo>
+                    <a:pt x="860062" y="2985466"/>
+                  </a:moveTo>
+                  <a:cubicBezTo>
+                    <a:pt x="765489" y="2985402"/>
+                    <a:pt x="670935" y="2976078"/>
+                    <a:pt x="580301" y="2957496"/>
+                  </a:cubicBezTo>
+                  <a:cubicBezTo>
+                    <a:pt x="231423" y="2885970"/>
+                    <a:pt x="-1981" y="2690238"/>
+                    <a:pt x="12" y="2470868"/>
+                  </a:cubicBezTo>
+                  <a:lnTo>
+                    <a:pt x="451312" y="2472317"/>
+                  </a:lnTo>
+                  <a:lnTo>
+                    <a:pt x="451312" y="258408"/>
+                  </a:lnTo>
+                  <a:lnTo>
+                    <a:pt x="840399" y="0"/>
+                  </a:lnTo>
+                  <a:lnTo>
+                    <a:pt x="1220106" y="258408"/>
+                  </a:lnTo>
+                  <a:lnTo>
+                    <a:pt x="1220106" y="2473632"/>
+                  </a:lnTo>
+                  <a:lnTo>
+                    <a:pt x="1722085" y="2473632"/>
+                  </a:lnTo>
+                  <a:cubicBezTo>
+                    <a:pt x="1722085" y="2692417"/>
+                    <a:pt x="1488145" y="2887011"/>
+                    <a:pt x="1139929" y="2957875"/>
+                  </a:cubicBezTo>
+                  <a:cubicBezTo>
+                    <a:pt x="1049224" y="2976334"/>
+                    <a:pt x="954634" y="2985530"/>
+                    <a:pt x="860062" y="2985466"/>
+                  </a:cubicBezTo>
+                  <a:close/>
+                </a:path>
+              </a:pathLst>
+            </a:custGeom>
             <a:solidFill>
-              <a:srgbClr val="000000"/>
+              <a:srgbClr val="729FCF"/>
             </a:solidFill>
-            <a:headEnd type="triangle" w="lg" len="med"/>
-            <a:tailEnd type="triangle" w="lg" len="med"/>
-          </a:ln>
-        </p:spPr>
-        <p:style>
-          <a:lnRef idx="1">
-            <a:schemeClr val="accent1"/>
-          </a:lnRef>
-          <a:fillRef idx="0">
-            <a:schemeClr val="accent1"/>
-          </a:fillRef>
-          <a:effectRef idx="0">
-            <a:schemeClr val="accent1"/>
-          </a:effectRef>
-          <a:fontRef idx="minor">
-            <a:schemeClr val="tx1"/>
-          </a:fontRef>
-        </p:style>
-      </p:cxnSp>
-      <p:sp>
-        <p:nvSpPr>
-          <p:cNvPr id="111" name="TextBox 110">
-            <a:extLst>
-              <a:ext uri="{FF2B5EF4-FFF2-40B4-BE49-F238E27FC236}">
-                <a16:creationId xmlns:a16="http://schemas.microsoft.com/office/drawing/2014/main" id="{7309BC8F-AA5E-8CCC-28C3-DF9354B1EF36}"/>
-              </a:ext>
-            </a:extLst>
-          </p:cNvPr>
-          <p:cNvSpPr txBox="1"/>
-          <p:nvPr/>
-        </p:nvSpPr>
-        <p:spPr>
-          <a:xfrm rot="16200000">
-            <a:off x="10704756" y="2701197"/>
-            <a:ext cx="607154" cy="276999"/>
-          </a:xfrm>
-          <a:prstGeom prst="rect">
-            <a:avLst/>
-          </a:prstGeom>
-          <a:noFill/>
-        </p:spPr>
-        <p:txBody>
-          <a:bodyPr wrap="none" rtlCol="0">
-            <a:spAutoFit/>
-          </a:bodyPr>
-          <a:lstStyle/>
-          <a:p>
-            <a:r>
-              <a:rPr lang="en-US" sz="1200" dirty="0"/>
-              <a:t>Length</a:t>
-            </a:r>
-          </a:p>
-        </p:txBody>
-      </p:sp>
-      <p:cxnSp>
-        <p:nvCxnSpPr>
-          <p:cNvPr id="112" name="Straight Arrow Connector 111">
-            <a:extLst>
-              <a:ext uri="{FF2B5EF4-FFF2-40B4-BE49-F238E27FC236}">
-                <a16:creationId xmlns:a16="http://schemas.microsoft.com/office/drawing/2014/main" id="{E6765649-9FF3-173D-5A6F-00EBA671B673}"/>
-              </a:ext>
-            </a:extLst>
-          </p:cNvPr>
-          <p:cNvCxnSpPr>
-            <a:cxnSpLocks/>
-          </p:cNvCxnSpPr>
-          <p:nvPr/>
-        </p:nvCxnSpPr>
-        <p:spPr>
-          <a:xfrm flipH="1" flipV="1">
-            <a:off x="11101312" y="1911847"/>
-            <a:ext cx="24972" cy="1826302"/>
-          </a:xfrm>
-          <a:prstGeom prst="straightConnector1">
-            <a:avLst/>
-          </a:prstGeom>
-          <a:ln w="19050">
+          </p:spPr>
+          <p:style>
+            <a:lnRef idx="2">
+              <a:schemeClr val="accent1">
+                <a:shade val="50000"/>
+              </a:schemeClr>
+            </a:lnRef>
+            <a:fillRef idx="1">
+              <a:schemeClr val="accent1"/>
+            </a:fillRef>
+            <a:effectRef idx="0">
+              <a:schemeClr val="accent1"/>
+            </a:effectRef>
+            <a:fontRef idx="minor">
+              <a:schemeClr val="lt1"/>
+            </a:fontRef>
+          </p:style>
+          <p:txBody>
+            <a:bodyPr wrap="square" rtlCol="0" anchor="ctr">
+              <a:noAutofit/>
+            </a:bodyPr>
+            <a:lstStyle/>
+            <a:p>
+              <a:pPr algn="ctr"/>
+              <a:endParaRPr lang="en-US"/>
+            </a:p>
+          </p:txBody>
+        </p:sp>
+        <p:sp>
+          <p:nvSpPr>
+            <p:cNvPr id="19" name="Freeform: Shape 18">
+              <a:extLst>
+                <a:ext uri="{FF2B5EF4-FFF2-40B4-BE49-F238E27FC236}">
+                  <a16:creationId xmlns:a16="http://schemas.microsoft.com/office/drawing/2014/main" id="{67EDACA3-4917-19BD-A0D7-EEDB18BFCD1E}"/>
+                </a:ext>
+              </a:extLst>
+            </p:cNvPr>
+            <p:cNvSpPr/>
+            <p:nvPr/>
+          </p:nvSpPr>
+          <p:spPr>
+            <a:xfrm rot="10800000">
+              <a:off x="5393377" y="2283122"/>
+              <a:ext cx="1886310" cy="2985466"/>
+            </a:xfrm>
+            <a:custGeom>
+              <a:avLst/>
+              <a:gdLst>
+                <a:gd name="connsiteX0" fmla="*/ 934056 w 1886310"/>
+                <a:gd name="connsiteY0" fmla="*/ 2985466 h 2985466"/>
+                <a:gd name="connsiteX1" fmla="*/ 651718 w 1886310"/>
+                <a:gd name="connsiteY1" fmla="*/ 2961375 h 2985466"/>
+                <a:gd name="connsiteX2" fmla="*/ 11333 w 1886310"/>
+                <a:gd name="connsiteY2" fmla="*/ 2552760 h 2985466"/>
+                <a:gd name="connsiteX3" fmla="*/ 1027 w 1886310"/>
+                <a:gd name="connsiteY3" fmla="*/ 2477430 h 2985466"/>
+                <a:gd name="connsiteX4" fmla="*/ 0 w 1886310"/>
+                <a:gd name="connsiteY4" fmla="*/ 2477430 h 2985466"/>
+                <a:gd name="connsiteX5" fmla="*/ 957 w 1886310"/>
+                <a:gd name="connsiteY5" fmla="*/ 2476912 h 2985466"/>
+                <a:gd name="connsiteX6" fmla="*/ 16 w 1886310"/>
+                <a:gd name="connsiteY6" fmla="*/ 2470039 h 2985466"/>
+                <a:gd name="connsiteX7" fmla="*/ 13572 w 1886310"/>
+                <a:gd name="connsiteY7" fmla="*/ 2470083 h 2985466"/>
+                <a:gd name="connsiteX8" fmla="*/ 586780 w 1886310"/>
+                <a:gd name="connsiteY8" fmla="*/ 2159770 h 2985466"/>
+                <a:gd name="connsiteX9" fmla="*/ 586780 w 1886310"/>
+                <a:gd name="connsiteY9" fmla="*/ 258408 h 2985466"/>
+                <a:gd name="connsiteX10" fmla="*/ 975867 w 1886310"/>
+                <a:gd name="connsiteY10" fmla="*/ 0 h 2985466"/>
+                <a:gd name="connsiteX11" fmla="*/ 1355574 w 1886310"/>
+                <a:gd name="connsiteY11" fmla="*/ 258408 h 2985466"/>
+                <a:gd name="connsiteX12" fmla="*/ 1355574 w 1886310"/>
+                <a:gd name="connsiteY12" fmla="*/ 2183014 h 2985466"/>
+                <a:gd name="connsiteX13" fmla="*/ 1886310 w 1886310"/>
+                <a:gd name="connsiteY13" fmla="*/ 2477430 h 2985466"/>
+                <a:gd name="connsiteX14" fmla="*/ 1869460 w 1886310"/>
+                <a:gd name="connsiteY14" fmla="*/ 2477430 h 2985466"/>
+                <a:gd name="connsiteX15" fmla="*/ 1857979 w 1886310"/>
+                <a:gd name="connsiteY15" fmla="*/ 2555472 h 2985466"/>
+                <a:gd name="connsiteX16" fmla="*/ 1216487 w 1886310"/>
+                <a:gd name="connsiteY16" fmla="*/ 2961705 h 2985466"/>
+                <a:gd name="connsiteX17" fmla="*/ 934056 w 1886310"/>
+                <a:gd name="connsiteY17" fmla="*/ 2985466 h 2985466"/>
+              </a:gdLst>
+              <a:ahLst/>
+              <a:cxnLst>
+                <a:cxn ang="0">
+                  <a:pos x="connsiteX0" y="connsiteY0"/>
+                </a:cxn>
+                <a:cxn ang="0">
+                  <a:pos x="connsiteX1" y="connsiteY1"/>
+                </a:cxn>
+                <a:cxn ang="0">
+                  <a:pos x="connsiteX2" y="connsiteY2"/>
+                </a:cxn>
+                <a:cxn ang="0">
+                  <a:pos x="connsiteX3" y="connsiteY3"/>
+                </a:cxn>
+                <a:cxn ang="0">
+                  <a:pos x="connsiteX4" y="connsiteY4"/>
+                </a:cxn>
+                <a:cxn ang="0">
+                  <a:pos x="connsiteX5" y="connsiteY5"/>
+                </a:cxn>
+                <a:cxn ang="0">
+                  <a:pos x="connsiteX6" y="connsiteY6"/>
+                </a:cxn>
+                <a:cxn ang="0">
+                  <a:pos x="connsiteX7" y="connsiteY7"/>
+                </a:cxn>
+                <a:cxn ang="0">
+                  <a:pos x="connsiteX8" y="connsiteY8"/>
+                </a:cxn>
+                <a:cxn ang="0">
+                  <a:pos x="connsiteX9" y="connsiteY9"/>
+                </a:cxn>
+                <a:cxn ang="0">
+                  <a:pos x="connsiteX10" y="connsiteY10"/>
+                </a:cxn>
+                <a:cxn ang="0">
+                  <a:pos x="connsiteX11" y="connsiteY11"/>
+                </a:cxn>
+                <a:cxn ang="0">
+                  <a:pos x="connsiteX12" y="connsiteY12"/>
+                </a:cxn>
+                <a:cxn ang="0">
+                  <a:pos x="connsiteX13" y="connsiteY13"/>
+                </a:cxn>
+                <a:cxn ang="0">
+                  <a:pos x="connsiteX14" y="connsiteY14"/>
+                </a:cxn>
+                <a:cxn ang="0">
+                  <a:pos x="connsiteX15" y="connsiteY15"/>
+                </a:cxn>
+                <a:cxn ang="0">
+                  <a:pos x="connsiteX16" y="connsiteY16"/>
+                </a:cxn>
+                <a:cxn ang="0">
+                  <a:pos x="connsiteX17" y="connsiteY17"/>
+                </a:cxn>
+              </a:cxnLst>
+              <a:rect l="l" t="t" r="r" b="b"/>
+              <a:pathLst>
+                <a:path w="1886310" h="2985466">
+                  <a:moveTo>
+                    <a:pt x="934056" y="2985466"/>
+                  </a:moveTo>
+                  <a:cubicBezTo>
+                    <a:pt x="838803" y="2985411"/>
+                    <a:pt x="743565" y="2977380"/>
+                    <a:pt x="651718" y="2961375"/>
+                  </a:cubicBezTo>
+                  <a:cubicBezTo>
+                    <a:pt x="310432" y="2901906"/>
+                    <a:pt x="65602" y="2742051"/>
+                    <a:pt x="11333" y="2552760"/>
+                  </a:cubicBezTo>
+                  <a:lnTo>
+                    <a:pt x="1027" y="2477430"/>
+                  </a:lnTo>
+                  <a:lnTo>
+                    <a:pt x="0" y="2477430"/>
+                  </a:lnTo>
+                  <a:lnTo>
+                    <a:pt x="957" y="2476912"/>
+                  </a:lnTo>
+                  <a:lnTo>
+                    <a:pt x="16" y="2470039"/>
+                  </a:lnTo>
+                  <a:lnTo>
+                    <a:pt x="13572" y="2470083"/>
+                  </a:lnTo>
+                  <a:lnTo>
+                    <a:pt x="586780" y="2159770"/>
+                  </a:lnTo>
+                  <a:lnTo>
+                    <a:pt x="586780" y="258408"/>
+                  </a:lnTo>
+                  <a:lnTo>
+                    <a:pt x="975867" y="0"/>
+                  </a:lnTo>
+                  <a:lnTo>
+                    <a:pt x="1355574" y="258408"/>
+                  </a:lnTo>
+                  <a:lnTo>
+                    <a:pt x="1355574" y="2183014"/>
+                  </a:lnTo>
+                  <a:lnTo>
+                    <a:pt x="1886310" y="2477430"/>
+                  </a:lnTo>
+                  <a:lnTo>
+                    <a:pt x="1869460" y="2477430"/>
+                  </a:lnTo>
+                  <a:lnTo>
+                    <a:pt x="1857979" y="2555472"/>
+                  </a:lnTo>
+                  <a:cubicBezTo>
+                    <a:pt x="1802026" y="2744037"/>
+                    <a:pt x="1556932" y="2902820"/>
+                    <a:pt x="1216487" y="2961705"/>
+                  </a:cubicBezTo>
+                  <a:cubicBezTo>
+                    <a:pt x="1124578" y="2977602"/>
+                    <a:pt x="1029309" y="2985522"/>
+                    <a:pt x="934056" y="2985466"/>
+                  </a:cubicBezTo>
+                  <a:close/>
+                </a:path>
+              </a:pathLst>
+            </a:custGeom>
             <a:solidFill>
-              <a:srgbClr val="000000"/>
+              <a:srgbClr val="729FCF"/>
             </a:solidFill>
-            <a:headEnd type="triangle" w="lg" len="med"/>
-            <a:tailEnd type="triangle" w="lg" len="med"/>
-          </a:ln>
-        </p:spPr>
-        <p:style>
-          <a:lnRef idx="1">
-            <a:schemeClr val="accent1"/>
-          </a:lnRef>
-          <a:fillRef idx="0">
-            <a:schemeClr val="accent1"/>
-          </a:fillRef>
-          <a:effectRef idx="0">
-            <a:schemeClr val="accent1"/>
-          </a:effectRef>
-          <a:fontRef idx="minor">
-            <a:schemeClr val="tx1"/>
-          </a:fontRef>
-        </p:style>
-      </p:cxnSp>
-      <p:grpSp>
-        <p:nvGrpSpPr>
-          <p:cNvPr id="113" name="Group 112">
-            <a:extLst>
-              <a:ext uri="{FF2B5EF4-FFF2-40B4-BE49-F238E27FC236}">
-                <a16:creationId xmlns:a16="http://schemas.microsoft.com/office/drawing/2014/main" id="{7CA609C6-9123-06AB-D4D9-883854B64C63}"/>
-              </a:ext>
-            </a:extLst>
-          </p:cNvPr>
-          <p:cNvGrpSpPr/>
-          <p:nvPr/>
-        </p:nvGrpSpPr>
-        <p:grpSpPr>
-          <a:xfrm>
-            <a:off x="8760222" y="1911847"/>
-            <a:ext cx="2581925" cy="1833855"/>
-            <a:chOff x="3786562" y="1874236"/>
-            <a:chExt cx="2074685" cy="2910094"/>
-          </a:xfrm>
-        </p:grpSpPr>
+          </p:spPr>
+          <p:style>
+            <a:lnRef idx="2">
+              <a:schemeClr val="accent1">
+                <a:shade val="50000"/>
+              </a:schemeClr>
+            </a:lnRef>
+            <a:fillRef idx="1">
+              <a:schemeClr val="accent1"/>
+            </a:fillRef>
+            <a:effectRef idx="0">
+              <a:schemeClr val="accent1"/>
+            </a:effectRef>
+            <a:fontRef idx="minor">
+              <a:schemeClr val="lt1"/>
+            </a:fontRef>
+          </p:style>
+          <p:txBody>
+            <a:bodyPr wrap="square" rtlCol="0" anchor="ctr">
+              <a:noAutofit/>
+            </a:bodyPr>
+            <a:lstStyle/>
+            <a:p>
+              <a:pPr algn="ctr"/>
+              <a:endParaRPr lang="en-US"/>
+            </a:p>
+          </p:txBody>
+        </p:sp>
         <p:cxnSp>
           <p:nvCxnSpPr>
-            <p:cNvPr id="114" name="Straight Connector 113">
+            <p:cNvPr id="22" name="Straight Connector 21">
               <a:extLst>
                 <a:ext uri="{FF2B5EF4-FFF2-40B4-BE49-F238E27FC236}">
-                  <a16:creationId xmlns:a16="http://schemas.microsoft.com/office/drawing/2014/main" id="{6D4040E4-435D-FC5F-D2D2-65E9FEAE7D2D}"/>
+                  <a16:creationId xmlns:a16="http://schemas.microsoft.com/office/drawing/2014/main" id="{2337FB33-256D-FF5B-EC93-02714A52DBD7}"/>
                 </a:ext>
               </a:extLst>
             </p:cNvPr>
@@ -6263,15 +7417,138 @@
           </p:nvCxnSpPr>
           <p:spPr>
             <a:xfrm flipH="1">
-              <a:off x="3786562" y="4772345"/>
-              <a:ext cx="2006531" cy="11985"/>
+              <a:off x="3755366" y="5278871"/>
+              <a:ext cx="7189715" cy="0"/>
             </a:xfrm>
             <a:prstGeom prst="line">
               <a:avLst/>
             </a:prstGeom>
-            <a:ln w="19050">
+            <a:ln w="12700">
               <a:solidFill>
-                <a:srgbClr val="000000"/>
+                <a:schemeClr val="tx1"/>
+              </a:solidFill>
+            </a:ln>
+          </p:spPr>
+          <p:style>
+            <a:lnRef idx="1">
+              <a:schemeClr val="accent2"/>
+            </a:lnRef>
+            <a:fillRef idx="0">
+              <a:schemeClr val="accent2"/>
+            </a:fillRef>
+            <a:effectRef idx="0">
+              <a:schemeClr val="accent2"/>
+            </a:effectRef>
+            <a:fontRef idx="minor">
+              <a:schemeClr val="tx1"/>
+            </a:fontRef>
+          </p:style>
+        </p:cxnSp>
+        <p:sp>
+          <p:nvSpPr>
+            <p:cNvPr id="24" name="TextBox 23">
+              <a:extLst>
+                <a:ext uri="{FF2B5EF4-FFF2-40B4-BE49-F238E27FC236}">
+                  <a16:creationId xmlns:a16="http://schemas.microsoft.com/office/drawing/2014/main" id="{514A47F6-961E-7F1A-C5B9-DF22AA701438}"/>
+                </a:ext>
+              </a:extLst>
+            </p:cNvPr>
+            <p:cNvSpPr txBox="1"/>
+            <p:nvPr/>
+          </p:nvSpPr>
+          <p:spPr>
+            <a:xfrm rot="16200000">
+              <a:off x="10153763" y="3656410"/>
+              <a:ext cx="941731" cy="276999"/>
+            </a:xfrm>
+            <a:prstGeom prst="rect">
+              <a:avLst/>
+            </a:prstGeom>
+            <a:noFill/>
+          </p:spPr>
+          <p:txBody>
+            <a:bodyPr wrap="square" rtlCol="0">
+              <a:spAutoFit/>
+            </a:bodyPr>
+            <a:lstStyle/>
+            <a:p>
+              <a:r>
+                <a:rPr lang="en-US" sz="1200" dirty="0"/>
+                <a:t>Length</a:t>
+              </a:r>
+            </a:p>
+          </p:txBody>
+        </p:sp>
+        <p:cxnSp>
+          <p:nvCxnSpPr>
+            <p:cNvPr id="25" name="Straight Arrow Connector 24">
+              <a:extLst>
+                <a:ext uri="{FF2B5EF4-FFF2-40B4-BE49-F238E27FC236}">
+                  <a16:creationId xmlns:a16="http://schemas.microsoft.com/office/drawing/2014/main" id="{8B152A13-448C-BE86-21D5-AF16BDD3D702}"/>
+                </a:ext>
+              </a:extLst>
+            </p:cNvPr>
+            <p:cNvCxnSpPr>
+              <a:cxnSpLocks/>
+            </p:cNvCxnSpPr>
+            <p:nvPr/>
+          </p:nvCxnSpPr>
+          <p:spPr>
+            <a:xfrm flipV="1">
+              <a:off x="10817525" y="2783969"/>
+              <a:ext cx="0" cy="2477430"/>
+            </a:xfrm>
+            <a:prstGeom prst="straightConnector1">
+              <a:avLst/>
+            </a:prstGeom>
+            <a:ln w="12700">
+              <a:solidFill>
+                <a:schemeClr val="tx1"/>
+              </a:solidFill>
+              <a:headEnd type="triangle"/>
+              <a:tailEnd type="triangle"/>
+            </a:ln>
+          </p:spPr>
+          <p:style>
+            <a:lnRef idx="1">
+              <a:schemeClr val="accent1"/>
+            </a:lnRef>
+            <a:fillRef idx="0">
+              <a:schemeClr val="accent1"/>
+            </a:fillRef>
+            <a:effectRef idx="0">
+              <a:schemeClr val="accent1"/>
+            </a:effectRef>
+            <a:fontRef idx="minor">
+              <a:schemeClr val="tx1"/>
+            </a:fontRef>
+          </p:style>
+        </p:cxnSp>
+        <p:cxnSp>
+          <p:nvCxnSpPr>
+            <p:cNvPr id="30" name="Straight Connector 29">
+              <a:extLst>
+                <a:ext uri="{FF2B5EF4-FFF2-40B4-BE49-F238E27FC236}">
+                  <a16:creationId xmlns:a16="http://schemas.microsoft.com/office/drawing/2014/main" id="{426D5533-43ED-0336-7329-629CF9203DE7}"/>
+                </a:ext>
+              </a:extLst>
+            </p:cNvPr>
+            <p:cNvCxnSpPr>
+              <a:cxnSpLocks/>
+            </p:cNvCxnSpPr>
+            <p:nvPr/>
+          </p:nvCxnSpPr>
+          <p:spPr>
+            <a:xfrm flipH="1">
+              <a:off x="5532408" y="2268600"/>
+              <a:ext cx="4811440" cy="8693"/>
+            </a:xfrm>
+            <a:prstGeom prst="line">
+              <a:avLst/>
+            </a:prstGeom>
+            <a:ln w="12700">
+              <a:solidFill>
+                <a:schemeClr val="tx1"/>
               </a:solidFill>
             </a:ln>
           </p:spPr>
@@ -6292,10 +7569,54 @@
         </p:cxnSp>
         <p:cxnSp>
           <p:nvCxnSpPr>
-            <p:cNvPr id="115" name="Straight Connector 114">
+            <p:cNvPr id="34" name="Straight Arrow Connector 33">
               <a:extLst>
                 <a:ext uri="{FF2B5EF4-FFF2-40B4-BE49-F238E27FC236}">
-                  <a16:creationId xmlns:a16="http://schemas.microsoft.com/office/drawing/2014/main" id="{57CF684B-7173-BF6E-54F1-0299F532B3C2}"/>
+                  <a16:creationId xmlns:a16="http://schemas.microsoft.com/office/drawing/2014/main" id="{4B572E17-4884-807E-059C-2B66B08C2A19}"/>
+                </a:ext>
+              </a:extLst>
+            </p:cNvPr>
+            <p:cNvCxnSpPr>
+              <a:cxnSpLocks/>
+            </p:cNvCxnSpPr>
+            <p:nvPr/>
+          </p:nvCxnSpPr>
+          <p:spPr>
+            <a:xfrm flipV="1">
+              <a:off x="2421147" y="3114793"/>
+              <a:ext cx="0" cy="314207"/>
+            </a:xfrm>
+            <a:prstGeom prst="straightConnector1">
+              <a:avLst/>
+            </a:prstGeom>
+            <a:ln w="12700">
+              <a:solidFill>
+                <a:schemeClr val="tx1"/>
+              </a:solidFill>
+              <a:tailEnd type="triangle"/>
+            </a:ln>
+          </p:spPr>
+          <p:style>
+            <a:lnRef idx="1">
+              <a:schemeClr val="accent1"/>
+            </a:lnRef>
+            <a:fillRef idx="0">
+              <a:schemeClr val="accent1"/>
+            </a:fillRef>
+            <a:effectRef idx="0">
+              <a:schemeClr val="accent1"/>
+            </a:effectRef>
+            <a:fontRef idx="minor">
+              <a:schemeClr val="tx1"/>
+            </a:fontRef>
+          </p:style>
+        </p:cxnSp>
+        <p:cxnSp>
+          <p:nvCxnSpPr>
+            <p:cNvPr id="36" name="Straight Arrow Connector 35">
+              <a:extLst>
+                <a:ext uri="{FF2B5EF4-FFF2-40B4-BE49-F238E27FC236}">
+                  <a16:creationId xmlns:a16="http://schemas.microsoft.com/office/drawing/2014/main" id="{02504716-5887-2737-C284-76834A083DB7}"/>
                 </a:ext>
               </a:extLst>
             </p:cNvPr>
@@ -6306,60 +7627,160 @@
           </p:nvCxnSpPr>
           <p:spPr>
             <a:xfrm>
-              <a:off x="4135348" y="1874236"/>
-              <a:ext cx="1725899" cy="0"/>
+              <a:off x="2421147" y="1874808"/>
+              <a:ext cx="0" cy="862641"/>
             </a:xfrm>
-            <a:prstGeom prst="line">
+            <a:prstGeom prst="straightConnector1">
               <a:avLst/>
             </a:prstGeom>
-            <a:ln w="19050">
+            <a:ln w="12700">
               <a:solidFill>
-                <a:srgbClr val="000000"/>
+                <a:schemeClr val="tx1"/>
               </a:solidFill>
+              <a:tailEnd type="triangle"/>
             </a:ln>
           </p:spPr>
           <p:style>
             <a:lnRef idx="1">
-              <a:schemeClr val="accent2"/>
+              <a:schemeClr val="accent1"/>
             </a:lnRef>
             <a:fillRef idx="0">
-              <a:schemeClr val="accent2"/>
+              <a:schemeClr val="accent1"/>
             </a:fillRef>
             <a:effectRef idx="0">
-              <a:schemeClr val="accent2"/>
+              <a:schemeClr val="accent1"/>
             </a:effectRef>
             <a:fontRef idx="minor">
               <a:schemeClr val="tx1"/>
             </a:fontRef>
           </p:style>
         </p:cxnSp>
-      </p:grpSp>
-      <p:grpSp>
-        <p:nvGrpSpPr>
-          <p:cNvPr id="118" name="Group 117">
-            <a:extLst>
-              <a:ext uri="{FF2B5EF4-FFF2-40B4-BE49-F238E27FC236}">
-                <a16:creationId xmlns:a16="http://schemas.microsoft.com/office/drawing/2014/main" id="{C80B3D1D-13B3-6285-A4F1-25D0FAB9A915}"/>
-              </a:ext>
-            </a:extLst>
-          </p:cNvPr>
-          <p:cNvGrpSpPr/>
-          <p:nvPr/>
-        </p:nvGrpSpPr>
-        <p:grpSpPr>
-          <a:xfrm>
-            <a:off x="7425671" y="345002"/>
-            <a:ext cx="2601930" cy="1488030"/>
-            <a:chOff x="2065105" y="340770"/>
-            <a:chExt cx="2601930" cy="1488030"/>
-          </a:xfrm>
-        </p:grpSpPr>
+        <p:sp>
+          <p:nvSpPr>
+            <p:cNvPr id="39" name="TextBox 38">
+              <a:extLst>
+                <a:ext uri="{FF2B5EF4-FFF2-40B4-BE49-F238E27FC236}">
+                  <a16:creationId xmlns:a16="http://schemas.microsoft.com/office/drawing/2014/main" id="{ED32587F-D160-03BF-9C8B-051B20FAE3C8}"/>
+                </a:ext>
+              </a:extLst>
+            </p:cNvPr>
+            <p:cNvSpPr txBox="1"/>
+            <p:nvPr/>
+          </p:nvSpPr>
+          <p:spPr>
+            <a:xfrm rot="16200000">
+              <a:off x="1771936" y="1924885"/>
+              <a:ext cx="941731" cy="276999"/>
+            </a:xfrm>
+            <a:prstGeom prst="rect">
+              <a:avLst/>
+            </a:prstGeom>
+            <a:noFill/>
+          </p:spPr>
+          <p:txBody>
+            <a:bodyPr wrap="square" rtlCol="0">
+              <a:spAutoFit/>
+            </a:bodyPr>
+            <a:lstStyle/>
+            <a:p>
+              <a:r>
+                <a:rPr lang="en-US" sz="1200" dirty="0"/>
+                <a:t>sink size</a:t>
+              </a:r>
+            </a:p>
+          </p:txBody>
+        </p:sp>
         <p:cxnSp>
           <p:nvCxnSpPr>
-            <p:cNvPr id="119" name="Straight Connector 118">
+            <p:cNvPr id="41" name="Straight Connector 40">
               <a:extLst>
                 <a:ext uri="{FF2B5EF4-FFF2-40B4-BE49-F238E27FC236}">
-                  <a16:creationId xmlns:a16="http://schemas.microsoft.com/office/drawing/2014/main" id="{B7E81E50-2FA7-6A80-4051-BAE0F9FCDD03}"/>
+                  <a16:creationId xmlns:a16="http://schemas.microsoft.com/office/drawing/2014/main" id="{5C89F6B5-ED03-48B4-296C-DEA618961E95}"/>
+                </a:ext>
+              </a:extLst>
+            </p:cNvPr>
+            <p:cNvCxnSpPr/>
+            <p:nvPr/>
+          </p:nvCxnSpPr>
+          <p:spPr>
+            <a:xfrm flipV="1">
+              <a:off x="2421147" y="1874808"/>
+              <a:ext cx="0" cy="1500996"/>
+            </a:xfrm>
+            <a:prstGeom prst="line">
+              <a:avLst/>
+            </a:prstGeom>
+            <a:ln w="12700">
+              <a:solidFill>
+                <a:schemeClr val="tx1"/>
+              </a:solidFill>
+            </a:ln>
+          </p:spPr>
+          <p:style>
+            <a:lnRef idx="1">
+              <a:schemeClr val="accent1"/>
+            </a:lnRef>
+            <a:fillRef idx="0">
+              <a:schemeClr val="accent1"/>
+            </a:fillRef>
+            <a:effectRef idx="0">
+              <a:schemeClr val="accent1"/>
+            </a:effectRef>
+            <a:fontRef idx="minor">
+              <a:schemeClr val="tx1"/>
+            </a:fontRef>
+          </p:style>
+        </p:cxnSp>
+        <p:cxnSp>
+          <p:nvCxnSpPr>
+            <p:cNvPr id="42" name="Straight Arrow Connector 41">
+              <a:extLst>
+                <a:ext uri="{FF2B5EF4-FFF2-40B4-BE49-F238E27FC236}">
+                  <a16:creationId xmlns:a16="http://schemas.microsoft.com/office/drawing/2014/main" id="{78941982-97CE-FB69-57AB-3BB5DDA62960}"/>
+                </a:ext>
+              </a:extLst>
+            </p:cNvPr>
+            <p:cNvCxnSpPr>
+              <a:cxnSpLocks/>
+            </p:cNvCxnSpPr>
+            <p:nvPr/>
+          </p:nvCxnSpPr>
+          <p:spPr>
+            <a:xfrm flipV="1">
+              <a:off x="10320004" y="2789861"/>
+              <a:ext cx="0" cy="314207"/>
+            </a:xfrm>
+            <a:prstGeom prst="straightConnector1">
+              <a:avLst/>
+            </a:prstGeom>
+            <a:ln w="12700">
+              <a:solidFill>
+                <a:schemeClr val="tx1"/>
+              </a:solidFill>
+              <a:tailEnd type="triangle"/>
+            </a:ln>
+          </p:spPr>
+          <p:style>
+            <a:lnRef idx="1">
+              <a:schemeClr val="accent1"/>
+            </a:lnRef>
+            <a:fillRef idx="0">
+              <a:schemeClr val="accent1"/>
+            </a:fillRef>
+            <a:effectRef idx="0">
+              <a:schemeClr val="accent1"/>
+            </a:effectRef>
+            <a:fontRef idx="minor">
+              <a:schemeClr val="tx1"/>
+            </a:fontRef>
+          </p:style>
+        </p:cxnSp>
+        <p:cxnSp>
+          <p:nvCxnSpPr>
+            <p:cNvPr id="43" name="Straight Arrow Connector 42">
+              <a:extLst>
+                <a:ext uri="{FF2B5EF4-FFF2-40B4-BE49-F238E27FC236}">
+                  <a16:creationId xmlns:a16="http://schemas.microsoft.com/office/drawing/2014/main" id="{66F8EDF9-D260-11A1-4ED1-0656B83BE539}"/>
                 </a:ext>
               </a:extLst>
             </p:cNvPr>
@@ -6370,1583 +7791,228 @@
           </p:nvCxnSpPr>
           <p:spPr>
             <a:xfrm>
-              <a:off x="2065105" y="340770"/>
-              <a:ext cx="0" cy="1488030"/>
+              <a:off x="10320004" y="1401299"/>
+              <a:ext cx="0" cy="862641"/>
             </a:xfrm>
-            <a:prstGeom prst="line">
+            <a:prstGeom prst="straightConnector1">
               <a:avLst/>
             </a:prstGeom>
-            <a:ln w="19050">
+            <a:ln w="12700">
               <a:solidFill>
-                <a:srgbClr val="000000"/>
+                <a:schemeClr val="tx1"/>
               </a:solidFill>
+              <a:tailEnd type="triangle"/>
             </a:ln>
           </p:spPr>
           <p:style>
             <a:lnRef idx="1">
-              <a:schemeClr val="accent2"/>
+              <a:schemeClr val="accent1"/>
             </a:lnRef>
             <a:fillRef idx="0">
-              <a:schemeClr val="accent2"/>
+              <a:schemeClr val="accent1"/>
             </a:fillRef>
             <a:effectRef idx="0">
-              <a:schemeClr val="accent2"/>
+              <a:schemeClr val="accent1"/>
             </a:effectRef>
             <a:fontRef idx="minor">
               <a:schemeClr val="tx1"/>
             </a:fontRef>
           </p:style>
         </p:cxnSp>
-        <p:cxnSp>
-          <p:nvCxnSpPr>
-            <p:cNvPr id="120" name="Straight Connector 119">
+        <p:sp>
+          <p:nvSpPr>
+            <p:cNvPr id="44" name="TextBox 43">
               <a:extLst>
                 <a:ext uri="{FF2B5EF4-FFF2-40B4-BE49-F238E27FC236}">
-                  <a16:creationId xmlns:a16="http://schemas.microsoft.com/office/drawing/2014/main" id="{00E09C59-ECD3-6219-D0E0-E202D4FBF043}"/>
+                  <a16:creationId xmlns:a16="http://schemas.microsoft.com/office/drawing/2014/main" id="{BC3EED8A-1776-3D2D-452C-2D6AFB4FA8B4}"/>
                 </a:ext>
               </a:extLst>
             </p:cNvPr>
-            <p:cNvCxnSpPr>
-              <a:cxnSpLocks/>
-            </p:cNvCxnSpPr>
+            <p:cNvSpPr txBox="1"/>
+            <p:nvPr/>
+          </p:nvSpPr>
+          <p:spPr>
+            <a:xfrm rot="16200000">
+              <a:off x="9670793" y="1599953"/>
+              <a:ext cx="941731" cy="276999"/>
+            </a:xfrm>
+            <a:prstGeom prst="rect">
+              <a:avLst/>
+            </a:prstGeom>
+            <a:noFill/>
+          </p:spPr>
+          <p:txBody>
+            <a:bodyPr wrap="square" rtlCol="0">
+              <a:spAutoFit/>
+            </a:bodyPr>
+            <a:lstStyle/>
+            <a:p>
+              <a:r>
+                <a:rPr lang="en-US" sz="1200" dirty="0"/>
+                <a:t>head height</a:t>
+              </a:r>
+            </a:p>
+          </p:txBody>
+        </p:sp>
+        <p:cxnSp>
+          <p:nvCxnSpPr>
+            <p:cNvPr id="45" name="Straight Connector 44">
+              <a:extLst>
+                <a:ext uri="{FF2B5EF4-FFF2-40B4-BE49-F238E27FC236}">
+                  <a16:creationId xmlns:a16="http://schemas.microsoft.com/office/drawing/2014/main" id="{9B69763E-3A9C-F295-DAFC-AA508200D496}"/>
+                </a:ext>
+              </a:extLst>
+            </p:cNvPr>
+            <p:cNvCxnSpPr/>
             <p:nvPr/>
           </p:nvCxnSpPr>
           <p:spPr>
-            <a:xfrm>
-              <a:off x="4667035" y="340770"/>
-              <a:ext cx="0" cy="1488030"/>
+            <a:xfrm flipV="1">
+              <a:off x="10320004" y="1549876"/>
+              <a:ext cx="0" cy="1500996"/>
             </a:xfrm>
             <a:prstGeom prst="line">
               <a:avLst/>
             </a:prstGeom>
-            <a:ln w="19050">
+            <a:ln w="12700">
               <a:solidFill>
-                <a:srgbClr val="000000"/>
+                <a:schemeClr val="tx1"/>
               </a:solidFill>
             </a:ln>
           </p:spPr>
           <p:style>
             <a:lnRef idx="1">
-              <a:schemeClr val="accent2"/>
+              <a:schemeClr val="accent1"/>
             </a:lnRef>
             <a:fillRef idx="0">
-              <a:schemeClr val="accent2"/>
+              <a:schemeClr val="accent1"/>
             </a:fillRef>
             <a:effectRef idx="0">
-              <a:schemeClr val="accent2"/>
+              <a:schemeClr val="accent1"/>
             </a:effectRef>
             <a:fontRef idx="minor">
               <a:schemeClr val="tx1"/>
             </a:fontRef>
           </p:style>
         </p:cxnSp>
-      </p:grpSp>
-      <p:grpSp>
-        <p:nvGrpSpPr>
-          <p:cNvPr id="121" name="Group 120">
-            <a:extLst>
-              <a:ext uri="{FF2B5EF4-FFF2-40B4-BE49-F238E27FC236}">
-                <a16:creationId xmlns:a16="http://schemas.microsoft.com/office/drawing/2014/main" id="{BE59FDEF-3A34-21B3-6710-86753143DC0C}"/>
-              </a:ext>
-            </a:extLst>
-          </p:cNvPr>
-          <p:cNvGrpSpPr/>
-          <p:nvPr/>
-        </p:nvGrpSpPr>
-        <p:grpSpPr>
-          <a:xfrm>
-            <a:off x="7872597" y="780862"/>
-            <a:ext cx="1623316" cy="308139"/>
-            <a:chOff x="2065105" y="340770"/>
-            <a:chExt cx="2601930" cy="1488030"/>
-          </a:xfrm>
-        </p:grpSpPr>
-        <p:cxnSp>
-          <p:nvCxnSpPr>
-            <p:cNvPr id="122" name="Straight Connector 121">
+        <p:sp>
+          <p:nvSpPr>
+            <p:cNvPr id="46" name="TextBox 45">
               <a:extLst>
                 <a:ext uri="{FF2B5EF4-FFF2-40B4-BE49-F238E27FC236}">
-                  <a16:creationId xmlns:a16="http://schemas.microsoft.com/office/drawing/2014/main" id="{D1316886-3820-A970-D434-3A8AC0E34247}"/>
+                  <a16:creationId xmlns:a16="http://schemas.microsoft.com/office/drawing/2014/main" id="{432AB5F7-694C-C060-1DA6-B61338017AD8}"/>
                 </a:ext>
               </a:extLst>
             </p:cNvPr>
-            <p:cNvCxnSpPr>
-              <a:cxnSpLocks/>
-            </p:cNvCxnSpPr>
+            <p:cNvSpPr txBox="1"/>
             <p:nvPr/>
-          </p:nvCxnSpPr>
+          </p:nvSpPr>
           <p:spPr>
             <a:xfrm>
-              <a:off x="2065105" y="340770"/>
-              <a:ext cx="0" cy="1488030"/>
+              <a:off x="3053899" y="5617927"/>
+              <a:ext cx="1375120" cy="646331"/>
             </a:xfrm>
-            <a:prstGeom prst="line">
+            <a:prstGeom prst="rect">
               <a:avLst/>
             </a:prstGeom>
-            <a:ln w="19050">
-              <a:solidFill>
-                <a:srgbClr val="000000"/>
-              </a:solidFill>
-            </a:ln>
+            <a:noFill/>
           </p:spPr>
-          <p:style>
-            <a:lnRef idx="1">
-              <a:schemeClr val="accent2"/>
-            </a:lnRef>
-            <a:fillRef idx="0">
-              <a:schemeClr val="accent2"/>
-            </a:fillRef>
-            <a:effectRef idx="0">
-              <a:schemeClr val="accent2"/>
-            </a:effectRef>
-            <a:fontRef idx="minor">
-              <a:schemeClr val="tx1"/>
-            </a:fontRef>
-          </p:style>
-        </p:cxnSp>
-        <p:cxnSp>
-          <p:nvCxnSpPr>
-            <p:cNvPr id="123" name="Straight Connector 122">
+          <p:txBody>
+            <a:bodyPr wrap="none" rtlCol="0">
+              <a:spAutoFit/>
+            </a:bodyPr>
+            <a:lstStyle/>
+            <a:p>
+              <a:r>
+                <a:rPr lang="en-US" dirty="0"/>
+                <a:t>Flat-head</a:t>
+              </a:r>
+            </a:p>
+            <a:p>
+              <a:r>
+                <a:rPr lang="en-US" dirty="0"/>
+                <a:t>Countersunk</a:t>
+              </a:r>
+            </a:p>
+          </p:txBody>
+        </p:sp>
+        <p:sp>
+          <p:nvSpPr>
+            <p:cNvPr id="47" name="TextBox 46">
               <a:extLst>
                 <a:ext uri="{FF2B5EF4-FFF2-40B4-BE49-F238E27FC236}">
-                  <a16:creationId xmlns:a16="http://schemas.microsoft.com/office/drawing/2014/main" id="{F926AC59-4433-8746-746C-CB656B8CFF09}"/>
+                  <a16:creationId xmlns:a16="http://schemas.microsoft.com/office/drawing/2014/main" id="{6BD12658-01FF-6639-2A2B-4A21D47DE413}"/>
                 </a:ext>
               </a:extLst>
             </p:cNvPr>
-            <p:cNvCxnSpPr>
-              <a:cxnSpLocks/>
-            </p:cNvCxnSpPr>
+            <p:cNvSpPr txBox="1"/>
             <p:nvPr/>
-          </p:nvCxnSpPr>
+          </p:nvSpPr>
           <p:spPr>
             <a:xfrm>
-              <a:off x="4667035" y="340770"/>
-              <a:ext cx="0" cy="1488030"/>
+              <a:off x="5646566" y="5617927"/>
+              <a:ext cx="1375120" cy="646331"/>
             </a:xfrm>
-            <a:prstGeom prst="line">
+            <a:prstGeom prst="rect">
               <a:avLst/>
             </a:prstGeom>
-            <a:ln w="19050">
-              <a:solidFill>
-                <a:srgbClr val="000000"/>
-              </a:solidFill>
-            </a:ln>
+            <a:noFill/>
           </p:spPr>
-          <p:style>
-            <a:lnRef idx="1">
-              <a:schemeClr val="accent2"/>
-            </a:lnRef>
-            <a:fillRef idx="0">
-              <a:schemeClr val="accent2"/>
-            </a:fillRef>
-            <a:effectRef idx="0">
-              <a:schemeClr val="accent2"/>
-            </a:effectRef>
-            <a:fontRef idx="minor">
-              <a:schemeClr val="tx1"/>
-            </a:fontRef>
-          </p:style>
-        </p:cxnSp>
+          <p:txBody>
+            <a:bodyPr wrap="none" rtlCol="0">
+              <a:spAutoFit/>
+            </a:bodyPr>
+            <a:lstStyle/>
+            <a:p>
+              <a:r>
+                <a:rPr lang="en-US" dirty="0"/>
+                <a:t>Oval-head</a:t>
+              </a:r>
+            </a:p>
+            <a:p>
+              <a:r>
+                <a:rPr lang="en-US" dirty="0"/>
+                <a:t>Countersunk</a:t>
+              </a:r>
+            </a:p>
+          </p:txBody>
+        </p:sp>
+        <p:sp>
+          <p:nvSpPr>
+            <p:cNvPr id="48" name="TextBox 47">
+              <a:extLst>
+                <a:ext uri="{FF2B5EF4-FFF2-40B4-BE49-F238E27FC236}">
+                  <a16:creationId xmlns:a16="http://schemas.microsoft.com/office/drawing/2014/main" id="{3E94CCF3-BDE8-D296-DD1F-5C710D57269A}"/>
+                </a:ext>
+              </a:extLst>
+            </p:cNvPr>
+            <p:cNvSpPr txBox="1"/>
+            <p:nvPr/>
+          </p:nvSpPr>
+          <p:spPr>
+            <a:xfrm>
+              <a:off x="8315319" y="5756426"/>
+              <a:ext cx="1332481" cy="369332"/>
+            </a:xfrm>
+            <a:prstGeom prst="rect">
+              <a:avLst/>
+            </a:prstGeom>
+            <a:noFill/>
+          </p:spPr>
+          <p:txBody>
+            <a:bodyPr wrap="none" rtlCol="0">
+              <a:spAutoFit/>
+            </a:bodyPr>
+            <a:lstStyle/>
+            <a:p>
+              <a:r>
+                <a:rPr lang="en-US" dirty="0"/>
+                <a:t>Round-head</a:t>
+              </a:r>
+            </a:p>
+          </p:txBody>
+        </p:sp>
       </p:grpSp>
-      <p:cxnSp>
-        <p:nvCxnSpPr>
-          <p:cNvPr id="124" name="Straight Arrow Connector 123">
-            <a:extLst>
-              <a:ext uri="{FF2B5EF4-FFF2-40B4-BE49-F238E27FC236}">
-                <a16:creationId xmlns:a16="http://schemas.microsoft.com/office/drawing/2014/main" id="{BC896ED9-F671-D9A5-5472-B4985598BD79}"/>
-              </a:ext>
-            </a:extLst>
-          </p:cNvPr>
-          <p:cNvCxnSpPr>
-            <a:cxnSpLocks/>
-          </p:cNvCxnSpPr>
-          <p:nvPr/>
-        </p:nvCxnSpPr>
-        <p:spPr>
-          <a:xfrm>
-            <a:off x="7422490" y="435874"/>
-            <a:ext cx="2601930" cy="0"/>
-          </a:xfrm>
-          <a:prstGeom prst="straightConnector1">
-            <a:avLst/>
-          </a:prstGeom>
-          <a:ln w="19050">
-            <a:solidFill>
-              <a:srgbClr val="000000"/>
-            </a:solidFill>
-            <a:headEnd type="triangle" w="lg" len="med"/>
-            <a:tailEnd type="triangle" w="lg" len="med"/>
-          </a:ln>
-        </p:spPr>
-        <p:style>
-          <a:lnRef idx="1">
-            <a:schemeClr val="accent1"/>
-          </a:lnRef>
-          <a:fillRef idx="0">
-            <a:schemeClr val="accent1"/>
-          </a:fillRef>
-          <a:effectRef idx="0">
-            <a:schemeClr val="accent1"/>
-          </a:effectRef>
-          <a:fontRef idx="minor">
-            <a:schemeClr val="tx1"/>
-          </a:fontRef>
-        </p:style>
-      </p:cxnSp>
-      <p:cxnSp>
-        <p:nvCxnSpPr>
-          <p:cNvPr id="125" name="Straight Arrow Connector 124">
-            <a:extLst>
-              <a:ext uri="{FF2B5EF4-FFF2-40B4-BE49-F238E27FC236}">
-                <a16:creationId xmlns:a16="http://schemas.microsoft.com/office/drawing/2014/main" id="{ACF54E83-5F31-BC77-729F-9950929A68D1}"/>
-              </a:ext>
-            </a:extLst>
-          </p:cNvPr>
-          <p:cNvCxnSpPr>
-            <a:cxnSpLocks/>
-          </p:cNvCxnSpPr>
-          <p:nvPr/>
-        </p:nvCxnSpPr>
-        <p:spPr>
-          <a:xfrm flipV="1">
-            <a:off x="7872596" y="861837"/>
-            <a:ext cx="1623317" cy="16601"/>
-          </a:xfrm>
-          <a:prstGeom prst="straightConnector1">
-            <a:avLst/>
-          </a:prstGeom>
-          <a:ln w="19050">
-            <a:solidFill>
-              <a:srgbClr val="000000"/>
-            </a:solidFill>
-            <a:headEnd type="triangle" w="lg" len="med"/>
-            <a:tailEnd type="triangle" w="lg" len="med"/>
-          </a:ln>
-        </p:spPr>
-        <p:style>
-          <a:lnRef idx="1">
-            <a:schemeClr val="accent1"/>
-          </a:lnRef>
-          <a:fillRef idx="0">
-            <a:schemeClr val="accent1"/>
-          </a:fillRef>
-          <a:effectRef idx="0">
-            <a:schemeClr val="accent1"/>
-          </a:effectRef>
-          <a:fontRef idx="minor">
-            <a:schemeClr val="tx1"/>
-          </a:fontRef>
-        </p:style>
-      </p:cxnSp>
-      <p:sp>
-        <p:nvSpPr>
-          <p:cNvPr id="126" name="TextBox 125">
-            <a:extLst>
-              <a:ext uri="{FF2B5EF4-FFF2-40B4-BE49-F238E27FC236}">
-                <a16:creationId xmlns:a16="http://schemas.microsoft.com/office/drawing/2014/main" id="{FF16258C-575B-9E36-3EA4-7AED416F1938}"/>
-              </a:ext>
-            </a:extLst>
-          </p:cNvPr>
-          <p:cNvSpPr txBox="1"/>
-          <p:nvPr/>
-        </p:nvSpPr>
-        <p:spPr>
-          <a:xfrm>
-            <a:off x="8172992" y="139755"/>
-            <a:ext cx="1022524" cy="276999"/>
-          </a:xfrm>
-          <a:prstGeom prst="rect">
-            <a:avLst/>
-          </a:prstGeom>
-          <a:noFill/>
-        </p:spPr>
-        <p:txBody>
-          <a:bodyPr wrap="none" rtlCol="0">
-            <a:spAutoFit/>
-          </a:bodyPr>
-          <a:lstStyle/>
-          <a:p>
-            <a:r>
-              <a:rPr lang="en-US" sz="1200" dirty="0"/>
-              <a:t>Head Washer</a:t>
-            </a:r>
-          </a:p>
-        </p:txBody>
-      </p:sp>
-      <p:sp>
-        <p:nvSpPr>
-          <p:cNvPr id="127" name="TextBox 126">
-            <a:extLst>
-              <a:ext uri="{FF2B5EF4-FFF2-40B4-BE49-F238E27FC236}">
-                <a16:creationId xmlns:a16="http://schemas.microsoft.com/office/drawing/2014/main" id="{8CD78940-7320-1F39-E2B8-5DBE40B166E4}"/>
-              </a:ext>
-            </a:extLst>
-          </p:cNvPr>
-          <p:cNvSpPr txBox="1"/>
-          <p:nvPr/>
-        </p:nvSpPr>
-        <p:spPr>
-          <a:xfrm>
-            <a:off x="8111553" y="642846"/>
-            <a:ext cx="1129540" cy="276999"/>
-          </a:xfrm>
-          <a:prstGeom prst="rect">
-            <a:avLst/>
-          </a:prstGeom>
-          <a:noFill/>
-          <a:ln>
-            <a:noFill/>
-          </a:ln>
-        </p:spPr>
-        <p:txBody>
-          <a:bodyPr wrap="none" rtlCol="0">
-            <a:spAutoFit/>
-          </a:bodyPr>
-          <a:lstStyle/>
-          <a:p>
-            <a:r>
-              <a:rPr lang="en-US" sz="1200" dirty="0"/>
-              <a:t>Head Diameter</a:t>
-            </a:r>
-          </a:p>
-        </p:txBody>
-      </p:sp>
-    </p:spTree>
-    <p:extLst>
-      <p:ext uri="{BB962C8B-B14F-4D97-AF65-F5344CB8AC3E}">
-        <p14:creationId xmlns:p14="http://schemas.microsoft.com/office/powerpoint/2010/main" val="2207892408"/>
-      </p:ext>
-    </p:extLst>
-  </p:cSld>
-  <p:clrMapOvr>
-    <a:masterClrMapping/>
-  </p:clrMapOvr>
-</p:sld>
-</file>
-
-<file path=ppt/slides/slide2.xml><?xml version="1.0" encoding="utf-8"?>
-<p:sld xmlns:a="http://schemas.openxmlformats.org/drawingml/2006/main" xmlns:r="http://schemas.openxmlformats.org/officeDocument/2006/relationships" xmlns:p="http://schemas.openxmlformats.org/presentationml/2006/main">
-  <p:cSld>
-    <p:spTree>
-      <p:nvGrpSpPr>
-        <p:cNvPr id="1" name=""/>
-        <p:cNvGrpSpPr/>
-        <p:nvPr/>
-      </p:nvGrpSpPr>
-      <p:grpSpPr>
-        <a:xfrm>
-          <a:off x="0" y="0"/>
-          <a:ext cx="0" cy="0"/>
-          <a:chOff x="0" y="0"/>
-          <a:chExt cx="0" cy="0"/>
-        </a:xfrm>
-      </p:grpSpPr>
-      <p:cxnSp>
-        <p:nvCxnSpPr>
-          <p:cNvPr id="23" name="Straight Connector 22">
-            <a:extLst>
-              <a:ext uri="{FF2B5EF4-FFF2-40B4-BE49-F238E27FC236}">
-                <a16:creationId xmlns:a16="http://schemas.microsoft.com/office/drawing/2014/main" id="{5C0A5883-AD67-323C-EF56-05A10EF951C2}"/>
-              </a:ext>
-            </a:extLst>
-          </p:cNvPr>
-          <p:cNvCxnSpPr>
-            <a:cxnSpLocks/>
-          </p:cNvCxnSpPr>
-          <p:nvPr/>
-        </p:nvCxnSpPr>
-        <p:spPr>
-          <a:xfrm>
-            <a:off x="2349397" y="2791202"/>
-            <a:ext cx="8595684" cy="0"/>
-          </a:xfrm>
-          <a:prstGeom prst="line">
-            <a:avLst/>
-          </a:prstGeom>
-          <a:ln w="12700">
-            <a:solidFill>
-              <a:schemeClr val="tx1"/>
-            </a:solidFill>
-          </a:ln>
-        </p:spPr>
-        <p:style>
-          <a:lnRef idx="1">
-            <a:schemeClr val="accent2"/>
-          </a:lnRef>
-          <a:fillRef idx="0">
-            <a:schemeClr val="accent2"/>
-          </a:fillRef>
-          <a:effectRef idx="0">
-            <a:schemeClr val="accent2"/>
-          </a:effectRef>
-          <a:fontRef idx="minor">
-            <a:schemeClr val="tx1"/>
-          </a:fontRef>
-        </p:style>
-      </p:cxnSp>
-      <p:cxnSp>
-        <p:nvCxnSpPr>
-          <p:cNvPr id="29" name="Straight Connector 28">
-            <a:extLst>
-              <a:ext uri="{FF2B5EF4-FFF2-40B4-BE49-F238E27FC236}">
-                <a16:creationId xmlns:a16="http://schemas.microsoft.com/office/drawing/2014/main" id="{A8A18DBC-D9A1-19DA-35C0-F4991D6BC7CB}"/>
-              </a:ext>
-            </a:extLst>
-          </p:cNvPr>
-          <p:cNvCxnSpPr>
-            <a:cxnSpLocks/>
-            <a:stCxn id="19" idx="8"/>
-          </p:cNvCxnSpPr>
-          <p:nvPr/>
-        </p:nvCxnSpPr>
-        <p:spPr>
-          <a:xfrm flipH="1">
-            <a:off x="2349397" y="3108818"/>
-            <a:ext cx="4343510" cy="7479"/>
-          </a:xfrm>
-          <a:prstGeom prst="line">
-            <a:avLst/>
-          </a:prstGeom>
-          <a:ln w="12700">
-            <a:solidFill>
-              <a:schemeClr val="tx1"/>
-            </a:solidFill>
-          </a:ln>
-        </p:spPr>
-        <p:style>
-          <a:lnRef idx="1">
-            <a:schemeClr val="accent2"/>
-          </a:lnRef>
-          <a:fillRef idx="0">
-            <a:schemeClr val="accent2"/>
-          </a:fillRef>
-          <a:effectRef idx="0">
-            <a:schemeClr val="accent2"/>
-          </a:effectRef>
-          <a:fontRef idx="minor">
-            <a:schemeClr val="tx1"/>
-          </a:fontRef>
-        </p:style>
-      </p:cxnSp>
-      <p:sp>
-        <p:nvSpPr>
-          <p:cNvPr id="18" name="Freeform: Shape 17">
-            <a:extLst>
-              <a:ext uri="{FF2B5EF4-FFF2-40B4-BE49-F238E27FC236}">
-                <a16:creationId xmlns:a16="http://schemas.microsoft.com/office/drawing/2014/main" id="{D73352ED-42B1-19F5-88F3-5B3627F6255F}"/>
-              </a:ext>
-            </a:extLst>
-          </p:cNvPr>
-          <p:cNvSpPr/>
-          <p:nvPr/>
-        </p:nvSpPr>
-        <p:spPr>
-          <a:xfrm flipV="1">
-            <a:off x="2800709" y="2795617"/>
-            <a:ext cx="1886310" cy="2477430"/>
-          </a:xfrm>
-          <a:custGeom>
-            <a:avLst/>
-            <a:gdLst>
-              <a:gd name="connsiteX0" fmla="*/ 0 w 1886310"/>
-              <a:gd name="connsiteY0" fmla="*/ 2477430 h 2477430"/>
-              <a:gd name="connsiteX1" fmla="*/ 530736 w 1886310"/>
-              <a:gd name="connsiteY1" fmla="*/ 2477430 h 2477430"/>
-              <a:gd name="connsiteX2" fmla="*/ 1299530 w 1886310"/>
-              <a:gd name="connsiteY2" fmla="*/ 2477430 h 2477430"/>
-              <a:gd name="connsiteX3" fmla="*/ 1886310 w 1886310"/>
-              <a:gd name="connsiteY3" fmla="*/ 2477430 h 2477430"/>
-              <a:gd name="connsiteX4" fmla="*/ 1299530 w 1886310"/>
-              <a:gd name="connsiteY4" fmla="*/ 2159770 h 2477430"/>
-              <a:gd name="connsiteX5" fmla="*/ 1299530 w 1886310"/>
-              <a:gd name="connsiteY5" fmla="*/ 258408 h 2477430"/>
-              <a:gd name="connsiteX6" fmla="*/ 910443 w 1886310"/>
-              <a:gd name="connsiteY6" fmla="*/ 0 h 2477430"/>
-              <a:gd name="connsiteX7" fmla="*/ 530736 w 1886310"/>
-              <a:gd name="connsiteY7" fmla="*/ 258408 h 2477430"/>
-              <a:gd name="connsiteX8" fmla="*/ 530736 w 1886310"/>
-              <a:gd name="connsiteY8" fmla="*/ 2183014 h 2477430"/>
-            </a:gdLst>
-            <a:ahLst/>
-            <a:cxnLst>
-              <a:cxn ang="0">
-                <a:pos x="connsiteX0" y="connsiteY0"/>
-              </a:cxn>
-              <a:cxn ang="0">
-                <a:pos x="connsiteX1" y="connsiteY1"/>
-              </a:cxn>
-              <a:cxn ang="0">
-                <a:pos x="connsiteX2" y="connsiteY2"/>
-              </a:cxn>
-              <a:cxn ang="0">
-                <a:pos x="connsiteX3" y="connsiteY3"/>
-              </a:cxn>
-              <a:cxn ang="0">
-                <a:pos x="connsiteX4" y="connsiteY4"/>
-              </a:cxn>
-              <a:cxn ang="0">
-                <a:pos x="connsiteX5" y="connsiteY5"/>
-              </a:cxn>
-              <a:cxn ang="0">
-                <a:pos x="connsiteX6" y="connsiteY6"/>
-              </a:cxn>
-              <a:cxn ang="0">
-                <a:pos x="connsiteX7" y="connsiteY7"/>
-              </a:cxn>
-              <a:cxn ang="0">
-                <a:pos x="connsiteX8" y="connsiteY8"/>
-              </a:cxn>
-            </a:cxnLst>
-            <a:rect l="l" t="t" r="r" b="b"/>
-            <a:pathLst>
-              <a:path w="1886310" h="2477430">
-                <a:moveTo>
-                  <a:pt x="0" y="2477430"/>
-                </a:moveTo>
-                <a:lnTo>
-                  <a:pt x="530736" y="2477430"/>
-                </a:lnTo>
-                <a:lnTo>
-                  <a:pt x="1299530" y="2477430"/>
-                </a:lnTo>
-                <a:lnTo>
-                  <a:pt x="1886310" y="2477430"/>
-                </a:lnTo>
-                <a:lnTo>
-                  <a:pt x="1299530" y="2159770"/>
-                </a:lnTo>
-                <a:lnTo>
-                  <a:pt x="1299530" y="258408"/>
-                </a:lnTo>
-                <a:lnTo>
-                  <a:pt x="910443" y="0"/>
-                </a:lnTo>
-                <a:lnTo>
-                  <a:pt x="530736" y="258408"/>
-                </a:lnTo>
-                <a:lnTo>
-                  <a:pt x="530736" y="2183014"/>
-                </a:lnTo>
-                <a:close/>
-              </a:path>
-            </a:pathLst>
-          </a:custGeom>
-          <a:solidFill>
-            <a:srgbClr val="729FCF"/>
-          </a:solidFill>
-        </p:spPr>
-        <p:style>
-          <a:lnRef idx="2">
-            <a:schemeClr val="accent1">
-              <a:shade val="50000"/>
-            </a:schemeClr>
-          </a:lnRef>
-          <a:fillRef idx="1">
-            <a:schemeClr val="accent1"/>
-          </a:fillRef>
-          <a:effectRef idx="0">
-            <a:schemeClr val="accent1"/>
-          </a:effectRef>
-          <a:fontRef idx="minor">
-            <a:schemeClr val="lt1"/>
-          </a:fontRef>
-        </p:style>
-        <p:txBody>
-          <a:bodyPr wrap="square" rtlCol="0" anchor="ctr">
-            <a:noAutofit/>
-          </a:bodyPr>
-          <a:lstStyle/>
-          <a:p>
-            <a:pPr algn="ctr"/>
-            <a:endParaRPr lang="en-US"/>
-          </a:p>
-        </p:txBody>
-      </p:sp>
-      <p:sp>
-        <p:nvSpPr>
-          <p:cNvPr id="20" name="Freeform: Shape 19">
-            <a:extLst>
-              <a:ext uri="{FF2B5EF4-FFF2-40B4-BE49-F238E27FC236}">
-                <a16:creationId xmlns:a16="http://schemas.microsoft.com/office/drawing/2014/main" id="{CD57B6C0-A28B-5BC2-AC77-170F33F54853}"/>
-              </a:ext>
-            </a:extLst>
-          </p:cNvPr>
-          <p:cNvSpPr/>
-          <p:nvPr/>
-        </p:nvSpPr>
-        <p:spPr>
-          <a:xfrm rot="10800000">
-            <a:off x="8120518" y="2283122"/>
-            <a:ext cx="1722085" cy="2985466"/>
-          </a:xfrm>
-          <a:custGeom>
-            <a:avLst/>
-            <a:gdLst>
-              <a:gd name="connsiteX0" fmla="*/ 860062 w 1722085"/>
-              <a:gd name="connsiteY0" fmla="*/ 2985466 h 2985466"/>
-              <a:gd name="connsiteX1" fmla="*/ 580301 w 1722085"/>
-              <a:gd name="connsiteY1" fmla="*/ 2957496 h 2985466"/>
-              <a:gd name="connsiteX2" fmla="*/ 12 w 1722085"/>
-              <a:gd name="connsiteY2" fmla="*/ 2470868 h 2985466"/>
-              <a:gd name="connsiteX3" fmla="*/ 451312 w 1722085"/>
-              <a:gd name="connsiteY3" fmla="*/ 2472317 h 2985466"/>
-              <a:gd name="connsiteX4" fmla="*/ 451312 w 1722085"/>
-              <a:gd name="connsiteY4" fmla="*/ 258408 h 2985466"/>
-              <a:gd name="connsiteX5" fmla="*/ 840399 w 1722085"/>
-              <a:gd name="connsiteY5" fmla="*/ 0 h 2985466"/>
-              <a:gd name="connsiteX6" fmla="*/ 1220106 w 1722085"/>
-              <a:gd name="connsiteY6" fmla="*/ 258408 h 2985466"/>
-              <a:gd name="connsiteX7" fmla="*/ 1220106 w 1722085"/>
-              <a:gd name="connsiteY7" fmla="*/ 2473632 h 2985466"/>
-              <a:gd name="connsiteX8" fmla="*/ 1722085 w 1722085"/>
-              <a:gd name="connsiteY8" fmla="*/ 2473632 h 2985466"/>
-              <a:gd name="connsiteX9" fmla="*/ 1139929 w 1722085"/>
-              <a:gd name="connsiteY9" fmla="*/ 2957875 h 2985466"/>
-              <a:gd name="connsiteX10" fmla="*/ 860062 w 1722085"/>
-              <a:gd name="connsiteY10" fmla="*/ 2985466 h 2985466"/>
-            </a:gdLst>
-            <a:ahLst/>
-            <a:cxnLst>
-              <a:cxn ang="0">
-                <a:pos x="connsiteX0" y="connsiteY0"/>
-              </a:cxn>
-              <a:cxn ang="0">
-                <a:pos x="connsiteX1" y="connsiteY1"/>
-              </a:cxn>
-              <a:cxn ang="0">
-                <a:pos x="connsiteX2" y="connsiteY2"/>
-              </a:cxn>
-              <a:cxn ang="0">
-                <a:pos x="connsiteX3" y="connsiteY3"/>
-              </a:cxn>
-              <a:cxn ang="0">
-                <a:pos x="connsiteX4" y="connsiteY4"/>
-              </a:cxn>
-              <a:cxn ang="0">
-                <a:pos x="connsiteX5" y="connsiteY5"/>
-              </a:cxn>
-              <a:cxn ang="0">
-                <a:pos x="connsiteX6" y="connsiteY6"/>
-              </a:cxn>
-              <a:cxn ang="0">
-                <a:pos x="connsiteX7" y="connsiteY7"/>
-              </a:cxn>
-              <a:cxn ang="0">
-                <a:pos x="connsiteX8" y="connsiteY8"/>
-              </a:cxn>
-              <a:cxn ang="0">
-                <a:pos x="connsiteX9" y="connsiteY9"/>
-              </a:cxn>
-              <a:cxn ang="0">
-                <a:pos x="connsiteX10" y="connsiteY10"/>
-              </a:cxn>
-            </a:cxnLst>
-            <a:rect l="l" t="t" r="r" b="b"/>
-            <a:pathLst>
-              <a:path w="1722085" h="2985466">
-                <a:moveTo>
-                  <a:pt x="860062" y="2985466"/>
-                </a:moveTo>
-                <a:cubicBezTo>
-                  <a:pt x="765489" y="2985402"/>
-                  <a:pt x="670935" y="2976078"/>
-                  <a:pt x="580301" y="2957496"/>
-                </a:cubicBezTo>
-                <a:cubicBezTo>
-                  <a:pt x="231423" y="2885970"/>
-                  <a:pt x="-1981" y="2690238"/>
-                  <a:pt x="12" y="2470868"/>
-                </a:cubicBezTo>
-                <a:lnTo>
-                  <a:pt x="451312" y="2472317"/>
-                </a:lnTo>
-                <a:lnTo>
-                  <a:pt x="451312" y="258408"/>
-                </a:lnTo>
-                <a:lnTo>
-                  <a:pt x="840399" y="0"/>
-                </a:lnTo>
-                <a:lnTo>
-                  <a:pt x="1220106" y="258408"/>
-                </a:lnTo>
-                <a:lnTo>
-                  <a:pt x="1220106" y="2473632"/>
-                </a:lnTo>
-                <a:lnTo>
-                  <a:pt x="1722085" y="2473632"/>
-                </a:lnTo>
-                <a:cubicBezTo>
-                  <a:pt x="1722085" y="2692417"/>
-                  <a:pt x="1488145" y="2887011"/>
-                  <a:pt x="1139929" y="2957875"/>
-                </a:cubicBezTo>
-                <a:cubicBezTo>
-                  <a:pt x="1049224" y="2976334"/>
-                  <a:pt x="954634" y="2985530"/>
-                  <a:pt x="860062" y="2985466"/>
-                </a:cubicBezTo>
-                <a:close/>
-              </a:path>
-            </a:pathLst>
-          </a:custGeom>
-          <a:solidFill>
-            <a:srgbClr val="729FCF"/>
-          </a:solidFill>
-        </p:spPr>
-        <p:style>
-          <a:lnRef idx="2">
-            <a:schemeClr val="accent1">
-              <a:shade val="50000"/>
-            </a:schemeClr>
-          </a:lnRef>
-          <a:fillRef idx="1">
-            <a:schemeClr val="accent1"/>
-          </a:fillRef>
-          <a:effectRef idx="0">
-            <a:schemeClr val="accent1"/>
-          </a:effectRef>
-          <a:fontRef idx="minor">
-            <a:schemeClr val="lt1"/>
-          </a:fontRef>
-        </p:style>
-        <p:txBody>
-          <a:bodyPr wrap="square" rtlCol="0" anchor="ctr">
-            <a:noAutofit/>
-          </a:bodyPr>
-          <a:lstStyle/>
-          <a:p>
-            <a:pPr algn="ctr"/>
-            <a:endParaRPr lang="en-US"/>
-          </a:p>
-        </p:txBody>
-      </p:sp>
-      <p:sp>
-        <p:nvSpPr>
-          <p:cNvPr id="19" name="Freeform: Shape 18">
-            <a:extLst>
-              <a:ext uri="{FF2B5EF4-FFF2-40B4-BE49-F238E27FC236}">
-                <a16:creationId xmlns:a16="http://schemas.microsoft.com/office/drawing/2014/main" id="{67EDACA3-4917-19BD-A0D7-EEDB18BFCD1E}"/>
-              </a:ext>
-            </a:extLst>
-          </p:cNvPr>
-          <p:cNvSpPr/>
-          <p:nvPr/>
-        </p:nvSpPr>
-        <p:spPr>
-          <a:xfrm rot="10800000">
-            <a:off x="5393377" y="2283122"/>
-            <a:ext cx="1886310" cy="2985466"/>
-          </a:xfrm>
-          <a:custGeom>
-            <a:avLst/>
-            <a:gdLst>
-              <a:gd name="connsiteX0" fmla="*/ 934056 w 1886310"/>
-              <a:gd name="connsiteY0" fmla="*/ 2985466 h 2985466"/>
-              <a:gd name="connsiteX1" fmla="*/ 651718 w 1886310"/>
-              <a:gd name="connsiteY1" fmla="*/ 2961375 h 2985466"/>
-              <a:gd name="connsiteX2" fmla="*/ 11333 w 1886310"/>
-              <a:gd name="connsiteY2" fmla="*/ 2552760 h 2985466"/>
-              <a:gd name="connsiteX3" fmla="*/ 1027 w 1886310"/>
-              <a:gd name="connsiteY3" fmla="*/ 2477430 h 2985466"/>
-              <a:gd name="connsiteX4" fmla="*/ 0 w 1886310"/>
-              <a:gd name="connsiteY4" fmla="*/ 2477430 h 2985466"/>
-              <a:gd name="connsiteX5" fmla="*/ 957 w 1886310"/>
-              <a:gd name="connsiteY5" fmla="*/ 2476912 h 2985466"/>
-              <a:gd name="connsiteX6" fmla="*/ 16 w 1886310"/>
-              <a:gd name="connsiteY6" fmla="*/ 2470039 h 2985466"/>
-              <a:gd name="connsiteX7" fmla="*/ 13572 w 1886310"/>
-              <a:gd name="connsiteY7" fmla="*/ 2470083 h 2985466"/>
-              <a:gd name="connsiteX8" fmla="*/ 586780 w 1886310"/>
-              <a:gd name="connsiteY8" fmla="*/ 2159770 h 2985466"/>
-              <a:gd name="connsiteX9" fmla="*/ 586780 w 1886310"/>
-              <a:gd name="connsiteY9" fmla="*/ 258408 h 2985466"/>
-              <a:gd name="connsiteX10" fmla="*/ 975867 w 1886310"/>
-              <a:gd name="connsiteY10" fmla="*/ 0 h 2985466"/>
-              <a:gd name="connsiteX11" fmla="*/ 1355574 w 1886310"/>
-              <a:gd name="connsiteY11" fmla="*/ 258408 h 2985466"/>
-              <a:gd name="connsiteX12" fmla="*/ 1355574 w 1886310"/>
-              <a:gd name="connsiteY12" fmla="*/ 2183014 h 2985466"/>
-              <a:gd name="connsiteX13" fmla="*/ 1886310 w 1886310"/>
-              <a:gd name="connsiteY13" fmla="*/ 2477430 h 2985466"/>
-              <a:gd name="connsiteX14" fmla="*/ 1869460 w 1886310"/>
-              <a:gd name="connsiteY14" fmla="*/ 2477430 h 2985466"/>
-              <a:gd name="connsiteX15" fmla="*/ 1857979 w 1886310"/>
-              <a:gd name="connsiteY15" fmla="*/ 2555472 h 2985466"/>
-              <a:gd name="connsiteX16" fmla="*/ 1216487 w 1886310"/>
-              <a:gd name="connsiteY16" fmla="*/ 2961705 h 2985466"/>
-              <a:gd name="connsiteX17" fmla="*/ 934056 w 1886310"/>
-              <a:gd name="connsiteY17" fmla="*/ 2985466 h 2985466"/>
-            </a:gdLst>
-            <a:ahLst/>
-            <a:cxnLst>
-              <a:cxn ang="0">
-                <a:pos x="connsiteX0" y="connsiteY0"/>
-              </a:cxn>
-              <a:cxn ang="0">
-                <a:pos x="connsiteX1" y="connsiteY1"/>
-              </a:cxn>
-              <a:cxn ang="0">
-                <a:pos x="connsiteX2" y="connsiteY2"/>
-              </a:cxn>
-              <a:cxn ang="0">
-                <a:pos x="connsiteX3" y="connsiteY3"/>
-              </a:cxn>
-              <a:cxn ang="0">
-                <a:pos x="connsiteX4" y="connsiteY4"/>
-              </a:cxn>
-              <a:cxn ang="0">
-                <a:pos x="connsiteX5" y="connsiteY5"/>
-              </a:cxn>
-              <a:cxn ang="0">
-                <a:pos x="connsiteX6" y="connsiteY6"/>
-              </a:cxn>
-              <a:cxn ang="0">
-                <a:pos x="connsiteX7" y="connsiteY7"/>
-              </a:cxn>
-              <a:cxn ang="0">
-                <a:pos x="connsiteX8" y="connsiteY8"/>
-              </a:cxn>
-              <a:cxn ang="0">
-                <a:pos x="connsiteX9" y="connsiteY9"/>
-              </a:cxn>
-              <a:cxn ang="0">
-                <a:pos x="connsiteX10" y="connsiteY10"/>
-              </a:cxn>
-              <a:cxn ang="0">
-                <a:pos x="connsiteX11" y="connsiteY11"/>
-              </a:cxn>
-              <a:cxn ang="0">
-                <a:pos x="connsiteX12" y="connsiteY12"/>
-              </a:cxn>
-              <a:cxn ang="0">
-                <a:pos x="connsiteX13" y="connsiteY13"/>
-              </a:cxn>
-              <a:cxn ang="0">
-                <a:pos x="connsiteX14" y="connsiteY14"/>
-              </a:cxn>
-              <a:cxn ang="0">
-                <a:pos x="connsiteX15" y="connsiteY15"/>
-              </a:cxn>
-              <a:cxn ang="0">
-                <a:pos x="connsiteX16" y="connsiteY16"/>
-              </a:cxn>
-              <a:cxn ang="0">
-                <a:pos x="connsiteX17" y="connsiteY17"/>
-              </a:cxn>
-            </a:cxnLst>
-            <a:rect l="l" t="t" r="r" b="b"/>
-            <a:pathLst>
-              <a:path w="1886310" h="2985466">
-                <a:moveTo>
-                  <a:pt x="934056" y="2985466"/>
-                </a:moveTo>
-                <a:cubicBezTo>
-                  <a:pt x="838803" y="2985411"/>
-                  <a:pt x="743565" y="2977380"/>
-                  <a:pt x="651718" y="2961375"/>
-                </a:cubicBezTo>
-                <a:cubicBezTo>
-                  <a:pt x="310432" y="2901906"/>
-                  <a:pt x="65602" y="2742051"/>
-                  <a:pt x="11333" y="2552760"/>
-                </a:cubicBezTo>
-                <a:lnTo>
-                  <a:pt x="1027" y="2477430"/>
-                </a:lnTo>
-                <a:lnTo>
-                  <a:pt x="0" y="2477430"/>
-                </a:lnTo>
-                <a:lnTo>
-                  <a:pt x="957" y="2476912"/>
-                </a:lnTo>
-                <a:lnTo>
-                  <a:pt x="16" y="2470039"/>
-                </a:lnTo>
-                <a:lnTo>
-                  <a:pt x="13572" y="2470083"/>
-                </a:lnTo>
-                <a:lnTo>
-                  <a:pt x="586780" y="2159770"/>
-                </a:lnTo>
-                <a:lnTo>
-                  <a:pt x="586780" y="258408"/>
-                </a:lnTo>
-                <a:lnTo>
-                  <a:pt x="975867" y="0"/>
-                </a:lnTo>
-                <a:lnTo>
-                  <a:pt x="1355574" y="258408"/>
-                </a:lnTo>
-                <a:lnTo>
-                  <a:pt x="1355574" y="2183014"/>
-                </a:lnTo>
-                <a:lnTo>
-                  <a:pt x="1886310" y="2477430"/>
-                </a:lnTo>
-                <a:lnTo>
-                  <a:pt x="1869460" y="2477430"/>
-                </a:lnTo>
-                <a:lnTo>
-                  <a:pt x="1857979" y="2555472"/>
-                </a:lnTo>
-                <a:cubicBezTo>
-                  <a:pt x="1802026" y="2744037"/>
-                  <a:pt x="1556932" y="2902820"/>
-                  <a:pt x="1216487" y="2961705"/>
-                </a:cubicBezTo>
-                <a:cubicBezTo>
-                  <a:pt x="1124578" y="2977602"/>
-                  <a:pt x="1029309" y="2985522"/>
-                  <a:pt x="934056" y="2985466"/>
-                </a:cubicBezTo>
-                <a:close/>
-              </a:path>
-            </a:pathLst>
-          </a:custGeom>
-          <a:solidFill>
-            <a:srgbClr val="729FCF"/>
-          </a:solidFill>
-        </p:spPr>
-        <p:style>
-          <a:lnRef idx="2">
-            <a:schemeClr val="accent1">
-              <a:shade val="50000"/>
-            </a:schemeClr>
-          </a:lnRef>
-          <a:fillRef idx="1">
-            <a:schemeClr val="accent1"/>
-          </a:fillRef>
-          <a:effectRef idx="0">
-            <a:schemeClr val="accent1"/>
-          </a:effectRef>
-          <a:fontRef idx="minor">
-            <a:schemeClr val="lt1"/>
-          </a:fontRef>
-        </p:style>
-        <p:txBody>
-          <a:bodyPr wrap="square" rtlCol="0" anchor="ctr">
-            <a:noAutofit/>
-          </a:bodyPr>
-          <a:lstStyle/>
-          <a:p>
-            <a:pPr algn="ctr"/>
-            <a:endParaRPr lang="en-US"/>
-          </a:p>
-        </p:txBody>
-      </p:sp>
-      <p:cxnSp>
-        <p:nvCxnSpPr>
-          <p:cNvPr id="22" name="Straight Connector 21">
-            <a:extLst>
-              <a:ext uri="{FF2B5EF4-FFF2-40B4-BE49-F238E27FC236}">
-                <a16:creationId xmlns:a16="http://schemas.microsoft.com/office/drawing/2014/main" id="{2337FB33-256D-FF5B-EC93-02714A52DBD7}"/>
-              </a:ext>
-            </a:extLst>
-          </p:cNvPr>
-          <p:cNvCxnSpPr>
-            <a:cxnSpLocks/>
-          </p:cNvCxnSpPr>
-          <p:nvPr/>
-        </p:nvCxnSpPr>
-        <p:spPr>
-          <a:xfrm flipH="1">
-            <a:off x="3755366" y="5278871"/>
-            <a:ext cx="7189715" cy="0"/>
-          </a:xfrm>
-          <a:prstGeom prst="line">
-            <a:avLst/>
-          </a:prstGeom>
-          <a:ln w="12700">
-            <a:solidFill>
-              <a:schemeClr val="tx1"/>
-            </a:solidFill>
-          </a:ln>
-        </p:spPr>
-        <p:style>
-          <a:lnRef idx="1">
-            <a:schemeClr val="accent2"/>
-          </a:lnRef>
-          <a:fillRef idx="0">
-            <a:schemeClr val="accent2"/>
-          </a:fillRef>
-          <a:effectRef idx="0">
-            <a:schemeClr val="accent2"/>
-          </a:effectRef>
-          <a:fontRef idx="minor">
-            <a:schemeClr val="tx1"/>
-          </a:fontRef>
-        </p:style>
-      </p:cxnSp>
-      <p:sp>
-        <p:nvSpPr>
-          <p:cNvPr id="24" name="TextBox 23">
-            <a:extLst>
-              <a:ext uri="{FF2B5EF4-FFF2-40B4-BE49-F238E27FC236}">
-                <a16:creationId xmlns:a16="http://schemas.microsoft.com/office/drawing/2014/main" id="{514A47F6-961E-7F1A-C5B9-DF22AA701438}"/>
-              </a:ext>
-            </a:extLst>
-          </p:cNvPr>
-          <p:cNvSpPr txBox="1"/>
-          <p:nvPr/>
-        </p:nvSpPr>
-        <p:spPr>
-          <a:xfrm rot="16200000">
-            <a:off x="10153763" y="3656410"/>
-            <a:ext cx="941731" cy="276999"/>
-          </a:xfrm>
-          <a:prstGeom prst="rect">
-            <a:avLst/>
-          </a:prstGeom>
-          <a:noFill/>
-        </p:spPr>
-        <p:txBody>
-          <a:bodyPr wrap="square" rtlCol="0">
-            <a:spAutoFit/>
-          </a:bodyPr>
-          <a:lstStyle/>
-          <a:p>
-            <a:r>
-              <a:rPr lang="en-US" sz="1200" dirty="0"/>
-              <a:t>Length</a:t>
-            </a:r>
-          </a:p>
-        </p:txBody>
-      </p:sp>
-      <p:cxnSp>
-        <p:nvCxnSpPr>
-          <p:cNvPr id="25" name="Straight Arrow Connector 24">
-            <a:extLst>
-              <a:ext uri="{FF2B5EF4-FFF2-40B4-BE49-F238E27FC236}">
-                <a16:creationId xmlns:a16="http://schemas.microsoft.com/office/drawing/2014/main" id="{8B152A13-448C-BE86-21D5-AF16BDD3D702}"/>
-              </a:ext>
-            </a:extLst>
-          </p:cNvPr>
-          <p:cNvCxnSpPr>
-            <a:cxnSpLocks/>
-          </p:cNvCxnSpPr>
-          <p:nvPr/>
-        </p:nvCxnSpPr>
-        <p:spPr>
-          <a:xfrm flipV="1">
-            <a:off x="10817525" y="2783969"/>
-            <a:ext cx="0" cy="2477430"/>
-          </a:xfrm>
-          <a:prstGeom prst="straightConnector1">
-            <a:avLst/>
-          </a:prstGeom>
-          <a:ln w="12700">
-            <a:solidFill>
-              <a:schemeClr val="tx1"/>
-            </a:solidFill>
-            <a:headEnd type="triangle"/>
-            <a:tailEnd type="triangle"/>
-          </a:ln>
-        </p:spPr>
-        <p:style>
-          <a:lnRef idx="1">
-            <a:schemeClr val="accent1"/>
-          </a:lnRef>
-          <a:fillRef idx="0">
-            <a:schemeClr val="accent1"/>
-          </a:fillRef>
-          <a:effectRef idx="0">
-            <a:schemeClr val="accent1"/>
-          </a:effectRef>
-          <a:fontRef idx="minor">
-            <a:schemeClr val="tx1"/>
-          </a:fontRef>
-        </p:style>
-      </p:cxnSp>
-      <p:cxnSp>
-        <p:nvCxnSpPr>
-          <p:cNvPr id="30" name="Straight Connector 29">
-            <a:extLst>
-              <a:ext uri="{FF2B5EF4-FFF2-40B4-BE49-F238E27FC236}">
-                <a16:creationId xmlns:a16="http://schemas.microsoft.com/office/drawing/2014/main" id="{426D5533-43ED-0336-7329-629CF9203DE7}"/>
-              </a:ext>
-            </a:extLst>
-          </p:cNvPr>
-          <p:cNvCxnSpPr>
-            <a:cxnSpLocks/>
-          </p:cNvCxnSpPr>
-          <p:nvPr/>
-        </p:nvCxnSpPr>
-        <p:spPr>
-          <a:xfrm flipH="1">
-            <a:off x="5532408" y="2268600"/>
-            <a:ext cx="4811440" cy="8693"/>
-          </a:xfrm>
-          <a:prstGeom prst="line">
-            <a:avLst/>
-          </a:prstGeom>
-          <a:ln w="12700">
-            <a:solidFill>
-              <a:schemeClr val="tx1"/>
-            </a:solidFill>
-          </a:ln>
-        </p:spPr>
-        <p:style>
-          <a:lnRef idx="1">
-            <a:schemeClr val="accent2"/>
-          </a:lnRef>
-          <a:fillRef idx="0">
-            <a:schemeClr val="accent2"/>
-          </a:fillRef>
-          <a:effectRef idx="0">
-            <a:schemeClr val="accent2"/>
-          </a:effectRef>
-          <a:fontRef idx="minor">
-            <a:schemeClr val="tx1"/>
-          </a:fontRef>
-        </p:style>
-      </p:cxnSp>
-      <p:cxnSp>
-        <p:nvCxnSpPr>
-          <p:cNvPr id="34" name="Straight Arrow Connector 33">
-            <a:extLst>
-              <a:ext uri="{FF2B5EF4-FFF2-40B4-BE49-F238E27FC236}">
-                <a16:creationId xmlns:a16="http://schemas.microsoft.com/office/drawing/2014/main" id="{4B572E17-4884-807E-059C-2B66B08C2A19}"/>
-              </a:ext>
-            </a:extLst>
-          </p:cNvPr>
-          <p:cNvCxnSpPr>
-            <a:cxnSpLocks/>
-          </p:cNvCxnSpPr>
-          <p:nvPr/>
-        </p:nvCxnSpPr>
-        <p:spPr>
-          <a:xfrm flipV="1">
-            <a:off x="2421147" y="3114793"/>
-            <a:ext cx="0" cy="314207"/>
-          </a:xfrm>
-          <a:prstGeom prst="straightConnector1">
-            <a:avLst/>
-          </a:prstGeom>
-          <a:ln w="12700">
-            <a:solidFill>
-              <a:schemeClr val="tx1"/>
-            </a:solidFill>
-            <a:tailEnd type="triangle"/>
-          </a:ln>
-        </p:spPr>
-        <p:style>
-          <a:lnRef idx="1">
-            <a:schemeClr val="accent1"/>
-          </a:lnRef>
-          <a:fillRef idx="0">
-            <a:schemeClr val="accent1"/>
-          </a:fillRef>
-          <a:effectRef idx="0">
-            <a:schemeClr val="accent1"/>
-          </a:effectRef>
-          <a:fontRef idx="minor">
-            <a:schemeClr val="tx1"/>
-          </a:fontRef>
-        </p:style>
-      </p:cxnSp>
-      <p:cxnSp>
-        <p:nvCxnSpPr>
-          <p:cNvPr id="36" name="Straight Arrow Connector 35">
-            <a:extLst>
-              <a:ext uri="{FF2B5EF4-FFF2-40B4-BE49-F238E27FC236}">
-                <a16:creationId xmlns:a16="http://schemas.microsoft.com/office/drawing/2014/main" id="{02504716-5887-2737-C284-76834A083DB7}"/>
-              </a:ext>
-            </a:extLst>
-          </p:cNvPr>
-          <p:cNvCxnSpPr>
-            <a:cxnSpLocks/>
-          </p:cNvCxnSpPr>
-          <p:nvPr/>
-        </p:nvCxnSpPr>
-        <p:spPr>
-          <a:xfrm>
-            <a:off x="2421147" y="1874808"/>
-            <a:ext cx="0" cy="862641"/>
-          </a:xfrm>
-          <a:prstGeom prst="straightConnector1">
-            <a:avLst/>
-          </a:prstGeom>
-          <a:ln w="12700">
-            <a:solidFill>
-              <a:schemeClr val="tx1"/>
-            </a:solidFill>
-            <a:tailEnd type="triangle"/>
-          </a:ln>
-        </p:spPr>
-        <p:style>
-          <a:lnRef idx="1">
-            <a:schemeClr val="accent1"/>
-          </a:lnRef>
-          <a:fillRef idx="0">
-            <a:schemeClr val="accent1"/>
-          </a:fillRef>
-          <a:effectRef idx="0">
-            <a:schemeClr val="accent1"/>
-          </a:effectRef>
-          <a:fontRef idx="minor">
-            <a:schemeClr val="tx1"/>
-          </a:fontRef>
-        </p:style>
-      </p:cxnSp>
-      <p:sp>
-        <p:nvSpPr>
-          <p:cNvPr id="39" name="TextBox 38">
-            <a:extLst>
-              <a:ext uri="{FF2B5EF4-FFF2-40B4-BE49-F238E27FC236}">
-                <a16:creationId xmlns:a16="http://schemas.microsoft.com/office/drawing/2014/main" id="{ED32587F-D160-03BF-9C8B-051B20FAE3C8}"/>
-              </a:ext>
-            </a:extLst>
-          </p:cNvPr>
-          <p:cNvSpPr txBox="1"/>
-          <p:nvPr/>
-        </p:nvSpPr>
-        <p:spPr>
-          <a:xfrm rot="16200000">
-            <a:off x="1771936" y="1924885"/>
-            <a:ext cx="941731" cy="276999"/>
-          </a:xfrm>
-          <a:prstGeom prst="rect">
-            <a:avLst/>
-          </a:prstGeom>
-          <a:noFill/>
-        </p:spPr>
-        <p:txBody>
-          <a:bodyPr wrap="square" rtlCol="0">
-            <a:spAutoFit/>
-          </a:bodyPr>
-          <a:lstStyle/>
-          <a:p>
-            <a:r>
-              <a:rPr lang="en-US" sz="1200" dirty="0"/>
-              <a:t>sink size</a:t>
-            </a:r>
-          </a:p>
-        </p:txBody>
-      </p:sp>
-      <p:cxnSp>
-        <p:nvCxnSpPr>
-          <p:cNvPr id="41" name="Straight Connector 40">
-            <a:extLst>
-              <a:ext uri="{FF2B5EF4-FFF2-40B4-BE49-F238E27FC236}">
-                <a16:creationId xmlns:a16="http://schemas.microsoft.com/office/drawing/2014/main" id="{5C89F6B5-ED03-48B4-296C-DEA618961E95}"/>
-              </a:ext>
-            </a:extLst>
-          </p:cNvPr>
-          <p:cNvCxnSpPr/>
-          <p:nvPr/>
-        </p:nvCxnSpPr>
-        <p:spPr>
-          <a:xfrm flipV="1">
-            <a:off x="2421147" y="1874808"/>
-            <a:ext cx="0" cy="1500996"/>
-          </a:xfrm>
-          <a:prstGeom prst="line">
-            <a:avLst/>
-          </a:prstGeom>
-          <a:ln w="12700">
-            <a:solidFill>
-              <a:schemeClr val="tx1"/>
-            </a:solidFill>
-          </a:ln>
-        </p:spPr>
-        <p:style>
-          <a:lnRef idx="1">
-            <a:schemeClr val="accent1"/>
-          </a:lnRef>
-          <a:fillRef idx="0">
-            <a:schemeClr val="accent1"/>
-          </a:fillRef>
-          <a:effectRef idx="0">
-            <a:schemeClr val="accent1"/>
-          </a:effectRef>
-          <a:fontRef idx="minor">
-            <a:schemeClr val="tx1"/>
-          </a:fontRef>
-        </p:style>
-      </p:cxnSp>
-      <p:cxnSp>
-        <p:nvCxnSpPr>
-          <p:cNvPr id="42" name="Straight Arrow Connector 41">
-            <a:extLst>
-              <a:ext uri="{FF2B5EF4-FFF2-40B4-BE49-F238E27FC236}">
-                <a16:creationId xmlns:a16="http://schemas.microsoft.com/office/drawing/2014/main" id="{78941982-97CE-FB69-57AB-3BB5DDA62960}"/>
-              </a:ext>
-            </a:extLst>
-          </p:cNvPr>
-          <p:cNvCxnSpPr>
-            <a:cxnSpLocks/>
-          </p:cNvCxnSpPr>
-          <p:nvPr/>
-        </p:nvCxnSpPr>
-        <p:spPr>
-          <a:xfrm flipV="1">
-            <a:off x="10320004" y="2789861"/>
-            <a:ext cx="0" cy="314207"/>
-          </a:xfrm>
-          <a:prstGeom prst="straightConnector1">
-            <a:avLst/>
-          </a:prstGeom>
-          <a:ln w="12700">
-            <a:solidFill>
-              <a:schemeClr val="tx1"/>
-            </a:solidFill>
-            <a:tailEnd type="triangle"/>
-          </a:ln>
-        </p:spPr>
-        <p:style>
-          <a:lnRef idx="1">
-            <a:schemeClr val="accent1"/>
-          </a:lnRef>
-          <a:fillRef idx="0">
-            <a:schemeClr val="accent1"/>
-          </a:fillRef>
-          <a:effectRef idx="0">
-            <a:schemeClr val="accent1"/>
-          </a:effectRef>
-          <a:fontRef idx="minor">
-            <a:schemeClr val="tx1"/>
-          </a:fontRef>
-        </p:style>
-      </p:cxnSp>
-      <p:cxnSp>
-        <p:nvCxnSpPr>
-          <p:cNvPr id="43" name="Straight Arrow Connector 42">
-            <a:extLst>
-              <a:ext uri="{FF2B5EF4-FFF2-40B4-BE49-F238E27FC236}">
-                <a16:creationId xmlns:a16="http://schemas.microsoft.com/office/drawing/2014/main" id="{66F8EDF9-D260-11A1-4ED1-0656B83BE539}"/>
-              </a:ext>
-            </a:extLst>
-          </p:cNvPr>
-          <p:cNvCxnSpPr>
-            <a:cxnSpLocks/>
-          </p:cNvCxnSpPr>
-          <p:nvPr/>
-        </p:nvCxnSpPr>
-        <p:spPr>
-          <a:xfrm>
-            <a:off x="10320004" y="1401299"/>
-            <a:ext cx="0" cy="862641"/>
-          </a:xfrm>
-          <a:prstGeom prst="straightConnector1">
-            <a:avLst/>
-          </a:prstGeom>
-          <a:ln w="12700">
-            <a:solidFill>
-              <a:schemeClr val="tx1"/>
-            </a:solidFill>
-            <a:tailEnd type="triangle"/>
-          </a:ln>
-        </p:spPr>
-        <p:style>
-          <a:lnRef idx="1">
-            <a:schemeClr val="accent1"/>
-          </a:lnRef>
-          <a:fillRef idx="0">
-            <a:schemeClr val="accent1"/>
-          </a:fillRef>
-          <a:effectRef idx="0">
-            <a:schemeClr val="accent1"/>
-          </a:effectRef>
-          <a:fontRef idx="minor">
-            <a:schemeClr val="tx1"/>
-          </a:fontRef>
-        </p:style>
-      </p:cxnSp>
-      <p:sp>
-        <p:nvSpPr>
-          <p:cNvPr id="44" name="TextBox 43">
-            <a:extLst>
-              <a:ext uri="{FF2B5EF4-FFF2-40B4-BE49-F238E27FC236}">
-                <a16:creationId xmlns:a16="http://schemas.microsoft.com/office/drawing/2014/main" id="{BC3EED8A-1776-3D2D-452C-2D6AFB4FA8B4}"/>
-              </a:ext>
-            </a:extLst>
-          </p:cNvPr>
-          <p:cNvSpPr txBox="1"/>
-          <p:nvPr/>
-        </p:nvSpPr>
-        <p:spPr>
-          <a:xfrm rot="16200000">
-            <a:off x="9670793" y="1599953"/>
-            <a:ext cx="941731" cy="276999"/>
-          </a:xfrm>
-          <a:prstGeom prst="rect">
-            <a:avLst/>
-          </a:prstGeom>
-          <a:noFill/>
-        </p:spPr>
-        <p:txBody>
-          <a:bodyPr wrap="square" rtlCol="0">
-            <a:spAutoFit/>
-          </a:bodyPr>
-          <a:lstStyle/>
-          <a:p>
-            <a:r>
-              <a:rPr lang="en-US" sz="1200" dirty="0"/>
-              <a:t>head height</a:t>
-            </a:r>
-          </a:p>
-        </p:txBody>
-      </p:sp>
-      <p:cxnSp>
-        <p:nvCxnSpPr>
-          <p:cNvPr id="45" name="Straight Connector 44">
-            <a:extLst>
-              <a:ext uri="{FF2B5EF4-FFF2-40B4-BE49-F238E27FC236}">
-                <a16:creationId xmlns:a16="http://schemas.microsoft.com/office/drawing/2014/main" id="{9B69763E-3A9C-F295-DAFC-AA508200D496}"/>
-              </a:ext>
-            </a:extLst>
-          </p:cNvPr>
-          <p:cNvCxnSpPr/>
-          <p:nvPr/>
-        </p:nvCxnSpPr>
-        <p:spPr>
-          <a:xfrm flipV="1">
-            <a:off x="10320004" y="1549876"/>
-            <a:ext cx="0" cy="1500996"/>
-          </a:xfrm>
-          <a:prstGeom prst="line">
-            <a:avLst/>
-          </a:prstGeom>
-          <a:ln w="12700">
-            <a:solidFill>
-              <a:schemeClr val="tx1"/>
-            </a:solidFill>
-          </a:ln>
-        </p:spPr>
-        <p:style>
-          <a:lnRef idx="1">
-            <a:schemeClr val="accent1"/>
-          </a:lnRef>
-          <a:fillRef idx="0">
-            <a:schemeClr val="accent1"/>
-          </a:fillRef>
-          <a:effectRef idx="0">
-            <a:schemeClr val="accent1"/>
-          </a:effectRef>
-          <a:fontRef idx="minor">
-            <a:schemeClr val="tx1"/>
-          </a:fontRef>
-        </p:style>
-      </p:cxnSp>
-      <p:sp>
-        <p:nvSpPr>
-          <p:cNvPr id="46" name="TextBox 45">
-            <a:extLst>
-              <a:ext uri="{FF2B5EF4-FFF2-40B4-BE49-F238E27FC236}">
-                <a16:creationId xmlns:a16="http://schemas.microsoft.com/office/drawing/2014/main" id="{432AB5F7-694C-C060-1DA6-B61338017AD8}"/>
-              </a:ext>
-            </a:extLst>
-          </p:cNvPr>
-          <p:cNvSpPr txBox="1"/>
-          <p:nvPr/>
-        </p:nvSpPr>
-        <p:spPr>
-          <a:xfrm>
-            <a:off x="3053899" y="5617927"/>
-            <a:ext cx="1379930" cy="646331"/>
-          </a:xfrm>
-          <a:prstGeom prst="rect">
-            <a:avLst/>
-          </a:prstGeom>
-          <a:noFill/>
-        </p:spPr>
-        <p:txBody>
-          <a:bodyPr wrap="none" rtlCol="0">
-            <a:spAutoFit/>
-          </a:bodyPr>
-          <a:lstStyle/>
-          <a:p>
-            <a:r>
-              <a:rPr lang="en-US" dirty="0"/>
-              <a:t>Flat-head</a:t>
-            </a:r>
-          </a:p>
-          <a:p>
-            <a:r>
-              <a:rPr lang="en-US" dirty="0" err="1"/>
-              <a:t>Countersung</a:t>
-            </a:r>
-            <a:endParaRPr lang="en-US" dirty="0"/>
-          </a:p>
-        </p:txBody>
-      </p:sp>
-      <p:sp>
-        <p:nvSpPr>
-          <p:cNvPr id="47" name="TextBox 46">
-            <a:extLst>
-              <a:ext uri="{FF2B5EF4-FFF2-40B4-BE49-F238E27FC236}">
-                <a16:creationId xmlns:a16="http://schemas.microsoft.com/office/drawing/2014/main" id="{6BD12658-01FF-6639-2A2B-4A21D47DE413}"/>
-              </a:ext>
-            </a:extLst>
-          </p:cNvPr>
-          <p:cNvSpPr txBox="1"/>
-          <p:nvPr/>
-        </p:nvSpPr>
-        <p:spPr>
-          <a:xfrm>
-            <a:off x="5646566" y="5617927"/>
-            <a:ext cx="1379930" cy="646331"/>
-          </a:xfrm>
-          <a:prstGeom prst="rect">
-            <a:avLst/>
-          </a:prstGeom>
-          <a:noFill/>
-        </p:spPr>
-        <p:txBody>
-          <a:bodyPr wrap="none" rtlCol="0">
-            <a:spAutoFit/>
-          </a:bodyPr>
-          <a:lstStyle/>
-          <a:p>
-            <a:r>
-              <a:rPr lang="en-US" dirty="0"/>
-              <a:t>Oval-head</a:t>
-            </a:r>
-          </a:p>
-          <a:p>
-            <a:r>
-              <a:rPr lang="en-US" dirty="0" err="1"/>
-              <a:t>Countersung</a:t>
-            </a:r>
-            <a:endParaRPr lang="en-US" dirty="0"/>
-          </a:p>
-        </p:txBody>
-      </p:sp>
-      <p:sp>
-        <p:nvSpPr>
-          <p:cNvPr id="48" name="TextBox 47">
-            <a:extLst>
-              <a:ext uri="{FF2B5EF4-FFF2-40B4-BE49-F238E27FC236}">
-                <a16:creationId xmlns:a16="http://schemas.microsoft.com/office/drawing/2014/main" id="{3E94CCF3-BDE8-D296-DD1F-5C710D57269A}"/>
-              </a:ext>
-            </a:extLst>
-          </p:cNvPr>
-          <p:cNvSpPr txBox="1"/>
-          <p:nvPr/>
-        </p:nvSpPr>
-        <p:spPr>
-          <a:xfrm>
-            <a:off x="8315319" y="5756426"/>
-            <a:ext cx="1332481" cy="369332"/>
-          </a:xfrm>
-          <a:prstGeom prst="rect">
-            <a:avLst/>
-          </a:prstGeom>
-          <a:noFill/>
-        </p:spPr>
-        <p:txBody>
-          <a:bodyPr wrap="none" rtlCol="0">
-            <a:spAutoFit/>
-          </a:bodyPr>
-          <a:lstStyle/>
-          <a:p>
-            <a:r>
-              <a:rPr lang="en-US" dirty="0"/>
-              <a:t>Round-head</a:t>
-            </a:r>
-          </a:p>
-        </p:txBody>
-      </p:sp>
     </p:spTree>
     <p:extLst>
       <p:ext uri="{BB962C8B-B14F-4D97-AF65-F5344CB8AC3E}">

--- a/V3.1.1/resources/threaded_connections_figures.pptx
+++ b/V3.1.1/resources/threaded_connections_figures.pptx
@@ -12,7 +12,6 @@
     <p:sldId id="260" r:id="rId6"/>
     <p:sldId id="261" r:id="rId7"/>
     <p:sldId id="262" r:id="rId8"/>
-    <p:sldId id="263" r:id="rId9"/>
   </p:sldIdLst>
   <p:sldSz cx="12192000" cy="6858000"/>
   <p:notesSz cx="6858000" cy="9144000"/>
@@ -3342,7 +3341,9 @@
               </a:ext>
             </a:extLst>
           </p:cNvPr>
-          <p:cNvGrpSpPr/>
+          <p:cNvGrpSpPr>
+            <a:grpSpLocks noChangeAspect="1"/>
+          </p:cNvGrpSpPr>
           <p:nvPr/>
         </p:nvGrpSpPr>
         <p:grpSpPr>
@@ -5373,7 +5374,9 @@
               </a:ext>
             </a:extLst>
           </p:cNvPr>
-          <p:cNvGrpSpPr/>
+          <p:cNvGrpSpPr>
+            <a:grpSpLocks noChangeAspect="1"/>
+          </p:cNvGrpSpPr>
           <p:nvPr/>
         </p:nvGrpSpPr>
         <p:grpSpPr>
@@ -6797,7 +6800,9 @@
               </a:ext>
             </a:extLst>
           </p:cNvPr>
-          <p:cNvGrpSpPr/>
+          <p:cNvGrpSpPr>
+            <a:grpSpLocks noChangeAspect="1"/>
+          </p:cNvGrpSpPr>
           <p:nvPr/>
         </p:nvGrpSpPr>
         <p:grpSpPr>
@@ -8043,158 +8048,34 @@
           <a:chExt cx="0" cy="0"/>
         </a:xfrm>
       </p:grpSpPr>
-      <p:sp>
-        <p:nvSpPr>
-          <p:cNvPr id="22" name="Freeform: Shape 21">
+      <p:grpSp>
+        <p:nvGrpSpPr>
+          <p:cNvPr id="2" name="Gruppieren 1">
             <a:extLst>
               <a:ext uri="{FF2B5EF4-FFF2-40B4-BE49-F238E27FC236}">
-                <a16:creationId xmlns:a16="http://schemas.microsoft.com/office/drawing/2014/main" id="{602127F2-1ABA-81F0-08DB-6BC28388093A}"/>
+                <a16:creationId xmlns:a16="http://schemas.microsoft.com/office/drawing/2014/main" id="{EF177CA8-5BD0-7FD2-686E-3CFC53EA4772}"/>
               </a:ext>
             </a:extLst>
           </p:cNvPr>
-          <p:cNvSpPr/>
-          <p:nvPr/>
-        </p:nvSpPr>
-        <p:spPr>
-          <a:xfrm>
-            <a:off x="2539648" y="1375515"/>
-            <a:ext cx="1623317" cy="2785170"/>
-          </a:xfrm>
-          <a:custGeom>
-            <a:avLst/>
-            <a:gdLst>
-              <a:gd name="connsiteX0" fmla="*/ 0 w 1623317"/>
-              <a:gd name="connsiteY0" fmla="*/ 0 h 3554858"/>
-              <a:gd name="connsiteX1" fmla="*/ 1623317 w 1623317"/>
-              <a:gd name="connsiteY1" fmla="*/ 0 h 3554858"/>
-              <a:gd name="connsiteX2" fmla="*/ 1623317 w 1623317"/>
-              <a:gd name="connsiteY2" fmla="*/ 652409 h 3554858"/>
-              <a:gd name="connsiteX3" fmla="*/ 1130158 w 1623317"/>
-              <a:gd name="connsiteY3" fmla="*/ 652409 h 3554858"/>
-              <a:gd name="connsiteX4" fmla="*/ 1130158 w 1623317"/>
-              <a:gd name="connsiteY4" fmla="*/ 3554858 h 3554858"/>
-              <a:gd name="connsiteX5" fmla="*/ 565079 w 1623317"/>
-              <a:gd name="connsiteY5" fmla="*/ 3554858 h 3554858"/>
-              <a:gd name="connsiteX6" fmla="*/ 565079 w 1623317"/>
-              <a:gd name="connsiteY6" fmla="*/ 652409 h 3554858"/>
-              <a:gd name="connsiteX7" fmla="*/ 0 w 1623317"/>
-              <a:gd name="connsiteY7" fmla="*/ 652409 h 3554858"/>
-            </a:gdLst>
-            <a:ahLst/>
-            <a:cxnLst>
-              <a:cxn ang="0">
-                <a:pos x="connsiteX0" y="connsiteY0"/>
-              </a:cxn>
-              <a:cxn ang="0">
-                <a:pos x="connsiteX1" y="connsiteY1"/>
-              </a:cxn>
-              <a:cxn ang="0">
-                <a:pos x="connsiteX2" y="connsiteY2"/>
-              </a:cxn>
-              <a:cxn ang="0">
-                <a:pos x="connsiteX3" y="connsiteY3"/>
-              </a:cxn>
-              <a:cxn ang="0">
-                <a:pos x="connsiteX4" y="connsiteY4"/>
-              </a:cxn>
-              <a:cxn ang="0">
-                <a:pos x="connsiteX5" y="connsiteY5"/>
-              </a:cxn>
-              <a:cxn ang="0">
-                <a:pos x="connsiteX6" y="connsiteY6"/>
-              </a:cxn>
-              <a:cxn ang="0">
-                <a:pos x="connsiteX7" y="connsiteY7"/>
-              </a:cxn>
-            </a:cxnLst>
-            <a:rect l="l" t="t" r="r" b="b"/>
-            <a:pathLst>
-              <a:path w="1623317" h="3554858">
-                <a:moveTo>
-                  <a:pt x="0" y="0"/>
-                </a:moveTo>
-                <a:lnTo>
-                  <a:pt x="1623317" y="0"/>
-                </a:lnTo>
-                <a:lnTo>
-                  <a:pt x="1623317" y="652409"/>
-                </a:lnTo>
-                <a:lnTo>
-                  <a:pt x="1130158" y="652409"/>
-                </a:lnTo>
-                <a:lnTo>
-                  <a:pt x="1130158" y="3554858"/>
-                </a:lnTo>
-                <a:lnTo>
-                  <a:pt x="565079" y="3554858"/>
-                </a:lnTo>
-                <a:lnTo>
-                  <a:pt x="565079" y="652409"/>
-                </a:lnTo>
-                <a:lnTo>
-                  <a:pt x="0" y="652409"/>
-                </a:lnTo>
-                <a:close/>
-              </a:path>
-            </a:pathLst>
-          </a:custGeom>
-          <a:solidFill>
-            <a:srgbClr val="729FCF"/>
-          </a:solidFill>
-        </p:spPr>
-        <p:style>
-          <a:lnRef idx="2">
-            <a:schemeClr val="accent1">
-              <a:shade val="50000"/>
-            </a:schemeClr>
-          </a:lnRef>
-          <a:fillRef idx="1">
-            <a:schemeClr val="accent1"/>
-          </a:fillRef>
-          <a:effectRef idx="0">
-            <a:schemeClr val="accent1"/>
-          </a:effectRef>
-          <a:fontRef idx="minor">
-            <a:schemeClr val="lt1"/>
-          </a:fontRef>
-        </p:style>
-        <p:txBody>
-          <a:bodyPr wrap="square" rtlCol="0" anchor="ctr">
-            <a:noAutofit/>
-          </a:bodyPr>
-          <a:lstStyle/>
-          <a:p>
-            <a:pPr algn="ctr"/>
-            <a:endParaRPr lang="en-US"/>
-          </a:p>
-        </p:txBody>
-      </p:sp>
-      <p:grpSp>
-        <p:nvGrpSpPr>
-          <p:cNvPr id="32" name="Group 31">
-            <a:extLst>
-              <a:ext uri="{FF2B5EF4-FFF2-40B4-BE49-F238E27FC236}">
-                <a16:creationId xmlns:a16="http://schemas.microsoft.com/office/drawing/2014/main" id="{167B55E6-9EA6-F85C-31E2-C3B48A09BABC}"/>
-              </a:ext>
-            </a:extLst>
-          </p:cNvPr>
-          <p:cNvGrpSpPr/>
+          <p:cNvGrpSpPr>
+            <a:grpSpLocks noChangeAspect="1"/>
+          </p:cNvGrpSpPr>
           <p:nvPr/>
         </p:nvGrpSpPr>
         <p:grpSpPr>
           <a:xfrm>
-            <a:off x="1338709" y="1948235"/>
-            <a:ext cx="4099388" cy="505998"/>
-            <a:chOff x="1309955" y="2192687"/>
-            <a:chExt cx="4099388" cy="505998"/>
+            <a:off x="1338708" y="1375515"/>
+            <a:ext cx="4099389" cy="2785170"/>
+            <a:chOff x="1338708" y="1375515"/>
+            <a:chExt cx="4099389" cy="2785170"/>
           </a:xfrm>
         </p:grpSpPr>
         <p:sp>
           <p:nvSpPr>
-            <p:cNvPr id="33" name="Rectangle 32">
+            <p:cNvPr id="22" name="Freeform: Shape 21">
               <a:extLst>
                 <a:ext uri="{FF2B5EF4-FFF2-40B4-BE49-F238E27FC236}">
-                  <a16:creationId xmlns:a16="http://schemas.microsoft.com/office/drawing/2014/main" id="{F890AD68-9CD4-69D5-6575-268607A6B80A}"/>
+                  <a16:creationId xmlns:a16="http://schemas.microsoft.com/office/drawing/2014/main" id="{602127F2-1ABA-81F0-08DB-6BC28388093A}"/>
                 </a:ext>
               </a:extLst>
             </p:cNvPr>
@@ -8203,12 +8084,1425 @@
           </p:nvSpPr>
           <p:spPr>
             <a:xfrm>
-              <a:off x="1309955" y="2192687"/>
+              <a:off x="2539648" y="1375515"/>
+              <a:ext cx="1623317" cy="2785170"/>
+            </a:xfrm>
+            <a:custGeom>
+              <a:avLst/>
+              <a:gdLst>
+                <a:gd name="connsiteX0" fmla="*/ 0 w 1623317"/>
+                <a:gd name="connsiteY0" fmla="*/ 0 h 3554858"/>
+                <a:gd name="connsiteX1" fmla="*/ 1623317 w 1623317"/>
+                <a:gd name="connsiteY1" fmla="*/ 0 h 3554858"/>
+                <a:gd name="connsiteX2" fmla="*/ 1623317 w 1623317"/>
+                <a:gd name="connsiteY2" fmla="*/ 652409 h 3554858"/>
+                <a:gd name="connsiteX3" fmla="*/ 1130158 w 1623317"/>
+                <a:gd name="connsiteY3" fmla="*/ 652409 h 3554858"/>
+                <a:gd name="connsiteX4" fmla="*/ 1130158 w 1623317"/>
+                <a:gd name="connsiteY4" fmla="*/ 3554858 h 3554858"/>
+                <a:gd name="connsiteX5" fmla="*/ 565079 w 1623317"/>
+                <a:gd name="connsiteY5" fmla="*/ 3554858 h 3554858"/>
+                <a:gd name="connsiteX6" fmla="*/ 565079 w 1623317"/>
+                <a:gd name="connsiteY6" fmla="*/ 652409 h 3554858"/>
+                <a:gd name="connsiteX7" fmla="*/ 0 w 1623317"/>
+                <a:gd name="connsiteY7" fmla="*/ 652409 h 3554858"/>
+              </a:gdLst>
+              <a:ahLst/>
+              <a:cxnLst>
+                <a:cxn ang="0">
+                  <a:pos x="connsiteX0" y="connsiteY0"/>
+                </a:cxn>
+                <a:cxn ang="0">
+                  <a:pos x="connsiteX1" y="connsiteY1"/>
+                </a:cxn>
+                <a:cxn ang="0">
+                  <a:pos x="connsiteX2" y="connsiteY2"/>
+                </a:cxn>
+                <a:cxn ang="0">
+                  <a:pos x="connsiteX3" y="connsiteY3"/>
+                </a:cxn>
+                <a:cxn ang="0">
+                  <a:pos x="connsiteX4" y="connsiteY4"/>
+                </a:cxn>
+                <a:cxn ang="0">
+                  <a:pos x="connsiteX5" y="connsiteY5"/>
+                </a:cxn>
+                <a:cxn ang="0">
+                  <a:pos x="connsiteX6" y="connsiteY6"/>
+                </a:cxn>
+                <a:cxn ang="0">
+                  <a:pos x="connsiteX7" y="connsiteY7"/>
+                </a:cxn>
+              </a:cxnLst>
+              <a:rect l="l" t="t" r="r" b="b"/>
+              <a:pathLst>
+                <a:path w="1623317" h="3554858">
+                  <a:moveTo>
+                    <a:pt x="0" y="0"/>
+                  </a:moveTo>
+                  <a:lnTo>
+                    <a:pt x="1623317" y="0"/>
+                  </a:lnTo>
+                  <a:lnTo>
+                    <a:pt x="1623317" y="652409"/>
+                  </a:lnTo>
+                  <a:lnTo>
+                    <a:pt x="1130158" y="652409"/>
+                  </a:lnTo>
+                  <a:lnTo>
+                    <a:pt x="1130158" y="3554858"/>
+                  </a:lnTo>
+                  <a:lnTo>
+                    <a:pt x="565079" y="3554858"/>
+                  </a:lnTo>
+                  <a:lnTo>
+                    <a:pt x="565079" y="652409"/>
+                  </a:lnTo>
+                  <a:lnTo>
+                    <a:pt x="0" y="652409"/>
+                  </a:lnTo>
+                  <a:close/>
+                </a:path>
+              </a:pathLst>
+            </a:custGeom>
+            <a:solidFill>
+              <a:srgbClr val="729FCF"/>
+            </a:solidFill>
+          </p:spPr>
+          <p:style>
+            <a:lnRef idx="2">
+              <a:schemeClr val="accent1">
+                <a:shade val="50000"/>
+              </a:schemeClr>
+            </a:lnRef>
+            <a:fillRef idx="1">
+              <a:schemeClr val="accent1"/>
+            </a:fillRef>
+            <a:effectRef idx="0">
+              <a:schemeClr val="accent1"/>
+            </a:effectRef>
+            <a:fontRef idx="minor">
+              <a:schemeClr val="lt1"/>
+            </a:fontRef>
+          </p:style>
+          <p:txBody>
+            <a:bodyPr wrap="square" rtlCol="0" anchor="ctr">
+              <a:noAutofit/>
+            </a:bodyPr>
+            <a:lstStyle/>
+            <a:p>
+              <a:pPr algn="ctr"/>
+              <a:endParaRPr lang="en-US"/>
+            </a:p>
+          </p:txBody>
+        </p:sp>
+        <p:grpSp>
+          <p:nvGrpSpPr>
+            <p:cNvPr id="32" name="Group 31">
+              <a:extLst>
+                <a:ext uri="{FF2B5EF4-FFF2-40B4-BE49-F238E27FC236}">
+                  <a16:creationId xmlns:a16="http://schemas.microsoft.com/office/drawing/2014/main" id="{167B55E6-9EA6-F85C-31E2-C3B48A09BABC}"/>
+                </a:ext>
+              </a:extLst>
+            </p:cNvPr>
+            <p:cNvGrpSpPr/>
+            <p:nvPr/>
+          </p:nvGrpSpPr>
+          <p:grpSpPr>
+            <a:xfrm>
+              <a:off x="1338709" y="1948235"/>
+              <a:ext cx="4099388" cy="505998"/>
+              <a:chOff x="1309955" y="2192687"/>
+              <a:chExt cx="4099388" cy="505998"/>
+            </a:xfrm>
+          </p:grpSpPr>
+          <p:sp>
+            <p:nvSpPr>
+              <p:cNvPr id="33" name="Rectangle 32">
+                <a:extLst>
+                  <a:ext uri="{FF2B5EF4-FFF2-40B4-BE49-F238E27FC236}">
+                    <a16:creationId xmlns:a16="http://schemas.microsoft.com/office/drawing/2014/main" id="{F890AD68-9CD4-69D5-6575-268607A6B80A}"/>
+                  </a:ext>
+                </a:extLst>
+              </p:cNvPr>
+              <p:cNvSpPr/>
+              <p:nvPr/>
+            </p:nvSpPr>
+            <p:spPr>
+              <a:xfrm>
+                <a:off x="1309955" y="2192687"/>
+                <a:ext cx="1661845" cy="481167"/>
+              </a:xfrm>
+              <a:prstGeom prst="rect">
+                <a:avLst/>
+              </a:prstGeom>
+              <a:pattFill prst="wdUpDiag">
+                <a:fgClr>
+                  <a:schemeClr val="tx1">
+                    <a:lumMod val="85000"/>
+                    <a:lumOff val="15000"/>
+                  </a:schemeClr>
+                </a:fgClr>
+                <a:bgClr>
+                  <a:schemeClr val="bg1"/>
+                </a:bgClr>
+              </a:pattFill>
+            </p:spPr>
+            <p:style>
+              <a:lnRef idx="2">
+                <a:schemeClr val="accent1">
+                  <a:shade val="50000"/>
+                </a:schemeClr>
+              </a:lnRef>
+              <a:fillRef idx="1">
+                <a:schemeClr val="accent1"/>
+              </a:fillRef>
+              <a:effectRef idx="0">
+                <a:schemeClr val="accent1"/>
+              </a:effectRef>
+              <a:fontRef idx="minor">
+                <a:schemeClr val="lt1"/>
+              </a:fontRef>
+            </p:style>
+            <p:txBody>
+              <a:bodyPr rtlCol="0" anchor="ctr"/>
+              <a:lstStyle/>
+              <a:p>
+                <a:pPr algn="ctr"/>
+                <a:endParaRPr lang="en-US"/>
+              </a:p>
+            </p:txBody>
+          </p:sp>
+          <p:sp>
+            <p:nvSpPr>
+              <p:cNvPr id="34" name="Rectangle 33">
+                <a:extLst>
+                  <a:ext uri="{FF2B5EF4-FFF2-40B4-BE49-F238E27FC236}">
+                    <a16:creationId xmlns:a16="http://schemas.microsoft.com/office/drawing/2014/main" id="{3426FB23-3150-1E3C-9C64-6CC68C870F81}"/>
+                  </a:ext>
+                </a:extLst>
+              </p:cNvPr>
+              <p:cNvSpPr/>
+              <p:nvPr/>
+            </p:nvSpPr>
+            <p:spPr>
+              <a:xfrm>
+                <a:off x="3747498" y="2217518"/>
+                <a:ext cx="1661845" cy="481167"/>
+              </a:xfrm>
+              <a:prstGeom prst="rect">
+                <a:avLst/>
+              </a:prstGeom>
+              <a:pattFill prst="wdUpDiag">
+                <a:fgClr>
+                  <a:schemeClr val="tx1">
+                    <a:lumMod val="85000"/>
+                    <a:lumOff val="15000"/>
+                  </a:schemeClr>
+                </a:fgClr>
+                <a:bgClr>
+                  <a:schemeClr val="bg1"/>
+                </a:bgClr>
+              </a:pattFill>
+            </p:spPr>
+            <p:style>
+              <a:lnRef idx="2">
+                <a:schemeClr val="accent1">
+                  <a:shade val="50000"/>
+                </a:schemeClr>
+              </a:lnRef>
+              <a:fillRef idx="1">
+                <a:schemeClr val="accent1"/>
+              </a:fillRef>
+              <a:effectRef idx="0">
+                <a:schemeClr val="accent1"/>
+              </a:effectRef>
+              <a:fontRef idx="minor">
+                <a:schemeClr val="lt1"/>
+              </a:fontRef>
+            </p:style>
+            <p:txBody>
+              <a:bodyPr rtlCol="0" anchor="ctr"/>
+              <a:lstStyle/>
+              <a:p>
+                <a:pPr algn="ctr"/>
+                <a:endParaRPr lang="en-US"/>
+              </a:p>
+            </p:txBody>
+          </p:sp>
+        </p:grpSp>
+        <p:grpSp>
+          <p:nvGrpSpPr>
+            <p:cNvPr id="35" name="Group 34">
+              <a:extLst>
+                <a:ext uri="{FF2B5EF4-FFF2-40B4-BE49-F238E27FC236}">
+                  <a16:creationId xmlns:a16="http://schemas.microsoft.com/office/drawing/2014/main" id="{5FCD5CAC-0FF0-835F-FA74-791D82266767}"/>
+                </a:ext>
+              </a:extLst>
+            </p:cNvPr>
+            <p:cNvGrpSpPr/>
+            <p:nvPr/>
+          </p:nvGrpSpPr>
+          <p:grpSpPr>
+            <a:xfrm>
+              <a:off x="1338708" y="2506458"/>
+              <a:ext cx="4099388" cy="505998"/>
+              <a:chOff x="1309954" y="2750910"/>
+              <a:chExt cx="4099388" cy="505998"/>
+            </a:xfrm>
+          </p:grpSpPr>
+          <p:sp>
+            <p:nvSpPr>
+              <p:cNvPr id="36" name="Rectangle 35">
+                <a:extLst>
+                  <a:ext uri="{FF2B5EF4-FFF2-40B4-BE49-F238E27FC236}">
+                    <a16:creationId xmlns:a16="http://schemas.microsoft.com/office/drawing/2014/main" id="{D488F330-93BA-A6A3-27A7-59BF2469F32F}"/>
+                  </a:ext>
+                </a:extLst>
+              </p:cNvPr>
+              <p:cNvSpPr/>
+              <p:nvPr/>
+            </p:nvSpPr>
+            <p:spPr>
+              <a:xfrm>
+                <a:off x="1309954" y="2750910"/>
+                <a:ext cx="1661845" cy="481167"/>
+              </a:xfrm>
+              <a:prstGeom prst="rect">
+                <a:avLst/>
+              </a:prstGeom>
+              <a:pattFill prst="wdDnDiag">
+                <a:fgClr>
+                  <a:schemeClr val="tx1">
+                    <a:lumMod val="85000"/>
+                    <a:lumOff val="15000"/>
+                  </a:schemeClr>
+                </a:fgClr>
+                <a:bgClr>
+                  <a:schemeClr val="bg1"/>
+                </a:bgClr>
+              </a:pattFill>
+            </p:spPr>
+            <p:style>
+              <a:lnRef idx="2">
+                <a:schemeClr val="accent1">
+                  <a:shade val="50000"/>
+                </a:schemeClr>
+              </a:lnRef>
+              <a:fillRef idx="1">
+                <a:schemeClr val="accent1"/>
+              </a:fillRef>
+              <a:effectRef idx="0">
+                <a:schemeClr val="accent1"/>
+              </a:effectRef>
+              <a:fontRef idx="minor">
+                <a:schemeClr val="lt1"/>
+              </a:fontRef>
+            </p:style>
+            <p:txBody>
+              <a:bodyPr rtlCol="0" anchor="ctr"/>
+              <a:lstStyle/>
+              <a:p>
+                <a:pPr algn="ctr"/>
+                <a:endParaRPr lang="en-US"/>
+              </a:p>
+            </p:txBody>
+          </p:sp>
+          <p:sp>
+            <p:nvSpPr>
+              <p:cNvPr id="37" name="Rectangle 36">
+                <a:extLst>
+                  <a:ext uri="{FF2B5EF4-FFF2-40B4-BE49-F238E27FC236}">
+                    <a16:creationId xmlns:a16="http://schemas.microsoft.com/office/drawing/2014/main" id="{D8D22F84-D42C-0593-74E4-3E78D7BB7FD5}"/>
+                  </a:ext>
+                </a:extLst>
+              </p:cNvPr>
+              <p:cNvSpPr/>
+              <p:nvPr/>
+            </p:nvSpPr>
+            <p:spPr>
+              <a:xfrm>
+                <a:off x="3747497" y="2775741"/>
+                <a:ext cx="1661845" cy="481167"/>
+              </a:xfrm>
+              <a:prstGeom prst="rect">
+                <a:avLst/>
+              </a:prstGeom>
+              <a:pattFill prst="wdDnDiag">
+                <a:fgClr>
+                  <a:schemeClr val="tx1">
+                    <a:lumMod val="85000"/>
+                    <a:lumOff val="15000"/>
+                  </a:schemeClr>
+                </a:fgClr>
+                <a:bgClr>
+                  <a:schemeClr val="bg1"/>
+                </a:bgClr>
+              </a:pattFill>
+            </p:spPr>
+            <p:style>
+              <a:lnRef idx="2">
+                <a:schemeClr val="accent1">
+                  <a:shade val="50000"/>
+                </a:schemeClr>
+              </a:lnRef>
+              <a:fillRef idx="1">
+                <a:schemeClr val="accent1"/>
+              </a:fillRef>
+              <a:effectRef idx="0">
+                <a:schemeClr val="accent1"/>
+              </a:effectRef>
+              <a:fontRef idx="minor">
+                <a:schemeClr val="lt1"/>
+              </a:fontRef>
+            </p:style>
+            <p:txBody>
+              <a:bodyPr rtlCol="0" anchor="ctr"/>
+              <a:lstStyle/>
+              <a:p>
+                <a:pPr algn="ctr"/>
+                <a:endParaRPr lang="en-US"/>
+              </a:p>
+            </p:txBody>
+          </p:sp>
+        </p:grpSp>
+        <p:grpSp>
+          <p:nvGrpSpPr>
+            <p:cNvPr id="38" name="Group 37">
+              <a:extLst>
+                <a:ext uri="{FF2B5EF4-FFF2-40B4-BE49-F238E27FC236}">
+                  <a16:creationId xmlns:a16="http://schemas.microsoft.com/office/drawing/2014/main" id="{03BDAE39-1196-F69F-C683-389D31F68B44}"/>
+                </a:ext>
+              </a:extLst>
+            </p:cNvPr>
+            <p:cNvGrpSpPr/>
+            <p:nvPr/>
+          </p:nvGrpSpPr>
+          <p:grpSpPr>
+            <a:xfrm>
+              <a:off x="1338708" y="3055716"/>
+              <a:ext cx="4099388" cy="505998"/>
+              <a:chOff x="1309954" y="3309133"/>
+              <a:chExt cx="4099388" cy="505998"/>
+            </a:xfrm>
+          </p:grpSpPr>
+          <p:sp>
+            <p:nvSpPr>
+              <p:cNvPr id="39" name="Rectangle 38">
+                <a:extLst>
+                  <a:ext uri="{FF2B5EF4-FFF2-40B4-BE49-F238E27FC236}">
+                    <a16:creationId xmlns:a16="http://schemas.microsoft.com/office/drawing/2014/main" id="{03A0DCD5-8777-A1C9-E336-2BB34B892744}"/>
+                  </a:ext>
+                </a:extLst>
+              </p:cNvPr>
+              <p:cNvSpPr/>
+              <p:nvPr/>
+            </p:nvSpPr>
+            <p:spPr>
+              <a:xfrm>
+                <a:off x="1309954" y="3309133"/>
+                <a:ext cx="1661845" cy="481167"/>
+              </a:xfrm>
+              <a:prstGeom prst="rect">
+                <a:avLst/>
+              </a:prstGeom>
+              <a:pattFill prst="wdUpDiag">
+                <a:fgClr>
+                  <a:schemeClr val="tx1">
+                    <a:lumMod val="85000"/>
+                    <a:lumOff val="15000"/>
+                  </a:schemeClr>
+                </a:fgClr>
+                <a:bgClr>
+                  <a:schemeClr val="bg1"/>
+                </a:bgClr>
+              </a:pattFill>
+            </p:spPr>
+            <p:style>
+              <a:lnRef idx="2">
+                <a:schemeClr val="accent1">
+                  <a:shade val="50000"/>
+                </a:schemeClr>
+              </a:lnRef>
+              <a:fillRef idx="1">
+                <a:schemeClr val="accent1"/>
+              </a:fillRef>
+              <a:effectRef idx="0">
+                <a:schemeClr val="accent1"/>
+              </a:effectRef>
+              <a:fontRef idx="minor">
+                <a:schemeClr val="lt1"/>
+              </a:fontRef>
+            </p:style>
+            <p:txBody>
+              <a:bodyPr rtlCol="0" anchor="ctr"/>
+              <a:lstStyle/>
+              <a:p>
+                <a:pPr algn="ctr"/>
+                <a:endParaRPr lang="en-US"/>
+              </a:p>
+            </p:txBody>
+          </p:sp>
+          <p:sp>
+            <p:nvSpPr>
+              <p:cNvPr id="40" name="Rectangle 39">
+                <a:extLst>
+                  <a:ext uri="{FF2B5EF4-FFF2-40B4-BE49-F238E27FC236}">
+                    <a16:creationId xmlns:a16="http://schemas.microsoft.com/office/drawing/2014/main" id="{4597A284-92C8-B09F-82A6-1511502261CD}"/>
+                  </a:ext>
+                </a:extLst>
+              </p:cNvPr>
+              <p:cNvSpPr/>
+              <p:nvPr/>
+            </p:nvSpPr>
+            <p:spPr>
+              <a:xfrm>
+                <a:off x="3747497" y="3333964"/>
+                <a:ext cx="1661845" cy="481167"/>
+              </a:xfrm>
+              <a:prstGeom prst="rect">
+                <a:avLst/>
+              </a:prstGeom>
+              <a:pattFill prst="wdUpDiag">
+                <a:fgClr>
+                  <a:schemeClr val="tx1">
+                    <a:lumMod val="85000"/>
+                    <a:lumOff val="15000"/>
+                  </a:schemeClr>
+                </a:fgClr>
+                <a:bgClr>
+                  <a:schemeClr val="bg1"/>
+                </a:bgClr>
+              </a:pattFill>
+            </p:spPr>
+            <p:style>
+              <a:lnRef idx="2">
+                <a:schemeClr val="accent1">
+                  <a:shade val="50000"/>
+                </a:schemeClr>
+              </a:lnRef>
+              <a:fillRef idx="1">
+                <a:schemeClr val="accent1"/>
+              </a:fillRef>
+              <a:effectRef idx="0">
+                <a:schemeClr val="accent1"/>
+              </a:effectRef>
+              <a:fontRef idx="minor">
+                <a:schemeClr val="lt1"/>
+              </a:fontRef>
+            </p:style>
+            <p:txBody>
+              <a:bodyPr rtlCol="0" anchor="ctr"/>
+              <a:lstStyle/>
+              <a:p>
+                <a:pPr algn="ctr"/>
+                <a:endParaRPr lang="en-US"/>
+              </a:p>
+            </p:txBody>
+          </p:sp>
+        </p:grpSp>
+        <p:sp>
+          <p:nvSpPr>
+            <p:cNvPr id="42" name="Freeform: Shape 41">
+              <a:extLst>
+                <a:ext uri="{FF2B5EF4-FFF2-40B4-BE49-F238E27FC236}">
+                  <a16:creationId xmlns:a16="http://schemas.microsoft.com/office/drawing/2014/main" id="{12CC60E1-94C2-1A66-CC8B-B0D930525ED5}"/>
+                </a:ext>
+              </a:extLst>
+            </p:cNvPr>
+            <p:cNvSpPr/>
+            <p:nvPr/>
+          </p:nvSpPr>
+          <p:spPr>
+            <a:xfrm>
+              <a:off x="2358316" y="3622903"/>
+              <a:ext cx="676742" cy="437262"/>
+            </a:xfrm>
+            <a:custGeom>
+              <a:avLst/>
+              <a:gdLst>
+                <a:gd name="connsiteX0" fmla="*/ 0 w 676742"/>
+                <a:gd name="connsiteY0" fmla="*/ 0 h 437262"/>
+                <a:gd name="connsiteX1" fmla="*/ 592298 w 676742"/>
+                <a:gd name="connsiteY1" fmla="*/ 0 h 437262"/>
+                <a:gd name="connsiteX2" fmla="*/ 592298 w 676742"/>
+                <a:gd name="connsiteY2" fmla="*/ 3083 h 437262"/>
+                <a:gd name="connsiteX3" fmla="*/ 600271 w 676742"/>
+                <a:gd name="connsiteY3" fmla="*/ 189 h 437262"/>
+                <a:gd name="connsiteX4" fmla="*/ 671963 w 676742"/>
+                <a:gd name="connsiteY4" fmla="*/ 88644 h 437262"/>
+                <a:gd name="connsiteX5" fmla="*/ 600271 w 676742"/>
+                <a:gd name="connsiteY5" fmla="*/ 151084 h 437262"/>
+                <a:gd name="connsiteX6" fmla="*/ 671963 w 676742"/>
+                <a:gd name="connsiteY6" fmla="*/ 239539 h 437262"/>
+                <a:gd name="connsiteX7" fmla="*/ 605051 w 676742"/>
+                <a:gd name="connsiteY7" fmla="*/ 286368 h 437262"/>
+                <a:gd name="connsiteX8" fmla="*/ 676742 w 676742"/>
+                <a:gd name="connsiteY8" fmla="*/ 374823 h 437262"/>
+                <a:gd name="connsiteX9" fmla="*/ 600271 w 676742"/>
+                <a:gd name="connsiteY9" fmla="*/ 437262 h 437262"/>
+                <a:gd name="connsiteX10" fmla="*/ 592298 w 676742"/>
+                <a:gd name="connsiteY10" fmla="*/ 435892 h 437262"/>
+                <a:gd name="connsiteX11" fmla="*/ 592298 w 676742"/>
+                <a:gd name="connsiteY11" fmla="*/ 437262 h 437262"/>
+                <a:gd name="connsiteX12" fmla="*/ 0 w 676742"/>
+                <a:gd name="connsiteY12" fmla="*/ 437262 h 437262"/>
+              </a:gdLst>
+              <a:ahLst/>
+              <a:cxnLst>
+                <a:cxn ang="0">
+                  <a:pos x="connsiteX0" y="connsiteY0"/>
+                </a:cxn>
+                <a:cxn ang="0">
+                  <a:pos x="connsiteX1" y="connsiteY1"/>
+                </a:cxn>
+                <a:cxn ang="0">
+                  <a:pos x="connsiteX2" y="connsiteY2"/>
+                </a:cxn>
+                <a:cxn ang="0">
+                  <a:pos x="connsiteX3" y="connsiteY3"/>
+                </a:cxn>
+                <a:cxn ang="0">
+                  <a:pos x="connsiteX4" y="connsiteY4"/>
+                </a:cxn>
+                <a:cxn ang="0">
+                  <a:pos x="connsiteX5" y="connsiteY5"/>
+                </a:cxn>
+                <a:cxn ang="0">
+                  <a:pos x="connsiteX6" y="connsiteY6"/>
+                </a:cxn>
+                <a:cxn ang="0">
+                  <a:pos x="connsiteX7" y="connsiteY7"/>
+                </a:cxn>
+                <a:cxn ang="0">
+                  <a:pos x="connsiteX8" y="connsiteY8"/>
+                </a:cxn>
+                <a:cxn ang="0">
+                  <a:pos x="connsiteX9" y="connsiteY9"/>
+                </a:cxn>
+                <a:cxn ang="0">
+                  <a:pos x="connsiteX10" y="connsiteY10"/>
+                </a:cxn>
+                <a:cxn ang="0">
+                  <a:pos x="connsiteX11" y="connsiteY11"/>
+                </a:cxn>
+                <a:cxn ang="0">
+                  <a:pos x="connsiteX12" y="connsiteY12"/>
+                </a:cxn>
+              </a:cxnLst>
+              <a:rect l="l" t="t" r="r" b="b"/>
+              <a:pathLst>
+                <a:path w="676742" h="437262">
+                  <a:moveTo>
+                    <a:pt x="0" y="0"/>
+                  </a:moveTo>
+                  <a:lnTo>
+                    <a:pt x="592298" y="0"/>
+                  </a:lnTo>
+                  <a:lnTo>
+                    <a:pt x="592298" y="3083"/>
+                  </a:lnTo>
+                  <a:lnTo>
+                    <a:pt x="600271" y="189"/>
+                  </a:lnTo>
+                  <a:lnTo>
+                    <a:pt x="671963" y="88644"/>
+                  </a:lnTo>
+                  <a:lnTo>
+                    <a:pt x="600271" y="151084"/>
+                  </a:lnTo>
+                  <a:lnTo>
+                    <a:pt x="671963" y="239539"/>
+                  </a:lnTo>
+                  <a:lnTo>
+                    <a:pt x="605051" y="286368"/>
+                  </a:lnTo>
+                  <a:lnTo>
+                    <a:pt x="676742" y="374823"/>
+                  </a:lnTo>
+                  <a:lnTo>
+                    <a:pt x="600271" y="437262"/>
+                  </a:lnTo>
+                  <a:lnTo>
+                    <a:pt x="592298" y="435892"/>
+                  </a:lnTo>
+                  <a:lnTo>
+                    <a:pt x="592298" y="437262"/>
+                  </a:lnTo>
+                  <a:lnTo>
+                    <a:pt x="0" y="437262"/>
+                  </a:lnTo>
+                  <a:close/>
+                </a:path>
+              </a:pathLst>
+            </a:custGeom>
+            <a:solidFill>
+              <a:srgbClr val="729FCF"/>
+            </a:solidFill>
+          </p:spPr>
+          <p:style>
+            <a:lnRef idx="2">
+              <a:schemeClr val="accent1">
+                <a:shade val="50000"/>
+              </a:schemeClr>
+            </a:lnRef>
+            <a:fillRef idx="1">
+              <a:schemeClr val="accent1"/>
+            </a:fillRef>
+            <a:effectRef idx="0">
+              <a:schemeClr val="accent1"/>
+            </a:effectRef>
+            <a:fontRef idx="minor">
+              <a:schemeClr val="lt1"/>
+            </a:fontRef>
+          </p:style>
+          <p:txBody>
+            <a:bodyPr wrap="square" rtlCol="0" anchor="ctr">
+              <a:noAutofit/>
+            </a:bodyPr>
+            <a:lstStyle/>
+            <a:p>
+              <a:pPr algn="ctr"/>
+              <a:endParaRPr lang="en-US"/>
+            </a:p>
+          </p:txBody>
+        </p:sp>
+        <p:sp>
+          <p:nvSpPr>
+            <p:cNvPr id="43" name="Freeform: Shape 42">
+              <a:extLst>
+                <a:ext uri="{FF2B5EF4-FFF2-40B4-BE49-F238E27FC236}">
+                  <a16:creationId xmlns:a16="http://schemas.microsoft.com/office/drawing/2014/main" id="{BA0DC545-8023-5C83-511C-88F2AA18FB9A}"/>
+                </a:ext>
+              </a:extLst>
+            </p:cNvPr>
+            <p:cNvSpPr/>
+            <p:nvPr/>
+          </p:nvSpPr>
+          <p:spPr>
+            <a:xfrm flipH="1">
+              <a:off x="3758779" y="3642567"/>
+              <a:ext cx="676742" cy="437262"/>
+            </a:xfrm>
+            <a:custGeom>
+              <a:avLst/>
+              <a:gdLst>
+                <a:gd name="connsiteX0" fmla="*/ 0 w 676742"/>
+                <a:gd name="connsiteY0" fmla="*/ 0 h 437262"/>
+                <a:gd name="connsiteX1" fmla="*/ 592298 w 676742"/>
+                <a:gd name="connsiteY1" fmla="*/ 0 h 437262"/>
+                <a:gd name="connsiteX2" fmla="*/ 592298 w 676742"/>
+                <a:gd name="connsiteY2" fmla="*/ 3083 h 437262"/>
+                <a:gd name="connsiteX3" fmla="*/ 600271 w 676742"/>
+                <a:gd name="connsiteY3" fmla="*/ 189 h 437262"/>
+                <a:gd name="connsiteX4" fmla="*/ 671963 w 676742"/>
+                <a:gd name="connsiteY4" fmla="*/ 88644 h 437262"/>
+                <a:gd name="connsiteX5" fmla="*/ 600271 w 676742"/>
+                <a:gd name="connsiteY5" fmla="*/ 151084 h 437262"/>
+                <a:gd name="connsiteX6" fmla="*/ 671963 w 676742"/>
+                <a:gd name="connsiteY6" fmla="*/ 239539 h 437262"/>
+                <a:gd name="connsiteX7" fmla="*/ 605051 w 676742"/>
+                <a:gd name="connsiteY7" fmla="*/ 286368 h 437262"/>
+                <a:gd name="connsiteX8" fmla="*/ 676742 w 676742"/>
+                <a:gd name="connsiteY8" fmla="*/ 374823 h 437262"/>
+                <a:gd name="connsiteX9" fmla="*/ 600271 w 676742"/>
+                <a:gd name="connsiteY9" fmla="*/ 437262 h 437262"/>
+                <a:gd name="connsiteX10" fmla="*/ 592298 w 676742"/>
+                <a:gd name="connsiteY10" fmla="*/ 435892 h 437262"/>
+                <a:gd name="connsiteX11" fmla="*/ 592298 w 676742"/>
+                <a:gd name="connsiteY11" fmla="*/ 437262 h 437262"/>
+                <a:gd name="connsiteX12" fmla="*/ 0 w 676742"/>
+                <a:gd name="connsiteY12" fmla="*/ 437262 h 437262"/>
+              </a:gdLst>
+              <a:ahLst/>
+              <a:cxnLst>
+                <a:cxn ang="0">
+                  <a:pos x="connsiteX0" y="connsiteY0"/>
+                </a:cxn>
+                <a:cxn ang="0">
+                  <a:pos x="connsiteX1" y="connsiteY1"/>
+                </a:cxn>
+                <a:cxn ang="0">
+                  <a:pos x="connsiteX2" y="connsiteY2"/>
+                </a:cxn>
+                <a:cxn ang="0">
+                  <a:pos x="connsiteX3" y="connsiteY3"/>
+                </a:cxn>
+                <a:cxn ang="0">
+                  <a:pos x="connsiteX4" y="connsiteY4"/>
+                </a:cxn>
+                <a:cxn ang="0">
+                  <a:pos x="connsiteX5" y="connsiteY5"/>
+                </a:cxn>
+                <a:cxn ang="0">
+                  <a:pos x="connsiteX6" y="connsiteY6"/>
+                </a:cxn>
+                <a:cxn ang="0">
+                  <a:pos x="connsiteX7" y="connsiteY7"/>
+                </a:cxn>
+                <a:cxn ang="0">
+                  <a:pos x="connsiteX8" y="connsiteY8"/>
+                </a:cxn>
+                <a:cxn ang="0">
+                  <a:pos x="connsiteX9" y="connsiteY9"/>
+                </a:cxn>
+                <a:cxn ang="0">
+                  <a:pos x="connsiteX10" y="connsiteY10"/>
+                </a:cxn>
+                <a:cxn ang="0">
+                  <a:pos x="connsiteX11" y="connsiteY11"/>
+                </a:cxn>
+                <a:cxn ang="0">
+                  <a:pos x="connsiteX12" y="connsiteY12"/>
+                </a:cxn>
+              </a:cxnLst>
+              <a:rect l="l" t="t" r="r" b="b"/>
+              <a:pathLst>
+                <a:path w="676742" h="437262">
+                  <a:moveTo>
+                    <a:pt x="0" y="0"/>
+                  </a:moveTo>
+                  <a:lnTo>
+                    <a:pt x="592298" y="0"/>
+                  </a:lnTo>
+                  <a:lnTo>
+                    <a:pt x="592298" y="3083"/>
+                  </a:lnTo>
+                  <a:lnTo>
+                    <a:pt x="600271" y="189"/>
+                  </a:lnTo>
+                  <a:lnTo>
+                    <a:pt x="671963" y="88644"/>
+                  </a:lnTo>
+                  <a:lnTo>
+                    <a:pt x="600271" y="151084"/>
+                  </a:lnTo>
+                  <a:lnTo>
+                    <a:pt x="671963" y="239539"/>
+                  </a:lnTo>
+                  <a:lnTo>
+                    <a:pt x="605051" y="286368"/>
+                  </a:lnTo>
+                  <a:lnTo>
+                    <a:pt x="676742" y="374823"/>
+                  </a:lnTo>
+                  <a:lnTo>
+                    <a:pt x="600271" y="437262"/>
+                  </a:lnTo>
+                  <a:lnTo>
+                    <a:pt x="592298" y="435892"/>
+                  </a:lnTo>
+                  <a:lnTo>
+                    <a:pt x="592298" y="437262"/>
+                  </a:lnTo>
+                  <a:lnTo>
+                    <a:pt x="0" y="437262"/>
+                  </a:lnTo>
+                  <a:close/>
+                </a:path>
+              </a:pathLst>
+            </a:custGeom>
+            <a:solidFill>
+              <a:srgbClr val="729FCF"/>
+            </a:solidFill>
+          </p:spPr>
+          <p:style>
+            <a:lnRef idx="2">
+              <a:schemeClr val="accent1">
+                <a:shade val="50000"/>
+              </a:schemeClr>
+            </a:lnRef>
+            <a:fillRef idx="1">
+              <a:schemeClr val="accent1"/>
+            </a:fillRef>
+            <a:effectRef idx="0">
+              <a:schemeClr val="accent1"/>
+            </a:effectRef>
+            <a:fontRef idx="minor">
+              <a:schemeClr val="lt1"/>
+            </a:fontRef>
+          </p:style>
+          <p:txBody>
+            <a:bodyPr wrap="square" rtlCol="0" anchor="ctr">
+              <a:noAutofit/>
+            </a:bodyPr>
+            <a:lstStyle/>
+            <a:p>
+              <a:pPr algn="ctr"/>
+              <a:endParaRPr lang="en-US"/>
+            </a:p>
+          </p:txBody>
+        </p:sp>
+      </p:grpSp>
+      <p:grpSp>
+        <p:nvGrpSpPr>
+          <p:cNvPr id="3" name="Gruppieren 2">
+            <a:extLst>
+              <a:ext uri="{FF2B5EF4-FFF2-40B4-BE49-F238E27FC236}">
+                <a16:creationId xmlns:a16="http://schemas.microsoft.com/office/drawing/2014/main" id="{51159C9B-8261-B2C1-88E3-07823CA59245}"/>
+              </a:ext>
+            </a:extLst>
+          </p:cNvPr>
+          <p:cNvGrpSpPr>
+            <a:grpSpLocks noChangeAspect="1"/>
+          </p:cNvGrpSpPr>
+          <p:nvPr/>
+        </p:nvGrpSpPr>
+        <p:grpSpPr>
+          <a:xfrm>
+            <a:off x="7314341" y="1436704"/>
+            <a:ext cx="4099389" cy="2785170"/>
+            <a:chOff x="7314341" y="1436704"/>
+            <a:chExt cx="4099389" cy="2785170"/>
+          </a:xfrm>
+        </p:grpSpPr>
+        <p:sp>
+          <p:nvSpPr>
+            <p:cNvPr id="44" name="Freeform: Shape 43">
+              <a:extLst>
+                <a:ext uri="{FF2B5EF4-FFF2-40B4-BE49-F238E27FC236}">
+                  <a16:creationId xmlns:a16="http://schemas.microsoft.com/office/drawing/2014/main" id="{AE030675-E735-FCB8-BDC2-295C68C0A567}"/>
+                </a:ext>
+              </a:extLst>
+            </p:cNvPr>
+            <p:cNvSpPr/>
+            <p:nvPr/>
+          </p:nvSpPr>
+          <p:spPr>
+            <a:xfrm>
+              <a:off x="8515281" y="1436704"/>
+              <a:ext cx="1623317" cy="2785170"/>
+            </a:xfrm>
+            <a:custGeom>
+              <a:avLst/>
+              <a:gdLst>
+                <a:gd name="connsiteX0" fmla="*/ 0 w 1623317"/>
+                <a:gd name="connsiteY0" fmla="*/ 0 h 3554858"/>
+                <a:gd name="connsiteX1" fmla="*/ 1623317 w 1623317"/>
+                <a:gd name="connsiteY1" fmla="*/ 0 h 3554858"/>
+                <a:gd name="connsiteX2" fmla="*/ 1623317 w 1623317"/>
+                <a:gd name="connsiteY2" fmla="*/ 652409 h 3554858"/>
+                <a:gd name="connsiteX3" fmla="*/ 1130158 w 1623317"/>
+                <a:gd name="connsiteY3" fmla="*/ 652409 h 3554858"/>
+                <a:gd name="connsiteX4" fmla="*/ 1130158 w 1623317"/>
+                <a:gd name="connsiteY4" fmla="*/ 3554858 h 3554858"/>
+                <a:gd name="connsiteX5" fmla="*/ 565079 w 1623317"/>
+                <a:gd name="connsiteY5" fmla="*/ 3554858 h 3554858"/>
+                <a:gd name="connsiteX6" fmla="*/ 565079 w 1623317"/>
+                <a:gd name="connsiteY6" fmla="*/ 652409 h 3554858"/>
+                <a:gd name="connsiteX7" fmla="*/ 0 w 1623317"/>
+                <a:gd name="connsiteY7" fmla="*/ 652409 h 3554858"/>
+              </a:gdLst>
+              <a:ahLst/>
+              <a:cxnLst>
+                <a:cxn ang="0">
+                  <a:pos x="connsiteX0" y="connsiteY0"/>
+                </a:cxn>
+                <a:cxn ang="0">
+                  <a:pos x="connsiteX1" y="connsiteY1"/>
+                </a:cxn>
+                <a:cxn ang="0">
+                  <a:pos x="connsiteX2" y="connsiteY2"/>
+                </a:cxn>
+                <a:cxn ang="0">
+                  <a:pos x="connsiteX3" y="connsiteY3"/>
+                </a:cxn>
+                <a:cxn ang="0">
+                  <a:pos x="connsiteX4" y="connsiteY4"/>
+                </a:cxn>
+                <a:cxn ang="0">
+                  <a:pos x="connsiteX5" y="connsiteY5"/>
+                </a:cxn>
+                <a:cxn ang="0">
+                  <a:pos x="connsiteX6" y="connsiteY6"/>
+                </a:cxn>
+                <a:cxn ang="0">
+                  <a:pos x="connsiteX7" y="connsiteY7"/>
+                </a:cxn>
+              </a:cxnLst>
+              <a:rect l="l" t="t" r="r" b="b"/>
+              <a:pathLst>
+                <a:path w="1623317" h="3554858">
+                  <a:moveTo>
+                    <a:pt x="0" y="0"/>
+                  </a:moveTo>
+                  <a:lnTo>
+                    <a:pt x="1623317" y="0"/>
+                  </a:lnTo>
+                  <a:lnTo>
+                    <a:pt x="1623317" y="652409"/>
+                  </a:lnTo>
+                  <a:lnTo>
+                    <a:pt x="1130158" y="652409"/>
+                  </a:lnTo>
+                  <a:lnTo>
+                    <a:pt x="1130158" y="3554858"/>
+                  </a:lnTo>
+                  <a:lnTo>
+                    <a:pt x="565079" y="3554858"/>
+                  </a:lnTo>
+                  <a:lnTo>
+                    <a:pt x="565079" y="652409"/>
+                  </a:lnTo>
+                  <a:lnTo>
+                    <a:pt x="0" y="652409"/>
+                  </a:lnTo>
+                  <a:close/>
+                </a:path>
+              </a:pathLst>
+            </a:custGeom>
+            <a:solidFill>
+              <a:srgbClr val="729FCF"/>
+            </a:solidFill>
+          </p:spPr>
+          <p:style>
+            <a:lnRef idx="2">
+              <a:schemeClr val="accent1">
+                <a:shade val="50000"/>
+              </a:schemeClr>
+            </a:lnRef>
+            <a:fillRef idx="1">
+              <a:schemeClr val="accent1"/>
+            </a:fillRef>
+            <a:effectRef idx="0">
+              <a:schemeClr val="accent1"/>
+            </a:effectRef>
+            <a:fontRef idx="minor">
+              <a:schemeClr val="lt1"/>
+            </a:fontRef>
+          </p:style>
+          <p:txBody>
+            <a:bodyPr wrap="square" rtlCol="0" anchor="ctr">
+              <a:noAutofit/>
+            </a:bodyPr>
+            <a:lstStyle/>
+            <a:p>
+              <a:pPr algn="ctr"/>
+              <a:endParaRPr lang="en-US"/>
+            </a:p>
+          </p:txBody>
+        </p:sp>
+        <p:grpSp>
+          <p:nvGrpSpPr>
+            <p:cNvPr id="45" name="Group 44">
+              <a:extLst>
+                <a:ext uri="{FF2B5EF4-FFF2-40B4-BE49-F238E27FC236}">
+                  <a16:creationId xmlns:a16="http://schemas.microsoft.com/office/drawing/2014/main" id="{780C3EB6-103B-8B5C-F1B0-7029BE34806B}"/>
+                </a:ext>
+              </a:extLst>
+            </p:cNvPr>
+            <p:cNvGrpSpPr/>
+            <p:nvPr/>
+          </p:nvGrpSpPr>
+          <p:grpSpPr>
+            <a:xfrm>
+              <a:off x="7314342" y="2009424"/>
+              <a:ext cx="4099388" cy="505998"/>
+              <a:chOff x="1309955" y="2192687"/>
+              <a:chExt cx="4099388" cy="505998"/>
+            </a:xfrm>
+          </p:grpSpPr>
+          <p:sp>
+            <p:nvSpPr>
+              <p:cNvPr id="46" name="Rectangle 45">
+                <a:extLst>
+                  <a:ext uri="{FF2B5EF4-FFF2-40B4-BE49-F238E27FC236}">
+                    <a16:creationId xmlns:a16="http://schemas.microsoft.com/office/drawing/2014/main" id="{B20B5887-55CE-3A35-3EC8-5B6C297F3596}"/>
+                  </a:ext>
+                </a:extLst>
+              </p:cNvPr>
+              <p:cNvSpPr/>
+              <p:nvPr/>
+            </p:nvSpPr>
+            <p:spPr>
+              <a:xfrm>
+                <a:off x="1309955" y="2192687"/>
+                <a:ext cx="1661845" cy="481167"/>
+              </a:xfrm>
+              <a:prstGeom prst="rect">
+                <a:avLst/>
+              </a:prstGeom>
+              <a:pattFill prst="wdUpDiag">
+                <a:fgClr>
+                  <a:schemeClr val="tx1">
+                    <a:lumMod val="85000"/>
+                    <a:lumOff val="15000"/>
+                  </a:schemeClr>
+                </a:fgClr>
+                <a:bgClr>
+                  <a:schemeClr val="bg1"/>
+                </a:bgClr>
+              </a:pattFill>
+            </p:spPr>
+            <p:style>
+              <a:lnRef idx="2">
+                <a:schemeClr val="accent1">
+                  <a:shade val="50000"/>
+                </a:schemeClr>
+              </a:lnRef>
+              <a:fillRef idx="1">
+                <a:schemeClr val="accent1"/>
+              </a:fillRef>
+              <a:effectRef idx="0">
+                <a:schemeClr val="accent1"/>
+              </a:effectRef>
+              <a:fontRef idx="minor">
+                <a:schemeClr val="lt1"/>
+              </a:fontRef>
+            </p:style>
+            <p:txBody>
+              <a:bodyPr rtlCol="0" anchor="ctr"/>
+              <a:lstStyle/>
+              <a:p>
+                <a:pPr algn="ctr"/>
+                <a:endParaRPr lang="en-US"/>
+              </a:p>
+            </p:txBody>
+          </p:sp>
+          <p:sp>
+            <p:nvSpPr>
+              <p:cNvPr id="47" name="Rectangle 46">
+                <a:extLst>
+                  <a:ext uri="{FF2B5EF4-FFF2-40B4-BE49-F238E27FC236}">
+                    <a16:creationId xmlns:a16="http://schemas.microsoft.com/office/drawing/2014/main" id="{FC473887-B8FC-8437-5CA9-333CF2DF02F7}"/>
+                  </a:ext>
+                </a:extLst>
+              </p:cNvPr>
+              <p:cNvSpPr/>
+              <p:nvPr/>
+            </p:nvSpPr>
+            <p:spPr>
+              <a:xfrm>
+                <a:off x="3747498" y="2217518"/>
+                <a:ext cx="1661845" cy="481167"/>
+              </a:xfrm>
+              <a:prstGeom prst="rect">
+                <a:avLst/>
+              </a:prstGeom>
+              <a:pattFill prst="wdUpDiag">
+                <a:fgClr>
+                  <a:schemeClr val="tx1">
+                    <a:lumMod val="85000"/>
+                    <a:lumOff val="15000"/>
+                  </a:schemeClr>
+                </a:fgClr>
+                <a:bgClr>
+                  <a:schemeClr val="bg1"/>
+                </a:bgClr>
+              </a:pattFill>
+            </p:spPr>
+            <p:style>
+              <a:lnRef idx="2">
+                <a:schemeClr val="accent1">
+                  <a:shade val="50000"/>
+                </a:schemeClr>
+              </a:lnRef>
+              <a:fillRef idx="1">
+                <a:schemeClr val="accent1"/>
+              </a:fillRef>
+              <a:effectRef idx="0">
+                <a:schemeClr val="accent1"/>
+              </a:effectRef>
+              <a:fontRef idx="minor">
+                <a:schemeClr val="lt1"/>
+              </a:fontRef>
+            </p:style>
+            <p:txBody>
+              <a:bodyPr rtlCol="0" anchor="ctr"/>
+              <a:lstStyle/>
+              <a:p>
+                <a:pPr algn="ctr"/>
+                <a:endParaRPr lang="en-US"/>
+              </a:p>
+            </p:txBody>
+          </p:sp>
+        </p:grpSp>
+        <p:grpSp>
+          <p:nvGrpSpPr>
+            <p:cNvPr id="48" name="Group 47">
+              <a:extLst>
+                <a:ext uri="{FF2B5EF4-FFF2-40B4-BE49-F238E27FC236}">
+                  <a16:creationId xmlns:a16="http://schemas.microsoft.com/office/drawing/2014/main" id="{280851D3-8E8B-9B69-55AB-78FBEFAEF0AE}"/>
+                </a:ext>
+              </a:extLst>
+            </p:cNvPr>
+            <p:cNvGrpSpPr/>
+            <p:nvPr/>
+          </p:nvGrpSpPr>
+          <p:grpSpPr>
+            <a:xfrm>
+              <a:off x="7314341" y="2567647"/>
+              <a:ext cx="4099388" cy="505998"/>
+              <a:chOff x="1309954" y="2750910"/>
+              <a:chExt cx="4099388" cy="505998"/>
+            </a:xfrm>
+          </p:grpSpPr>
+          <p:sp>
+            <p:nvSpPr>
+              <p:cNvPr id="49" name="Rectangle 48">
+                <a:extLst>
+                  <a:ext uri="{FF2B5EF4-FFF2-40B4-BE49-F238E27FC236}">
+                    <a16:creationId xmlns:a16="http://schemas.microsoft.com/office/drawing/2014/main" id="{D127C3A8-920C-E1C5-B18D-5F96613EE439}"/>
+                  </a:ext>
+                </a:extLst>
+              </p:cNvPr>
+              <p:cNvSpPr/>
+              <p:nvPr/>
+            </p:nvSpPr>
+            <p:spPr>
+              <a:xfrm>
+                <a:off x="1309954" y="2750910"/>
+                <a:ext cx="1661845" cy="481167"/>
+              </a:xfrm>
+              <a:prstGeom prst="rect">
+                <a:avLst/>
+              </a:prstGeom>
+              <a:pattFill prst="wdDnDiag">
+                <a:fgClr>
+                  <a:schemeClr val="tx1">
+                    <a:lumMod val="85000"/>
+                    <a:lumOff val="15000"/>
+                  </a:schemeClr>
+                </a:fgClr>
+                <a:bgClr>
+                  <a:schemeClr val="bg1"/>
+                </a:bgClr>
+              </a:pattFill>
+            </p:spPr>
+            <p:style>
+              <a:lnRef idx="2">
+                <a:schemeClr val="accent1">
+                  <a:shade val="50000"/>
+                </a:schemeClr>
+              </a:lnRef>
+              <a:fillRef idx="1">
+                <a:schemeClr val="accent1"/>
+              </a:fillRef>
+              <a:effectRef idx="0">
+                <a:schemeClr val="accent1"/>
+              </a:effectRef>
+              <a:fontRef idx="minor">
+                <a:schemeClr val="lt1"/>
+              </a:fontRef>
+            </p:style>
+            <p:txBody>
+              <a:bodyPr rtlCol="0" anchor="ctr"/>
+              <a:lstStyle/>
+              <a:p>
+                <a:pPr algn="ctr"/>
+                <a:endParaRPr lang="en-US"/>
+              </a:p>
+            </p:txBody>
+          </p:sp>
+          <p:sp>
+            <p:nvSpPr>
+              <p:cNvPr id="50" name="Rectangle 49">
+                <a:extLst>
+                  <a:ext uri="{FF2B5EF4-FFF2-40B4-BE49-F238E27FC236}">
+                    <a16:creationId xmlns:a16="http://schemas.microsoft.com/office/drawing/2014/main" id="{9172617A-5A46-90BB-61DC-4CE9DDAB6FE2}"/>
+                  </a:ext>
+                </a:extLst>
+              </p:cNvPr>
+              <p:cNvSpPr/>
+              <p:nvPr/>
+            </p:nvSpPr>
+            <p:spPr>
+              <a:xfrm>
+                <a:off x="3747497" y="2775741"/>
+                <a:ext cx="1661845" cy="481167"/>
+              </a:xfrm>
+              <a:prstGeom prst="rect">
+                <a:avLst/>
+              </a:prstGeom>
+              <a:pattFill prst="wdDnDiag">
+                <a:fgClr>
+                  <a:schemeClr val="tx1">
+                    <a:lumMod val="85000"/>
+                    <a:lumOff val="15000"/>
+                  </a:schemeClr>
+                </a:fgClr>
+                <a:bgClr>
+                  <a:schemeClr val="bg1"/>
+                </a:bgClr>
+              </a:pattFill>
+            </p:spPr>
+            <p:style>
+              <a:lnRef idx="2">
+                <a:schemeClr val="accent1">
+                  <a:shade val="50000"/>
+                </a:schemeClr>
+              </a:lnRef>
+              <a:fillRef idx="1">
+                <a:schemeClr val="accent1"/>
+              </a:fillRef>
+              <a:effectRef idx="0">
+                <a:schemeClr val="accent1"/>
+              </a:effectRef>
+              <a:fontRef idx="minor">
+                <a:schemeClr val="lt1"/>
+              </a:fontRef>
+            </p:style>
+            <p:txBody>
+              <a:bodyPr rtlCol="0" anchor="ctr"/>
+              <a:lstStyle/>
+              <a:p>
+                <a:pPr algn="ctr"/>
+                <a:endParaRPr lang="en-US"/>
+              </a:p>
+            </p:txBody>
+          </p:sp>
+        </p:grpSp>
+        <p:sp>
+          <p:nvSpPr>
+            <p:cNvPr id="63" name="Freeform: Shape 62">
+              <a:extLst>
+                <a:ext uri="{FF2B5EF4-FFF2-40B4-BE49-F238E27FC236}">
+                  <a16:creationId xmlns:a16="http://schemas.microsoft.com/office/drawing/2014/main" id="{6BAE9AD7-873B-44A7-E65C-585A8E8F25D7}"/>
+                </a:ext>
+              </a:extLst>
+            </p:cNvPr>
+            <p:cNvSpPr/>
+            <p:nvPr/>
+          </p:nvSpPr>
+          <p:spPr>
+            <a:xfrm>
+              <a:off x="7314341" y="3116905"/>
               <a:ext cx="1661845" cy="481167"/>
             </a:xfrm>
-            <a:prstGeom prst="rect">
+            <a:custGeom>
               <a:avLst/>
-            </a:prstGeom>
+              <a:gdLst>
+                <a:gd name="connsiteX0" fmla="*/ 0 w 1661845"/>
+                <a:gd name="connsiteY0" fmla="*/ 0 h 481167"/>
+                <a:gd name="connsiteX1" fmla="*/ 1583501 w 1661845"/>
+                <a:gd name="connsiteY1" fmla="*/ 0 h 481167"/>
+                <a:gd name="connsiteX2" fmla="*/ 1555129 w 1661845"/>
+                <a:gd name="connsiteY2" fmla="*/ 15451 h 481167"/>
+                <a:gd name="connsiteX3" fmla="*/ 1661845 w 1661845"/>
+                <a:gd name="connsiteY3" fmla="*/ 56475 h 481167"/>
+                <a:gd name="connsiteX4" fmla="*/ 1661845 w 1661845"/>
+                <a:gd name="connsiteY4" fmla="*/ 108230 h 481167"/>
+                <a:gd name="connsiteX5" fmla="*/ 1555129 w 1661845"/>
+                <a:gd name="connsiteY5" fmla="*/ 166346 h 481167"/>
+                <a:gd name="connsiteX6" fmla="*/ 1661845 w 1661845"/>
+                <a:gd name="connsiteY6" fmla="*/ 199311 h 481167"/>
+                <a:gd name="connsiteX7" fmla="*/ 1661845 w 1661845"/>
+                <a:gd name="connsiteY7" fmla="*/ 237617 h 481167"/>
+                <a:gd name="connsiteX8" fmla="*/ 1544301 w 1661845"/>
+                <a:gd name="connsiteY8" fmla="*/ 301630 h 481167"/>
+                <a:gd name="connsiteX9" fmla="*/ 1661845 w 1661845"/>
+                <a:gd name="connsiteY9" fmla="*/ 343992 h 481167"/>
+                <a:gd name="connsiteX10" fmla="*/ 1661845 w 1661845"/>
+                <a:gd name="connsiteY10" fmla="*/ 380897 h 481167"/>
+                <a:gd name="connsiteX11" fmla="*/ 1555129 w 1661845"/>
+                <a:gd name="connsiteY11" fmla="*/ 439013 h 481167"/>
+                <a:gd name="connsiteX12" fmla="*/ 1661845 w 1661845"/>
+                <a:gd name="connsiteY12" fmla="*/ 480037 h 481167"/>
+                <a:gd name="connsiteX13" fmla="*/ 1661845 w 1661845"/>
+                <a:gd name="connsiteY13" fmla="*/ 481167 h 481167"/>
+                <a:gd name="connsiteX14" fmla="*/ 0 w 1661845"/>
+                <a:gd name="connsiteY14" fmla="*/ 481167 h 481167"/>
+              </a:gdLst>
+              <a:ahLst/>
+              <a:cxnLst>
+                <a:cxn ang="0">
+                  <a:pos x="connsiteX0" y="connsiteY0"/>
+                </a:cxn>
+                <a:cxn ang="0">
+                  <a:pos x="connsiteX1" y="connsiteY1"/>
+                </a:cxn>
+                <a:cxn ang="0">
+                  <a:pos x="connsiteX2" y="connsiteY2"/>
+                </a:cxn>
+                <a:cxn ang="0">
+                  <a:pos x="connsiteX3" y="connsiteY3"/>
+                </a:cxn>
+                <a:cxn ang="0">
+                  <a:pos x="connsiteX4" y="connsiteY4"/>
+                </a:cxn>
+                <a:cxn ang="0">
+                  <a:pos x="connsiteX5" y="connsiteY5"/>
+                </a:cxn>
+                <a:cxn ang="0">
+                  <a:pos x="connsiteX6" y="connsiteY6"/>
+                </a:cxn>
+                <a:cxn ang="0">
+                  <a:pos x="connsiteX7" y="connsiteY7"/>
+                </a:cxn>
+                <a:cxn ang="0">
+                  <a:pos x="connsiteX8" y="connsiteY8"/>
+                </a:cxn>
+                <a:cxn ang="0">
+                  <a:pos x="connsiteX9" y="connsiteY9"/>
+                </a:cxn>
+                <a:cxn ang="0">
+                  <a:pos x="connsiteX10" y="connsiteY10"/>
+                </a:cxn>
+                <a:cxn ang="0">
+                  <a:pos x="connsiteX11" y="connsiteY11"/>
+                </a:cxn>
+                <a:cxn ang="0">
+                  <a:pos x="connsiteX12" y="connsiteY12"/>
+                </a:cxn>
+                <a:cxn ang="0">
+                  <a:pos x="connsiteX13" y="connsiteY13"/>
+                </a:cxn>
+                <a:cxn ang="0">
+                  <a:pos x="connsiteX14" y="connsiteY14"/>
+                </a:cxn>
+              </a:cxnLst>
+              <a:rect l="l" t="t" r="r" b="b"/>
+              <a:pathLst>
+                <a:path w="1661845" h="481167">
+                  <a:moveTo>
+                    <a:pt x="0" y="0"/>
+                  </a:moveTo>
+                  <a:lnTo>
+                    <a:pt x="1583501" y="0"/>
+                  </a:lnTo>
+                  <a:lnTo>
+                    <a:pt x="1555129" y="15451"/>
+                  </a:lnTo>
+                  <a:lnTo>
+                    <a:pt x="1661845" y="56475"/>
+                  </a:lnTo>
+                  <a:lnTo>
+                    <a:pt x="1661845" y="108230"/>
+                  </a:lnTo>
+                  <a:lnTo>
+                    <a:pt x="1555129" y="166346"/>
+                  </a:lnTo>
+                  <a:lnTo>
+                    <a:pt x="1661845" y="199311"/>
+                  </a:lnTo>
+                  <a:lnTo>
+                    <a:pt x="1661845" y="237617"/>
+                  </a:lnTo>
+                  <a:lnTo>
+                    <a:pt x="1544301" y="301630"/>
+                  </a:lnTo>
+                  <a:lnTo>
+                    <a:pt x="1661845" y="343992"/>
+                  </a:lnTo>
+                  <a:lnTo>
+                    <a:pt x="1661845" y="380897"/>
+                  </a:lnTo>
+                  <a:lnTo>
+                    <a:pt x="1555129" y="439013"/>
+                  </a:lnTo>
+                  <a:lnTo>
+                    <a:pt x="1661845" y="480037"/>
+                  </a:lnTo>
+                  <a:lnTo>
+                    <a:pt x="1661845" y="481167"/>
+                  </a:lnTo>
+                  <a:lnTo>
+                    <a:pt x="0" y="481167"/>
+                  </a:lnTo>
+                  <a:close/>
+                </a:path>
+              </a:pathLst>
+            </a:custGeom>
             <a:pattFill prst="wdUpDiag">
               <a:fgClr>
                 <a:schemeClr val="tx1">
@@ -8238,7 +9532,9 @@
             </a:fontRef>
           </p:style>
           <p:txBody>
-            <a:bodyPr rtlCol="0" anchor="ctr"/>
+            <a:bodyPr wrap="square" rtlCol="0" anchor="ctr">
+              <a:noAutofit/>
+            </a:bodyPr>
             <a:lstStyle/>
             <a:p>
               <a:pPr algn="ctr"/>
@@ -8248,10 +9544,10 @@
         </p:sp>
         <p:sp>
           <p:nvSpPr>
-            <p:cNvPr id="34" name="Rectangle 33">
+            <p:cNvPr id="62" name="Freeform: Shape 61">
               <a:extLst>
                 <a:ext uri="{FF2B5EF4-FFF2-40B4-BE49-F238E27FC236}">
-                  <a16:creationId xmlns:a16="http://schemas.microsoft.com/office/drawing/2014/main" id="{3426FB23-3150-1E3C-9C64-6CC68C870F81}"/>
+                  <a16:creationId xmlns:a16="http://schemas.microsoft.com/office/drawing/2014/main" id="{A07696F1-B4D8-C6EF-EFC1-8A3A3B271655}"/>
                 </a:ext>
               </a:extLst>
             </p:cNvPr>
@@ -8260,12 +9556,135 @@
           </p:nvSpPr>
           <p:spPr>
             <a:xfrm>
-              <a:off x="3747498" y="2217518"/>
+              <a:off x="9751884" y="3141736"/>
               <a:ext cx="1661845" cy="481167"/>
             </a:xfrm>
-            <a:prstGeom prst="rect">
+            <a:custGeom>
               <a:avLst/>
-            </a:prstGeom>
+              <a:gdLst>
+                <a:gd name="connsiteX0" fmla="*/ 97369 w 1661845"/>
+                <a:gd name="connsiteY0" fmla="*/ 0 h 481167"/>
+                <a:gd name="connsiteX1" fmla="*/ 1661845 w 1661845"/>
+                <a:gd name="connsiteY1" fmla="*/ 0 h 481167"/>
+                <a:gd name="connsiteX2" fmla="*/ 1661845 w 1661845"/>
+                <a:gd name="connsiteY2" fmla="*/ 481167 h 481167"/>
+                <a:gd name="connsiteX3" fmla="*/ 38725 w 1661845"/>
+                <a:gd name="connsiteY3" fmla="*/ 481167 h 481167"/>
+                <a:gd name="connsiteX4" fmla="*/ 135110 w 1661845"/>
+                <a:gd name="connsiteY4" fmla="*/ 444115 h 481167"/>
+                <a:gd name="connsiteX5" fmla="*/ 0 w 1661845"/>
+                <a:gd name="connsiteY5" fmla="*/ 370537 h 481167"/>
+                <a:gd name="connsiteX6" fmla="*/ 0 w 1661845"/>
+                <a:gd name="connsiteY6" fmla="*/ 359327 h 481167"/>
+                <a:gd name="connsiteX7" fmla="*/ 145937 w 1661845"/>
+                <a:gd name="connsiteY7" fmla="*/ 306732 h 481167"/>
+                <a:gd name="connsiteX8" fmla="*/ 0 w 1661845"/>
+                <a:gd name="connsiteY8" fmla="*/ 227256 h 481167"/>
+                <a:gd name="connsiteX9" fmla="*/ 0 w 1661845"/>
+                <a:gd name="connsiteY9" fmla="*/ 213184 h 481167"/>
+                <a:gd name="connsiteX10" fmla="*/ 135110 w 1661845"/>
+                <a:gd name="connsiteY10" fmla="*/ 171448 h 481167"/>
+                <a:gd name="connsiteX11" fmla="*/ 0 w 1661845"/>
+                <a:gd name="connsiteY11" fmla="*/ 97870 h 481167"/>
+                <a:gd name="connsiteX12" fmla="*/ 0 w 1661845"/>
+                <a:gd name="connsiteY12" fmla="*/ 72492 h 481167"/>
+                <a:gd name="connsiteX13" fmla="*/ 135110 w 1661845"/>
+                <a:gd name="connsiteY13" fmla="*/ 20553 h 481167"/>
+              </a:gdLst>
+              <a:ahLst/>
+              <a:cxnLst>
+                <a:cxn ang="0">
+                  <a:pos x="connsiteX0" y="connsiteY0"/>
+                </a:cxn>
+                <a:cxn ang="0">
+                  <a:pos x="connsiteX1" y="connsiteY1"/>
+                </a:cxn>
+                <a:cxn ang="0">
+                  <a:pos x="connsiteX2" y="connsiteY2"/>
+                </a:cxn>
+                <a:cxn ang="0">
+                  <a:pos x="connsiteX3" y="connsiteY3"/>
+                </a:cxn>
+                <a:cxn ang="0">
+                  <a:pos x="connsiteX4" y="connsiteY4"/>
+                </a:cxn>
+                <a:cxn ang="0">
+                  <a:pos x="connsiteX5" y="connsiteY5"/>
+                </a:cxn>
+                <a:cxn ang="0">
+                  <a:pos x="connsiteX6" y="connsiteY6"/>
+                </a:cxn>
+                <a:cxn ang="0">
+                  <a:pos x="connsiteX7" y="connsiteY7"/>
+                </a:cxn>
+                <a:cxn ang="0">
+                  <a:pos x="connsiteX8" y="connsiteY8"/>
+                </a:cxn>
+                <a:cxn ang="0">
+                  <a:pos x="connsiteX9" y="connsiteY9"/>
+                </a:cxn>
+                <a:cxn ang="0">
+                  <a:pos x="connsiteX10" y="connsiteY10"/>
+                </a:cxn>
+                <a:cxn ang="0">
+                  <a:pos x="connsiteX11" y="connsiteY11"/>
+                </a:cxn>
+                <a:cxn ang="0">
+                  <a:pos x="connsiteX12" y="connsiteY12"/>
+                </a:cxn>
+                <a:cxn ang="0">
+                  <a:pos x="connsiteX13" y="connsiteY13"/>
+                </a:cxn>
+              </a:cxnLst>
+              <a:rect l="l" t="t" r="r" b="b"/>
+              <a:pathLst>
+                <a:path w="1661845" h="481167">
+                  <a:moveTo>
+                    <a:pt x="97369" y="0"/>
+                  </a:moveTo>
+                  <a:lnTo>
+                    <a:pt x="1661845" y="0"/>
+                  </a:lnTo>
+                  <a:lnTo>
+                    <a:pt x="1661845" y="481167"/>
+                  </a:lnTo>
+                  <a:lnTo>
+                    <a:pt x="38725" y="481167"/>
+                  </a:lnTo>
+                  <a:lnTo>
+                    <a:pt x="135110" y="444115"/>
+                  </a:lnTo>
+                  <a:lnTo>
+                    <a:pt x="0" y="370537"/>
+                  </a:lnTo>
+                  <a:lnTo>
+                    <a:pt x="0" y="359327"/>
+                  </a:lnTo>
+                  <a:lnTo>
+                    <a:pt x="145937" y="306732"/>
+                  </a:lnTo>
+                  <a:lnTo>
+                    <a:pt x="0" y="227256"/>
+                  </a:lnTo>
+                  <a:lnTo>
+                    <a:pt x="0" y="213184"/>
+                  </a:lnTo>
+                  <a:lnTo>
+                    <a:pt x="135110" y="171448"/>
+                  </a:lnTo>
+                  <a:lnTo>
+                    <a:pt x="0" y="97870"/>
+                  </a:lnTo>
+                  <a:lnTo>
+                    <a:pt x="0" y="72492"/>
+                  </a:lnTo>
+                  <a:lnTo>
+                    <a:pt x="135110" y="20553"/>
+                  </a:lnTo>
+                  <a:close/>
+                </a:path>
+              </a:pathLst>
+            </a:custGeom>
             <a:pattFill prst="wdUpDiag">
               <a:fgClr>
                 <a:schemeClr val="tx1">
@@ -8295,7 +9714,9 @@
             </a:fontRef>
           </p:style>
           <p:txBody>
-            <a:bodyPr rtlCol="0" anchor="ctr"/>
+            <a:bodyPr wrap="square" rtlCol="0" anchor="ctr">
+              <a:noAutofit/>
+            </a:bodyPr>
             <a:lstStyle/>
             <a:p>
               <a:pPr algn="ctr"/>
@@ -8304,1376 +9725,6 @@
           </p:txBody>
         </p:sp>
       </p:grpSp>
-      <p:grpSp>
-        <p:nvGrpSpPr>
-          <p:cNvPr id="35" name="Group 34">
-            <a:extLst>
-              <a:ext uri="{FF2B5EF4-FFF2-40B4-BE49-F238E27FC236}">
-                <a16:creationId xmlns:a16="http://schemas.microsoft.com/office/drawing/2014/main" id="{5FCD5CAC-0FF0-835F-FA74-791D82266767}"/>
-              </a:ext>
-            </a:extLst>
-          </p:cNvPr>
-          <p:cNvGrpSpPr/>
-          <p:nvPr/>
-        </p:nvGrpSpPr>
-        <p:grpSpPr>
-          <a:xfrm>
-            <a:off x="1338708" y="2506458"/>
-            <a:ext cx="4099388" cy="505998"/>
-            <a:chOff x="1309954" y="2750910"/>
-            <a:chExt cx="4099388" cy="505998"/>
-          </a:xfrm>
-        </p:grpSpPr>
-        <p:sp>
-          <p:nvSpPr>
-            <p:cNvPr id="36" name="Rectangle 35">
-              <a:extLst>
-                <a:ext uri="{FF2B5EF4-FFF2-40B4-BE49-F238E27FC236}">
-                  <a16:creationId xmlns:a16="http://schemas.microsoft.com/office/drawing/2014/main" id="{D488F330-93BA-A6A3-27A7-59BF2469F32F}"/>
-                </a:ext>
-              </a:extLst>
-            </p:cNvPr>
-            <p:cNvSpPr/>
-            <p:nvPr/>
-          </p:nvSpPr>
-          <p:spPr>
-            <a:xfrm>
-              <a:off x="1309954" y="2750910"/>
-              <a:ext cx="1661845" cy="481167"/>
-            </a:xfrm>
-            <a:prstGeom prst="rect">
-              <a:avLst/>
-            </a:prstGeom>
-            <a:pattFill prst="wdDnDiag">
-              <a:fgClr>
-                <a:schemeClr val="tx1">
-                  <a:lumMod val="85000"/>
-                  <a:lumOff val="15000"/>
-                </a:schemeClr>
-              </a:fgClr>
-              <a:bgClr>
-                <a:schemeClr val="bg1"/>
-              </a:bgClr>
-            </a:pattFill>
-          </p:spPr>
-          <p:style>
-            <a:lnRef idx="2">
-              <a:schemeClr val="accent1">
-                <a:shade val="50000"/>
-              </a:schemeClr>
-            </a:lnRef>
-            <a:fillRef idx="1">
-              <a:schemeClr val="accent1"/>
-            </a:fillRef>
-            <a:effectRef idx="0">
-              <a:schemeClr val="accent1"/>
-            </a:effectRef>
-            <a:fontRef idx="minor">
-              <a:schemeClr val="lt1"/>
-            </a:fontRef>
-          </p:style>
-          <p:txBody>
-            <a:bodyPr rtlCol="0" anchor="ctr"/>
-            <a:lstStyle/>
-            <a:p>
-              <a:pPr algn="ctr"/>
-              <a:endParaRPr lang="en-US"/>
-            </a:p>
-          </p:txBody>
-        </p:sp>
-        <p:sp>
-          <p:nvSpPr>
-            <p:cNvPr id="37" name="Rectangle 36">
-              <a:extLst>
-                <a:ext uri="{FF2B5EF4-FFF2-40B4-BE49-F238E27FC236}">
-                  <a16:creationId xmlns:a16="http://schemas.microsoft.com/office/drawing/2014/main" id="{D8D22F84-D42C-0593-74E4-3E78D7BB7FD5}"/>
-                </a:ext>
-              </a:extLst>
-            </p:cNvPr>
-            <p:cNvSpPr/>
-            <p:nvPr/>
-          </p:nvSpPr>
-          <p:spPr>
-            <a:xfrm>
-              <a:off x="3747497" y="2775741"/>
-              <a:ext cx="1661845" cy="481167"/>
-            </a:xfrm>
-            <a:prstGeom prst="rect">
-              <a:avLst/>
-            </a:prstGeom>
-            <a:pattFill prst="wdDnDiag">
-              <a:fgClr>
-                <a:schemeClr val="tx1">
-                  <a:lumMod val="85000"/>
-                  <a:lumOff val="15000"/>
-                </a:schemeClr>
-              </a:fgClr>
-              <a:bgClr>
-                <a:schemeClr val="bg1"/>
-              </a:bgClr>
-            </a:pattFill>
-          </p:spPr>
-          <p:style>
-            <a:lnRef idx="2">
-              <a:schemeClr val="accent1">
-                <a:shade val="50000"/>
-              </a:schemeClr>
-            </a:lnRef>
-            <a:fillRef idx="1">
-              <a:schemeClr val="accent1"/>
-            </a:fillRef>
-            <a:effectRef idx="0">
-              <a:schemeClr val="accent1"/>
-            </a:effectRef>
-            <a:fontRef idx="minor">
-              <a:schemeClr val="lt1"/>
-            </a:fontRef>
-          </p:style>
-          <p:txBody>
-            <a:bodyPr rtlCol="0" anchor="ctr"/>
-            <a:lstStyle/>
-            <a:p>
-              <a:pPr algn="ctr"/>
-              <a:endParaRPr lang="en-US"/>
-            </a:p>
-          </p:txBody>
-        </p:sp>
-      </p:grpSp>
-      <p:grpSp>
-        <p:nvGrpSpPr>
-          <p:cNvPr id="38" name="Group 37">
-            <a:extLst>
-              <a:ext uri="{FF2B5EF4-FFF2-40B4-BE49-F238E27FC236}">
-                <a16:creationId xmlns:a16="http://schemas.microsoft.com/office/drawing/2014/main" id="{03BDAE39-1196-F69F-C683-389D31F68B44}"/>
-              </a:ext>
-            </a:extLst>
-          </p:cNvPr>
-          <p:cNvGrpSpPr/>
-          <p:nvPr/>
-        </p:nvGrpSpPr>
-        <p:grpSpPr>
-          <a:xfrm>
-            <a:off x="1338708" y="3055716"/>
-            <a:ext cx="4099388" cy="505998"/>
-            <a:chOff x="1309954" y="3309133"/>
-            <a:chExt cx="4099388" cy="505998"/>
-          </a:xfrm>
-        </p:grpSpPr>
-        <p:sp>
-          <p:nvSpPr>
-            <p:cNvPr id="39" name="Rectangle 38">
-              <a:extLst>
-                <a:ext uri="{FF2B5EF4-FFF2-40B4-BE49-F238E27FC236}">
-                  <a16:creationId xmlns:a16="http://schemas.microsoft.com/office/drawing/2014/main" id="{03A0DCD5-8777-A1C9-E336-2BB34B892744}"/>
-                </a:ext>
-              </a:extLst>
-            </p:cNvPr>
-            <p:cNvSpPr/>
-            <p:nvPr/>
-          </p:nvSpPr>
-          <p:spPr>
-            <a:xfrm>
-              <a:off x="1309954" y="3309133"/>
-              <a:ext cx="1661845" cy="481167"/>
-            </a:xfrm>
-            <a:prstGeom prst="rect">
-              <a:avLst/>
-            </a:prstGeom>
-            <a:pattFill prst="wdUpDiag">
-              <a:fgClr>
-                <a:schemeClr val="tx1">
-                  <a:lumMod val="85000"/>
-                  <a:lumOff val="15000"/>
-                </a:schemeClr>
-              </a:fgClr>
-              <a:bgClr>
-                <a:schemeClr val="bg1"/>
-              </a:bgClr>
-            </a:pattFill>
-          </p:spPr>
-          <p:style>
-            <a:lnRef idx="2">
-              <a:schemeClr val="accent1">
-                <a:shade val="50000"/>
-              </a:schemeClr>
-            </a:lnRef>
-            <a:fillRef idx="1">
-              <a:schemeClr val="accent1"/>
-            </a:fillRef>
-            <a:effectRef idx="0">
-              <a:schemeClr val="accent1"/>
-            </a:effectRef>
-            <a:fontRef idx="minor">
-              <a:schemeClr val="lt1"/>
-            </a:fontRef>
-          </p:style>
-          <p:txBody>
-            <a:bodyPr rtlCol="0" anchor="ctr"/>
-            <a:lstStyle/>
-            <a:p>
-              <a:pPr algn="ctr"/>
-              <a:endParaRPr lang="en-US"/>
-            </a:p>
-          </p:txBody>
-        </p:sp>
-        <p:sp>
-          <p:nvSpPr>
-            <p:cNvPr id="40" name="Rectangle 39">
-              <a:extLst>
-                <a:ext uri="{FF2B5EF4-FFF2-40B4-BE49-F238E27FC236}">
-                  <a16:creationId xmlns:a16="http://schemas.microsoft.com/office/drawing/2014/main" id="{4597A284-92C8-B09F-82A6-1511502261CD}"/>
-                </a:ext>
-              </a:extLst>
-            </p:cNvPr>
-            <p:cNvSpPr/>
-            <p:nvPr/>
-          </p:nvSpPr>
-          <p:spPr>
-            <a:xfrm>
-              <a:off x="3747497" y="3333964"/>
-              <a:ext cx="1661845" cy="481167"/>
-            </a:xfrm>
-            <a:prstGeom prst="rect">
-              <a:avLst/>
-            </a:prstGeom>
-            <a:pattFill prst="wdUpDiag">
-              <a:fgClr>
-                <a:schemeClr val="tx1">
-                  <a:lumMod val="85000"/>
-                  <a:lumOff val="15000"/>
-                </a:schemeClr>
-              </a:fgClr>
-              <a:bgClr>
-                <a:schemeClr val="bg1"/>
-              </a:bgClr>
-            </a:pattFill>
-          </p:spPr>
-          <p:style>
-            <a:lnRef idx="2">
-              <a:schemeClr val="accent1">
-                <a:shade val="50000"/>
-              </a:schemeClr>
-            </a:lnRef>
-            <a:fillRef idx="1">
-              <a:schemeClr val="accent1"/>
-            </a:fillRef>
-            <a:effectRef idx="0">
-              <a:schemeClr val="accent1"/>
-            </a:effectRef>
-            <a:fontRef idx="minor">
-              <a:schemeClr val="lt1"/>
-            </a:fontRef>
-          </p:style>
-          <p:txBody>
-            <a:bodyPr rtlCol="0" anchor="ctr"/>
-            <a:lstStyle/>
-            <a:p>
-              <a:pPr algn="ctr"/>
-              <a:endParaRPr lang="en-US"/>
-            </a:p>
-          </p:txBody>
-        </p:sp>
-      </p:grpSp>
-      <p:sp>
-        <p:nvSpPr>
-          <p:cNvPr id="42" name="Freeform: Shape 41">
-            <a:extLst>
-              <a:ext uri="{FF2B5EF4-FFF2-40B4-BE49-F238E27FC236}">
-                <a16:creationId xmlns:a16="http://schemas.microsoft.com/office/drawing/2014/main" id="{12CC60E1-94C2-1A66-CC8B-B0D930525ED5}"/>
-              </a:ext>
-            </a:extLst>
-          </p:cNvPr>
-          <p:cNvSpPr/>
-          <p:nvPr/>
-        </p:nvSpPr>
-        <p:spPr>
-          <a:xfrm>
-            <a:off x="2358316" y="3622903"/>
-            <a:ext cx="676742" cy="437262"/>
-          </a:xfrm>
-          <a:custGeom>
-            <a:avLst/>
-            <a:gdLst>
-              <a:gd name="connsiteX0" fmla="*/ 0 w 676742"/>
-              <a:gd name="connsiteY0" fmla="*/ 0 h 437262"/>
-              <a:gd name="connsiteX1" fmla="*/ 592298 w 676742"/>
-              <a:gd name="connsiteY1" fmla="*/ 0 h 437262"/>
-              <a:gd name="connsiteX2" fmla="*/ 592298 w 676742"/>
-              <a:gd name="connsiteY2" fmla="*/ 3083 h 437262"/>
-              <a:gd name="connsiteX3" fmla="*/ 600271 w 676742"/>
-              <a:gd name="connsiteY3" fmla="*/ 189 h 437262"/>
-              <a:gd name="connsiteX4" fmla="*/ 671963 w 676742"/>
-              <a:gd name="connsiteY4" fmla="*/ 88644 h 437262"/>
-              <a:gd name="connsiteX5" fmla="*/ 600271 w 676742"/>
-              <a:gd name="connsiteY5" fmla="*/ 151084 h 437262"/>
-              <a:gd name="connsiteX6" fmla="*/ 671963 w 676742"/>
-              <a:gd name="connsiteY6" fmla="*/ 239539 h 437262"/>
-              <a:gd name="connsiteX7" fmla="*/ 605051 w 676742"/>
-              <a:gd name="connsiteY7" fmla="*/ 286368 h 437262"/>
-              <a:gd name="connsiteX8" fmla="*/ 676742 w 676742"/>
-              <a:gd name="connsiteY8" fmla="*/ 374823 h 437262"/>
-              <a:gd name="connsiteX9" fmla="*/ 600271 w 676742"/>
-              <a:gd name="connsiteY9" fmla="*/ 437262 h 437262"/>
-              <a:gd name="connsiteX10" fmla="*/ 592298 w 676742"/>
-              <a:gd name="connsiteY10" fmla="*/ 435892 h 437262"/>
-              <a:gd name="connsiteX11" fmla="*/ 592298 w 676742"/>
-              <a:gd name="connsiteY11" fmla="*/ 437262 h 437262"/>
-              <a:gd name="connsiteX12" fmla="*/ 0 w 676742"/>
-              <a:gd name="connsiteY12" fmla="*/ 437262 h 437262"/>
-            </a:gdLst>
-            <a:ahLst/>
-            <a:cxnLst>
-              <a:cxn ang="0">
-                <a:pos x="connsiteX0" y="connsiteY0"/>
-              </a:cxn>
-              <a:cxn ang="0">
-                <a:pos x="connsiteX1" y="connsiteY1"/>
-              </a:cxn>
-              <a:cxn ang="0">
-                <a:pos x="connsiteX2" y="connsiteY2"/>
-              </a:cxn>
-              <a:cxn ang="0">
-                <a:pos x="connsiteX3" y="connsiteY3"/>
-              </a:cxn>
-              <a:cxn ang="0">
-                <a:pos x="connsiteX4" y="connsiteY4"/>
-              </a:cxn>
-              <a:cxn ang="0">
-                <a:pos x="connsiteX5" y="connsiteY5"/>
-              </a:cxn>
-              <a:cxn ang="0">
-                <a:pos x="connsiteX6" y="connsiteY6"/>
-              </a:cxn>
-              <a:cxn ang="0">
-                <a:pos x="connsiteX7" y="connsiteY7"/>
-              </a:cxn>
-              <a:cxn ang="0">
-                <a:pos x="connsiteX8" y="connsiteY8"/>
-              </a:cxn>
-              <a:cxn ang="0">
-                <a:pos x="connsiteX9" y="connsiteY9"/>
-              </a:cxn>
-              <a:cxn ang="0">
-                <a:pos x="connsiteX10" y="connsiteY10"/>
-              </a:cxn>
-              <a:cxn ang="0">
-                <a:pos x="connsiteX11" y="connsiteY11"/>
-              </a:cxn>
-              <a:cxn ang="0">
-                <a:pos x="connsiteX12" y="connsiteY12"/>
-              </a:cxn>
-            </a:cxnLst>
-            <a:rect l="l" t="t" r="r" b="b"/>
-            <a:pathLst>
-              <a:path w="676742" h="437262">
-                <a:moveTo>
-                  <a:pt x="0" y="0"/>
-                </a:moveTo>
-                <a:lnTo>
-                  <a:pt x="592298" y="0"/>
-                </a:lnTo>
-                <a:lnTo>
-                  <a:pt x="592298" y="3083"/>
-                </a:lnTo>
-                <a:lnTo>
-                  <a:pt x="600271" y="189"/>
-                </a:lnTo>
-                <a:lnTo>
-                  <a:pt x="671963" y="88644"/>
-                </a:lnTo>
-                <a:lnTo>
-                  <a:pt x="600271" y="151084"/>
-                </a:lnTo>
-                <a:lnTo>
-                  <a:pt x="671963" y="239539"/>
-                </a:lnTo>
-                <a:lnTo>
-                  <a:pt x="605051" y="286368"/>
-                </a:lnTo>
-                <a:lnTo>
-                  <a:pt x="676742" y="374823"/>
-                </a:lnTo>
-                <a:lnTo>
-                  <a:pt x="600271" y="437262"/>
-                </a:lnTo>
-                <a:lnTo>
-                  <a:pt x="592298" y="435892"/>
-                </a:lnTo>
-                <a:lnTo>
-                  <a:pt x="592298" y="437262"/>
-                </a:lnTo>
-                <a:lnTo>
-                  <a:pt x="0" y="437262"/>
-                </a:lnTo>
-                <a:close/>
-              </a:path>
-            </a:pathLst>
-          </a:custGeom>
-          <a:solidFill>
-            <a:srgbClr val="729FCF"/>
-          </a:solidFill>
-        </p:spPr>
-        <p:style>
-          <a:lnRef idx="2">
-            <a:schemeClr val="accent1">
-              <a:shade val="50000"/>
-            </a:schemeClr>
-          </a:lnRef>
-          <a:fillRef idx="1">
-            <a:schemeClr val="accent1"/>
-          </a:fillRef>
-          <a:effectRef idx="0">
-            <a:schemeClr val="accent1"/>
-          </a:effectRef>
-          <a:fontRef idx="minor">
-            <a:schemeClr val="lt1"/>
-          </a:fontRef>
-        </p:style>
-        <p:txBody>
-          <a:bodyPr wrap="square" rtlCol="0" anchor="ctr">
-            <a:noAutofit/>
-          </a:bodyPr>
-          <a:lstStyle/>
-          <a:p>
-            <a:pPr algn="ctr"/>
-            <a:endParaRPr lang="en-US"/>
-          </a:p>
-        </p:txBody>
-      </p:sp>
-      <p:sp>
-        <p:nvSpPr>
-          <p:cNvPr id="43" name="Freeform: Shape 42">
-            <a:extLst>
-              <a:ext uri="{FF2B5EF4-FFF2-40B4-BE49-F238E27FC236}">
-                <a16:creationId xmlns:a16="http://schemas.microsoft.com/office/drawing/2014/main" id="{BA0DC545-8023-5C83-511C-88F2AA18FB9A}"/>
-              </a:ext>
-            </a:extLst>
-          </p:cNvPr>
-          <p:cNvSpPr/>
-          <p:nvPr/>
-        </p:nvSpPr>
-        <p:spPr>
-          <a:xfrm flipH="1">
-            <a:off x="3758779" y="3642567"/>
-            <a:ext cx="676742" cy="437262"/>
-          </a:xfrm>
-          <a:custGeom>
-            <a:avLst/>
-            <a:gdLst>
-              <a:gd name="connsiteX0" fmla="*/ 0 w 676742"/>
-              <a:gd name="connsiteY0" fmla="*/ 0 h 437262"/>
-              <a:gd name="connsiteX1" fmla="*/ 592298 w 676742"/>
-              <a:gd name="connsiteY1" fmla="*/ 0 h 437262"/>
-              <a:gd name="connsiteX2" fmla="*/ 592298 w 676742"/>
-              <a:gd name="connsiteY2" fmla="*/ 3083 h 437262"/>
-              <a:gd name="connsiteX3" fmla="*/ 600271 w 676742"/>
-              <a:gd name="connsiteY3" fmla="*/ 189 h 437262"/>
-              <a:gd name="connsiteX4" fmla="*/ 671963 w 676742"/>
-              <a:gd name="connsiteY4" fmla="*/ 88644 h 437262"/>
-              <a:gd name="connsiteX5" fmla="*/ 600271 w 676742"/>
-              <a:gd name="connsiteY5" fmla="*/ 151084 h 437262"/>
-              <a:gd name="connsiteX6" fmla="*/ 671963 w 676742"/>
-              <a:gd name="connsiteY6" fmla="*/ 239539 h 437262"/>
-              <a:gd name="connsiteX7" fmla="*/ 605051 w 676742"/>
-              <a:gd name="connsiteY7" fmla="*/ 286368 h 437262"/>
-              <a:gd name="connsiteX8" fmla="*/ 676742 w 676742"/>
-              <a:gd name="connsiteY8" fmla="*/ 374823 h 437262"/>
-              <a:gd name="connsiteX9" fmla="*/ 600271 w 676742"/>
-              <a:gd name="connsiteY9" fmla="*/ 437262 h 437262"/>
-              <a:gd name="connsiteX10" fmla="*/ 592298 w 676742"/>
-              <a:gd name="connsiteY10" fmla="*/ 435892 h 437262"/>
-              <a:gd name="connsiteX11" fmla="*/ 592298 w 676742"/>
-              <a:gd name="connsiteY11" fmla="*/ 437262 h 437262"/>
-              <a:gd name="connsiteX12" fmla="*/ 0 w 676742"/>
-              <a:gd name="connsiteY12" fmla="*/ 437262 h 437262"/>
-            </a:gdLst>
-            <a:ahLst/>
-            <a:cxnLst>
-              <a:cxn ang="0">
-                <a:pos x="connsiteX0" y="connsiteY0"/>
-              </a:cxn>
-              <a:cxn ang="0">
-                <a:pos x="connsiteX1" y="connsiteY1"/>
-              </a:cxn>
-              <a:cxn ang="0">
-                <a:pos x="connsiteX2" y="connsiteY2"/>
-              </a:cxn>
-              <a:cxn ang="0">
-                <a:pos x="connsiteX3" y="connsiteY3"/>
-              </a:cxn>
-              <a:cxn ang="0">
-                <a:pos x="connsiteX4" y="connsiteY4"/>
-              </a:cxn>
-              <a:cxn ang="0">
-                <a:pos x="connsiteX5" y="connsiteY5"/>
-              </a:cxn>
-              <a:cxn ang="0">
-                <a:pos x="connsiteX6" y="connsiteY6"/>
-              </a:cxn>
-              <a:cxn ang="0">
-                <a:pos x="connsiteX7" y="connsiteY7"/>
-              </a:cxn>
-              <a:cxn ang="0">
-                <a:pos x="connsiteX8" y="connsiteY8"/>
-              </a:cxn>
-              <a:cxn ang="0">
-                <a:pos x="connsiteX9" y="connsiteY9"/>
-              </a:cxn>
-              <a:cxn ang="0">
-                <a:pos x="connsiteX10" y="connsiteY10"/>
-              </a:cxn>
-              <a:cxn ang="0">
-                <a:pos x="connsiteX11" y="connsiteY11"/>
-              </a:cxn>
-              <a:cxn ang="0">
-                <a:pos x="connsiteX12" y="connsiteY12"/>
-              </a:cxn>
-            </a:cxnLst>
-            <a:rect l="l" t="t" r="r" b="b"/>
-            <a:pathLst>
-              <a:path w="676742" h="437262">
-                <a:moveTo>
-                  <a:pt x="0" y="0"/>
-                </a:moveTo>
-                <a:lnTo>
-                  <a:pt x="592298" y="0"/>
-                </a:lnTo>
-                <a:lnTo>
-                  <a:pt x="592298" y="3083"/>
-                </a:lnTo>
-                <a:lnTo>
-                  <a:pt x="600271" y="189"/>
-                </a:lnTo>
-                <a:lnTo>
-                  <a:pt x="671963" y="88644"/>
-                </a:lnTo>
-                <a:lnTo>
-                  <a:pt x="600271" y="151084"/>
-                </a:lnTo>
-                <a:lnTo>
-                  <a:pt x="671963" y="239539"/>
-                </a:lnTo>
-                <a:lnTo>
-                  <a:pt x="605051" y="286368"/>
-                </a:lnTo>
-                <a:lnTo>
-                  <a:pt x="676742" y="374823"/>
-                </a:lnTo>
-                <a:lnTo>
-                  <a:pt x="600271" y="437262"/>
-                </a:lnTo>
-                <a:lnTo>
-                  <a:pt x="592298" y="435892"/>
-                </a:lnTo>
-                <a:lnTo>
-                  <a:pt x="592298" y="437262"/>
-                </a:lnTo>
-                <a:lnTo>
-                  <a:pt x="0" y="437262"/>
-                </a:lnTo>
-                <a:close/>
-              </a:path>
-            </a:pathLst>
-          </a:custGeom>
-          <a:solidFill>
-            <a:srgbClr val="729FCF"/>
-          </a:solidFill>
-        </p:spPr>
-        <p:style>
-          <a:lnRef idx="2">
-            <a:schemeClr val="accent1">
-              <a:shade val="50000"/>
-            </a:schemeClr>
-          </a:lnRef>
-          <a:fillRef idx="1">
-            <a:schemeClr val="accent1"/>
-          </a:fillRef>
-          <a:effectRef idx="0">
-            <a:schemeClr val="accent1"/>
-          </a:effectRef>
-          <a:fontRef idx="minor">
-            <a:schemeClr val="lt1"/>
-          </a:fontRef>
-        </p:style>
-        <p:txBody>
-          <a:bodyPr wrap="square" rtlCol="0" anchor="ctr">
-            <a:noAutofit/>
-          </a:bodyPr>
-          <a:lstStyle/>
-          <a:p>
-            <a:pPr algn="ctr"/>
-            <a:endParaRPr lang="en-US"/>
-          </a:p>
-        </p:txBody>
-      </p:sp>
-      <p:sp>
-        <p:nvSpPr>
-          <p:cNvPr id="44" name="Freeform: Shape 43">
-            <a:extLst>
-              <a:ext uri="{FF2B5EF4-FFF2-40B4-BE49-F238E27FC236}">
-                <a16:creationId xmlns:a16="http://schemas.microsoft.com/office/drawing/2014/main" id="{AE030675-E735-FCB8-BDC2-295C68C0A567}"/>
-              </a:ext>
-            </a:extLst>
-          </p:cNvPr>
-          <p:cNvSpPr/>
-          <p:nvPr/>
-        </p:nvSpPr>
-        <p:spPr>
-          <a:xfrm>
-            <a:off x="8515281" y="1436704"/>
-            <a:ext cx="1623317" cy="2785170"/>
-          </a:xfrm>
-          <a:custGeom>
-            <a:avLst/>
-            <a:gdLst>
-              <a:gd name="connsiteX0" fmla="*/ 0 w 1623317"/>
-              <a:gd name="connsiteY0" fmla="*/ 0 h 3554858"/>
-              <a:gd name="connsiteX1" fmla="*/ 1623317 w 1623317"/>
-              <a:gd name="connsiteY1" fmla="*/ 0 h 3554858"/>
-              <a:gd name="connsiteX2" fmla="*/ 1623317 w 1623317"/>
-              <a:gd name="connsiteY2" fmla="*/ 652409 h 3554858"/>
-              <a:gd name="connsiteX3" fmla="*/ 1130158 w 1623317"/>
-              <a:gd name="connsiteY3" fmla="*/ 652409 h 3554858"/>
-              <a:gd name="connsiteX4" fmla="*/ 1130158 w 1623317"/>
-              <a:gd name="connsiteY4" fmla="*/ 3554858 h 3554858"/>
-              <a:gd name="connsiteX5" fmla="*/ 565079 w 1623317"/>
-              <a:gd name="connsiteY5" fmla="*/ 3554858 h 3554858"/>
-              <a:gd name="connsiteX6" fmla="*/ 565079 w 1623317"/>
-              <a:gd name="connsiteY6" fmla="*/ 652409 h 3554858"/>
-              <a:gd name="connsiteX7" fmla="*/ 0 w 1623317"/>
-              <a:gd name="connsiteY7" fmla="*/ 652409 h 3554858"/>
-            </a:gdLst>
-            <a:ahLst/>
-            <a:cxnLst>
-              <a:cxn ang="0">
-                <a:pos x="connsiteX0" y="connsiteY0"/>
-              </a:cxn>
-              <a:cxn ang="0">
-                <a:pos x="connsiteX1" y="connsiteY1"/>
-              </a:cxn>
-              <a:cxn ang="0">
-                <a:pos x="connsiteX2" y="connsiteY2"/>
-              </a:cxn>
-              <a:cxn ang="0">
-                <a:pos x="connsiteX3" y="connsiteY3"/>
-              </a:cxn>
-              <a:cxn ang="0">
-                <a:pos x="connsiteX4" y="connsiteY4"/>
-              </a:cxn>
-              <a:cxn ang="0">
-                <a:pos x="connsiteX5" y="connsiteY5"/>
-              </a:cxn>
-              <a:cxn ang="0">
-                <a:pos x="connsiteX6" y="connsiteY6"/>
-              </a:cxn>
-              <a:cxn ang="0">
-                <a:pos x="connsiteX7" y="connsiteY7"/>
-              </a:cxn>
-            </a:cxnLst>
-            <a:rect l="l" t="t" r="r" b="b"/>
-            <a:pathLst>
-              <a:path w="1623317" h="3554858">
-                <a:moveTo>
-                  <a:pt x="0" y="0"/>
-                </a:moveTo>
-                <a:lnTo>
-                  <a:pt x="1623317" y="0"/>
-                </a:lnTo>
-                <a:lnTo>
-                  <a:pt x="1623317" y="652409"/>
-                </a:lnTo>
-                <a:lnTo>
-                  <a:pt x="1130158" y="652409"/>
-                </a:lnTo>
-                <a:lnTo>
-                  <a:pt x="1130158" y="3554858"/>
-                </a:lnTo>
-                <a:lnTo>
-                  <a:pt x="565079" y="3554858"/>
-                </a:lnTo>
-                <a:lnTo>
-                  <a:pt x="565079" y="652409"/>
-                </a:lnTo>
-                <a:lnTo>
-                  <a:pt x="0" y="652409"/>
-                </a:lnTo>
-                <a:close/>
-              </a:path>
-            </a:pathLst>
-          </a:custGeom>
-          <a:solidFill>
-            <a:srgbClr val="729FCF"/>
-          </a:solidFill>
-        </p:spPr>
-        <p:style>
-          <a:lnRef idx="2">
-            <a:schemeClr val="accent1">
-              <a:shade val="50000"/>
-            </a:schemeClr>
-          </a:lnRef>
-          <a:fillRef idx="1">
-            <a:schemeClr val="accent1"/>
-          </a:fillRef>
-          <a:effectRef idx="0">
-            <a:schemeClr val="accent1"/>
-          </a:effectRef>
-          <a:fontRef idx="minor">
-            <a:schemeClr val="lt1"/>
-          </a:fontRef>
-        </p:style>
-        <p:txBody>
-          <a:bodyPr wrap="square" rtlCol="0" anchor="ctr">
-            <a:noAutofit/>
-          </a:bodyPr>
-          <a:lstStyle/>
-          <a:p>
-            <a:pPr algn="ctr"/>
-            <a:endParaRPr lang="en-US"/>
-          </a:p>
-        </p:txBody>
-      </p:sp>
-      <p:grpSp>
-        <p:nvGrpSpPr>
-          <p:cNvPr id="45" name="Group 44">
-            <a:extLst>
-              <a:ext uri="{FF2B5EF4-FFF2-40B4-BE49-F238E27FC236}">
-                <a16:creationId xmlns:a16="http://schemas.microsoft.com/office/drawing/2014/main" id="{780C3EB6-103B-8B5C-F1B0-7029BE34806B}"/>
-              </a:ext>
-            </a:extLst>
-          </p:cNvPr>
-          <p:cNvGrpSpPr/>
-          <p:nvPr/>
-        </p:nvGrpSpPr>
-        <p:grpSpPr>
-          <a:xfrm>
-            <a:off x="7314342" y="2009424"/>
-            <a:ext cx="4099388" cy="505998"/>
-            <a:chOff x="1309955" y="2192687"/>
-            <a:chExt cx="4099388" cy="505998"/>
-          </a:xfrm>
-        </p:grpSpPr>
-        <p:sp>
-          <p:nvSpPr>
-            <p:cNvPr id="46" name="Rectangle 45">
-              <a:extLst>
-                <a:ext uri="{FF2B5EF4-FFF2-40B4-BE49-F238E27FC236}">
-                  <a16:creationId xmlns:a16="http://schemas.microsoft.com/office/drawing/2014/main" id="{B20B5887-55CE-3A35-3EC8-5B6C297F3596}"/>
-                </a:ext>
-              </a:extLst>
-            </p:cNvPr>
-            <p:cNvSpPr/>
-            <p:nvPr/>
-          </p:nvSpPr>
-          <p:spPr>
-            <a:xfrm>
-              <a:off x="1309955" y="2192687"/>
-              <a:ext cx="1661845" cy="481167"/>
-            </a:xfrm>
-            <a:prstGeom prst="rect">
-              <a:avLst/>
-            </a:prstGeom>
-            <a:pattFill prst="wdUpDiag">
-              <a:fgClr>
-                <a:schemeClr val="tx1">
-                  <a:lumMod val="85000"/>
-                  <a:lumOff val="15000"/>
-                </a:schemeClr>
-              </a:fgClr>
-              <a:bgClr>
-                <a:schemeClr val="bg1"/>
-              </a:bgClr>
-            </a:pattFill>
-          </p:spPr>
-          <p:style>
-            <a:lnRef idx="2">
-              <a:schemeClr val="accent1">
-                <a:shade val="50000"/>
-              </a:schemeClr>
-            </a:lnRef>
-            <a:fillRef idx="1">
-              <a:schemeClr val="accent1"/>
-            </a:fillRef>
-            <a:effectRef idx="0">
-              <a:schemeClr val="accent1"/>
-            </a:effectRef>
-            <a:fontRef idx="minor">
-              <a:schemeClr val="lt1"/>
-            </a:fontRef>
-          </p:style>
-          <p:txBody>
-            <a:bodyPr rtlCol="0" anchor="ctr"/>
-            <a:lstStyle/>
-            <a:p>
-              <a:pPr algn="ctr"/>
-              <a:endParaRPr lang="en-US"/>
-            </a:p>
-          </p:txBody>
-        </p:sp>
-        <p:sp>
-          <p:nvSpPr>
-            <p:cNvPr id="47" name="Rectangle 46">
-              <a:extLst>
-                <a:ext uri="{FF2B5EF4-FFF2-40B4-BE49-F238E27FC236}">
-                  <a16:creationId xmlns:a16="http://schemas.microsoft.com/office/drawing/2014/main" id="{FC473887-B8FC-8437-5CA9-333CF2DF02F7}"/>
-                </a:ext>
-              </a:extLst>
-            </p:cNvPr>
-            <p:cNvSpPr/>
-            <p:nvPr/>
-          </p:nvSpPr>
-          <p:spPr>
-            <a:xfrm>
-              <a:off x="3747498" y="2217518"/>
-              <a:ext cx="1661845" cy="481167"/>
-            </a:xfrm>
-            <a:prstGeom prst="rect">
-              <a:avLst/>
-            </a:prstGeom>
-            <a:pattFill prst="wdUpDiag">
-              <a:fgClr>
-                <a:schemeClr val="tx1">
-                  <a:lumMod val="85000"/>
-                  <a:lumOff val="15000"/>
-                </a:schemeClr>
-              </a:fgClr>
-              <a:bgClr>
-                <a:schemeClr val="bg1"/>
-              </a:bgClr>
-            </a:pattFill>
-          </p:spPr>
-          <p:style>
-            <a:lnRef idx="2">
-              <a:schemeClr val="accent1">
-                <a:shade val="50000"/>
-              </a:schemeClr>
-            </a:lnRef>
-            <a:fillRef idx="1">
-              <a:schemeClr val="accent1"/>
-            </a:fillRef>
-            <a:effectRef idx="0">
-              <a:schemeClr val="accent1"/>
-            </a:effectRef>
-            <a:fontRef idx="minor">
-              <a:schemeClr val="lt1"/>
-            </a:fontRef>
-          </p:style>
-          <p:txBody>
-            <a:bodyPr rtlCol="0" anchor="ctr"/>
-            <a:lstStyle/>
-            <a:p>
-              <a:pPr algn="ctr"/>
-              <a:endParaRPr lang="en-US"/>
-            </a:p>
-          </p:txBody>
-        </p:sp>
-      </p:grpSp>
-      <p:grpSp>
-        <p:nvGrpSpPr>
-          <p:cNvPr id="48" name="Group 47">
-            <a:extLst>
-              <a:ext uri="{FF2B5EF4-FFF2-40B4-BE49-F238E27FC236}">
-                <a16:creationId xmlns:a16="http://schemas.microsoft.com/office/drawing/2014/main" id="{280851D3-8E8B-9B69-55AB-78FBEFAEF0AE}"/>
-              </a:ext>
-            </a:extLst>
-          </p:cNvPr>
-          <p:cNvGrpSpPr/>
-          <p:nvPr/>
-        </p:nvGrpSpPr>
-        <p:grpSpPr>
-          <a:xfrm>
-            <a:off x="7314341" y="2567647"/>
-            <a:ext cx="4099388" cy="505998"/>
-            <a:chOff x="1309954" y="2750910"/>
-            <a:chExt cx="4099388" cy="505998"/>
-          </a:xfrm>
-        </p:grpSpPr>
-        <p:sp>
-          <p:nvSpPr>
-            <p:cNvPr id="49" name="Rectangle 48">
-              <a:extLst>
-                <a:ext uri="{FF2B5EF4-FFF2-40B4-BE49-F238E27FC236}">
-                  <a16:creationId xmlns:a16="http://schemas.microsoft.com/office/drawing/2014/main" id="{D127C3A8-920C-E1C5-B18D-5F96613EE439}"/>
-                </a:ext>
-              </a:extLst>
-            </p:cNvPr>
-            <p:cNvSpPr/>
-            <p:nvPr/>
-          </p:nvSpPr>
-          <p:spPr>
-            <a:xfrm>
-              <a:off x="1309954" y="2750910"/>
-              <a:ext cx="1661845" cy="481167"/>
-            </a:xfrm>
-            <a:prstGeom prst="rect">
-              <a:avLst/>
-            </a:prstGeom>
-            <a:pattFill prst="wdDnDiag">
-              <a:fgClr>
-                <a:schemeClr val="tx1">
-                  <a:lumMod val="85000"/>
-                  <a:lumOff val="15000"/>
-                </a:schemeClr>
-              </a:fgClr>
-              <a:bgClr>
-                <a:schemeClr val="bg1"/>
-              </a:bgClr>
-            </a:pattFill>
-          </p:spPr>
-          <p:style>
-            <a:lnRef idx="2">
-              <a:schemeClr val="accent1">
-                <a:shade val="50000"/>
-              </a:schemeClr>
-            </a:lnRef>
-            <a:fillRef idx="1">
-              <a:schemeClr val="accent1"/>
-            </a:fillRef>
-            <a:effectRef idx="0">
-              <a:schemeClr val="accent1"/>
-            </a:effectRef>
-            <a:fontRef idx="minor">
-              <a:schemeClr val="lt1"/>
-            </a:fontRef>
-          </p:style>
-          <p:txBody>
-            <a:bodyPr rtlCol="0" anchor="ctr"/>
-            <a:lstStyle/>
-            <a:p>
-              <a:pPr algn="ctr"/>
-              <a:endParaRPr lang="en-US"/>
-            </a:p>
-          </p:txBody>
-        </p:sp>
-        <p:sp>
-          <p:nvSpPr>
-            <p:cNvPr id="50" name="Rectangle 49">
-              <a:extLst>
-                <a:ext uri="{FF2B5EF4-FFF2-40B4-BE49-F238E27FC236}">
-                  <a16:creationId xmlns:a16="http://schemas.microsoft.com/office/drawing/2014/main" id="{9172617A-5A46-90BB-61DC-4CE9DDAB6FE2}"/>
-                </a:ext>
-              </a:extLst>
-            </p:cNvPr>
-            <p:cNvSpPr/>
-            <p:nvPr/>
-          </p:nvSpPr>
-          <p:spPr>
-            <a:xfrm>
-              <a:off x="3747497" y="2775741"/>
-              <a:ext cx="1661845" cy="481167"/>
-            </a:xfrm>
-            <a:prstGeom prst="rect">
-              <a:avLst/>
-            </a:prstGeom>
-            <a:pattFill prst="wdDnDiag">
-              <a:fgClr>
-                <a:schemeClr val="tx1">
-                  <a:lumMod val="85000"/>
-                  <a:lumOff val="15000"/>
-                </a:schemeClr>
-              </a:fgClr>
-              <a:bgClr>
-                <a:schemeClr val="bg1"/>
-              </a:bgClr>
-            </a:pattFill>
-          </p:spPr>
-          <p:style>
-            <a:lnRef idx="2">
-              <a:schemeClr val="accent1">
-                <a:shade val="50000"/>
-              </a:schemeClr>
-            </a:lnRef>
-            <a:fillRef idx="1">
-              <a:schemeClr val="accent1"/>
-            </a:fillRef>
-            <a:effectRef idx="0">
-              <a:schemeClr val="accent1"/>
-            </a:effectRef>
-            <a:fontRef idx="minor">
-              <a:schemeClr val="lt1"/>
-            </a:fontRef>
-          </p:style>
-          <p:txBody>
-            <a:bodyPr rtlCol="0" anchor="ctr"/>
-            <a:lstStyle/>
-            <a:p>
-              <a:pPr algn="ctr"/>
-              <a:endParaRPr lang="en-US"/>
-            </a:p>
-          </p:txBody>
-        </p:sp>
-      </p:grpSp>
-      <p:sp>
-        <p:nvSpPr>
-          <p:cNvPr id="63" name="Freeform: Shape 62">
-            <a:extLst>
-              <a:ext uri="{FF2B5EF4-FFF2-40B4-BE49-F238E27FC236}">
-                <a16:creationId xmlns:a16="http://schemas.microsoft.com/office/drawing/2014/main" id="{6BAE9AD7-873B-44A7-E65C-585A8E8F25D7}"/>
-              </a:ext>
-            </a:extLst>
-          </p:cNvPr>
-          <p:cNvSpPr/>
-          <p:nvPr/>
-        </p:nvSpPr>
-        <p:spPr>
-          <a:xfrm>
-            <a:off x="7314341" y="3116905"/>
-            <a:ext cx="1661845" cy="481167"/>
-          </a:xfrm>
-          <a:custGeom>
-            <a:avLst/>
-            <a:gdLst>
-              <a:gd name="connsiteX0" fmla="*/ 0 w 1661845"/>
-              <a:gd name="connsiteY0" fmla="*/ 0 h 481167"/>
-              <a:gd name="connsiteX1" fmla="*/ 1583501 w 1661845"/>
-              <a:gd name="connsiteY1" fmla="*/ 0 h 481167"/>
-              <a:gd name="connsiteX2" fmla="*/ 1555129 w 1661845"/>
-              <a:gd name="connsiteY2" fmla="*/ 15451 h 481167"/>
-              <a:gd name="connsiteX3" fmla="*/ 1661845 w 1661845"/>
-              <a:gd name="connsiteY3" fmla="*/ 56475 h 481167"/>
-              <a:gd name="connsiteX4" fmla="*/ 1661845 w 1661845"/>
-              <a:gd name="connsiteY4" fmla="*/ 108230 h 481167"/>
-              <a:gd name="connsiteX5" fmla="*/ 1555129 w 1661845"/>
-              <a:gd name="connsiteY5" fmla="*/ 166346 h 481167"/>
-              <a:gd name="connsiteX6" fmla="*/ 1661845 w 1661845"/>
-              <a:gd name="connsiteY6" fmla="*/ 199311 h 481167"/>
-              <a:gd name="connsiteX7" fmla="*/ 1661845 w 1661845"/>
-              <a:gd name="connsiteY7" fmla="*/ 237617 h 481167"/>
-              <a:gd name="connsiteX8" fmla="*/ 1544301 w 1661845"/>
-              <a:gd name="connsiteY8" fmla="*/ 301630 h 481167"/>
-              <a:gd name="connsiteX9" fmla="*/ 1661845 w 1661845"/>
-              <a:gd name="connsiteY9" fmla="*/ 343992 h 481167"/>
-              <a:gd name="connsiteX10" fmla="*/ 1661845 w 1661845"/>
-              <a:gd name="connsiteY10" fmla="*/ 380897 h 481167"/>
-              <a:gd name="connsiteX11" fmla="*/ 1555129 w 1661845"/>
-              <a:gd name="connsiteY11" fmla="*/ 439013 h 481167"/>
-              <a:gd name="connsiteX12" fmla="*/ 1661845 w 1661845"/>
-              <a:gd name="connsiteY12" fmla="*/ 480037 h 481167"/>
-              <a:gd name="connsiteX13" fmla="*/ 1661845 w 1661845"/>
-              <a:gd name="connsiteY13" fmla="*/ 481167 h 481167"/>
-              <a:gd name="connsiteX14" fmla="*/ 0 w 1661845"/>
-              <a:gd name="connsiteY14" fmla="*/ 481167 h 481167"/>
-            </a:gdLst>
-            <a:ahLst/>
-            <a:cxnLst>
-              <a:cxn ang="0">
-                <a:pos x="connsiteX0" y="connsiteY0"/>
-              </a:cxn>
-              <a:cxn ang="0">
-                <a:pos x="connsiteX1" y="connsiteY1"/>
-              </a:cxn>
-              <a:cxn ang="0">
-                <a:pos x="connsiteX2" y="connsiteY2"/>
-              </a:cxn>
-              <a:cxn ang="0">
-                <a:pos x="connsiteX3" y="connsiteY3"/>
-              </a:cxn>
-              <a:cxn ang="0">
-                <a:pos x="connsiteX4" y="connsiteY4"/>
-              </a:cxn>
-              <a:cxn ang="0">
-                <a:pos x="connsiteX5" y="connsiteY5"/>
-              </a:cxn>
-              <a:cxn ang="0">
-                <a:pos x="connsiteX6" y="connsiteY6"/>
-              </a:cxn>
-              <a:cxn ang="0">
-                <a:pos x="connsiteX7" y="connsiteY7"/>
-              </a:cxn>
-              <a:cxn ang="0">
-                <a:pos x="connsiteX8" y="connsiteY8"/>
-              </a:cxn>
-              <a:cxn ang="0">
-                <a:pos x="connsiteX9" y="connsiteY9"/>
-              </a:cxn>
-              <a:cxn ang="0">
-                <a:pos x="connsiteX10" y="connsiteY10"/>
-              </a:cxn>
-              <a:cxn ang="0">
-                <a:pos x="connsiteX11" y="connsiteY11"/>
-              </a:cxn>
-              <a:cxn ang="0">
-                <a:pos x="connsiteX12" y="connsiteY12"/>
-              </a:cxn>
-              <a:cxn ang="0">
-                <a:pos x="connsiteX13" y="connsiteY13"/>
-              </a:cxn>
-              <a:cxn ang="0">
-                <a:pos x="connsiteX14" y="connsiteY14"/>
-              </a:cxn>
-            </a:cxnLst>
-            <a:rect l="l" t="t" r="r" b="b"/>
-            <a:pathLst>
-              <a:path w="1661845" h="481167">
-                <a:moveTo>
-                  <a:pt x="0" y="0"/>
-                </a:moveTo>
-                <a:lnTo>
-                  <a:pt x="1583501" y="0"/>
-                </a:lnTo>
-                <a:lnTo>
-                  <a:pt x="1555129" y="15451"/>
-                </a:lnTo>
-                <a:lnTo>
-                  <a:pt x="1661845" y="56475"/>
-                </a:lnTo>
-                <a:lnTo>
-                  <a:pt x="1661845" y="108230"/>
-                </a:lnTo>
-                <a:lnTo>
-                  <a:pt x="1555129" y="166346"/>
-                </a:lnTo>
-                <a:lnTo>
-                  <a:pt x="1661845" y="199311"/>
-                </a:lnTo>
-                <a:lnTo>
-                  <a:pt x="1661845" y="237617"/>
-                </a:lnTo>
-                <a:lnTo>
-                  <a:pt x="1544301" y="301630"/>
-                </a:lnTo>
-                <a:lnTo>
-                  <a:pt x="1661845" y="343992"/>
-                </a:lnTo>
-                <a:lnTo>
-                  <a:pt x="1661845" y="380897"/>
-                </a:lnTo>
-                <a:lnTo>
-                  <a:pt x="1555129" y="439013"/>
-                </a:lnTo>
-                <a:lnTo>
-                  <a:pt x="1661845" y="480037"/>
-                </a:lnTo>
-                <a:lnTo>
-                  <a:pt x="1661845" y="481167"/>
-                </a:lnTo>
-                <a:lnTo>
-                  <a:pt x="0" y="481167"/>
-                </a:lnTo>
-                <a:close/>
-              </a:path>
-            </a:pathLst>
-          </a:custGeom>
-          <a:pattFill prst="wdUpDiag">
-            <a:fgClr>
-              <a:schemeClr val="tx1">
-                <a:lumMod val="85000"/>
-                <a:lumOff val="15000"/>
-              </a:schemeClr>
-            </a:fgClr>
-            <a:bgClr>
-              <a:schemeClr val="bg1"/>
-            </a:bgClr>
-          </a:pattFill>
-        </p:spPr>
-        <p:style>
-          <a:lnRef idx="2">
-            <a:schemeClr val="accent1">
-              <a:shade val="50000"/>
-            </a:schemeClr>
-          </a:lnRef>
-          <a:fillRef idx="1">
-            <a:schemeClr val="accent1"/>
-          </a:fillRef>
-          <a:effectRef idx="0">
-            <a:schemeClr val="accent1"/>
-          </a:effectRef>
-          <a:fontRef idx="minor">
-            <a:schemeClr val="lt1"/>
-          </a:fontRef>
-        </p:style>
-        <p:txBody>
-          <a:bodyPr wrap="square" rtlCol="0" anchor="ctr">
-            <a:noAutofit/>
-          </a:bodyPr>
-          <a:lstStyle/>
-          <a:p>
-            <a:pPr algn="ctr"/>
-            <a:endParaRPr lang="en-US"/>
-          </a:p>
-        </p:txBody>
-      </p:sp>
-      <p:sp>
-        <p:nvSpPr>
-          <p:cNvPr id="62" name="Freeform: Shape 61">
-            <a:extLst>
-              <a:ext uri="{FF2B5EF4-FFF2-40B4-BE49-F238E27FC236}">
-                <a16:creationId xmlns:a16="http://schemas.microsoft.com/office/drawing/2014/main" id="{A07696F1-B4D8-C6EF-EFC1-8A3A3B271655}"/>
-              </a:ext>
-            </a:extLst>
-          </p:cNvPr>
-          <p:cNvSpPr/>
-          <p:nvPr/>
-        </p:nvSpPr>
-        <p:spPr>
-          <a:xfrm>
-            <a:off x="9751884" y="3141736"/>
-            <a:ext cx="1661845" cy="481167"/>
-          </a:xfrm>
-          <a:custGeom>
-            <a:avLst/>
-            <a:gdLst>
-              <a:gd name="connsiteX0" fmla="*/ 97369 w 1661845"/>
-              <a:gd name="connsiteY0" fmla="*/ 0 h 481167"/>
-              <a:gd name="connsiteX1" fmla="*/ 1661845 w 1661845"/>
-              <a:gd name="connsiteY1" fmla="*/ 0 h 481167"/>
-              <a:gd name="connsiteX2" fmla="*/ 1661845 w 1661845"/>
-              <a:gd name="connsiteY2" fmla="*/ 481167 h 481167"/>
-              <a:gd name="connsiteX3" fmla="*/ 38725 w 1661845"/>
-              <a:gd name="connsiteY3" fmla="*/ 481167 h 481167"/>
-              <a:gd name="connsiteX4" fmla="*/ 135110 w 1661845"/>
-              <a:gd name="connsiteY4" fmla="*/ 444115 h 481167"/>
-              <a:gd name="connsiteX5" fmla="*/ 0 w 1661845"/>
-              <a:gd name="connsiteY5" fmla="*/ 370537 h 481167"/>
-              <a:gd name="connsiteX6" fmla="*/ 0 w 1661845"/>
-              <a:gd name="connsiteY6" fmla="*/ 359327 h 481167"/>
-              <a:gd name="connsiteX7" fmla="*/ 145937 w 1661845"/>
-              <a:gd name="connsiteY7" fmla="*/ 306732 h 481167"/>
-              <a:gd name="connsiteX8" fmla="*/ 0 w 1661845"/>
-              <a:gd name="connsiteY8" fmla="*/ 227256 h 481167"/>
-              <a:gd name="connsiteX9" fmla="*/ 0 w 1661845"/>
-              <a:gd name="connsiteY9" fmla="*/ 213184 h 481167"/>
-              <a:gd name="connsiteX10" fmla="*/ 135110 w 1661845"/>
-              <a:gd name="connsiteY10" fmla="*/ 171448 h 481167"/>
-              <a:gd name="connsiteX11" fmla="*/ 0 w 1661845"/>
-              <a:gd name="connsiteY11" fmla="*/ 97870 h 481167"/>
-              <a:gd name="connsiteX12" fmla="*/ 0 w 1661845"/>
-              <a:gd name="connsiteY12" fmla="*/ 72492 h 481167"/>
-              <a:gd name="connsiteX13" fmla="*/ 135110 w 1661845"/>
-              <a:gd name="connsiteY13" fmla="*/ 20553 h 481167"/>
-            </a:gdLst>
-            <a:ahLst/>
-            <a:cxnLst>
-              <a:cxn ang="0">
-                <a:pos x="connsiteX0" y="connsiteY0"/>
-              </a:cxn>
-              <a:cxn ang="0">
-                <a:pos x="connsiteX1" y="connsiteY1"/>
-              </a:cxn>
-              <a:cxn ang="0">
-                <a:pos x="connsiteX2" y="connsiteY2"/>
-              </a:cxn>
-              <a:cxn ang="0">
-                <a:pos x="connsiteX3" y="connsiteY3"/>
-              </a:cxn>
-              <a:cxn ang="0">
-                <a:pos x="connsiteX4" y="connsiteY4"/>
-              </a:cxn>
-              <a:cxn ang="0">
-                <a:pos x="connsiteX5" y="connsiteY5"/>
-              </a:cxn>
-              <a:cxn ang="0">
-                <a:pos x="connsiteX6" y="connsiteY6"/>
-              </a:cxn>
-              <a:cxn ang="0">
-                <a:pos x="connsiteX7" y="connsiteY7"/>
-              </a:cxn>
-              <a:cxn ang="0">
-                <a:pos x="connsiteX8" y="connsiteY8"/>
-              </a:cxn>
-              <a:cxn ang="0">
-                <a:pos x="connsiteX9" y="connsiteY9"/>
-              </a:cxn>
-              <a:cxn ang="0">
-                <a:pos x="connsiteX10" y="connsiteY10"/>
-              </a:cxn>
-              <a:cxn ang="0">
-                <a:pos x="connsiteX11" y="connsiteY11"/>
-              </a:cxn>
-              <a:cxn ang="0">
-                <a:pos x="connsiteX12" y="connsiteY12"/>
-              </a:cxn>
-              <a:cxn ang="0">
-                <a:pos x="connsiteX13" y="connsiteY13"/>
-              </a:cxn>
-            </a:cxnLst>
-            <a:rect l="l" t="t" r="r" b="b"/>
-            <a:pathLst>
-              <a:path w="1661845" h="481167">
-                <a:moveTo>
-                  <a:pt x="97369" y="0"/>
-                </a:moveTo>
-                <a:lnTo>
-                  <a:pt x="1661845" y="0"/>
-                </a:lnTo>
-                <a:lnTo>
-                  <a:pt x="1661845" y="481167"/>
-                </a:lnTo>
-                <a:lnTo>
-                  <a:pt x="38725" y="481167"/>
-                </a:lnTo>
-                <a:lnTo>
-                  <a:pt x="135110" y="444115"/>
-                </a:lnTo>
-                <a:lnTo>
-                  <a:pt x="0" y="370537"/>
-                </a:lnTo>
-                <a:lnTo>
-                  <a:pt x="0" y="359327"/>
-                </a:lnTo>
-                <a:lnTo>
-                  <a:pt x="145937" y="306732"/>
-                </a:lnTo>
-                <a:lnTo>
-                  <a:pt x="0" y="227256"/>
-                </a:lnTo>
-                <a:lnTo>
-                  <a:pt x="0" y="213184"/>
-                </a:lnTo>
-                <a:lnTo>
-                  <a:pt x="135110" y="171448"/>
-                </a:lnTo>
-                <a:lnTo>
-                  <a:pt x="0" y="97870"/>
-                </a:lnTo>
-                <a:lnTo>
-                  <a:pt x="0" y="72492"/>
-                </a:lnTo>
-                <a:lnTo>
-                  <a:pt x="135110" y="20553"/>
-                </a:lnTo>
-                <a:close/>
-              </a:path>
-            </a:pathLst>
-          </a:custGeom>
-          <a:pattFill prst="wdUpDiag">
-            <a:fgClr>
-              <a:schemeClr val="tx1">
-                <a:lumMod val="85000"/>
-                <a:lumOff val="15000"/>
-              </a:schemeClr>
-            </a:fgClr>
-            <a:bgClr>
-              <a:schemeClr val="bg1"/>
-            </a:bgClr>
-          </a:pattFill>
-        </p:spPr>
-        <p:style>
-          <a:lnRef idx="2">
-            <a:schemeClr val="accent1">
-              <a:shade val="50000"/>
-            </a:schemeClr>
-          </a:lnRef>
-          <a:fillRef idx="1">
-            <a:schemeClr val="accent1"/>
-          </a:fillRef>
-          <a:effectRef idx="0">
-            <a:schemeClr val="accent1"/>
-          </a:effectRef>
-          <a:fontRef idx="minor">
-            <a:schemeClr val="lt1"/>
-          </a:fontRef>
-        </p:style>
-        <p:txBody>
-          <a:bodyPr wrap="square" rtlCol="0" anchor="ctr">
-            <a:noAutofit/>
-          </a:bodyPr>
-          <a:lstStyle/>
-          <a:p>
-            <a:pPr algn="ctr"/>
-            <a:endParaRPr lang="en-US"/>
-          </a:p>
-        </p:txBody>
-      </p:sp>
     </p:spTree>
     <p:extLst>
       <p:ext uri="{BB962C8B-B14F-4D97-AF65-F5344CB8AC3E}">
@@ -9704,83 +9755,34 @@
           <a:chExt cx="0" cy="0"/>
         </a:xfrm>
       </p:grpSpPr>
-      <p:sp>
-        <p:nvSpPr>
-          <p:cNvPr id="39" name="Oval 38">
+      <p:grpSp>
+        <p:nvGrpSpPr>
+          <p:cNvPr id="3" name="Gruppieren 2">
             <a:extLst>
               <a:ext uri="{FF2B5EF4-FFF2-40B4-BE49-F238E27FC236}">
-                <a16:creationId xmlns:a16="http://schemas.microsoft.com/office/drawing/2014/main" id="{1C078C4F-B685-B96B-8B42-0E4E789C8014}"/>
+                <a16:creationId xmlns:a16="http://schemas.microsoft.com/office/drawing/2014/main" id="{FE184E36-C182-F0EA-E1BE-EEF2F93A05EC}"/>
               </a:ext>
             </a:extLst>
           </p:cNvPr>
-          <p:cNvSpPr/>
-          <p:nvPr/>
-        </p:nvSpPr>
-        <p:spPr>
-          <a:xfrm>
-            <a:off x="8429209" y="2479305"/>
-            <a:ext cx="267913" cy="242835"/>
-          </a:xfrm>
-          <a:prstGeom prst="ellipse">
-            <a:avLst/>
-          </a:prstGeom>
-          <a:solidFill>
-            <a:srgbClr val="729FCF"/>
-          </a:solidFill>
-        </p:spPr>
-        <p:style>
-          <a:lnRef idx="2">
-            <a:schemeClr val="accent1">
-              <a:shade val="50000"/>
-            </a:schemeClr>
-          </a:lnRef>
-          <a:fillRef idx="1">
-            <a:schemeClr val="accent1"/>
-          </a:fillRef>
-          <a:effectRef idx="0">
-            <a:schemeClr val="accent1"/>
-          </a:effectRef>
-          <a:fontRef idx="minor">
-            <a:schemeClr val="lt1"/>
-          </a:fontRef>
-        </p:style>
-        <p:txBody>
-          <a:bodyPr wrap="square" rtlCol="0" anchor="ctr">
-            <a:noAutofit/>
-          </a:bodyPr>
-          <a:lstStyle/>
-          <a:p>
-            <a:pPr algn="ctr"/>
-            <a:endParaRPr lang="en-US"/>
-          </a:p>
-        </p:txBody>
-      </p:sp>
-      <p:grpSp>
-        <p:nvGrpSpPr>
-          <p:cNvPr id="47" name="Group 46">
-            <a:extLst>
-              <a:ext uri="{FF2B5EF4-FFF2-40B4-BE49-F238E27FC236}">
-                <a16:creationId xmlns:a16="http://schemas.microsoft.com/office/drawing/2014/main" id="{F545BACE-02A2-E7D6-DDD2-7B01FBC86D07}"/>
-              </a:ext>
-            </a:extLst>
-          </p:cNvPr>
-          <p:cNvGrpSpPr/>
+          <p:cNvGrpSpPr>
+            <a:grpSpLocks noChangeAspect="1"/>
+          </p:cNvGrpSpPr>
           <p:nvPr/>
         </p:nvGrpSpPr>
         <p:grpSpPr>
           <a:xfrm>
-            <a:off x="9848061" y="2492553"/>
-            <a:ext cx="917926" cy="661225"/>
-            <a:chOff x="9848061" y="2556617"/>
-            <a:chExt cx="917926" cy="661225"/>
+            <a:off x="738815" y="380667"/>
+            <a:ext cx="4099389" cy="3171617"/>
+            <a:chOff x="738815" y="380667"/>
+            <a:chExt cx="4099389" cy="3171617"/>
           </a:xfrm>
         </p:grpSpPr>
         <p:sp>
           <p:nvSpPr>
-            <p:cNvPr id="40" name="Oval 39">
+            <p:cNvPr id="37" name="Oval 36">
               <a:extLst>
                 <a:ext uri="{FF2B5EF4-FFF2-40B4-BE49-F238E27FC236}">
-                  <a16:creationId xmlns:a16="http://schemas.microsoft.com/office/drawing/2014/main" id="{843FA50C-2F77-904F-02DC-A07A5DE54A45}"/>
+                  <a16:creationId xmlns:a16="http://schemas.microsoft.com/office/drawing/2014/main" id="{40BA5A77-4FE2-F8FE-C064-E788306BA3D1}"/>
                 </a:ext>
               </a:extLst>
             </p:cNvPr>
@@ -9789,7 +9791,7 @@
           </p:nvSpPr>
           <p:spPr>
             <a:xfrm>
-              <a:off x="10233867" y="2556617"/>
+              <a:off x="1904515" y="830589"/>
               <a:ext cx="267913" cy="242835"/>
             </a:xfrm>
             <a:prstGeom prst="ellipse">
@@ -9828,10 +9830,10 @@
         </p:sp>
         <p:sp>
           <p:nvSpPr>
-            <p:cNvPr id="46" name="Freeform: Shape 45">
+            <p:cNvPr id="38" name="Oval 37">
               <a:extLst>
                 <a:ext uri="{FF2B5EF4-FFF2-40B4-BE49-F238E27FC236}">
-                  <a16:creationId xmlns:a16="http://schemas.microsoft.com/office/drawing/2014/main" id="{2BB957A1-9387-5664-F52F-E0DA3EF42AA7}"/>
+                  <a16:creationId xmlns:a16="http://schemas.microsoft.com/office/drawing/2014/main" id="{CECCC63D-1064-41B5-0174-F7D978FDD94A}"/>
                 </a:ext>
               </a:extLst>
             </p:cNvPr>
@@ -9840,40 +9842,494 @@
           </p:nvSpPr>
           <p:spPr>
             <a:xfrm>
-              <a:off x="9848061" y="2706132"/>
-              <a:ext cx="917926" cy="511710"/>
+              <a:off x="3363300" y="842824"/>
+              <a:ext cx="267913" cy="242835"/>
+            </a:xfrm>
+            <a:prstGeom prst="ellipse">
+              <a:avLst/>
+            </a:prstGeom>
+            <a:solidFill>
+              <a:srgbClr val="729FCF"/>
+            </a:solidFill>
+          </p:spPr>
+          <p:style>
+            <a:lnRef idx="2">
+              <a:schemeClr val="accent1">
+                <a:shade val="50000"/>
+              </a:schemeClr>
+            </a:lnRef>
+            <a:fillRef idx="1">
+              <a:schemeClr val="accent1"/>
+            </a:fillRef>
+            <a:effectRef idx="0">
+              <a:schemeClr val="accent1"/>
+            </a:effectRef>
+            <a:fontRef idx="minor">
+              <a:schemeClr val="lt1"/>
+            </a:fontRef>
+          </p:style>
+          <p:txBody>
+            <a:bodyPr wrap="square" rtlCol="0" anchor="ctr">
+              <a:noAutofit/>
+            </a:bodyPr>
+            <a:lstStyle/>
+            <a:p>
+              <a:pPr algn="ctr"/>
+              <a:endParaRPr lang="en-US"/>
+            </a:p>
+          </p:txBody>
+        </p:sp>
+        <p:grpSp>
+          <p:nvGrpSpPr>
+            <p:cNvPr id="9" name="Group 8">
+              <a:extLst>
+                <a:ext uri="{FF2B5EF4-FFF2-40B4-BE49-F238E27FC236}">
+                  <a16:creationId xmlns:a16="http://schemas.microsoft.com/office/drawing/2014/main" id="{2B8CFFCD-9E91-18ED-D607-0ACA7EF4FF39}"/>
+                </a:ext>
+              </a:extLst>
+            </p:cNvPr>
+            <p:cNvGrpSpPr/>
+            <p:nvPr/>
+          </p:nvGrpSpPr>
+          <p:grpSpPr>
+            <a:xfrm>
+              <a:off x="738816" y="1051308"/>
+              <a:ext cx="4099388" cy="505998"/>
+              <a:chOff x="1309955" y="2192687"/>
+              <a:chExt cx="4099388" cy="505998"/>
+            </a:xfrm>
+          </p:grpSpPr>
+          <p:sp>
+            <p:nvSpPr>
+              <p:cNvPr id="10" name="Rectangle 9">
+                <a:extLst>
+                  <a:ext uri="{FF2B5EF4-FFF2-40B4-BE49-F238E27FC236}">
+                    <a16:creationId xmlns:a16="http://schemas.microsoft.com/office/drawing/2014/main" id="{676255AE-AFED-975A-6775-0ECF34BFB7E5}"/>
+                  </a:ext>
+                </a:extLst>
+              </p:cNvPr>
+              <p:cNvSpPr/>
+              <p:nvPr/>
+            </p:nvSpPr>
+            <p:spPr>
+              <a:xfrm>
+                <a:off x="1309955" y="2192687"/>
+                <a:ext cx="1661845" cy="481167"/>
+              </a:xfrm>
+              <a:prstGeom prst="rect">
+                <a:avLst/>
+              </a:prstGeom>
+              <a:pattFill prst="wdUpDiag">
+                <a:fgClr>
+                  <a:schemeClr val="tx1">
+                    <a:lumMod val="85000"/>
+                    <a:lumOff val="15000"/>
+                  </a:schemeClr>
+                </a:fgClr>
+                <a:bgClr>
+                  <a:schemeClr val="bg1"/>
+                </a:bgClr>
+              </a:pattFill>
+            </p:spPr>
+            <p:style>
+              <a:lnRef idx="2">
+                <a:schemeClr val="accent1">
+                  <a:shade val="50000"/>
+                </a:schemeClr>
+              </a:lnRef>
+              <a:fillRef idx="1">
+                <a:schemeClr val="accent1"/>
+              </a:fillRef>
+              <a:effectRef idx="0">
+                <a:schemeClr val="accent1"/>
+              </a:effectRef>
+              <a:fontRef idx="minor">
+                <a:schemeClr val="lt1"/>
+              </a:fontRef>
+            </p:style>
+            <p:txBody>
+              <a:bodyPr rtlCol="0" anchor="ctr"/>
+              <a:lstStyle/>
+              <a:p>
+                <a:pPr algn="ctr"/>
+                <a:endParaRPr lang="en-US"/>
+              </a:p>
+            </p:txBody>
+          </p:sp>
+          <p:sp>
+            <p:nvSpPr>
+              <p:cNvPr id="11" name="Rectangle 10">
+                <a:extLst>
+                  <a:ext uri="{FF2B5EF4-FFF2-40B4-BE49-F238E27FC236}">
+                    <a16:creationId xmlns:a16="http://schemas.microsoft.com/office/drawing/2014/main" id="{291F601D-25F4-6716-83E3-3331304DEF66}"/>
+                  </a:ext>
+                </a:extLst>
+              </p:cNvPr>
+              <p:cNvSpPr/>
+              <p:nvPr/>
+            </p:nvSpPr>
+            <p:spPr>
+              <a:xfrm>
+                <a:off x="3747498" y="2217518"/>
+                <a:ext cx="1661845" cy="481167"/>
+              </a:xfrm>
+              <a:prstGeom prst="rect">
+                <a:avLst/>
+              </a:prstGeom>
+              <a:pattFill prst="wdUpDiag">
+                <a:fgClr>
+                  <a:schemeClr val="tx1">
+                    <a:lumMod val="85000"/>
+                    <a:lumOff val="15000"/>
+                  </a:schemeClr>
+                </a:fgClr>
+                <a:bgClr>
+                  <a:schemeClr val="bg1"/>
+                </a:bgClr>
+              </a:pattFill>
+            </p:spPr>
+            <p:style>
+              <a:lnRef idx="2">
+                <a:schemeClr val="accent1">
+                  <a:shade val="50000"/>
+                </a:schemeClr>
+              </a:lnRef>
+              <a:fillRef idx="1">
+                <a:schemeClr val="accent1"/>
+              </a:fillRef>
+              <a:effectRef idx="0">
+                <a:schemeClr val="accent1"/>
+              </a:effectRef>
+              <a:fontRef idx="minor">
+                <a:schemeClr val="lt1"/>
+              </a:fontRef>
+            </p:style>
+            <p:txBody>
+              <a:bodyPr rtlCol="0" anchor="ctr"/>
+              <a:lstStyle/>
+              <a:p>
+                <a:pPr algn="ctr"/>
+                <a:endParaRPr lang="en-US"/>
+              </a:p>
+            </p:txBody>
+          </p:sp>
+        </p:grpSp>
+        <p:grpSp>
+          <p:nvGrpSpPr>
+            <p:cNvPr id="12" name="Group 11">
+              <a:extLst>
+                <a:ext uri="{FF2B5EF4-FFF2-40B4-BE49-F238E27FC236}">
+                  <a16:creationId xmlns:a16="http://schemas.microsoft.com/office/drawing/2014/main" id="{9D55F606-BD62-5FC9-550D-AC75C1E5A02D}"/>
+                </a:ext>
+              </a:extLst>
+            </p:cNvPr>
+            <p:cNvGrpSpPr/>
+            <p:nvPr/>
+          </p:nvGrpSpPr>
+          <p:grpSpPr>
+            <a:xfrm>
+              <a:off x="738815" y="1609531"/>
+              <a:ext cx="4099388" cy="505998"/>
+              <a:chOff x="1309954" y="2750910"/>
+              <a:chExt cx="4099388" cy="505998"/>
+            </a:xfrm>
+          </p:grpSpPr>
+          <p:sp>
+            <p:nvSpPr>
+              <p:cNvPr id="13" name="Rectangle 12">
+                <a:extLst>
+                  <a:ext uri="{FF2B5EF4-FFF2-40B4-BE49-F238E27FC236}">
+                    <a16:creationId xmlns:a16="http://schemas.microsoft.com/office/drawing/2014/main" id="{093FFD0F-981F-D0D2-23BA-1442D78C7D1D}"/>
+                  </a:ext>
+                </a:extLst>
+              </p:cNvPr>
+              <p:cNvSpPr/>
+              <p:nvPr/>
+            </p:nvSpPr>
+            <p:spPr>
+              <a:xfrm>
+                <a:off x="1309954" y="2750910"/>
+                <a:ext cx="1661845" cy="481167"/>
+              </a:xfrm>
+              <a:prstGeom prst="rect">
+                <a:avLst/>
+              </a:prstGeom>
+              <a:pattFill prst="wdDnDiag">
+                <a:fgClr>
+                  <a:schemeClr val="tx1">
+                    <a:lumMod val="85000"/>
+                    <a:lumOff val="15000"/>
+                  </a:schemeClr>
+                </a:fgClr>
+                <a:bgClr>
+                  <a:schemeClr val="bg1"/>
+                </a:bgClr>
+              </a:pattFill>
+            </p:spPr>
+            <p:style>
+              <a:lnRef idx="2">
+                <a:schemeClr val="accent1">
+                  <a:shade val="50000"/>
+                </a:schemeClr>
+              </a:lnRef>
+              <a:fillRef idx="1">
+                <a:schemeClr val="accent1"/>
+              </a:fillRef>
+              <a:effectRef idx="0">
+                <a:schemeClr val="accent1"/>
+              </a:effectRef>
+              <a:fontRef idx="minor">
+                <a:schemeClr val="lt1"/>
+              </a:fontRef>
+            </p:style>
+            <p:txBody>
+              <a:bodyPr rtlCol="0" anchor="ctr"/>
+              <a:lstStyle/>
+              <a:p>
+                <a:pPr algn="ctr"/>
+                <a:endParaRPr lang="en-US"/>
+              </a:p>
+            </p:txBody>
+          </p:sp>
+          <p:sp>
+            <p:nvSpPr>
+              <p:cNvPr id="14" name="Rectangle 13">
+                <a:extLst>
+                  <a:ext uri="{FF2B5EF4-FFF2-40B4-BE49-F238E27FC236}">
+                    <a16:creationId xmlns:a16="http://schemas.microsoft.com/office/drawing/2014/main" id="{BAF216E8-6863-4E02-C13F-E7ED241603BB}"/>
+                  </a:ext>
+                </a:extLst>
+              </p:cNvPr>
+              <p:cNvSpPr/>
+              <p:nvPr/>
+            </p:nvSpPr>
+            <p:spPr>
+              <a:xfrm>
+                <a:off x="3747497" y="2775741"/>
+                <a:ext cx="1661845" cy="481167"/>
+              </a:xfrm>
+              <a:prstGeom prst="rect">
+                <a:avLst/>
+              </a:prstGeom>
+              <a:pattFill prst="wdDnDiag">
+                <a:fgClr>
+                  <a:schemeClr val="tx1">
+                    <a:lumMod val="85000"/>
+                    <a:lumOff val="15000"/>
+                  </a:schemeClr>
+                </a:fgClr>
+                <a:bgClr>
+                  <a:schemeClr val="bg1"/>
+                </a:bgClr>
+              </a:pattFill>
+            </p:spPr>
+            <p:style>
+              <a:lnRef idx="2">
+                <a:schemeClr val="accent1">
+                  <a:shade val="50000"/>
+                </a:schemeClr>
+              </a:lnRef>
+              <a:fillRef idx="1">
+                <a:schemeClr val="accent1"/>
+              </a:fillRef>
+              <a:effectRef idx="0">
+                <a:schemeClr val="accent1"/>
+              </a:effectRef>
+              <a:fontRef idx="minor">
+                <a:schemeClr val="lt1"/>
+              </a:fontRef>
+            </p:style>
+            <p:txBody>
+              <a:bodyPr rtlCol="0" anchor="ctr"/>
+              <a:lstStyle/>
+              <a:p>
+                <a:pPr algn="ctr"/>
+                <a:endParaRPr lang="en-US"/>
+              </a:p>
+            </p:txBody>
+          </p:sp>
+        </p:grpSp>
+        <p:grpSp>
+          <p:nvGrpSpPr>
+            <p:cNvPr id="15" name="Group 14">
+              <a:extLst>
+                <a:ext uri="{FF2B5EF4-FFF2-40B4-BE49-F238E27FC236}">
+                  <a16:creationId xmlns:a16="http://schemas.microsoft.com/office/drawing/2014/main" id="{4016F04D-8BF6-01FE-494B-A1B3798FBABD}"/>
+                </a:ext>
+              </a:extLst>
+            </p:cNvPr>
+            <p:cNvGrpSpPr/>
+            <p:nvPr/>
+          </p:nvGrpSpPr>
+          <p:grpSpPr>
+            <a:xfrm>
+              <a:off x="738815" y="2158789"/>
+              <a:ext cx="4099388" cy="505998"/>
+              <a:chOff x="1309954" y="3309133"/>
+              <a:chExt cx="4099388" cy="505998"/>
+            </a:xfrm>
+          </p:grpSpPr>
+          <p:sp>
+            <p:nvSpPr>
+              <p:cNvPr id="16" name="Rectangle 15">
+                <a:extLst>
+                  <a:ext uri="{FF2B5EF4-FFF2-40B4-BE49-F238E27FC236}">
+                    <a16:creationId xmlns:a16="http://schemas.microsoft.com/office/drawing/2014/main" id="{75471F22-A868-16DF-C703-E11FF6E32F6E}"/>
+                  </a:ext>
+                </a:extLst>
+              </p:cNvPr>
+              <p:cNvSpPr/>
+              <p:nvPr/>
+            </p:nvSpPr>
+            <p:spPr>
+              <a:xfrm>
+                <a:off x="1309954" y="3309133"/>
+                <a:ext cx="1661845" cy="481167"/>
+              </a:xfrm>
+              <a:prstGeom prst="rect">
+                <a:avLst/>
+              </a:prstGeom>
+              <a:pattFill prst="wdUpDiag">
+                <a:fgClr>
+                  <a:schemeClr val="tx1">
+                    <a:lumMod val="85000"/>
+                    <a:lumOff val="15000"/>
+                  </a:schemeClr>
+                </a:fgClr>
+                <a:bgClr>
+                  <a:schemeClr val="bg1"/>
+                </a:bgClr>
+              </a:pattFill>
+            </p:spPr>
+            <p:style>
+              <a:lnRef idx="2">
+                <a:schemeClr val="accent1">
+                  <a:shade val="50000"/>
+                </a:schemeClr>
+              </a:lnRef>
+              <a:fillRef idx="1">
+                <a:schemeClr val="accent1"/>
+              </a:fillRef>
+              <a:effectRef idx="0">
+                <a:schemeClr val="accent1"/>
+              </a:effectRef>
+              <a:fontRef idx="minor">
+                <a:schemeClr val="lt1"/>
+              </a:fontRef>
+            </p:style>
+            <p:txBody>
+              <a:bodyPr rtlCol="0" anchor="ctr"/>
+              <a:lstStyle/>
+              <a:p>
+                <a:pPr algn="ctr"/>
+                <a:endParaRPr lang="en-US"/>
+              </a:p>
+            </p:txBody>
+          </p:sp>
+          <p:sp>
+            <p:nvSpPr>
+              <p:cNvPr id="17" name="Rectangle 16">
+                <a:extLst>
+                  <a:ext uri="{FF2B5EF4-FFF2-40B4-BE49-F238E27FC236}">
+                    <a16:creationId xmlns:a16="http://schemas.microsoft.com/office/drawing/2014/main" id="{89241520-05A0-82B5-DD43-F9B22DE344F6}"/>
+                  </a:ext>
+                </a:extLst>
+              </p:cNvPr>
+              <p:cNvSpPr/>
+              <p:nvPr/>
+            </p:nvSpPr>
+            <p:spPr>
+              <a:xfrm>
+                <a:off x="3747497" y="3333964"/>
+                <a:ext cx="1661845" cy="481167"/>
+              </a:xfrm>
+              <a:prstGeom prst="rect">
+                <a:avLst/>
+              </a:prstGeom>
+              <a:pattFill prst="wdUpDiag">
+                <a:fgClr>
+                  <a:schemeClr val="tx1">
+                    <a:lumMod val="85000"/>
+                    <a:lumOff val="15000"/>
+                  </a:schemeClr>
+                </a:fgClr>
+                <a:bgClr>
+                  <a:schemeClr val="bg1"/>
+                </a:bgClr>
+              </a:pattFill>
+            </p:spPr>
+            <p:style>
+              <a:lnRef idx="2">
+                <a:schemeClr val="accent1">
+                  <a:shade val="50000"/>
+                </a:schemeClr>
+              </a:lnRef>
+              <a:fillRef idx="1">
+                <a:schemeClr val="accent1"/>
+              </a:fillRef>
+              <a:effectRef idx="0">
+                <a:schemeClr val="accent1"/>
+              </a:effectRef>
+              <a:fontRef idx="minor">
+                <a:schemeClr val="lt1"/>
+              </a:fontRef>
+            </p:style>
+            <p:txBody>
+              <a:bodyPr rtlCol="0" anchor="ctr"/>
+              <a:lstStyle/>
+              <a:p>
+                <a:pPr algn="ctr"/>
+                <a:endParaRPr lang="en-US"/>
+              </a:p>
+            </p:txBody>
+          </p:sp>
+        </p:grpSp>
+        <p:sp>
+          <p:nvSpPr>
+            <p:cNvPr id="18" name="Freeform: Shape 17">
+              <a:extLst>
+                <a:ext uri="{FF2B5EF4-FFF2-40B4-BE49-F238E27FC236}">
+                  <a16:creationId xmlns:a16="http://schemas.microsoft.com/office/drawing/2014/main" id="{7783E653-9EDE-427F-C4A1-4EC2790E7668}"/>
+                </a:ext>
+              </a:extLst>
+            </p:cNvPr>
+            <p:cNvSpPr/>
+            <p:nvPr/>
+          </p:nvSpPr>
+          <p:spPr>
+            <a:xfrm>
+              <a:off x="1758423" y="2725976"/>
+              <a:ext cx="676742" cy="437262"/>
             </a:xfrm>
             <a:custGeom>
               <a:avLst/>
               <a:gdLst>
-                <a:gd name="connsiteX0" fmla="*/ 67592 w 917926"/>
-                <a:gd name="connsiteY0" fmla="*/ 0 h 511710"/>
-                <a:gd name="connsiteX1" fmla="*/ 917926 w 917926"/>
-                <a:gd name="connsiteY1" fmla="*/ 0 h 511710"/>
-                <a:gd name="connsiteX2" fmla="*/ 917926 w 917926"/>
-                <a:gd name="connsiteY2" fmla="*/ 90962 h 511710"/>
-                <a:gd name="connsiteX3" fmla="*/ 676742 w 917926"/>
-                <a:gd name="connsiteY3" fmla="*/ 90962 h 511710"/>
-                <a:gd name="connsiteX4" fmla="*/ 676742 w 917926"/>
-                <a:gd name="connsiteY4" fmla="*/ 511710 h 511710"/>
-                <a:gd name="connsiteX5" fmla="*/ 84444 w 917926"/>
-                <a:gd name="connsiteY5" fmla="*/ 511710 h 511710"/>
-                <a:gd name="connsiteX6" fmla="*/ 84444 w 917926"/>
-                <a:gd name="connsiteY6" fmla="*/ 510340 h 511710"/>
-                <a:gd name="connsiteX7" fmla="*/ 76471 w 917926"/>
-                <a:gd name="connsiteY7" fmla="*/ 511710 h 511710"/>
-                <a:gd name="connsiteX8" fmla="*/ 0 w 917926"/>
-                <a:gd name="connsiteY8" fmla="*/ 449271 h 511710"/>
-                <a:gd name="connsiteX9" fmla="*/ 71691 w 917926"/>
-                <a:gd name="connsiteY9" fmla="*/ 360816 h 511710"/>
-                <a:gd name="connsiteX10" fmla="*/ 4779 w 917926"/>
-                <a:gd name="connsiteY10" fmla="*/ 313987 h 511710"/>
-                <a:gd name="connsiteX11" fmla="*/ 76471 w 917926"/>
-                <a:gd name="connsiteY11" fmla="*/ 225532 h 511710"/>
-                <a:gd name="connsiteX12" fmla="*/ 4779 w 917926"/>
-                <a:gd name="connsiteY12" fmla="*/ 163092 h 511710"/>
-                <a:gd name="connsiteX13" fmla="*/ 67592 w 917926"/>
-                <a:gd name="connsiteY13" fmla="*/ 85592 h 511710"/>
+                <a:gd name="connsiteX0" fmla="*/ 0 w 676742"/>
+                <a:gd name="connsiteY0" fmla="*/ 0 h 437262"/>
+                <a:gd name="connsiteX1" fmla="*/ 592298 w 676742"/>
+                <a:gd name="connsiteY1" fmla="*/ 0 h 437262"/>
+                <a:gd name="connsiteX2" fmla="*/ 592298 w 676742"/>
+                <a:gd name="connsiteY2" fmla="*/ 3083 h 437262"/>
+                <a:gd name="connsiteX3" fmla="*/ 600271 w 676742"/>
+                <a:gd name="connsiteY3" fmla="*/ 189 h 437262"/>
+                <a:gd name="connsiteX4" fmla="*/ 671963 w 676742"/>
+                <a:gd name="connsiteY4" fmla="*/ 88644 h 437262"/>
+                <a:gd name="connsiteX5" fmla="*/ 600271 w 676742"/>
+                <a:gd name="connsiteY5" fmla="*/ 151084 h 437262"/>
+                <a:gd name="connsiteX6" fmla="*/ 671963 w 676742"/>
+                <a:gd name="connsiteY6" fmla="*/ 239539 h 437262"/>
+                <a:gd name="connsiteX7" fmla="*/ 605051 w 676742"/>
+                <a:gd name="connsiteY7" fmla="*/ 286368 h 437262"/>
+                <a:gd name="connsiteX8" fmla="*/ 676742 w 676742"/>
+                <a:gd name="connsiteY8" fmla="*/ 374823 h 437262"/>
+                <a:gd name="connsiteX9" fmla="*/ 600271 w 676742"/>
+                <a:gd name="connsiteY9" fmla="*/ 437262 h 437262"/>
+                <a:gd name="connsiteX10" fmla="*/ 592298 w 676742"/>
+                <a:gd name="connsiteY10" fmla="*/ 435892 h 437262"/>
+                <a:gd name="connsiteX11" fmla="*/ 592298 w 676742"/>
+                <a:gd name="connsiteY11" fmla="*/ 437262 h 437262"/>
+                <a:gd name="connsiteX12" fmla="*/ 0 w 676742"/>
+                <a:gd name="connsiteY12" fmla="*/ 437262 h 437262"/>
               </a:gdLst>
               <a:ahLst/>
               <a:cxnLst>
@@ -9916,54 +10372,48 @@
                 <a:cxn ang="0">
                   <a:pos x="connsiteX12" y="connsiteY12"/>
                 </a:cxn>
-                <a:cxn ang="0">
-                  <a:pos x="connsiteX13" y="connsiteY13"/>
-                </a:cxn>
               </a:cxnLst>
               <a:rect l="l" t="t" r="r" b="b"/>
               <a:pathLst>
-                <a:path w="917926" h="511710">
+                <a:path w="676742" h="437262">
                   <a:moveTo>
-                    <a:pt x="67592" y="0"/>
+                    <a:pt x="0" y="0"/>
                   </a:moveTo>
                   <a:lnTo>
-                    <a:pt x="917926" y="0"/>
-                  </a:lnTo>
-                  <a:lnTo>
-                    <a:pt x="917926" y="90962"/>
-                  </a:lnTo>
-                  <a:lnTo>
-                    <a:pt x="676742" y="90962"/>
-                  </a:lnTo>
-                  <a:lnTo>
-                    <a:pt x="676742" y="511710"/>
-                  </a:lnTo>
-                  <a:lnTo>
-                    <a:pt x="84444" y="511710"/>
-                  </a:lnTo>
-                  <a:lnTo>
-                    <a:pt x="84444" y="510340"/>
-                  </a:lnTo>
-                  <a:lnTo>
-                    <a:pt x="76471" y="511710"/>
-                  </a:lnTo>
-                  <a:lnTo>
-                    <a:pt x="0" y="449271"/>
-                  </a:lnTo>
-                  <a:lnTo>
-                    <a:pt x="71691" y="360816"/>
-                  </a:lnTo>
-                  <a:lnTo>
-                    <a:pt x="4779" y="313987"/>
-                  </a:lnTo>
-                  <a:lnTo>
-                    <a:pt x="76471" y="225532"/>
-                  </a:lnTo>
-                  <a:lnTo>
-                    <a:pt x="4779" y="163092"/>
-                  </a:lnTo>
-                  <a:lnTo>
-                    <a:pt x="67592" y="85592"/>
+                    <a:pt x="592298" y="0"/>
+                  </a:lnTo>
+                  <a:lnTo>
+                    <a:pt x="592298" y="3083"/>
+                  </a:lnTo>
+                  <a:lnTo>
+                    <a:pt x="600271" y="189"/>
+                  </a:lnTo>
+                  <a:lnTo>
+                    <a:pt x="671963" y="88644"/>
+                  </a:lnTo>
+                  <a:lnTo>
+                    <a:pt x="600271" y="151084"/>
+                  </a:lnTo>
+                  <a:lnTo>
+                    <a:pt x="671963" y="239539"/>
+                  </a:lnTo>
+                  <a:lnTo>
+                    <a:pt x="605051" y="286368"/>
+                  </a:lnTo>
+                  <a:lnTo>
+                    <a:pt x="676742" y="374823"/>
+                  </a:lnTo>
+                  <a:lnTo>
+                    <a:pt x="600271" y="437262"/>
+                  </a:lnTo>
+                  <a:lnTo>
+                    <a:pt x="592298" y="435892"/>
+                  </a:lnTo>
+                  <a:lnTo>
+                    <a:pt x="592298" y="437262"/>
+                  </a:lnTo>
+                  <a:lnTo>
+                    <a:pt x="0" y="437262"/>
                   </a:lnTo>
                   <a:close/>
                 </a:path>
@@ -10000,135 +10450,12 @@
             </a:p>
           </p:txBody>
         </p:sp>
-      </p:grpSp>
-      <p:sp>
-        <p:nvSpPr>
-          <p:cNvPr id="37" name="Oval 36">
-            <a:extLst>
-              <a:ext uri="{FF2B5EF4-FFF2-40B4-BE49-F238E27FC236}">
-                <a16:creationId xmlns:a16="http://schemas.microsoft.com/office/drawing/2014/main" id="{40BA5A77-4FE2-F8FE-C064-E788306BA3D1}"/>
-              </a:ext>
-            </a:extLst>
-          </p:cNvPr>
-          <p:cNvSpPr/>
-          <p:nvPr/>
-        </p:nvSpPr>
-        <p:spPr>
-          <a:xfrm>
-            <a:off x="1904515" y="830589"/>
-            <a:ext cx="267913" cy="242835"/>
-          </a:xfrm>
-          <a:prstGeom prst="ellipse">
-            <a:avLst/>
-          </a:prstGeom>
-          <a:solidFill>
-            <a:srgbClr val="729FCF"/>
-          </a:solidFill>
-        </p:spPr>
-        <p:style>
-          <a:lnRef idx="2">
-            <a:schemeClr val="accent1">
-              <a:shade val="50000"/>
-            </a:schemeClr>
-          </a:lnRef>
-          <a:fillRef idx="1">
-            <a:schemeClr val="accent1"/>
-          </a:fillRef>
-          <a:effectRef idx="0">
-            <a:schemeClr val="accent1"/>
-          </a:effectRef>
-          <a:fontRef idx="minor">
-            <a:schemeClr val="lt1"/>
-          </a:fontRef>
-        </p:style>
-        <p:txBody>
-          <a:bodyPr wrap="square" rtlCol="0" anchor="ctr">
-            <a:noAutofit/>
-          </a:bodyPr>
-          <a:lstStyle/>
-          <a:p>
-            <a:pPr algn="ctr"/>
-            <a:endParaRPr lang="en-US"/>
-          </a:p>
-        </p:txBody>
-      </p:sp>
-      <p:sp>
-        <p:nvSpPr>
-          <p:cNvPr id="38" name="Oval 37">
-            <a:extLst>
-              <a:ext uri="{FF2B5EF4-FFF2-40B4-BE49-F238E27FC236}">
-                <a16:creationId xmlns:a16="http://schemas.microsoft.com/office/drawing/2014/main" id="{CECCC63D-1064-41B5-0174-F7D978FDD94A}"/>
-              </a:ext>
-            </a:extLst>
-          </p:cNvPr>
-          <p:cNvSpPr/>
-          <p:nvPr/>
-        </p:nvSpPr>
-        <p:spPr>
-          <a:xfrm>
-            <a:off x="3363300" y="842824"/>
-            <a:ext cx="267913" cy="242835"/>
-          </a:xfrm>
-          <a:prstGeom prst="ellipse">
-            <a:avLst/>
-          </a:prstGeom>
-          <a:solidFill>
-            <a:srgbClr val="729FCF"/>
-          </a:solidFill>
-        </p:spPr>
-        <p:style>
-          <a:lnRef idx="2">
-            <a:schemeClr val="accent1">
-              <a:shade val="50000"/>
-            </a:schemeClr>
-          </a:lnRef>
-          <a:fillRef idx="1">
-            <a:schemeClr val="accent1"/>
-          </a:fillRef>
-          <a:effectRef idx="0">
-            <a:schemeClr val="accent1"/>
-          </a:effectRef>
-          <a:fontRef idx="minor">
-            <a:schemeClr val="lt1"/>
-          </a:fontRef>
-        </p:style>
-        <p:txBody>
-          <a:bodyPr wrap="square" rtlCol="0" anchor="ctr">
-            <a:noAutofit/>
-          </a:bodyPr>
-          <a:lstStyle/>
-          <a:p>
-            <a:pPr algn="ctr"/>
-            <a:endParaRPr lang="en-US"/>
-          </a:p>
-        </p:txBody>
-      </p:sp>
-      <p:grpSp>
-        <p:nvGrpSpPr>
-          <p:cNvPr id="9" name="Group 8">
-            <a:extLst>
-              <a:ext uri="{FF2B5EF4-FFF2-40B4-BE49-F238E27FC236}">
-                <a16:creationId xmlns:a16="http://schemas.microsoft.com/office/drawing/2014/main" id="{2B8CFFCD-9E91-18ED-D607-0ACA7EF4FF39}"/>
-              </a:ext>
-            </a:extLst>
-          </p:cNvPr>
-          <p:cNvGrpSpPr/>
-          <p:nvPr/>
-        </p:nvGrpSpPr>
-        <p:grpSpPr>
-          <a:xfrm>
-            <a:off x="738816" y="1051308"/>
-            <a:ext cx="4099388" cy="505998"/>
-            <a:chOff x="1309955" y="2192687"/>
-            <a:chExt cx="4099388" cy="505998"/>
-          </a:xfrm>
-        </p:grpSpPr>
         <p:sp>
           <p:nvSpPr>
-            <p:cNvPr id="10" name="Rectangle 9">
+            <p:cNvPr id="19" name="Freeform: Shape 18">
               <a:extLst>
                 <a:ext uri="{FF2B5EF4-FFF2-40B4-BE49-F238E27FC236}">
-                  <a16:creationId xmlns:a16="http://schemas.microsoft.com/office/drawing/2014/main" id="{676255AE-AFED-975A-6775-0ECF34BFB7E5}"/>
+                  <a16:creationId xmlns:a16="http://schemas.microsoft.com/office/drawing/2014/main" id="{841A0ACD-4EF6-48B5-FFB0-E4A3A93A1894}"/>
                 </a:ext>
               </a:extLst>
             </p:cNvPr>
@@ -10136,24 +10463,131 @@
             <p:nvPr/>
           </p:nvSpPr>
           <p:spPr>
-            <a:xfrm>
-              <a:off x="1309955" y="2192687"/>
-              <a:ext cx="1661845" cy="481167"/>
+            <a:xfrm flipH="1">
+              <a:off x="3158886" y="2745640"/>
+              <a:ext cx="676742" cy="437262"/>
             </a:xfrm>
-            <a:prstGeom prst="rect">
+            <a:custGeom>
               <a:avLst/>
-            </a:prstGeom>
-            <a:pattFill prst="wdUpDiag">
-              <a:fgClr>
-                <a:schemeClr val="tx1">
-                  <a:lumMod val="85000"/>
-                  <a:lumOff val="15000"/>
-                </a:schemeClr>
-              </a:fgClr>
-              <a:bgClr>
-                <a:schemeClr val="bg1"/>
-              </a:bgClr>
-            </a:pattFill>
+              <a:gdLst>
+                <a:gd name="connsiteX0" fmla="*/ 0 w 676742"/>
+                <a:gd name="connsiteY0" fmla="*/ 0 h 437262"/>
+                <a:gd name="connsiteX1" fmla="*/ 592298 w 676742"/>
+                <a:gd name="connsiteY1" fmla="*/ 0 h 437262"/>
+                <a:gd name="connsiteX2" fmla="*/ 592298 w 676742"/>
+                <a:gd name="connsiteY2" fmla="*/ 3083 h 437262"/>
+                <a:gd name="connsiteX3" fmla="*/ 600271 w 676742"/>
+                <a:gd name="connsiteY3" fmla="*/ 189 h 437262"/>
+                <a:gd name="connsiteX4" fmla="*/ 671963 w 676742"/>
+                <a:gd name="connsiteY4" fmla="*/ 88644 h 437262"/>
+                <a:gd name="connsiteX5" fmla="*/ 600271 w 676742"/>
+                <a:gd name="connsiteY5" fmla="*/ 151084 h 437262"/>
+                <a:gd name="connsiteX6" fmla="*/ 671963 w 676742"/>
+                <a:gd name="connsiteY6" fmla="*/ 239539 h 437262"/>
+                <a:gd name="connsiteX7" fmla="*/ 605051 w 676742"/>
+                <a:gd name="connsiteY7" fmla="*/ 286368 h 437262"/>
+                <a:gd name="connsiteX8" fmla="*/ 676742 w 676742"/>
+                <a:gd name="connsiteY8" fmla="*/ 374823 h 437262"/>
+                <a:gd name="connsiteX9" fmla="*/ 600271 w 676742"/>
+                <a:gd name="connsiteY9" fmla="*/ 437262 h 437262"/>
+                <a:gd name="connsiteX10" fmla="*/ 592298 w 676742"/>
+                <a:gd name="connsiteY10" fmla="*/ 435892 h 437262"/>
+                <a:gd name="connsiteX11" fmla="*/ 592298 w 676742"/>
+                <a:gd name="connsiteY11" fmla="*/ 437262 h 437262"/>
+                <a:gd name="connsiteX12" fmla="*/ 0 w 676742"/>
+                <a:gd name="connsiteY12" fmla="*/ 437262 h 437262"/>
+              </a:gdLst>
+              <a:ahLst/>
+              <a:cxnLst>
+                <a:cxn ang="0">
+                  <a:pos x="connsiteX0" y="connsiteY0"/>
+                </a:cxn>
+                <a:cxn ang="0">
+                  <a:pos x="connsiteX1" y="connsiteY1"/>
+                </a:cxn>
+                <a:cxn ang="0">
+                  <a:pos x="connsiteX2" y="connsiteY2"/>
+                </a:cxn>
+                <a:cxn ang="0">
+                  <a:pos x="connsiteX3" y="connsiteY3"/>
+                </a:cxn>
+                <a:cxn ang="0">
+                  <a:pos x="connsiteX4" y="connsiteY4"/>
+                </a:cxn>
+                <a:cxn ang="0">
+                  <a:pos x="connsiteX5" y="connsiteY5"/>
+                </a:cxn>
+                <a:cxn ang="0">
+                  <a:pos x="connsiteX6" y="connsiteY6"/>
+                </a:cxn>
+                <a:cxn ang="0">
+                  <a:pos x="connsiteX7" y="connsiteY7"/>
+                </a:cxn>
+                <a:cxn ang="0">
+                  <a:pos x="connsiteX8" y="connsiteY8"/>
+                </a:cxn>
+                <a:cxn ang="0">
+                  <a:pos x="connsiteX9" y="connsiteY9"/>
+                </a:cxn>
+                <a:cxn ang="0">
+                  <a:pos x="connsiteX10" y="connsiteY10"/>
+                </a:cxn>
+                <a:cxn ang="0">
+                  <a:pos x="connsiteX11" y="connsiteY11"/>
+                </a:cxn>
+                <a:cxn ang="0">
+                  <a:pos x="connsiteX12" y="connsiteY12"/>
+                </a:cxn>
+              </a:cxnLst>
+              <a:rect l="l" t="t" r="r" b="b"/>
+              <a:pathLst>
+                <a:path w="676742" h="437262">
+                  <a:moveTo>
+                    <a:pt x="0" y="0"/>
+                  </a:moveTo>
+                  <a:lnTo>
+                    <a:pt x="592298" y="0"/>
+                  </a:lnTo>
+                  <a:lnTo>
+                    <a:pt x="592298" y="3083"/>
+                  </a:lnTo>
+                  <a:lnTo>
+                    <a:pt x="600271" y="189"/>
+                  </a:lnTo>
+                  <a:lnTo>
+                    <a:pt x="671963" y="88644"/>
+                  </a:lnTo>
+                  <a:lnTo>
+                    <a:pt x="600271" y="151084"/>
+                  </a:lnTo>
+                  <a:lnTo>
+                    <a:pt x="671963" y="239539"/>
+                  </a:lnTo>
+                  <a:lnTo>
+                    <a:pt x="605051" y="286368"/>
+                  </a:lnTo>
+                  <a:lnTo>
+                    <a:pt x="676742" y="374823"/>
+                  </a:lnTo>
+                  <a:lnTo>
+                    <a:pt x="600271" y="437262"/>
+                  </a:lnTo>
+                  <a:lnTo>
+                    <a:pt x="592298" y="435892"/>
+                  </a:lnTo>
+                  <a:lnTo>
+                    <a:pt x="592298" y="437262"/>
+                  </a:lnTo>
+                  <a:lnTo>
+                    <a:pt x="0" y="437262"/>
+                  </a:lnTo>
+                  <a:close/>
+                </a:path>
+              </a:pathLst>
+            </a:custGeom>
+            <a:solidFill>
+              <a:srgbClr val="729FCF"/>
+            </a:solidFill>
           </p:spPr>
           <p:style>
             <a:lnRef idx="2">
@@ -10172,7 +10606,9 @@
             </a:fontRef>
           </p:style>
           <p:txBody>
-            <a:bodyPr rtlCol="0" anchor="ctr"/>
+            <a:bodyPr wrap="square" rtlCol="0" anchor="ctr">
+              <a:noAutofit/>
+            </a:bodyPr>
             <a:lstStyle/>
             <a:p>
               <a:pPr algn="ctr"/>
@@ -10182,10 +10618,10 @@
         </p:sp>
         <p:sp>
           <p:nvSpPr>
-            <p:cNvPr id="11" name="Rectangle 10">
+            <p:cNvPr id="35" name="Freeform: Shape 34">
               <a:extLst>
                 <a:ext uri="{FF2B5EF4-FFF2-40B4-BE49-F238E27FC236}">
-                  <a16:creationId xmlns:a16="http://schemas.microsoft.com/office/drawing/2014/main" id="{291F601D-25F4-6716-83E3-3331304DEF66}"/>
+                  <a16:creationId xmlns:a16="http://schemas.microsoft.com/office/drawing/2014/main" id="{401EC155-F6ED-30BD-1E59-56F96F54B277}"/>
                 </a:ext>
               </a:extLst>
             </p:cNvPr>
@@ -10194,23 +10630,122 @@
           </p:nvSpPr>
           <p:spPr>
             <a:xfrm>
-              <a:off x="3747498" y="2217518"/>
-              <a:ext cx="1661845" cy="481167"/>
+              <a:off x="1667197" y="380667"/>
+              <a:ext cx="2168431" cy="3171617"/>
             </a:xfrm>
-            <a:prstGeom prst="rect">
+            <a:custGeom>
               <a:avLst/>
-            </a:prstGeom>
-            <a:pattFill prst="wdUpDiag">
-              <a:fgClr>
-                <a:schemeClr val="tx1">
-                  <a:lumMod val="85000"/>
-                  <a:lumOff val="15000"/>
-                </a:schemeClr>
-              </a:fgClr>
-              <a:bgClr>
-                <a:schemeClr val="bg1"/>
-              </a:bgClr>
-            </a:pattFill>
+              <a:gdLst>
+                <a:gd name="connsiteX0" fmla="*/ 0 w 2168431"/>
+                <a:gd name="connsiteY0" fmla="*/ 0 h 3171617"/>
+                <a:gd name="connsiteX1" fmla="*/ 2168431 w 2168431"/>
+                <a:gd name="connsiteY1" fmla="*/ 0 h 3171617"/>
+                <a:gd name="connsiteX2" fmla="*/ 2168431 w 2168431"/>
+                <a:gd name="connsiteY2" fmla="*/ 565186 h 3171617"/>
+                <a:gd name="connsiteX3" fmla="*/ 1402716 w 2168431"/>
+                <a:gd name="connsiteY3" fmla="*/ 565186 h 3171617"/>
+                <a:gd name="connsiteX4" fmla="*/ 1402716 w 2168431"/>
+                <a:gd name="connsiteY4" fmla="*/ 2813199 h 3171617"/>
+                <a:gd name="connsiteX5" fmla="*/ 1399590 w 2168431"/>
+                <a:gd name="connsiteY5" fmla="*/ 2813199 h 3171617"/>
+                <a:gd name="connsiteX6" fmla="*/ 1399590 w 2168431"/>
+                <a:gd name="connsiteY6" fmla="*/ 3171617 h 3171617"/>
+                <a:gd name="connsiteX7" fmla="*/ 840466 w 2168431"/>
+                <a:gd name="connsiteY7" fmla="*/ 3171617 h 3171617"/>
+                <a:gd name="connsiteX8" fmla="*/ 840466 w 2168431"/>
+                <a:gd name="connsiteY8" fmla="*/ 2813199 h 3171617"/>
+                <a:gd name="connsiteX9" fmla="*/ 837637 w 2168431"/>
+                <a:gd name="connsiteY9" fmla="*/ 2813199 h 3171617"/>
+                <a:gd name="connsiteX10" fmla="*/ 837637 w 2168431"/>
+                <a:gd name="connsiteY10" fmla="*/ 565186 h 3171617"/>
+                <a:gd name="connsiteX11" fmla="*/ 0 w 2168431"/>
+                <a:gd name="connsiteY11" fmla="*/ 565186 h 3171617"/>
+              </a:gdLst>
+              <a:ahLst/>
+              <a:cxnLst>
+                <a:cxn ang="0">
+                  <a:pos x="connsiteX0" y="connsiteY0"/>
+                </a:cxn>
+                <a:cxn ang="0">
+                  <a:pos x="connsiteX1" y="connsiteY1"/>
+                </a:cxn>
+                <a:cxn ang="0">
+                  <a:pos x="connsiteX2" y="connsiteY2"/>
+                </a:cxn>
+                <a:cxn ang="0">
+                  <a:pos x="connsiteX3" y="connsiteY3"/>
+                </a:cxn>
+                <a:cxn ang="0">
+                  <a:pos x="connsiteX4" y="connsiteY4"/>
+                </a:cxn>
+                <a:cxn ang="0">
+                  <a:pos x="connsiteX5" y="connsiteY5"/>
+                </a:cxn>
+                <a:cxn ang="0">
+                  <a:pos x="connsiteX6" y="connsiteY6"/>
+                </a:cxn>
+                <a:cxn ang="0">
+                  <a:pos x="connsiteX7" y="connsiteY7"/>
+                </a:cxn>
+                <a:cxn ang="0">
+                  <a:pos x="connsiteX8" y="connsiteY8"/>
+                </a:cxn>
+                <a:cxn ang="0">
+                  <a:pos x="connsiteX9" y="connsiteY9"/>
+                </a:cxn>
+                <a:cxn ang="0">
+                  <a:pos x="connsiteX10" y="connsiteY10"/>
+                </a:cxn>
+                <a:cxn ang="0">
+                  <a:pos x="connsiteX11" y="connsiteY11"/>
+                </a:cxn>
+              </a:cxnLst>
+              <a:rect l="l" t="t" r="r" b="b"/>
+              <a:pathLst>
+                <a:path w="2168431" h="3171617">
+                  <a:moveTo>
+                    <a:pt x="0" y="0"/>
+                  </a:moveTo>
+                  <a:lnTo>
+                    <a:pt x="2168431" y="0"/>
+                  </a:lnTo>
+                  <a:lnTo>
+                    <a:pt x="2168431" y="565186"/>
+                  </a:lnTo>
+                  <a:lnTo>
+                    <a:pt x="1402716" y="565186"/>
+                  </a:lnTo>
+                  <a:lnTo>
+                    <a:pt x="1402716" y="2813199"/>
+                  </a:lnTo>
+                  <a:lnTo>
+                    <a:pt x="1399590" y="2813199"/>
+                  </a:lnTo>
+                  <a:lnTo>
+                    <a:pt x="1399590" y="3171617"/>
+                  </a:lnTo>
+                  <a:lnTo>
+                    <a:pt x="840466" y="3171617"/>
+                  </a:lnTo>
+                  <a:lnTo>
+                    <a:pt x="840466" y="2813199"/>
+                  </a:lnTo>
+                  <a:lnTo>
+                    <a:pt x="837637" y="2813199"/>
+                  </a:lnTo>
+                  <a:lnTo>
+                    <a:pt x="837637" y="565186"/>
+                  </a:lnTo>
+                  <a:lnTo>
+                    <a:pt x="0" y="565186"/>
+                  </a:lnTo>
+                  <a:close/>
+                </a:path>
+              </a:pathLst>
+            </a:custGeom>
+            <a:solidFill>
+              <a:srgbClr val="729FCF"/>
+            </a:solidFill>
           </p:spPr>
           <p:style>
             <a:lnRef idx="2">
@@ -10229,6 +10764,108 @@
             </a:fontRef>
           </p:style>
           <p:txBody>
+            <a:bodyPr wrap="square" rtlCol="0" anchor="ctr">
+              <a:noAutofit/>
+            </a:bodyPr>
+            <a:lstStyle/>
+            <a:p>
+              <a:pPr algn="ctr"/>
+              <a:endParaRPr lang="en-US"/>
+            </a:p>
+          </p:txBody>
+        </p:sp>
+        <p:sp>
+          <p:nvSpPr>
+            <p:cNvPr id="50" name="Oval 49">
+              <a:extLst>
+                <a:ext uri="{FF2B5EF4-FFF2-40B4-BE49-F238E27FC236}">
+                  <a16:creationId xmlns:a16="http://schemas.microsoft.com/office/drawing/2014/main" id="{A87BA2C2-2438-7E09-00D8-E5482B3DB33B}"/>
+                </a:ext>
+              </a:extLst>
+            </p:cNvPr>
+            <p:cNvSpPr/>
+            <p:nvPr/>
+          </p:nvSpPr>
+          <p:spPr>
+            <a:xfrm>
+              <a:off x="1520617" y="737252"/>
+              <a:ext cx="1042533" cy="520920"/>
+            </a:xfrm>
+            <a:prstGeom prst="ellipse">
+              <a:avLst/>
+            </a:prstGeom>
+            <a:noFill/>
+            <a:ln w="57150">
+              <a:solidFill>
+                <a:srgbClr val="FF3602"/>
+              </a:solidFill>
+            </a:ln>
+          </p:spPr>
+          <p:style>
+            <a:lnRef idx="2">
+              <a:schemeClr val="accent2"/>
+            </a:lnRef>
+            <a:fillRef idx="1">
+              <a:schemeClr val="lt1"/>
+            </a:fillRef>
+            <a:effectRef idx="0">
+              <a:schemeClr val="accent2"/>
+            </a:effectRef>
+            <a:fontRef idx="minor">
+              <a:schemeClr val="dk1"/>
+            </a:fontRef>
+          </p:style>
+          <p:txBody>
+            <a:bodyPr rtlCol="0" anchor="ctr"/>
+            <a:lstStyle/>
+            <a:p>
+              <a:pPr algn="ctr"/>
+              <a:endParaRPr lang="en-US"/>
+            </a:p>
+          </p:txBody>
+        </p:sp>
+        <p:sp>
+          <p:nvSpPr>
+            <p:cNvPr id="51" name="Oval 50">
+              <a:extLst>
+                <a:ext uri="{FF2B5EF4-FFF2-40B4-BE49-F238E27FC236}">
+                  <a16:creationId xmlns:a16="http://schemas.microsoft.com/office/drawing/2014/main" id="{726C67A0-A012-6B40-6FCF-49DA8A150CF4}"/>
+                </a:ext>
+              </a:extLst>
+            </p:cNvPr>
+            <p:cNvSpPr/>
+            <p:nvPr/>
+          </p:nvSpPr>
+          <p:spPr>
+            <a:xfrm>
+              <a:off x="3010396" y="728363"/>
+              <a:ext cx="1042533" cy="520920"/>
+            </a:xfrm>
+            <a:prstGeom prst="ellipse">
+              <a:avLst/>
+            </a:prstGeom>
+            <a:noFill/>
+            <a:ln w="57150">
+              <a:solidFill>
+                <a:srgbClr val="FF3602"/>
+              </a:solidFill>
+            </a:ln>
+          </p:spPr>
+          <p:style>
+            <a:lnRef idx="2">
+              <a:schemeClr val="accent2"/>
+            </a:lnRef>
+            <a:fillRef idx="1">
+              <a:schemeClr val="lt1"/>
+            </a:fillRef>
+            <a:effectRef idx="0">
+              <a:schemeClr val="accent2"/>
+            </a:effectRef>
+            <a:fontRef idx="minor">
+              <a:schemeClr val="dk1"/>
+            </a:fontRef>
+          </p:style>
+          <p:txBody>
             <a:bodyPr rtlCol="0" anchor="ctr"/>
             <a:lstStyle/>
             <a:p>
@@ -10240,30 +10877,32 @@
       </p:grpSp>
       <p:grpSp>
         <p:nvGrpSpPr>
-          <p:cNvPr id="12" name="Group 11">
+          <p:cNvPr id="2" name="Gruppieren 1">
             <a:extLst>
               <a:ext uri="{FF2B5EF4-FFF2-40B4-BE49-F238E27FC236}">
-                <a16:creationId xmlns:a16="http://schemas.microsoft.com/office/drawing/2014/main" id="{9D55F606-BD62-5FC9-550D-AC75C1E5A02D}"/>
+                <a16:creationId xmlns:a16="http://schemas.microsoft.com/office/drawing/2014/main" id="{D8C5F922-676E-EED9-10AA-D644A579900A}"/>
               </a:ext>
             </a:extLst>
           </p:cNvPr>
-          <p:cNvGrpSpPr/>
+          <p:cNvGrpSpPr>
+            <a:grpSpLocks noChangeAspect="1"/>
+          </p:cNvGrpSpPr>
           <p:nvPr/>
         </p:nvGrpSpPr>
         <p:grpSpPr>
           <a:xfrm>
-            <a:off x="738815" y="1609531"/>
-            <a:ext cx="4099388" cy="505998"/>
-            <a:chOff x="1309954" y="2750910"/>
-            <a:chExt cx="4099388" cy="505998"/>
+            <a:off x="7427990" y="257383"/>
+            <a:ext cx="4099389" cy="3171617"/>
+            <a:chOff x="7427990" y="257383"/>
+            <a:chExt cx="4099389" cy="3171617"/>
           </a:xfrm>
         </p:grpSpPr>
         <p:sp>
           <p:nvSpPr>
-            <p:cNvPr id="13" name="Rectangle 12">
+            <p:cNvPr id="39" name="Oval 38">
               <a:extLst>
                 <a:ext uri="{FF2B5EF4-FFF2-40B4-BE49-F238E27FC236}">
-                  <a16:creationId xmlns:a16="http://schemas.microsoft.com/office/drawing/2014/main" id="{093FFD0F-981F-D0D2-23BA-1442D78C7D1D}"/>
+                  <a16:creationId xmlns:a16="http://schemas.microsoft.com/office/drawing/2014/main" id="{1C078C4F-B685-B96B-8B42-0E4E789C8014}"/>
                 </a:ext>
               </a:extLst>
             </p:cNvPr>
@@ -10272,23 +10911,15 @@
           </p:nvSpPr>
           <p:spPr>
             <a:xfrm>
-              <a:off x="1309954" y="2750910"/>
-              <a:ext cx="1661845" cy="481167"/>
+              <a:off x="8429209" y="2479305"/>
+              <a:ext cx="267913" cy="242835"/>
             </a:xfrm>
-            <a:prstGeom prst="rect">
+            <a:prstGeom prst="ellipse">
               <a:avLst/>
             </a:prstGeom>
-            <a:pattFill prst="wdDnDiag">
-              <a:fgClr>
-                <a:schemeClr val="tx1">
-                  <a:lumMod val="85000"/>
-                  <a:lumOff val="15000"/>
-                </a:schemeClr>
-              </a:fgClr>
-              <a:bgClr>
-                <a:schemeClr val="bg1"/>
-              </a:bgClr>
-            </a:pattFill>
+            <a:solidFill>
+              <a:srgbClr val="729FCF"/>
+            </a:solidFill>
           </p:spPr>
           <p:style>
             <a:lnRef idx="2">
@@ -10307,7 +10938,9 @@
             </a:fontRef>
           </p:style>
           <p:txBody>
-            <a:bodyPr rtlCol="0" anchor="ctr"/>
+            <a:bodyPr wrap="square" rtlCol="0" anchor="ctr">
+              <a:noAutofit/>
+            </a:bodyPr>
             <a:lstStyle/>
             <a:p>
               <a:pPr algn="ctr"/>
@@ -10315,12 +10948,663 @@
             </a:p>
           </p:txBody>
         </p:sp>
+        <p:grpSp>
+          <p:nvGrpSpPr>
+            <p:cNvPr id="47" name="Group 46">
+              <a:extLst>
+                <a:ext uri="{FF2B5EF4-FFF2-40B4-BE49-F238E27FC236}">
+                  <a16:creationId xmlns:a16="http://schemas.microsoft.com/office/drawing/2014/main" id="{F545BACE-02A2-E7D6-DDD2-7B01FBC86D07}"/>
+                </a:ext>
+              </a:extLst>
+            </p:cNvPr>
+            <p:cNvGrpSpPr/>
+            <p:nvPr/>
+          </p:nvGrpSpPr>
+          <p:grpSpPr>
+            <a:xfrm>
+              <a:off x="9848061" y="2492553"/>
+              <a:ext cx="917926" cy="661225"/>
+              <a:chOff x="9848061" y="2556617"/>
+              <a:chExt cx="917926" cy="661225"/>
+            </a:xfrm>
+          </p:grpSpPr>
+          <p:sp>
+            <p:nvSpPr>
+              <p:cNvPr id="40" name="Oval 39">
+                <a:extLst>
+                  <a:ext uri="{FF2B5EF4-FFF2-40B4-BE49-F238E27FC236}">
+                    <a16:creationId xmlns:a16="http://schemas.microsoft.com/office/drawing/2014/main" id="{843FA50C-2F77-904F-02DC-A07A5DE54A45}"/>
+                  </a:ext>
+                </a:extLst>
+              </p:cNvPr>
+              <p:cNvSpPr/>
+              <p:nvPr/>
+            </p:nvSpPr>
+            <p:spPr>
+              <a:xfrm>
+                <a:off x="10233867" y="2556617"/>
+                <a:ext cx="267913" cy="242835"/>
+              </a:xfrm>
+              <a:prstGeom prst="ellipse">
+                <a:avLst/>
+              </a:prstGeom>
+              <a:solidFill>
+                <a:srgbClr val="729FCF"/>
+              </a:solidFill>
+            </p:spPr>
+            <p:style>
+              <a:lnRef idx="2">
+                <a:schemeClr val="accent1">
+                  <a:shade val="50000"/>
+                </a:schemeClr>
+              </a:lnRef>
+              <a:fillRef idx="1">
+                <a:schemeClr val="accent1"/>
+              </a:fillRef>
+              <a:effectRef idx="0">
+                <a:schemeClr val="accent1"/>
+              </a:effectRef>
+              <a:fontRef idx="minor">
+                <a:schemeClr val="lt1"/>
+              </a:fontRef>
+            </p:style>
+            <p:txBody>
+              <a:bodyPr wrap="square" rtlCol="0" anchor="ctr">
+                <a:noAutofit/>
+              </a:bodyPr>
+              <a:lstStyle/>
+              <a:p>
+                <a:pPr algn="ctr"/>
+                <a:endParaRPr lang="en-US"/>
+              </a:p>
+            </p:txBody>
+          </p:sp>
+          <p:sp>
+            <p:nvSpPr>
+              <p:cNvPr id="46" name="Freeform: Shape 45">
+                <a:extLst>
+                  <a:ext uri="{FF2B5EF4-FFF2-40B4-BE49-F238E27FC236}">
+                    <a16:creationId xmlns:a16="http://schemas.microsoft.com/office/drawing/2014/main" id="{2BB957A1-9387-5664-F52F-E0DA3EF42AA7}"/>
+                  </a:ext>
+                </a:extLst>
+              </p:cNvPr>
+              <p:cNvSpPr/>
+              <p:nvPr/>
+            </p:nvSpPr>
+            <p:spPr>
+              <a:xfrm>
+                <a:off x="9848061" y="2706132"/>
+                <a:ext cx="917926" cy="511710"/>
+              </a:xfrm>
+              <a:custGeom>
+                <a:avLst/>
+                <a:gdLst>
+                  <a:gd name="connsiteX0" fmla="*/ 67592 w 917926"/>
+                  <a:gd name="connsiteY0" fmla="*/ 0 h 511710"/>
+                  <a:gd name="connsiteX1" fmla="*/ 917926 w 917926"/>
+                  <a:gd name="connsiteY1" fmla="*/ 0 h 511710"/>
+                  <a:gd name="connsiteX2" fmla="*/ 917926 w 917926"/>
+                  <a:gd name="connsiteY2" fmla="*/ 90962 h 511710"/>
+                  <a:gd name="connsiteX3" fmla="*/ 676742 w 917926"/>
+                  <a:gd name="connsiteY3" fmla="*/ 90962 h 511710"/>
+                  <a:gd name="connsiteX4" fmla="*/ 676742 w 917926"/>
+                  <a:gd name="connsiteY4" fmla="*/ 511710 h 511710"/>
+                  <a:gd name="connsiteX5" fmla="*/ 84444 w 917926"/>
+                  <a:gd name="connsiteY5" fmla="*/ 511710 h 511710"/>
+                  <a:gd name="connsiteX6" fmla="*/ 84444 w 917926"/>
+                  <a:gd name="connsiteY6" fmla="*/ 510340 h 511710"/>
+                  <a:gd name="connsiteX7" fmla="*/ 76471 w 917926"/>
+                  <a:gd name="connsiteY7" fmla="*/ 511710 h 511710"/>
+                  <a:gd name="connsiteX8" fmla="*/ 0 w 917926"/>
+                  <a:gd name="connsiteY8" fmla="*/ 449271 h 511710"/>
+                  <a:gd name="connsiteX9" fmla="*/ 71691 w 917926"/>
+                  <a:gd name="connsiteY9" fmla="*/ 360816 h 511710"/>
+                  <a:gd name="connsiteX10" fmla="*/ 4779 w 917926"/>
+                  <a:gd name="connsiteY10" fmla="*/ 313987 h 511710"/>
+                  <a:gd name="connsiteX11" fmla="*/ 76471 w 917926"/>
+                  <a:gd name="connsiteY11" fmla="*/ 225532 h 511710"/>
+                  <a:gd name="connsiteX12" fmla="*/ 4779 w 917926"/>
+                  <a:gd name="connsiteY12" fmla="*/ 163092 h 511710"/>
+                  <a:gd name="connsiteX13" fmla="*/ 67592 w 917926"/>
+                  <a:gd name="connsiteY13" fmla="*/ 85592 h 511710"/>
+                </a:gdLst>
+                <a:ahLst/>
+                <a:cxnLst>
+                  <a:cxn ang="0">
+                    <a:pos x="connsiteX0" y="connsiteY0"/>
+                  </a:cxn>
+                  <a:cxn ang="0">
+                    <a:pos x="connsiteX1" y="connsiteY1"/>
+                  </a:cxn>
+                  <a:cxn ang="0">
+                    <a:pos x="connsiteX2" y="connsiteY2"/>
+                  </a:cxn>
+                  <a:cxn ang="0">
+                    <a:pos x="connsiteX3" y="connsiteY3"/>
+                  </a:cxn>
+                  <a:cxn ang="0">
+                    <a:pos x="connsiteX4" y="connsiteY4"/>
+                  </a:cxn>
+                  <a:cxn ang="0">
+                    <a:pos x="connsiteX5" y="connsiteY5"/>
+                  </a:cxn>
+                  <a:cxn ang="0">
+                    <a:pos x="connsiteX6" y="connsiteY6"/>
+                  </a:cxn>
+                  <a:cxn ang="0">
+                    <a:pos x="connsiteX7" y="connsiteY7"/>
+                  </a:cxn>
+                  <a:cxn ang="0">
+                    <a:pos x="connsiteX8" y="connsiteY8"/>
+                  </a:cxn>
+                  <a:cxn ang="0">
+                    <a:pos x="connsiteX9" y="connsiteY9"/>
+                  </a:cxn>
+                  <a:cxn ang="0">
+                    <a:pos x="connsiteX10" y="connsiteY10"/>
+                  </a:cxn>
+                  <a:cxn ang="0">
+                    <a:pos x="connsiteX11" y="connsiteY11"/>
+                  </a:cxn>
+                  <a:cxn ang="0">
+                    <a:pos x="connsiteX12" y="connsiteY12"/>
+                  </a:cxn>
+                  <a:cxn ang="0">
+                    <a:pos x="connsiteX13" y="connsiteY13"/>
+                  </a:cxn>
+                </a:cxnLst>
+                <a:rect l="l" t="t" r="r" b="b"/>
+                <a:pathLst>
+                  <a:path w="917926" h="511710">
+                    <a:moveTo>
+                      <a:pt x="67592" y="0"/>
+                    </a:moveTo>
+                    <a:lnTo>
+                      <a:pt x="917926" y="0"/>
+                    </a:lnTo>
+                    <a:lnTo>
+                      <a:pt x="917926" y="90962"/>
+                    </a:lnTo>
+                    <a:lnTo>
+                      <a:pt x="676742" y="90962"/>
+                    </a:lnTo>
+                    <a:lnTo>
+                      <a:pt x="676742" y="511710"/>
+                    </a:lnTo>
+                    <a:lnTo>
+                      <a:pt x="84444" y="511710"/>
+                    </a:lnTo>
+                    <a:lnTo>
+                      <a:pt x="84444" y="510340"/>
+                    </a:lnTo>
+                    <a:lnTo>
+                      <a:pt x="76471" y="511710"/>
+                    </a:lnTo>
+                    <a:lnTo>
+                      <a:pt x="0" y="449271"/>
+                    </a:lnTo>
+                    <a:lnTo>
+                      <a:pt x="71691" y="360816"/>
+                    </a:lnTo>
+                    <a:lnTo>
+                      <a:pt x="4779" y="313987"/>
+                    </a:lnTo>
+                    <a:lnTo>
+                      <a:pt x="76471" y="225532"/>
+                    </a:lnTo>
+                    <a:lnTo>
+                      <a:pt x="4779" y="163092"/>
+                    </a:lnTo>
+                    <a:lnTo>
+                      <a:pt x="67592" y="85592"/>
+                    </a:lnTo>
+                    <a:close/>
+                  </a:path>
+                </a:pathLst>
+              </a:custGeom>
+              <a:solidFill>
+                <a:srgbClr val="729FCF"/>
+              </a:solidFill>
+            </p:spPr>
+            <p:style>
+              <a:lnRef idx="2">
+                <a:schemeClr val="accent1">
+                  <a:shade val="50000"/>
+                </a:schemeClr>
+              </a:lnRef>
+              <a:fillRef idx="1">
+                <a:schemeClr val="accent1"/>
+              </a:fillRef>
+              <a:effectRef idx="0">
+                <a:schemeClr val="accent1"/>
+              </a:effectRef>
+              <a:fontRef idx="minor">
+                <a:schemeClr val="lt1"/>
+              </a:fontRef>
+            </p:style>
+            <p:txBody>
+              <a:bodyPr wrap="square" rtlCol="0" anchor="ctr">
+                <a:noAutofit/>
+              </a:bodyPr>
+              <a:lstStyle/>
+              <a:p>
+                <a:pPr algn="ctr"/>
+                <a:endParaRPr lang="en-US"/>
+              </a:p>
+            </p:txBody>
+          </p:sp>
+        </p:grpSp>
+        <p:grpSp>
+          <p:nvGrpSpPr>
+            <p:cNvPr id="21" name="Group 20">
+              <a:extLst>
+                <a:ext uri="{FF2B5EF4-FFF2-40B4-BE49-F238E27FC236}">
+                  <a16:creationId xmlns:a16="http://schemas.microsoft.com/office/drawing/2014/main" id="{D6387834-5C28-D486-9617-543103467171}"/>
+                </a:ext>
+              </a:extLst>
+            </p:cNvPr>
+            <p:cNvGrpSpPr/>
+            <p:nvPr/>
+          </p:nvGrpSpPr>
+          <p:grpSpPr>
+            <a:xfrm>
+              <a:off x="7427991" y="899878"/>
+              <a:ext cx="4099388" cy="505998"/>
+              <a:chOff x="1309955" y="2192687"/>
+              <a:chExt cx="4099388" cy="505998"/>
+            </a:xfrm>
+          </p:grpSpPr>
+          <p:sp>
+            <p:nvSpPr>
+              <p:cNvPr id="22" name="Rectangle 21">
+                <a:extLst>
+                  <a:ext uri="{FF2B5EF4-FFF2-40B4-BE49-F238E27FC236}">
+                    <a16:creationId xmlns:a16="http://schemas.microsoft.com/office/drawing/2014/main" id="{D042BEBB-8057-56CE-3EEB-B75B15AAD26B}"/>
+                  </a:ext>
+                </a:extLst>
+              </p:cNvPr>
+              <p:cNvSpPr/>
+              <p:nvPr/>
+            </p:nvSpPr>
+            <p:spPr>
+              <a:xfrm>
+                <a:off x="1309955" y="2192687"/>
+                <a:ext cx="1661845" cy="481167"/>
+              </a:xfrm>
+              <a:prstGeom prst="rect">
+                <a:avLst/>
+              </a:prstGeom>
+              <a:pattFill prst="wdUpDiag">
+                <a:fgClr>
+                  <a:schemeClr val="tx1">
+                    <a:lumMod val="85000"/>
+                    <a:lumOff val="15000"/>
+                  </a:schemeClr>
+                </a:fgClr>
+                <a:bgClr>
+                  <a:schemeClr val="bg1"/>
+                </a:bgClr>
+              </a:pattFill>
+            </p:spPr>
+            <p:style>
+              <a:lnRef idx="2">
+                <a:schemeClr val="accent1">
+                  <a:shade val="50000"/>
+                </a:schemeClr>
+              </a:lnRef>
+              <a:fillRef idx="1">
+                <a:schemeClr val="accent1"/>
+              </a:fillRef>
+              <a:effectRef idx="0">
+                <a:schemeClr val="accent1"/>
+              </a:effectRef>
+              <a:fontRef idx="minor">
+                <a:schemeClr val="lt1"/>
+              </a:fontRef>
+            </p:style>
+            <p:txBody>
+              <a:bodyPr rtlCol="0" anchor="ctr"/>
+              <a:lstStyle/>
+              <a:p>
+                <a:pPr algn="ctr"/>
+                <a:endParaRPr lang="en-US"/>
+              </a:p>
+            </p:txBody>
+          </p:sp>
+          <p:sp>
+            <p:nvSpPr>
+              <p:cNvPr id="23" name="Rectangle 22">
+                <a:extLst>
+                  <a:ext uri="{FF2B5EF4-FFF2-40B4-BE49-F238E27FC236}">
+                    <a16:creationId xmlns:a16="http://schemas.microsoft.com/office/drawing/2014/main" id="{E2BA44A8-31BC-56B1-E880-308C53CBC28A}"/>
+                  </a:ext>
+                </a:extLst>
+              </p:cNvPr>
+              <p:cNvSpPr/>
+              <p:nvPr/>
+            </p:nvSpPr>
+            <p:spPr>
+              <a:xfrm>
+                <a:off x="3747498" y="2217518"/>
+                <a:ext cx="1661845" cy="481167"/>
+              </a:xfrm>
+              <a:prstGeom prst="rect">
+                <a:avLst/>
+              </a:prstGeom>
+              <a:pattFill prst="wdUpDiag">
+                <a:fgClr>
+                  <a:schemeClr val="tx1">
+                    <a:lumMod val="85000"/>
+                    <a:lumOff val="15000"/>
+                  </a:schemeClr>
+                </a:fgClr>
+                <a:bgClr>
+                  <a:schemeClr val="bg1"/>
+                </a:bgClr>
+              </a:pattFill>
+            </p:spPr>
+            <p:style>
+              <a:lnRef idx="2">
+                <a:schemeClr val="accent1">
+                  <a:shade val="50000"/>
+                </a:schemeClr>
+              </a:lnRef>
+              <a:fillRef idx="1">
+                <a:schemeClr val="accent1"/>
+              </a:fillRef>
+              <a:effectRef idx="0">
+                <a:schemeClr val="accent1"/>
+              </a:effectRef>
+              <a:fontRef idx="minor">
+                <a:schemeClr val="lt1"/>
+              </a:fontRef>
+            </p:style>
+            <p:txBody>
+              <a:bodyPr rtlCol="0" anchor="ctr"/>
+              <a:lstStyle/>
+              <a:p>
+                <a:pPr algn="ctr"/>
+                <a:endParaRPr lang="en-US"/>
+              </a:p>
+            </p:txBody>
+          </p:sp>
+        </p:grpSp>
+        <p:grpSp>
+          <p:nvGrpSpPr>
+            <p:cNvPr id="24" name="Group 23">
+              <a:extLst>
+                <a:ext uri="{FF2B5EF4-FFF2-40B4-BE49-F238E27FC236}">
+                  <a16:creationId xmlns:a16="http://schemas.microsoft.com/office/drawing/2014/main" id="{0DFBD0EC-4270-33F2-DB57-CF6EF8F5485A}"/>
+                </a:ext>
+              </a:extLst>
+            </p:cNvPr>
+            <p:cNvGrpSpPr/>
+            <p:nvPr/>
+          </p:nvGrpSpPr>
+          <p:grpSpPr>
+            <a:xfrm>
+              <a:off x="7427990" y="1458101"/>
+              <a:ext cx="4099388" cy="505998"/>
+              <a:chOff x="1309954" y="2750910"/>
+              <a:chExt cx="4099388" cy="505998"/>
+            </a:xfrm>
+          </p:grpSpPr>
+          <p:sp>
+            <p:nvSpPr>
+              <p:cNvPr id="25" name="Rectangle 24">
+                <a:extLst>
+                  <a:ext uri="{FF2B5EF4-FFF2-40B4-BE49-F238E27FC236}">
+                    <a16:creationId xmlns:a16="http://schemas.microsoft.com/office/drawing/2014/main" id="{CD10A425-817E-A0B1-527B-7BB2CBC3AA29}"/>
+                  </a:ext>
+                </a:extLst>
+              </p:cNvPr>
+              <p:cNvSpPr/>
+              <p:nvPr/>
+            </p:nvSpPr>
+            <p:spPr>
+              <a:xfrm>
+                <a:off x="1309954" y="2750910"/>
+                <a:ext cx="1661845" cy="481167"/>
+              </a:xfrm>
+              <a:prstGeom prst="rect">
+                <a:avLst/>
+              </a:prstGeom>
+              <a:pattFill prst="wdDnDiag">
+                <a:fgClr>
+                  <a:schemeClr val="tx1">
+                    <a:lumMod val="85000"/>
+                    <a:lumOff val="15000"/>
+                  </a:schemeClr>
+                </a:fgClr>
+                <a:bgClr>
+                  <a:schemeClr val="bg1"/>
+                </a:bgClr>
+              </a:pattFill>
+            </p:spPr>
+            <p:style>
+              <a:lnRef idx="2">
+                <a:schemeClr val="accent1">
+                  <a:shade val="50000"/>
+                </a:schemeClr>
+              </a:lnRef>
+              <a:fillRef idx="1">
+                <a:schemeClr val="accent1"/>
+              </a:fillRef>
+              <a:effectRef idx="0">
+                <a:schemeClr val="accent1"/>
+              </a:effectRef>
+              <a:fontRef idx="minor">
+                <a:schemeClr val="lt1"/>
+              </a:fontRef>
+            </p:style>
+            <p:txBody>
+              <a:bodyPr rtlCol="0" anchor="ctr"/>
+              <a:lstStyle/>
+              <a:p>
+                <a:pPr algn="ctr"/>
+                <a:endParaRPr lang="en-US"/>
+              </a:p>
+            </p:txBody>
+          </p:sp>
+          <p:sp>
+            <p:nvSpPr>
+              <p:cNvPr id="26" name="Rectangle 25">
+                <a:extLst>
+                  <a:ext uri="{FF2B5EF4-FFF2-40B4-BE49-F238E27FC236}">
+                    <a16:creationId xmlns:a16="http://schemas.microsoft.com/office/drawing/2014/main" id="{B4F37D19-66E0-3EBB-CD91-378F8D841552}"/>
+                  </a:ext>
+                </a:extLst>
+              </p:cNvPr>
+              <p:cNvSpPr/>
+              <p:nvPr/>
+            </p:nvSpPr>
+            <p:spPr>
+              <a:xfrm>
+                <a:off x="3747497" y="2775741"/>
+                <a:ext cx="1661845" cy="481167"/>
+              </a:xfrm>
+              <a:prstGeom prst="rect">
+                <a:avLst/>
+              </a:prstGeom>
+              <a:pattFill prst="wdDnDiag">
+                <a:fgClr>
+                  <a:schemeClr val="tx1">
+                    <a:lumMod val="85000"/>
+                    <a:lumOff val="15000"/>
+                  </a:schemeClr>
+                </a:fgClr>
+                <a:bgClr>
+                  <a:schemeClr val="bg1"/>
+                </a:bgClr>
+              </a:pattFill>
+            </p:spPr>
+            <p:style>
+              <a:lnRef idx="2">
+                <a:schemeClr val="accent1">
+                  <a:shade val="50000"/>
+                </a:schemeClr>
+              </a:lnRef>
+              <a:fillRef idx="1">
+                <a:schemeClr val="accent1"/>
+              </a:fillRef>
+              <a:effectRef idx="0">
+                <a:schemeClr val="accent1"/>
+              </a:effectRef>
+              <a:fontRef idx="minor">
+                <a:schemeClr val="lt1"/>
+              </a:fontRef>
+            </p:style>
+            <p:txBody>
+              <a:bodyPr rtlCol="0" anchor="ctr"/>
+              <a:lstStyle/>
+              <a:p>
+                <a:pPr algn="ctr"/>
+                <a:endParaRPr lang="en-US"/>
+              </a:p>
+            </p:txBody>
+          </p:sp>
+        </p:grpSp>
+        <p:grpSp>
+          <p:nvGrpSpPr>
+            <p:cNvPr id="27" name="Group 26">
+              <a:extLst>
+                <a:ext uri="{FF2B5EF4-FFF2-40B4-BE49-F238E27FC236}">
+                  <a16:creationId xmlns:a16="http://schemas.microsoft.com/office/drawing/2014/main" id="{60B83F57-44B8-01DB-715E-6444C2CD0716}"/>
+                </a:ext>
+              </a:extLst>
+            </p:cNvPr>
+            <p:cNvGrpSpPr/>
+            <p:nvPr/>
+          </p:nvGrpSpPr>
+          <p:grpSpPr>
+            <a:xfrm>
+              <a:off x="7427990" y="2007359"/>
+              <a:ext cx="4099388" cy="505998"/>
+              <a:chOff x="1309954" y="3309133"/>
+              <a:chExt cx="4099388" cy="505998"/>
+            </a:xfrm>
+          </p:grpSpPr>
+          <p:sp>
+            <p:nvSpPr>
+              <p:cNvPr id="28" name="Rectangle 27">
+                <a:extLst>
+                  <a:ext uri="{FF2B5EF4-FFF2-40B4-BE49-F238E27FC236}">
+                    <a16:creationId xmlns:a16="http://schemas.microsoft.com/office/drawing/2014/main" id="{BE4BD342-40D3-6EBD-7235-47B1868CA992}"/>
+                  </a:ext>
+                </a:extLst>
+              </p:cNvPr>
+              <p:cNvSpPr/>
+              <p:nvPr/>
+            </p:nvSpPr>
+            <p:spPr>
+              <a:xfrm>
+                <a:off x="1309954" y="3309133"/>
+                <a:ext cx="1661845" cy="481167"/>
+              </a:xfrm>
+              <a:prstGeom prst="rect">
+                <a:avLst/>
+              </a:prstGeom>
+              <a:pattFill prst="wdUpDiag">
+                <a:fgClr>
+                  <a:schemeClr val="tx1">
+                    <a:lumMod val="85000"/>
+                    <a:lumOff val="15000"/>
+                  </a:schemeClr>
+                </a:fgClr>
+                <a:bgClr>
+                  <a:schemeClr val="bg1"/>
+                </a:bgClr>
+              </a:pattFill>
+            </p:spPr>
+            <p:style>
+              <a:lnRef idx="2">
+                <a:schemeClr val="accent1">
+                  <a:shade val="50000"/>
+                </a:schemeClr>
+              </a:lnRef>
+              <a:fillRef idx="1">
+                <a:schemeClr val="accent1"/>
+              </a:fillRef>
+              <a:effectRef idx="0">
+                <a:schemeClr val="accent1"/>
+              </a:effectRef>
+              <a:fontRef idx="minor">
+                <a:schemeClr val="lt1"/>
+              </a:fontRef>
+            </p:style>
+            <p:txBody>
+              <a:bodyPr rtlCol="0" anchor="ctr"/>
+              <a:lstStyle/>
+              <a:p>
+                <a:pPr algn="ctr"/>
+                <a:endParaRPr lang="en-US"/>
+              </a:p>
+            </p:txBody>
+          </p:sp>
+          <p:sp>
+            <p:nvSpPr>
+              <p:cNvPr id="29" name="Rectangle 28">
+                <a:extLst>
+                  <a:ext uri="{FF2B5EF4-FFF2-40B4-BE49-F238E27FC236}">
+                    <a16:creationId xmlns:a16="http://schemas.microsoft.com/office/drawing/2014/main" id="{56A2D49B-664B-F7BD-A369-4D97D531D419}"/>
+                  </a:ext>
+                </a:extLst>
+              </p:cNvPr>
+              <p:cNvSpPr/>
+              <p:nvPr/>
+            </p:nvSpPr>
+            <p:spPr>
+              <a:xfrm>
+                <a:off x="3747497" y="3333964"/>
+                <a:ext cx="1661845" cy="481167"/>
+              </a:xfrm>
+              <a:prstGeom prst="rect">
+                <a:avLst/>
+              </a:prstGeom>
+              <a:pattFill prst="wdUpDiag">
+                <a:fgClr>
+                  <a:schemeClr val="tx1">
+                    <a:lumMod val="85000"/>
+                    <a:lumOff val="15000"/>
+                  </a:schemeClr>
+                </a:fgClr>
+                <a:bgClr>
+                  <a:schemeClr val="bg1"/>
+                </a:bgClr>
+              </a:pattFill>
+            </p:spPr>
+            <p:style>
+              <a:lnRef idx="2">
+                <a:schemeClr val="accent1">
+                  <a:shade val="50000"/>
+                </a:schemeClr>
+              </a:lnRef>
+              <a:fillRef idx="1">
+                <a:schemeClr val="accent1"/>
+              </a:fillRef>
+              <a:effectRef idx="0">
+                <a:schemeClr val="accent1"/>
+              </a:effectRef>
+              <a:fontRef idx="minor">
+                <a:schemeClr val="lt1"/>
+              </a:fontRef>
+            </p:style>
+            <p:txBody>
+              <a:bodyPr rtlCol="0" anchor="ctr"/>
+              <a:lstStyle/>
+              <a:p>
+                <a:pPr algn="ctr"/>
+                <a:endParaRPr lang="en-US"/>
+              </a:p>
+            </p:txBody>
+          </p:sp>
+        </p:grpSp>
         <p:sp>
           <p:nvSpPr>
-            <p:cNvPr id="14" name="Rectangle 13">
+            <p:cNvPr id="36" name="Freeform: Shape 35">
               <a:extLst>
                 <a:ext uri="{FF2B5EF4-FFF2-40B4-BE49-F238E27FC236}">
-                  <a16:creationId xmlns:a16="http://schemas.microsoft.com/office/drawing/2014/main" id="{BAF216E8-6863-4E02-C13F-E7ED241603BB}"/>
+                  <a16:creationId xmlns:a16="http://schemas.microsoft.com/office/drawing/2014/main" id="{845F0187-85AF-F8D3-2E8D-FB63282BECA5}"/>
                 </a:ext>
               </a:extLst>
             </p:cNvPr>
@@ -10329,23 +11613,122 @@
           </p:nvSpPr>
           <p:spPr>
             <a:xfrm>
-              <a:off x="3747497" y="2775741"/>
-              <a:ext cx="1661845" cy="481167"/>
+              <a:off x="8353967" y="257383"/>
+              <a:ext cx="2168431" cy="3171617"/>
             </a:xfrm>
-            <a:prstGeom prst="rect">
+            <a:custGeom>
               <a:avLst/>
-            </a:prstGeom>
-            <a:pattFill prst="wdDnDiag">
-              <a:fgClr>
-                <a:schemeClr val="tx1">
-                  <a:lumMod val="85000"/>
-                  <a:lumOff val="15000"/>
-                </a:schemeClr>
-              </a:fgClr>
-              <a:bgClr>
-                <a:schemeClr val="bg1"/>
-              </a:bgClr>
-            </a:pattFill>
+              <a:gdLst>
+                <a:gd name="connsiteX0" fmla="*/ 0 w 2168431"/>
+                <a:gd name="connsiteY0" fmla="*/ 0 h 3171617"/>
+                <a:gd name="connsiteX1" fmla="*/ 2168431 w 2168431"/>
+                <a:gd name="connsiteY1" fmla="*/ 0 h 3171617"/>
+                <a:gd name="connsiteX2" fmla="*/ 2168431 w 2168431"/>
+                <a:gd name="connsiteY2" fmla="*/ 565186 h 3171617"/>
+                <a:gd name="connsiteX3" fmla="*/ 1402716 w 2168431"/>
+                <a:gd name="connsiteY3" fmla="*/ 565186 h 3171617"/>
+                <a:gd name="connsiteX4" fmla="*/ 1402716 w 2168431"/>
+                <a:gd name="connsiteY4" fmla="*/ 2813199 h 3171617"/>
+                <a:gd name="connsiteX5" fmla="*/ 1399590 w 2168431"/>
+                <a:gd name="connsiteY5" fmla="*/ 2813199 h 3171617"/>
+                <a:gd name="connsiteX6" fmla="*/ 1399590 w 2168431"/>
+                <a:gd name="connsiteY6" fmla="*/ 3171617 h 3171617"/>
+                <a:gd name="connsiteX7" fmla="*/ 840466 w 2168431"/>
+                <a:gd name="connsiteY7" fmla="*/ 3171617 h 3171617"/>
+                <a:gd name="connsiteX8" fmla="*/ 840466 w 2168431"/>
+                <a:gd name="connsiteY8" fmla="*/ 2813199 h 3171617"/>
+                <a:gd name="connsiteX9" fmla="*/ 837637 w 2168431"/>
+                <a:gd name="connsiteY9" fmla="*/ 2813199 h 3171617"/>
+                <a:gd name="connsiteX10" fmla="*/ 837637 w 2168431"/>
+                <a:gd name="connsiteY10" fmla="*/ 565186 h 3171617"/>
+                <a:gd name="connsiteX11" fmla="*/ 0 w 2168431"/>
+                <a:gd name="connsiteY11" fmla="*/ 565186 h 3171617"/>
+              </a:gdLst>
+              <a:ahLst/>
+              <a:cxnLst>
+                <a:cxn ang="0">
+                  <a:pos x="connsiteX0" y="connsiteY0"/>
+                </a:cxn>
+                <a:cxn ang="0">
+                  <a:pos x="connsiteX1" y="connsiteY1"/>
+                </a:cxn>
+                <a:cxn ang="0">
+                  <a:pos x="connsiteX2" y="connsiteY2"/>
+                </a:cxn>
+                <a:cxn ang="0">
+                  <a:pos x="connsiteX3" y="connsiteY3"/>
+                </a:cxn>
+                <a:cxn ang="0">
+                  <a:pos x="connsiteX4" y="connsiteY4"/>
+                </a:cxn>
+                <a:cxn ang="0">
+                  <a:pos x="connsiteX5" y="connsiteY5"/>
+                </a:cxn>
+                <a:cxn ang="0">
+                  <a:pos x="connsiteX6" y="connsiteY6"/>
+                </a:cxn>
+                <a:cxn ang="0">
+                  <a:pos x="connsiteX7" y="connsiteY7"/>
+                </a:cxn>
+                <a:cxn ang="0">
+                  <a:pos x="connsiteX8" y="connsiteY8"/>
+                </a:cxn>
+                <a:cxn ang="0">
+                  <a:pos x="connsiteX9" y="connsiteY9"/>
+                </a:cxn>
+                <a:cxn ang="0">
+                  <a:pos x="connsiteX10" y="connsiteY10"/>
+                </a:cxn>
+                <a:cxn ang="0">
+                  <a:pos x="connsiteX11" y="connsiteY11"/>
+                </a:cxn>
+              </a:cxnLst>
+              <a:rect l="l" t="t" r="r" b="b"/>
+              <a:pathLst>
+                <a:path w="2168431" h="3171617">
+                  <a:moveTo>
+                    <a:pt x="0" y="0"/>
+                  </a:moveTo>
+                  <a:lnTo>
+                    <a:pt x="2168431" y="0"/>
+                  </a:lnTo>
+                  <a:lnTo>
+                    <a:pt x="2168431" y="565186"/>
+                  </a:lnTo>
+                  <a:lnTo>
+                    <a:pt x="1402716" y="565186"/>
+                  </a:lnTo>
+                  <a:lnTo>
+                    <a:pt x="1402716" y="2813199"/>
+                  </a:lnTo>
+                  <a:lnTo>
+                    <a:pt x="1399590" y="2813199"/>
+                  </a:lnTo>
+                  <a:lnTo>
+                    <a:pt x="1399590" y="3171617"/>
+                  </a:lnTo>
+                  <a:lnTo>
+                    <a:pt x="840466" y="3171617"/>
+                  </a:lnTo>
+                  <a:lnTo>
+                    <a:pt x="840466" y="2813199"/>
+                  </a:lnTo>
+                  <a:lnTo>
+                    <a:pt x="837637" y="2813199"/>
+                  </a:lnTo>
+                  <a:lnTo>
+                    <a:pt x="837637" y="565186"/>
+                  </a:lnTo>
+                  <a:lnTo>
+                    <a:pt x="0" y="565186"/>
+                  </a:lnTo>
+                  <a:close/>
+                </a:path>
+              </a:pathLst>
+            </a:custGeom>
+            <a:solidFill>
+              <a:srgbClr val="729FCF"/>
+            </a:solidFill>
           </p:spPr>
           <p:style>
             <a:lnRef idx="2">
@@ -10364,7 +11747,9 @@
             </a:fontRef>
           </p:style>
           <p:txBody>
-            <a:bodyPr rtlCol="0" anchor="ctr"/>
+            <a:bodyPr wrap="square" rtlCol="0" anchor="ctr">
+              <a:noAutofit/>
+            </a:bodyPr>
             <a:lstStyle/>
             <a:p>
               <a:pPr algn="ctr"/>
@@ -10372,33 +11757,12 @@
             </a:p>
           </p:txBody>
         </p:sp>
-      </p:grpSp>
-      <p:grpSp>
-        <p:nvGrpSpPr>
-          <p:cNvPr id="15" name="Group 14">
-            <a:extLst>
-              <a:ext uri="{FF2B5EF4-FFF2-40B4-BE49-F238E27FC236}">
-                <a16:creationId xmlns:a16="http://schemas.microsoft.com/office/drawing/2014/main" id="{4016F04D-8BF6-01FE-494B-A1B3798FBABD}"/>
-              </a:ext>
-            </a:extLst>
-          </p:cNvPr>
-          <p:cNvGrpSpPr/>
-          <p:nvPr/>
-        </p:nvGrpSpPr>
-        <p:grpSpPr>
-          <a:xfrm>
-            <a:off x="738815" y="2158789"/>
-            <a:ext cx="4099388" cy="505998"/>
-            <a:chOff x="1309954" y="3309133"/>
-            <a:chExt cx="4099388" cy="505998"/>
-          </a:xfrm>
-        </p:grpSpPr>
         <p:sp>
           <p:nvSpPr>
-            <p:cNvPr id="16" name="Rectangle 15">
+            <p:cNvPr id="45" name="Freeform: Shape 44">
               <a:extLst>
                 <a:ext uri="{FF2B5EF4-FFF2-40B4-BE49-F238E27FC236}">
-                  <a16:creationId xmlns:a16="http://schemas.microsoft.com/office/drawing/2014/main" id="{75471F22-A868-16DF-C703-E11FF6E32F6E}"/>
+                  <a16:creationId xmlns:a16="http://schemas.microsoft.com/office/drawing/2014/main" id="{286A2C12-D001-D97D-BDBC-5DC9EC051946}"/>
                 </a:ext>
               </a:extLst>
             </p:cNvPr>
@@ -10407,23 +11771,162 @@
           </p:nvSpPr>
           <p:spPr>
             <a:xfrm>
-              <a:off x="1309954" y="3309133"/>
-              <a:ext cx="1661845" cy="481167"/>
+              <a:off x="8182697" y="2636095"/>
+              <a:ext cx="941643" cy="503843"/>
             </a:xfrm>
-            <a:prstGeom prst="rect">
+            <a:custGeom>
               <a:avLst/>
-            </a:prstGeom>
-            <a:pattFill prst="wdUpDiag">
-              <a:fgClr>
-                <a:schemeClr val="tx1">
-                  <a:lumMod val="85000"/>
-                  <a:lumOff val="15000"/>
-                </a:schemeClr>
-              </a:fgClr>
-              <a:bgClr>
-                <a:schemeClr val="bg1"/>
-              </a:bgClr>
-            </a:pattFill>
+              <a:gdLst>
+                <a:gd name="connsiteX0" fmla="*/ 0 w 941643"/>
+                <a:gd name="connsiteY0" fmla="*/ 0 h 503843"/>
+                <a:gd name="connsiteX1" fmla="*/ 850334 w 941643"/>
+                <a:gd name="connsiteY1" fmla="*/ 0 h 503843"/>
+                <a:gd name="connsiteX2" fmla="*/ 850334 w 941643"/>
+                <a:gd name="connsiteY2" fmla="*/ 66581 h 503843"/>
+                <a:gd name="connsiteX3" fmla="*/ 857199 w 941643"/>
+                <a:gd name="connsiteY3" fmla="*/ 66581 h 503843"/>
+                <a:gd name="connsiteX4" fmla="*/ 857199 w 941643"/>
+                <a:gd name="connsiteY4" fmla="*/ 69664 h 503843"/>
+                <a:gd name="connsiteX5" fmla="*/ 865172 w 941643"/>
+                <a:gd name="connsiteY5" fmla="*/ 66770 h 503843"/>
+                <a:gd name="connsiteX6" fmla="*/ 936864 w 941643"/>
+                <a:gd name="connsiteY6" fmla="*/ 155225 h 503843"/>
+                <a:gd name="connsiteX7" fmla="*/ 865172 w 941643"/>
+                <a:gd name="connsiteY7" fmla="*/ 217665 h 503843"/>
+                <a:gd name="connsiteX8" fmla="*/ 936864 w 941643"/>
+                <a:gd name="connsiteY8" fmla="*/ 306120 h 503843"/>
+                <a:gd name="connsiteX9" fmla="*/ 869952 w 941643"/>
+                <a:gd name="connsiteY9" fmla="*/ 352949 h 503843"/>
+                <a:gd name="connsiteX10" fmla="*/ 941643 w 941643"/>
+                <a:gd name="connsiteY10" fmla="*/ 441404 h 503843"/>
+                <a:gd name="connsiteX11" fmla="*/ 865172 w 941643"/>
+                <a:gd name="connsiteY11" fmla="*/ 503843 h 503843"/>
+                <a:gd name="connsiteX12" fmla="*/ 857199 w 941643"/>
+                <a:gd name="connsiteY12" fmla="*/ 502473 h 503843"/>
+                <a:gd name="connsiteX13" fmla="*/ 857199 w 941643"/>
+                <a:gd name="connsiteY13" fmla="*/ 503843 h 503843"/>
+                <a:gd name="connsiteX14" fmla="*/ 264901 w 941643"/>
+                <a:gd name="connsiteY14" fmla="*/ 503843 h 503843"/>
+                <a:gd name="connsiteX15" fmla="*/ 264901 w 941643"/>
+                <a:gd name="connsiteY15" fmla="*/ 90962 h 503843"/>
+                <a:gd name="connsiteX16" fmla="*/ 0 w 941643"/>
+                <a:gd name="connsiteY16" fmla="*/ 90962 h 503843"/>
+              </a:gdLst>
+              <a:ahLst/>
+              <a:cxnLst>
+                <a:cxn ang="0">
+                  <a:pos x="connsiteX0" y="connsiteY0"/>
+                </a:cxn>
+                <a:cxn ang="0">
+                  <a:pos x="connsiteX1" y="connsiteY1"/>
+                </a:cxn>
+                <a:cxn ang="0">
+                  <a:pos x="connsiteX2" y="connsiteY2"/>
+                </a:cxn>
+                <a:cxn ang="0">
+                  <a:pos x="connsiteX3" y="connsiteY3"/>
+                </a:cxn>
+                <a:cxn ang="0">
+                  <a:pos x="connsiteX4" y="connsiteY4"/>
+                </a:cxn>
+                <a:cxn ang="0">
+                  <a:pos x="connsiteX5" y="connsiteY5"/>
+                </a:cxn>
+                <a:cxn ang="0">
+                  <a:pos x="connsiteX6" y="connsiteY6"/>
+                </a:cxn>
+                <a:cxn ang="0">
+                  <a:pos x="connsiteX7" y="connsiteY7"/>
+                </a:cxn>
+                <a:cxn ang="0">
+                  <a:pos x="connsiteX8" y="connsiteY8"/>
+                </a:cxn>
+                <a:cxn ang="0">
+                  <a:pos x="connsiteX9" y="connsiteY9"/>
+                </a:cxn>
+                <a:cxn ang="0">
+                  <a:pos x="connsiteX10" y="connsiteY10"/>
+                </a:cxn>
+                <a:cxn ang="0">
+                  <a:pos x="connsiteX11" y="connsiteY11"/>
+                </a:cxn>
+                <a:cxn ang="0">
+                  <a:pos x="connsiteX12" y="connsiteY12"/>
+                </a:cxn>
+                <a:cxn ang="0">
+                  <a:pos x="connsiteX13" y="connsiteY13"/>
+                </a:cxn>
+                <a:cxn ang="0">
+                  <a:pos x="connsiteX14" y="connsiteY14"/>
+                </a:cxn>
+                <a:cxn ang="0">
+                  <a:pos x="connsiteX15" y="connsiteY15"/>
+                </a:cxn>
+                <a:cxn ang="0">
+                  <a:pos x="connsiteX16" y="connsiteY16"/>
+                </a:cxn>
+              </a:cxnLst>
+              <a:rect l="l" t="t" r="r" b="b"/>
+              <a:pathLst>
+                <a:path w="941643" h="503843">
+                  <a:moveTo>
+                    <a:pt x="0" y="0"/>
+                  </a:moveTo>
+                  <a:lnTo>
+                    <a:pt x="850334" y="0"/>
+                  </a:lnTo>
+                  <a:lnTo>
+                    <a:pt x="850334" y="66581"/>
+                  </a:lnTo>
+                  <a:lnTo>
+                    <a:pt x="857199" y="66581"/>
+                  </a:lnTo>
+                  <a:lnTo>
+                    <a:pt x="857199" y="69664"/>
+                  </a:lnTo>
+                  <a:lnTo>
+                    <a:pt x="865172" y="66770"/>
+                  </a:lnTo>
+                  <a:lnTo>
+                    <a:pt x="936864" y="155225"/>
+                  </a:lnTo>
+                  <a:lnTo>
+                    <a:pt x="865172" y="217665"/>
+                  </a:lnTo>
+                  <a:lnTo>
+                    <a:pt x="936864" y="306120"/>
+                  </a:lnTo>
+                  <a:lnTo>
+                    <a:pt x="869952" y="352949"/>
+                  </a:lnTo>
+                  <a:lnTo>
+                    <a:pt x="941643" y="441404"/>
+                  </a:lnTo>
+                  <a:lnTo>
+                    <a:pt x="865172" y="503843"/>
+                  </a:lnTo>
+                  <a:lnTo>
+                    <a:pt x="857199" y="502473"/>
+                  </a:lnTo>
+                  <a:lnTo>
+                    <a:pt x="857199" y="503843"/>
+                  </a:lnTo>
+                  <a:lnTo>
+                    <a:pt x="264901" y="503843"/>
+                  </a:lnTo>
+                  <a:lnTo>
+                    <a:pt x="264901" y="90962"/>
+                  </a:lnTo>
+                  <a:lnTo>
+                    <a:pt x="0" y="90962"/>
+                  </a:lnTo>
+                  <a:close/>
+                </a:path>
+              </a:pathLst>
+            </a:custGeom>
+            <a:solidFill>
+              <a:srgbClr val="729FCF"/>
+            </a:solidFill>
           </p:spPr>
           <p:style>
             <a:lnRef idx="2">
@@ -10442,7 +11945,9 @@
             </a:fontRef>
           </p:style>
           <p:txBody>
-            <a:bodyPr rtlCol="0" anchor="ctr"/>
+            <a:bodyPr wrap="square" rtlCol="0" anchor="ctr">
+              <a:noAutofit/>
+            </a:bodyPr>
             <a:lstStyle/>
             <a:p>
               <a:pPr algn="ctr"/>
@@ -10452,10 +11957,10 @@
         </p:sp>
         <p:sp>
           <p:nvSpPr>
-            <p:cNvPr id="17" name="Rectangle 16">
+            <p:cNvPr id="52" name="Oval 51">
               <a:extLst>
                 <a:ext uri="{FF2B5EF4-FFF2-40B4-BE49-F238E27FC236}">
-                  <a16:creationId xmlns:a16="http://schemas.microsoft.com/office/drawing/2014/main" id="{89241520-05A0-82B5-DD43-F9B22DE344F6}"/>
+                  <a16:creationId xmlns:a16="http://schemas.microsoft.com/office/drawing/2014/main" id="{C088A22A-45D4-1138-6D5E-6D96E4A5C4CE}"/>
                 </a:ext>
               </a:extLst>
             </p:cNvPr>
@@ -10464,448 +11969,31 @@
           </p:nvSpPr>
           <p:spPr>
             <a:xfrm>
-              <a:off x="3747497" y="3333964"/>
-              <a:ext cx="1661845" cy="481167"/>
+              <a:off x="7950038" y="2380317"/>
+              <a:ext cx="1189203" cy="481167"/>
             </a:xfrm>
-            <a:prstGeom prst="rect">
+            <a:prstGeom prst="ellipse">
               <a:avLst/>
             </a:prstGeom>
-            <a:pattFill prst="wdUpDiag">
-              <a:fgClr>
-                <a:schemeClr val="tx1">
-                  <a:lumMod val="85000"/>
-                  <a:lumOff val="15000"/>
-                </a:schemeClr>
-              </a:fgClr>
-              <a:bgClr>
-                <a:schemeClr val="bg1"/>
-              </a:bgClr>
-            </a:pattFill>
+            <a:noFill/>
+            <a:ln w="57150">
+              <a:solidFill>
+                <a:srgbClr val="FF3602"/>
+              </a:solidFill>
+            </a:ln>
           </p:spPr>
           <p:style>
             <a:lnRef idx="2">
-              <a:schemeClr val="accent1">
-                <a:shade val="50000"/>
-              </a:schemeClr>
+              <a:schemeClr val="accent2"/>
             </a:lnRef>
             <a:fillRef idx="1">
-              <a:schemeClr val="accent1"/>
+              <a:schemeClr val="lt1"/>
             </a:fillRef>
             <a:effectRef idx="0">
-              <a:schemeClr val="accent1"/>
+              <a:schemeClr val="accent2"/>
             </a:effectRef>
             <a:fontRef idx="minor">
-              <a:schemeClr val="lt1"/>
-            </a:fontRef>
-          </p:style>
-          <p:txBody>
-            <a:bodyPr rtlCol="0" anchor="ctr"/>
-            <a:lstStyle/>
-            <a:p>
-              <a:pPr algn="ctr"/>
-              <a:endParaRPr lang="en-US"/>
-            </a:p>
-          </p:txBody>
-        </p:sp>
-      </p:grpSp>
-      <p:sp>
-        <p:nvSpPr>
-          <p:cNvPr id="18" name="Freeform: Shape 17">
-            <a:extLst>
-              <a:ext uri="{FF2B5EF4-FFF2-40B4-BE49-F238E27FC236}">
-                <a16:creationId xmlns:a16="http://schemas.microsoft.com/office/drawing/2014/main" id="{7783E653-9EDE-427F-C4A1-4EC2790E7668}"/>
-              </a:ext>
-            </a:extLst>
-          </p:cNvPr>
-          <p:cNvSpPr/>
-          <p:nvPr/>
-        </p:nvSpPr>
-        <p:spPr>
-          <a:xfrm>
-            <a:off x="1758423" y="2725976"/>
-            <a:ext cx="676742" cy="437262"/>
-          </a:xfrm>
-          <a:custGeom>
-            <a:avLst/>
-            <a:gdLst>
-              <a:gd name="connsiteX0" fmla="*/ 0 w 676742"/>
-              <a:gd name="connsiteY0" fmla="*/ 0 h 437262"/>
-              <a:gd name="connsiteX1" fmla="*/ 592298 w 676742"/>
-              <a:gd name="connsiteY1" fmla="*/ 0 h 437262"/>
-              <a:gd name="connsiteX2" fmla="*/ 592298 w 676742"/>
-              <a:gd name="connsiteY2" fmla="*/ 3083 h 437262"/>
-              <a:gd name="connsiteX3" fmla="*/ 600271 w 676742"/>
-              <a:gd name="connsiteY3" fmla="*/ 189 h 437262"/>
-              <a:gd name="connsiteX4" fmla="*/ 671963 w 676742"/>
-              <a:gd name="connsiteY4" fmla="*/ 88644 h 437262"/>
-              <a:gd name="connsiteX5" fmla="*/ 600271 w 676742"/>
-              <a:gd name="connsiteY5" fmla="*/ 151084 h 437262"/>
-              <a:gd name="connsiteX6" fmla="*/ 671963 w 676742"/>
-              <a:gd name="connsiteY6" fmla="*/ 239539 h 437262"/>
-              <a:gd name="connsiteX7" fmla="*/ 605051 w 676742"/>
-              <a:gd name="connsiteY7" fmla="*/ 286368 h 437262"/>
-              <a:gd name="connsiteX8" fmla="*/ 676742 w 676742"/>
-              <a:gd name="connsiteY8" fmla="*/ 374823 h 437262"/>
-              <a:gd name="connsiteX9" fmla="*/ 600271 w 676742"/>
-              <a:gd name="connsiteY9" fmla="*/ 437262 h 437262"/>
-              <a:gd name="connsiteX10" fmla="*/ 592298 w 676742"/>
-              <a:gd name="connsiteY10" fmla="*/ 435892 h 437262"/>
-              <a:gd name="connsiteX11" fmla="*/ 592298 w 676742"/>
-              <a:gd name="connsiteY11" fmla="*/ 437262 h 437262"/>
-              <a:gd name="connsiteX12" fmla="*/ 0 w 676742"/>
-              <a:gd name="connsiteY12" fmla="*/ 437262 h 437262"/>
-            </a:gdLst>
-            <a:ahLst/>
-            <a:cxnLst>
-              <a:cxn ang="0">
-                <a:pos x="connsiteX0" y="connsiteY0"/>
-              </a:cxn>
-              <a:cxn ang="0">
-                <a:pos x="connsiteX1" y="connsiteY1"/>
-              </a:cxn>
-              <a:cxn ang="0">
-                <a:pos x="connsiteX2" y="connsiteY2"/>
-              </a:cxn>
-              <a:cxn ang="0">
-                <a:pos x="connsiteX3" y="connsiteY3"/>
-              </a:cxn>
-              <a:cxn ang="0">
-                <a:pos x="connsiteX4" y="connsiteY4"/>
-              </a:cxn>
-              <a:cxn ang="0">
-                <a:pos x="connsiteX5" y="connsiteY5"/>
-              </a:cxn>
-              <a:cxn ang="0">
-                <a:pos x="connsiteX6" y="connsiteY6"/>
-              </a:cxn>
-              <a:cxn ang="0">
-                <a:pos x="connsiteX7" y="connsiteY7"/>
-              </a:cxn>
-              <a:cxn ang="0">
-                <a:pos x="connsiteX8" y="connsiteY8"/>
-              </a:cxn>
-              <a:cxn ang="0">
-                <a:pos x="connsiteX9" y="connsiteY9"/>
-              </a:cxn>
-              <a:cxn ang="0">
-                <a:pos x="connsiteX10" y="connsiteY10"/>
-              </a:cxn>
-              <a:cxn ang="0">
-                <a:pos x="connsiteX11" y="connsiteY11"/>
-              </a:cxn>
-              <a:cxn ang="0">
-                <a:pos x="connsiteX12" y="connsiteY12"/>
-              </a:cxn>
-            </a:cxnLst>
-            <a:rect l="l" t="t" r="r" b="b"/>
-            <a:pathLst>
-              <a:path w="676742" h="437262">
-                <a:moveTo>
-                  <a:pt x="0" y="0"/>
-                </a:moveTo>
-                <a:lnTo>
-                  <a:pt x="592298" y="0"/>
-                </a:lnTo>
-                <a:lnTo>
-                  <a:pt x="592298" y="3083"/>
-                </a:lnTo>
-                <a:lnTo>
-                  <a:pt x="600271" y="189"/>
-                </a:lnTo>
-                <a:lnTo>
-                  <a:pt x="671963" y="88644"/>
-                </a:lnTo>
-                <a:lnTo>
-                  <a:pt x="600271" y="151084"/>
-                </a:lnTo>
-                <a:lnTo>
-                  <a:pt x="671963" y="239539"/>
-                </a:lnTo>
-                <a:lnTo>
-                  <a:pt x="605051" y="286368"/>
-                </a:lnTo>
-                <a:lnTo>
-                  <a:pt x="676742" y="374823"/>
-                </a:lnTo>
-                <a:lnTo>
-                  <a:pt x="600271" y="437262"/>
-                </a:lnTo>
-                <a:lnTo>
-                  <a:pt x="592298" y="435892"/>
-                </a:lnTo>
-                <a:lnTo>
-                  <a:pt x="592298" y="437262"/>
-                </a:lnTo>
-                <a:lnTo>
-                  <a:pt x="0" y="437262"/>
-                </a:lnTo>
-                <a:close/>
-              </a:path>
-            </a:pathLst>
-          </a:custGeom>
-          <a:solidFill>
-            <a:srgbClr val="729FCF"/>
-          </a:solidFill>
-        </p:spPr>
-        <p:style>
-          <a:lnRef idx="2">
-            <a:schemeClr val="accent1">
-              <a:shade val="50000"/>
-            </a:schemeClr>
-          </a:lnRef>
-          <a:fillRef idx="1">
-            <a:schemeClr val="accent1"/>
-          </a:fillRef>
-          <a:effectRef idx="0">
-            <a:schemeClr val="accent1"/>
-          </a:effectRef>
-          <a:fontRef idx="minor">
-            <a:schemeClr val="lt1"/>
-          </a:fontRef>
-        </p:style>
-        <p:txBody>
-          <a:bodyPr wrap="square" rtlCol="0" anchor="ctr">
-            <a:noAutofit/>
-          </a:bodyPr>
-          <a:lstStyle/>
-          <a:p>
-            <a:pPr algn="ctr"/>
-            <a:endParaRPr lang="en-US"/>
-          </a:p>
-        </p:txBody>
-      </p:sp>
-      <p:sp>
-        <p:nvSpPr>
-          <p:cNvPr id="19" name="Freeform: Shape 18">
-            <a:extLst>
-              <a:ext uri="{FF2B5EF4-FFF2-40B4-BE49-F238E27FC236}">
-                <a16:creationId xmlns:a16="http://schemas.microsoft.com/office/drawing/2014/main" id="{841A0ACD-4EF6-48B5-FFB0-E4A3A93A1894}"/>
-              </a:ext>
-            </a:extLst>
-          </p:cNvPr>
-          <p:cNvSpPr/>
-          <p:nvPr/>
-        </p:nvSpPr>
-        <p:spPr>
-          <a:xfrm flipH="1">
-            <a:off x="3158886" y="2745640"/>
-            <a:ext cx="676742" cy="437262"/>
-          </a:xfrm>
-          <a:custGeom>
-            <a:avLst/>
-            <a:gdLst>
-              <a:gd name="connsiteX0" fmla="*/ 0 w 676742"/>
-              <a:gd name="connsiteY0" fmla="*/ 0 h 437262"/>
-              <a:gd name="connsiteX1" fmla="*/ 592298 w 676742"/>
-              <a:gd name="connsiteY1" fmla="*/ 0 h 437262"/>
-              <a:gd name="connsiteX2" fmla="*/ 592298 w 676742"/>
-              <a:gd name="connsiteY2" fmla="*/ 3083 h 437262"/>
-              <a:gd name="connsiteX3" fmla="*/ 600271 w 676742"/>
-              <a:gd name="connsiteY3" fmla="*/ 189 h 437262"/>
-              <a:gd name="connsiteX4" fmla="*/ 671963 w 676742"/>
-              <a:gd name="connsiteY4" fmla="*/ 88644 h 437262"/>
-              <a:gd name="connsiteX5" fmla="*/ 600271 w 676742"/>
-              <a:gd name="connsiteY5" fmla="*/ 151084 h 437262"/>
-              <a:gd name="connsiteX6" fmla="*/ 671963 w 676742"/>
-              <a:gd name="connsiteY6" fmla="*/ 239539 h 437262"/>
-              <a:gd name="connsiteX7" fmla="*/ 605051 w 676742"/>
-              <a:gd name="connsiteY7" fmla="*/ 286368 h 437262"/>
-              <a:gd name="connsiteX8" fmla="*/ 676742 w 676742"/>
-              <a:gd name="connsiteY8" fmla="*/ 374823 h 437262"/>
-              <a:gd name="connsiteX9" fmla="*/ 600271 w 676742"/>
-              <a:gd name="connsiteY9" fmla="*/ 437262 h 437262"/>
-              <a:gd name="connsiteX10" fmla="*/ 592298 w 676742"/>
-              <a:gd name="connsiteY10" fmla="*/ 435892 h 437262"/>
-              <a:gd name="connsiteX11" fmla="*/ 592298 w 676742"/>
-              <a:gd name="connsiteY11" fmla="*/ 437262 h 437262"/>
-              <a:gd name="connsiteX12" fmla="*/ 0 w 676742"/>
-              <a:gd name="connsiteY12" fmla="*/ 437262 h 437262"/>
-            </a:gdLst>
-            <a:ahLst/>
-            <a:cxnLst>
-              <a:cxn ang="0">
-                <a:pos x="connsiteX0" y="connsiteY0"/>
-              </a:cxn>
-              <a:cxn ang="0">
-                <a:pos x="connsiteX1" y="connsiteY1"/>
-              </a:cxn>
-              <a:cxn ang="0">
-                <a:pos x="connsiteX2" y="connsiteY2"/>
-              </a:cxn>
-              <a:cxn ang="0">
-                <a:pos x="connsiteX3" y="connsiteY3"/>
-              </a:cxn>
-              <a:cxn ang="0">
-                <a:pos x="connsiteX4" y="connsiteY4"/>
-              </a:cxn>
-              <a:cxn ang="0">
-                <a:pos x="connsiteX5" y="connsiteY5"/>
-              </a:cxn>
-              <a:cxn ang="0">
-                <a:pos x="connsiteX6" y="connsiteY6"/>
-              </a:cxn>
-              <a:cxn ang="0">
-                <a:pos x="connsiteX7" y="connsiteY7"/>
-              </a:cxn>
-              <a:cxn ang="0">
-                <a:pos x="connsiteX8" y="connsiteY8"/>
-              </a:cxn>
-              <a:cxn ang="0">
-                <a:pos x="connsiteX9" y="connsiteY9"/>
-              </a:cxn>
-              <a:cxn ang="0">
-                <a:pos x="connsiteX10" y="connsiteY10"/>
-              </a:cxn>
-              <a:cxn ang="0">
-                <a:pos x="connsiteX11" y="connsiteY11"/>
-              </a:cxn>
-              <a:cxn ang="0">
-                <a:pos x="connsiteX12" y="connsiteY12"/>
-              </a:cxn>
-            </a:cxnLst>
-            <a:rect l="l" t="t" r="r" b="b"/>
-            <a:pathLst>
-              <a:path w="676742" h="437262">
-                <a:moveTo>
-                  <a:pt x="0" y="0"/>
-                </a:moveTo>
-                <a:lnTo>
-                  <a:pt x="592298" y="0"/>
-                </a:lnTo>
-                <a:lnTo>
-                  <a:pt x="592298" y="3083"/>
-                </a:lnTo>
-                <a:lnTo>
-                  <a:pt x="600271" y="189"/>
-                </a:lnTo>
-                <a:lnTo>
-                  <a:pt x="671963" y="88644"/>
-                </a:lnTo>
-                <a:lnTo>
-                  <a:pt x="600271" y="151084"/>
-                </a:lnTo>
-                <a:lnTo>
-                  <a:pt x="671963" y="239539"/>
-                </a:lnTo>
-                <a:lnTo>
-                  <a:pt x="605051" y="286368"/>
-                </a:lnTo>
-                <a:lnTo>
-                  <a:pt x="676742" y="374823"/>
-                </a:lnTo>
-                <a:lnTo>
-                  <a:pt x="600271" y="437262"/>
-                </a:lnTo>
-                <a:lnTo>
-                  <a:pt x="592298" y="435892"/>
-                </a:lnTo>
-                <a:lnTo>
-                  <a:pt x="592298" y="437262"/>
-                </a:lnTo>
-                <a:lnTo>
-                  <a:pt x="0" y="437262"/>
-                </a:lnTo>
-                <a:close/>
-              </a:path>
-            </a:pathLst>
-          </a:custGeom>
-          <a:solidFill>
-            <a:srgbClr val="729FCF"/>
-          </a:solidFill>
-        </p:spPr>
-        <p:style>
-          <a:lnRef idx="2">
-            <a:schemeClr val="accent1">
-              <a:shade val="50000"/>
-            </a:schemeClr>
-          </a:lnRef>
-          <a:fillRef idx="1">
-            <a:schemeClr val="accent1"/>
-          </a:fillRef>
-          <a:effectRef idx="0">
-            <a:schemeClr val="accent1"/>
-          </a:effectRef>
-          <a:fontRef idx="minor">
-            <a:schemeClr val="lt1"/>
-          </a:fontRef>
-        </p:style>
-        <p:txBody>
-          <a:bodyPr wrap="square" rtlCol="0" anchor="ctr">
-            <a:noAutofit/>
-          </a:bodyPr>
-          <a:lstStyle/>
-          <a:p>
-            <a:pPr algn="ctr"/>
-            <a:endParaRPr lang="en-US"/>
-          </a:p>
-        </p:txBody>
-      </p:sp>
-      <p:grpSp>
-        <p:nvGrpSpPr>
-          <p:cNvPr id="21" name="Group 20">
-            <a:extLst>
-              <a:ext uri="{FF2B5EF4-FFF2-40B4-BE49-F238E27FC236}">
-                <a16:creationId xmlns:a16="http://schemas.microsoft.com/office/drawing/2014/main" id="{D6387834-5C28-D486-9617-543103467171}"/>
-              </a:ext>
-            </a:extLst>
-          </p:cNvPr>
-          <p:cNvGrpSpPr/>
-          <p:nvPr/>
-        </p:nvGrpSpPr>
-        <p:grpSpPr>
-          <a:xfrm>
-            <a:off x="7427991" y="899878"/>
-            <a:ext cx="4099388" cy="505998"/>
-            <a:chOff x="1309955" y="2192687"/>
-            <a:chExt cx="4099388" cy="505998"/>
-          </a:xfrm>
-        </p:grpSpPr>
-        <p:sp>
-          <p:nvSpPr>
-            <p:cNvPr id="22" name="Rectangle 21">
-              <a:extLst>
-                <a:ext uri="{FF2B5EF4-FFF2-40B4-BE49-F238E27FC236}">
-                  <a16:creationId xmlns:a16="http://schemas.microsoft.com/office/drawing/2014/main" id="{D042BEBB-8057-56CE-3EEB-B75B15AAD26B}"/>
-                </a:ext>
-              </a:extLst>
-            </p:cNvPr>
-            <p:cNvSpPr/>
-            <p:nvPr/>
-          </p:nvSpPr>
-          <p:spPr>
-            <a:xfrm>
-              <a:off x="1309955" y="2192687"/>
-              <a:ext cx="1661845" cy="481167"/>
-            </a:xfrm>
-            <a:prstGeom prst="rect">
-              <a:avLst/>
-            </a:prstGeom>
-            <a:pattFill prst="wdUpDiag">
-              <a:fgClr>
-                <a:schemeClr val="tx1">
-                  <a:lumMod val="85000"/>
-                  <a:lumOff val="15000"/>
-                </a:schemeClr>
-              </a:fgClr>
-              <a:bgClr>
-                <a:schemeClr val="bg1"/>
-              </a:bgClr>
-            </a:pattFill>
-          </p:spPr>
-          <p:style>
-            <a:lnRef idx="2">
-              <a:schemeClr val="accent1">
-                <a:shade val="50000"/>
-              </a:schemeClr>
-            </a:lnRef>
-            <a:fillRef idx="1">
-              <a:schemeClr val="accent1"/>
-            </a:fillRef>
-            <a:effectRef idx="0">
-              <a:schemeClr val="accent1"/>
-            </a:effectRef>
-            <a:fontRef idx="minor">
-              <a:schemeClr val="lt1"/>
+              <a:schemeClr val="dk1"/>
             </a:fontRef>
           </p:style>
           <p:txBody>
@@ -10919,10 +12007,10 @@
         </p:sp>
         <p:sp>
           <p:nvSpPr>
-            <p:cNvPr id="23" name="Rectangle 22">
+            <p:cNvPr id="53" name="Oval 52">
               <a:extLst>
                 <a:ext uri="{FF2B5EF4-FFF2-40B4-BE49-F238E27FC236}">
-                  <a16:creationId xmlns:a16="http://schemas.microsoft.com/office/drawing/2014/main" id="{E2BA44A8-31BC-56B1-E880-308C53CBC28A}"/>
+                  <a16:creationId xmlns:a16="http://schemas.microsoft.com/office/drawing/2014/main" id="{D0D6CAFF-DEC6-648F-724C-FCA423D5982D}"/>
                 </a:ext>
               </a:extLst>
             </p:cNvPr>
@@ -10931,38 +12019,31 @@
           </p:nvSpPr>
           <p:spPr>
             <a:xfrm>
-              <a:off x="3747498" y="2217518"/>
-              <a:ext cx="1661845" cy="481167"/>
+              <a:off x="9816127" y="2326914"/>
+              <a:ext cx="1189203" cy="481167"/>
             </a:xfrm>
-            <a:prstGeom prst="rect">
+            <a:prstGeom prst="ellipse">
               <a:avLst/>
             </a:prstGeom>
-            <a:pattFill prst="wdUpDiag">
-              <a:fgClr>
-                <a:schemeClr val="tx1">
-                  <a:lumMod val="85000"/>
-                  <a:lumOff val="15000"/>
-                </a:schemeClr>
-              </a:fgClr>
-              <a:bgClr>
-                <a:schemeClr val="bg1"/>
-              </a:bgClr>
-            </a:pattFill>
+            <a:noFill/>
+            <a:ln w="57150">
+              <a:solidFill>
+                <a:srgbClr val="FF3602"/>
+              </a:solidFill>
+            </a:ln>
           </p:spPr>
           <p:style>
             <a:lnRef idx="2">
-              <a:schemeClr val="accent1">
-                <a:shade val="50000"/>
-              </a:schemeClr>
+              <a:schemeClr val="accent2"/>
             </a:lnRef>
             <a:fillRef idx="1">
-              <a:schemeClr val="accent1"/>
+              <a:schemeClr val="lt1"/>
             </a:fillRef>
             <a:effectRef idx="0">
-              <a:schemeClr val="accent1"/>
+              <a:schemeClr val="accent2"/>
             </a:effectRef>
             <a:fontRef idx="minor">
-              <a:schemeClr val="lt1"/>
+              <a:schemeClr val="dk1"/>
             </a:fontRef>
           </p:style>
           <p:txBody>
@@ -10975,990 +12056,6 @@
           </p:txBody>
         </p:sp>
       </p:grpSp>
-      <p:grpSp>
-        <p:nvGrpSpPr>
-          <p:cNvPr id="24" name="Group 23">
-            <a:extLst>
-              <a:ext uri="{FF2B5EF4-FFF2-40B4-BE49-F238E27FC236}">
-                <a16:creationId xmlns:a16="http://schemas.microsoft.com/office/drawing/2014/main" id="{0DFBD0EC-4270-33F2-DB57-CF6EF8F5485A}"/>
-              </a:ext>
-            </a:extLst>
-          </p:cNvPr>
-          <p:cNvGrpSpPr/>
-          <p:nvPr/>
-        </p:nvGrpSpPr>
-        <p:grpSpPr>
-          <a:xfrm>
-            <a:off x="7427990" y="1458101"/>
-            <a:ext cx="4099388" cy="505998"/>
-            <a:chOff x="1309954" y="2750910"/>
-            <a:chExt cx="4099388" cy="505998"/>
-          </a:xfrm>
-        </p:grpSpPr>
-        <p:sp>
-          <p:nvSpPr>
-            <p:cNvPr id="25" name="Rectangle 24">
-              <a:extLst>
-                <a:ext uri="{FF2B5EF4-FFF2-40B4-BE49-F238E27FC236}">
-                  <a16:creationId xmlns:a16="http://schemas.microsoft.com/office/drawing/2014/main" id="{CD10A425-817E-A0B1-527B-7BB2CBC3AA29}"/>
-                </a:ext>
-              </a:extLst>
-            </p:cNvPr>
-            <p:cNvSpPr/>
-            <p:nvPr/>
-          </p:nvSpPr>
-          <p:spPr>
-            <a:xfrm>
-              <a:off x="1309954" y="2750910"/>
-              <a:ext cx="1661845" cy="481167"/>
-            </a:xfrm>
-            <a:prstGeom prst="rect">
-              <a:avLst/>
-            </a:prstGeom>
-            <a:pattFill prst="wdDnDiag">
-              <a:fgClr>
-                <a:schemeClr val="tx1">
-                  <a:lumMod val="85000"/>
-                  <a:lumOff val="15000"/>
-                </a:schemeClr>
-              </a:fgClr>
-              <a:bgClr>
-                <a:schemeClr val="bg1"/>
-              </a:bgClr>
-            </a:pattFill>
-          </p:spPr>
-          <p:style>
-            <a:lnRef idx="2">
-              <a:schemeClr val="accent1">
-                <a:shade val="50000"/>
-              </a:schemeClr>
-            </a:lnRef>
-            <a:fillRef idx="1">
-              <a:schemeClr val="accent1"/>
-            </a:fillRef>
-            <a:effectRef idx="0">
-              <a:schemeClr val="accent1"/>
-            </a:effectRef>
-            <a:fontRef idx="minor">
-              <a:schemeClr val="lt1"/>
-            </a:fontRef>
-          </p:style>
-          <p:txBody>
-            <a:bodyPr rtlCol="0" anchor="ctr"/>
-            <a:lstStyle/>
-            <a:p>
-              <a:pPr algn="ctr"/>
-              <a:endParaRPr lang="en-US"/>
-            </a:p>
-          </p:txBody>
-        </p:sp>
-        <p:sp>
-          <p:nvSpPr>
-            <p:cNvPr id="26" name="Rectangle 25">
-              <a:extLst>
-                <a:ext uri="{FF2B5EF4-FFF2-40B4-BE49-F238E27FC236}">
-                  <a16:creationId xmlns:a16="http://schemas.microsoft.com/office/drawing/2014/main" id="{B4F37D19-66E0-3EBB-CD91-378F8D841552}"/>
-                </a:ext>
-              </a:extLst>
-            </p:cNvPr>
-            <p:cNvSpPr/>
-            <p:nvPr/>
-          </p:nvSpPr>
-          <p:spPr>
-            <a:xfrm>
-              <a:off x="3747497" y="2775741"/>
-              <a:ext cx="1661845" cy="481167"/>
-            </a:xfrm>
-            <a:prstGeom prst="rect">
-              <a:avLst/>
-            </a:prstGeom>
-            <a:pattFill prst="wdDnDiag">
-              <a:fgClr>
-                <a:schemeClr val="tx1">
-                  <a:lumMod val="85000"/>
-                  <a:lumOff val="15000"/>
-                </a:schemeClr>
-              </a:fgClr>
-              <a:bgClr>
-                <a:schemeClr val="bg1"/>
-              </a:bgClr>
-            </a:pattFill>
-          </p:spPr>
-          <p:style>
-            <a:lnRef idx="2">
-              <a:schemeClr val="accent1">
-                <a:shade val="50000"/>
-              </a:schemeClr>
-            </a:lnRef>
-            <a:fillRef idx="1">
-              <a:schemeClr val="accent1"/>
-            </a:fillRef>
-            <a:effectRef idx="0">
-              <a:schemeClr val="accent1"/>
-            </a:effectRef>
-            <a:fontRef idx="minor">
-              <a:schemeClr val="lt1"/>
-            </a:fontRef>
-          </p:style>
-          <p:txBody>
-            <a:bodyPr rtlCol="0" anchor="ctr"/>
-            <a:lstStyle/>
-            <a:p>
-              <a:pPr algn="ctr"/>
-              <a:endParaRPr lang="en-US"/>
-            </a:p>
-          </p:txBody>
-        </p:sp>
-      </p:grpSp>
-      <p:grpSp>
-        <p:nvGrpSpPr>
-          <p:cNvPr id="27" name="Group 26">
-            <a:extLst>
-              <a:ext uri="{FF2B5EF4-FFF2-40B4-BE49-F238E27FC236}">
-                <a16:creationId xmlns:a16="http://schemas.microsoft.com/office/drawing/2014/main" id="{60B83F57-44B8-01DB-715E-6444C2CD0716}"/>
-              </a:ext>
-            </a:extLst>
-          </p:cNvPr>
-          <p:cNvGrpSpPr/>
-          <p:nvPr/>
-        </p:nvGrpSpPr>
-        <p:grpSpPr>
-          <a:xfrm>
-            <a:off x="7427990" y="2007359"/>
-            <a:ext cx="4099388" cy="505998"/>
-            <a:chOff x="1309954" y="3309133"/>
-            <a:chExt cx="4099388" cy="505998"/>
-          </a:xfrm>
-        </p:grpSpPr>
-        <p:sp>
-          <p:nvSpPr>
-            <p:cNvPr id="28" name="Rectangle 27">
-              <a:extLst>
-                <a:ext uri="{FF2B5EF4-FFF2-40B4-BE49-F238E27FC236}">
-                  <a16:creationId xmlns:a16="http://schemas.microsoft.com/office/drawing/2014/main" id="{BE4BD342-40D3-6EBD-7235-47B1868CA992}"/>
-                </a:ext>
-              </a:extLst>
-            </p:cNvPr>
-            <p:cNvSpPr/>
-            <p:nvPr/>
-          </p:nvSpPr>
-          <p:spPr>
-            <a:xfrm>
-              <a:off x="1309954" y="3309133"/>
-              <a:ext cx="1661845" cy="481167"/>
-            </a:xfrm>
-            <a:prstGeom prst="rect">
-              <a:avLst/>
-            </a:prstGeom>
-            <a:pattFill prst="wdUpDiag">
-              <a:fgClr>
-                <a:schemeClr val="tx1">
-                  <a:lumMod val="85000"/>
-                  <a:lumOff val="15000"/>
-                </a:schemeClr>
-              </a:fgClr>
-              <a:bgClr>
-                <a:schemeClr val="bg1"/>
-              </a:bgClr>
-            </a:pattFill>
-          </p:spPr>
-          <p:style>
-            <a:lnRef idx="2">
-              <a:schemeClr val="accent1">
-                <a:shade val="50000"/>
-              </a:schemeClr>
-            </a:lnRef>
-            <a:fillRef idx="1">
-              <a:schemeClr val="accent1"/>
-            </a:fillRef>
-            <a:effectRef idx="0">
-              <a:schemeClr val="accent1"/>
-            </a:effectRef>
-            <a:fontRef idx="minor">
-              <a:schemeClr val="lt1"/>
-            </a:fontRef>
-          </p:style>
-          <p:txBody>
-            <a:bodyPr rtlCol="0" anchor="ctr"/>
-            <a:lstStyle/>
-            <a:p>
-              <a:pPr algn="ctr"/>
-              <a:endParaRPr lang="en-US"/>
-            </a:p>
-          </p:txBody>
-        </p:sp>
-        <p:sp>
-          <p:nvSpPr>
-            <p:cNvPr id="29" name="Rectangle 28">
-              <a:extLst>
-                <a:ext uri="{FF2B5EF4-FFF2-40B4-BE49-F238E27FC236}">
-                  <a16:creationId xmlns:a16="http://schemas.microsoft.com/office/drawing/2014/main" id="{56A2D49B-664B-F7BD-A369-4D97D531D419}"/>
-                </a:ext>
-              </a:extLst>
-            </p:cNvPr>
-            <p:cNvSpPr/>
-            <p:nvPr/>
-          </p:nvSpPr>
-          <p:spPr>
-            <a:xfrm>
-              <a:off x="3747497" y="3333964"/>
-              <a:ext cx="1661845" cy="481167"/>
-            </a:xfrm>
-            <a:prstGeom prst="rect">
-              <a:avLst/>
-            </a:prstGeom>
-            <a:pattFill prst="wdUpDiag">
-              <a:fgClr>
-                <a:schemeClr val="tx1">
-                  <a:lumMod val="85000"/>
-                  <a:lumOff val="15000"/>
-                </a:schemeClr>
-              </a:fgClr>
-              <a:bgClr>
-                <a:schemeClr val="bg1"/>
-              </a:bgClr>
-            </a:pattFill>
-          </p:spPr>
-          <p:style>
-            <a:lnRef idx="2">
-              <a:schemeClr val="accent1">
-                <a:shade val="50000"/>
-              </a:schemeClr>
-            </a:lnRef>
-            <a:fillRef idx="1">
-              <a:schemeClr val="accent1"/>
-            </a:fillRef>
-            <a:effectRef idx="0">
-              <a:schemeClr val="accent1"/>
-            </a:effectRef>
-            <a:fontRef idx="minor">
-              <a:schemeClr val="lt1"/>
-            </a:fontRef>
-          </p:style>
-          <p:txBody>
-            <a:bodyPr rtlCol="0" anchor="ctr"/>
-            <a:lstStyle/>
-            <a:p>
-              <a:pPr algn="ctr"/>
-              <a:endParaRPr lang="en-US"/>
-            </a:p>
-          </p:txBody>
-        </p:sp>
-      </p:grpSp>
-      <p:sp>
-        <p:nvSpPr>
-          <p:cNvPr id="35" name="Freeform: Shape 34">
-            <a:extLst>
-              <a:ext uri="{FF2B5EF4-FFF2-40B4-BE49-F238E27FC236}">
-                <a16:creationId xmlns:a16="http://schemas.microsoft.com/office/drawing/2014/main" id="{401EC155-F6ED-30BD-1E59-56F96F54B277}"/>
-              </a:ext>
-            </a:extLst>
-          </p:cNvPr>
-          <p:cNvSpPr/>
-          <p:nvPr/>
-        </p:nvSpPr>
-        <p:spPr>
-          <a:xfrm>
-            <a:off x="1667197" y="380667"/>
-            <a:ext cx="2168431" cy="3171617"/>
-          </a:xfrm>
-          <a:custGeom>
-            <a:avLst/>
-            <a:gdLst>
-              <a:gd name="connsiteX0" fmla="*/ 0 w 2168431"/>
-              <a:gd name="connsiteY0" fmla="*/ 0 h 3171617"/>
-              <a:gd name="connsiteX1" fmla="*/ 2168431 w 2168431"/>
-              <a:gd name="connsiteY1" fmla="*/ 0 h 3171617"/>
-              <a:gd name="connsiteX2" fmla="*/ 2168431 w 2168431"/>
-              <a:gd name="connsiteY2" fmla="*/ 565186 h 3171617"/>
-              <a:gd name="connsiteX3" fmla="*/ 1402716 w 2168431"/>
-              <a:gd name="connsiteY3" fmla="*/ 565186 h 3171617"/>
-              <a:gd name="connsiteX4" fmla="*/ 1402716 w 2168431"/>
-              <a:gd name="connsiteY4" fmla="*/ 2813199 h 3171617"/>
-              <a:gd name="connsiteX5" fmla="*/ 1399590 w 2168431"/>
-              <a:gd name="connsiteY5" fmla="*/ 2813199 h 3171617"/>
-              <a:gd name="connsiteX6" fmla="*/ 1399590 w 2168431"/>
-              <a:gd name="connsiteY6" fmla="*/ 3171617 h 3171617"/>
-              <a:gd name="connsiteX7" fmla="*/ 840466 w 2168431"/>
-              <a:gd name="connsiteY7" fmla="*/ 3171617 h 3171617"/>
-              <a:gd name="connsiteX8" fmla="*/ 840466 w 2168431"/>
-              <a:gd name="connsiteY8" fmla="*/ 2813199 h 3171617"/>
-              <a:gd name="connsiteX9" fmla="*/ 837637 w 2168431"/>
-              <a:gd name="connsiteY9" fmla="*/ 2813199 h 3171617"/>
-              <a:gd name="connsiteX10" fmla="*/ 837637 w 2168431"/>
-              <a:gd name="connsiteY10" fmla="*/ 565186 h 3171617"/>
-              <a:gd name="connsiteX11" fmla="*/ 0 w 2168431"/>
-              <a:gd name="connsiteY11" fmla="*/ 565186 h 3171617"/>
-            </a:gdLst>
-            <a:ahLst/>
-            <a:cxnLst>
-              <a:cxn ang="0">
-                <a:pos x="connsiteX0" y="connsiteY0"/>
-              </a:cxn>
-              <a:cxn ang="0">
-                <a:pos x="connsiteX1" y="connsiteY1"/>
-              </a:cxn>
-              <a:cxn ang="0">
-                <a:pos x="connsiteX2" y="connsiteY2"/>
-              </a:cxn>
-              <a:cxn ang="0">
-                <a:pos x="connsiteX3" y="connsiteY3"/>
-              </a:cxn>
-              <a:cxn ang="0">
-                <a:pos x="connsiteX4" y="connsiteY4"/>
-              </a:cxn>
-              <a:cxn ang="0">
-                <a:pos x="connsiteX5" y="connsiteY5"/>
-              </a:cxn>
-              <a:cxn ang="0">
-                <a:pos x="connsiteX6" y="connsiteY6"/>
-              </a:cxn>
-              <a:cxn ang="0">
-                <a:pos x="connsiteX7" y="connsiteY7"/>
-              </a:cxn>
-              <a:cxn ang="0">
-                <a:pos x="connsiteX8" y="connsiteY8"/>
-              </a:cxn>
-              <a:cxn ang="0">
-                <a:pos x="connsiteX9" y="connsiteY9"/>
-              </a:cxn>
-              <a:cxn ang="0">
-                <a:pos x="connsiteX10" y="connsiteY10"/>
-              </a:cxn>
-              <a:cxn ang="0">
-                <a:pos x="connsiteX11" y="connsiteY11"/>
-              </a:cxn>
-            </a:cxnLst>
-            <a:rect l="l" t="t" r="r" b="b"/>
-            <a:pathLst>
-              <a:path w="2168431" h="3171617">
-                <a:moveTo>
-                  <a:pt x="0" y="0"/>
-                </a:moveTo>
-                <a:lnTo>
-                  <a:pt x="2168431" y="0"/>
-                </a:lnTo>
-                <a:lnTo>
-                  <a:pt x="2168431" y="565186"/>
-                </a:lnTo>
-                <a:lnTo>
-                  <a:pt x="1402716" y="565186"/>
-                </a:lnTo>
-                <a:lnTo>
-                  <a:pt x="1402716" y="2813199"/>
-                </a:lnTo>
-                <a:lnTo>
-                  <a:pt x="1399590" y="2813199"/>
-                </a:lnTo>
-                <a:lnTo>
-                  <a:pt x="1399590" y="3171617"/>
-                </a:lnTo>
-                <a:lnTo>
-                  <a:pt x="840466" y="3171617"/>
-                </a:lnTo>
-                <a:lnTo>
-                  <a:pt x="840466" y="2813199"/>
-                </a:lnTo>
-                <a:lnTo>
-                  <a:pt x="837637" y="2813199"/>
-                </a:lnTo>
-                <a:lnTo>
-                  <a:pt x="837637" y="565186"/>
-                </a:lnTo>
-                <a:lnTo>
-                  <a:pt x="0" y="565186"/>
-                </a:lnTo>
-                <a:close/>
-              </a:path>
-            </a:pathLst>
-          </a:custGeom>
-          <a:solidFill>
-            <a:srgbClr val="729FCF"/>
-          </a:solidFill>
-        </p:spPr>
-        <p:style>
-          <a:lnRef idx="2">
-            <a:schemeClr val="accent1">
-              <a:shade val="50000"/>
-            </a:schemeClr>
-          </a:lnRef>
-          <a:fillRef idx="1">
-            <a:schemeClr val="accent1"/>
-          </a:fillRef>
-          <a:effectRef idx="0">
-            <a:schemeClr val="accent1"/>
-          </a:effectRef>
-          <a:fontRef idx="minor">
-            <a:schemeClr val="lt1"/>
-          </a:fontRef>
-        </p:style>
-        <p:txBody>
-          <a:bodyPr wrap="square" rtlCol="0" anchor="ctr">
-            <a:noAutofit/>
-          </a:bodyPr>
-          <a:lstStyle/>
-          <a:p>
-            <a:pPr algn="ctr"/>
-            <a:endParaRPr lang="en-US"/>
-          </a:p>
-        </p:txBody>
-      </p:sp>
-      <p:sp>
-        <p:nvSpPr>
-          <p:cNvPr id="36" name="Freeform: Shape 35">
-            <a:extLst>
-              <a:ext uri="{FF2B5EF4-FFF2-40B4-BE49-F238E27FC236}">
-                <a16:creationId xmlns:a16="http://schemas.microsoft.com/office/drawing/2014/main" id="{845F0187-85AF-F8D3-2E8D-FB63282BECA5}"/>
-              </a:ext>
-            </a:extLst>
-          </p:cNvPr>
-          <p:cNvSpPr/>
-          <p:nvPr/>
-        </p:nvSpPr>
-        <p:spPr>
-          <a:xfrm>
-            <a:off x="8353967" y="257383"/>
-            <a:ext cx="2168431" cy="3171617"/>
-          </a:xfrm>
-          <a:custGeom>
-            <a:avLst/>
-            <a:gdLst>
-              <a:gd name="connsiteX0" fmla="*/ 0 w 2168431"/>
-              <a:gd name="connsiteY0" fmla="*/ 0 h 3171617"/>
-              <a:gd name="connsiteX1" fmla="*/ 2168431 w 2168431"/>
-              <a:gd name="connsiteY1" fmla="*/ 0 h 3171617"/>
-              <a:gd name="connsiteX2" fmla="*/ 2168431 w 2168431"/>
-              <a:gd name="connsiteY2" fmla="*/ 565186 h 3171617"/>
-              <a:gd name="connsiteX3" fmla="*/ 1402716 w 2168431"/>
-              <a:gd name="connsiteY3" fmla="*/ 565186 h 3171617"/>
-              <a:gd name="connsiteX4" fmla="*/ 1402716 w 2168431"/>
-              <a:gd name="connsiteY4" fmla="*/ 2813199 h 3171617"/>
-              <a:gd name="connsiteX5" fmla="*/ 1399590 w 2168431"/>
-              <a:gd name="connsiteY5" fmla="*/ 2813199 h 3171617"/>
-              <a:gd name="connsiteX6" fmla="*/ 1399590 w 2168431"/>
-              <a:gd name="connsiteY6" fmla="*/ 3171617 h 3171617"/>
-              <a:gd name="connsiteX7" fmla="*/ 840466 w 2168431"/>
-              <a:gd name="connsiteY7" fmla="*/ 3171617 h 3171617"/>
-              <a:gd name="connsiteX8" fmla="*/ 840466 w 2168431"/>
-              <a:gd name="connsiteY8" fmla="*/ 2813199 h 3171617"/>
-              <a:gd name="connsiteX9" fmla="*/ 837637 w 2168431"/>
-              <a:gd name="connsiteY9" fmla="*/ 2813199 h 3171617"/>
-              <a:gd name="connsiteX10" fmla="*/ 837637 w 2168431"/>
-              <a:gd name="connsiteY10" fmla="*/ 565186 h 3171617"/>
-              <a:gd name="connsiteX11" fmla="*/ 0 w 2168431"/>
-              <a:gd name="connsiteY11" fmla="*/ 565186 h 3171617"/>
-            </a:gdLst>
-            <a:ahLst/>
-            <a:cxnLst>
-              <a:cxn ang="0">
-                <a:pos x="connsiteX0" y="connsiteY0"/>
-              </a:cxn>
-              <a:cxn ang="0">
-                <a:pos x="connsiteX1" y="connsiteY1"/>
-              </a:cxn>
-              <a:cxn ang="0">
-                <a:pos x="connsiteX2" y="connsiteY2"/>
-              </a:cxn>
-              <a:cxn ang="0">
-                <a:pos x="connsiteX3" y="connsiteY3"/>
-              </a:cxn>
-              <a:cxn ang="0">
-                <a:pos x="connsiteX4" y="connsiteY4"/>
-              </a:cxn>
-              <a:cxn ang="0">
-                <a:pos x="connsiteX5" y="connsiteY5"/>
-              </a:cxn>
-              <a:cxn ang="0">
-                <a:pos x="connsiteX6" y="connsiteY6"/>
-              </a:cxn>
-              <a:cxn ang="0">
-                <a:pos x="connsiteX7" y="connsiteY7"/>
-              </a:cxn>
-              <a:cxn ang="0">
-                <a:pos x="connsiteX8" y="connsiteY8"/>
-              </a:cxn>
-              <a:cxn ang="0">
-                <a:pos x="connsiteX9" y="connsiteY9"/>
-              </a:cxn>
-              <a:cxn ang="0">
-                <a:pos x="connsiteX10" y="connsiteY10"/>
-              </a:cxn>
-              <a:cxn ang="0">
-                <a:pos x="connsiteX11" y="connsiteY11"/>
-              </a:cxn>
-            </a:cxnLst>
-            <a:rect l="l" t="t" r="r" b="b"/>
-            <a:pathLst>
-              <a:path w="2168431" h="3171617">
-                <a:moveTo>
-                  <a:pt x="0" y="0"/>
-                </a:moveTo>
-                <a:lnTo>
-                  <a:pt x="2168431" y="0"/>
-                </a:lnTo>
-                <a:lnTo>
-                  <a:pt x="2168431" y="565186"/>
-                </a:lnTo>
-                <a:lnTo>
-                  <a:pt x="1402716" y="565186"/>
-                </a:lnTo>
-                <a:lnTo>
-                  <a:pt x="1402716" y="2813199"/>
-                </a:lnTo>
-                <a:lnTo>
-                  <a:pt x="1399590" y="2813199"/>
-                </a:lnTo>
-                <a:lnTo>
-                  <a:pt x="1399590" y="3171617"/>
-                </a:lnTo>
-                <a:lnTo>
-                  <a:pt x="840466" y="3171617"/>
-                </a:lnTo>
-                <a:lnTo>
-                  <a:pt x="840466" y="2813199"/>
-                </a:lnTo>
-                <a:lnTo>
-                  <a:pt x="837637" y="2813199"/>
-                </a:lnTo>
-                <a:lnTo>
-                  <a:pt x="837637" y="565186"/>
-                </a:lnTo>
-                <a:lnTo>
-                  <a:pt x="0" y="565186"/>
-                </a:lnTo>
-                <a:close/>
-              </a:path>
-            </a:pathLst>
-          </a:custGeom>
-          <a:solidFill>
-            <a:srgbClr val="729FCF"/>
-          </a:solidFill>
-        </p:spPr>
-        <p:style>
-          <a:lnRef idx="2">
-            <a:schemeClr val="accent1">
-              <a:shade val="50000"/>
-            </a:schemeClr>
-          </a:lnRef>
-          <a:fillRef idx="1">
-            <a:schemeClr val="accent1"/>
-          </a:fillRef>
-          <a:effectRef idx="0">
-            <a:schemeClr val="accent1"/>
-          </a:effectRef>
-          <a:fontRef idx="minor">
-            <a:schemeClr val="lt1"/>
-          </a:fontRef>
-        </p:style>
-        <p:txBody>
-          <a:bodyPr wrap="square" rtlCol="0" anchor="ctr">
-            <a:noAutofit/>
-          </a:bodyPr>
-          <a:lstStyle/>
-          <a:p>
-            <a:pPr algn="ctr"/>
-            <a:endParaRPr lang="en-US"/>
-          </a:p>
-        </p:txBody>
-      </p:sp>
-      <p:sp>
-        <p:nvSpPr>
-          <p:cNvPr id="45" name="Freeform: Shape 44">
-            <a:extLst>
-              <a:ext uri="{FF2B5EF4-FFF2-40B4-BE49-F238E27FC236}">
-                <a16:creationId xmlns:a16="http://schemas.microsoft.com/office/drawing/2014/main" id="{286A2C12-D001-D97D-BDBC-5DC9EC051946}"/>
-              </a:ext>
-            </a:extLst>
-          </p:cNvPr>
-          <p:cNvSpPr/>
-          <p:nvPr/>
-        </p:nvSpPr>
-        <p:spPr>
-          <a:xfrm>
-            <a:off x="8182697" y="2636095"/>
-            <a:ext cx="941643" cy="503843"/>
-          </a:xfrm>
-          <a:custGeom>
-            <a:avLst/>
-            <a:gdLst>
-              <a:gd name="connsiteX0" fmla="*/ 0 w 941643"/>
-              <a:gd name="connsiteY0" fmla="*/ 0 h 503843"/>
-              <a:gd name="connsiteX1" fmla="*/ 850334 w 941643"/>
-              <a:gd name="connsiteY1" fmla="*/ 0 h 503843"/>
-              <a:gd name="connsiteX2" fmla="*/ 850334 w 941643"/>
-              <a:gd name="connsiteY2" fmla="*/ 66581 h 503843"/>
-              <a:gd name="connsiteX3" fmla="*/ 857199 w 941643"/>
-              <a:gd name="connsiteY3" fmla="*/ 66581 h 503843"/>
-              <a:gd name="connsiteX4" fmla="*/ 857199 w 941643"/>
-              <a:gd name="connsiteY4" fmla="*/ 69664 h 503843"/>
-              <a:gd name="connsiteX5" fmla="*/ 865172 w 941643"/>
-              <a:gd name="connsiteY5" fmla="*/ 66770 h 503843"/>
-              <a:gd name="connsiteX6" fmla="*/ 936864 w 941643"/>
-              <a:gd name="connsiteY6" fmla="*/ 155225 h 503843"/>
-              <a:gd name="connsiteX7" fmla="*/ 865172 w 941643"/>
-              <a:gd name="connsiteY7" fmla="*/ 217665 h 503843"/>
-              <a:gd name="connsiteX8" fmla="*/ 936864 w 941643"/>
-              <a:gd name="connsiteY8" fmla="*/ 306120 h 503843"/>
-              <a:gd name="connsiteX9" fmla="*/ 869952 w 941643"/>
-              <a:gd name="connsiteY9" fmla="*/ 352949 h 503843"/>
-              <a:gd name="connsiteX10" fmla="*/ 941643 w 941643"/>
-              <a:gd name="connsiteY10" fmla="*/ 441404 h 503843"/>
-              <a:gd name="connsiteX11" fmla="*/ 865172 w 941643"/>
-              <a:gd name="connsiteY11" fmla="*/ 503843 h 503843"/>
-              <a:gd name="connsiteX12" fmla="*/ 857199 w 941643"/>
-              <a:gd name="connsiteY12" fmla="*/ 502473 h 503843"/>
-              <a:gd name="connsiteX13" fmla="*/ 857199 w 941643"/>
-              <a:gd name="connsiteY13" fmla="*/ 503843 h 503843"/>
-              <a:gd name="connsiteX14" fmla="*/ 264901 w 941643"/>
-              <a:gd name="connsiteY14" fmla="*/ 503843 h 503843"/>
-              <a:gd name="connsiteX15" fmla="*/ 264901 w 941643"/>
-              <a:gd name="connsiteY15" fmla="*/ 90962 h 503843"/>
-              <a:gd name="connsiteX16" fmla="*/ 0 w 941643"/>
-              <a:gd name="connsiteY16" fmla="*/ 90962 h 503843"/>
-            </a:gdLst>
-            <a:ahLst/>
-            <a:cxnLst>
-              <a:cxn ang="0">
-                <a:pos x="connsiteX0" y="connsiteY0"/>
-              </a:cxn>
-              <a:cxn ang="0">
-                <a:pos x="connsiteX1" y="connsiteY1"/>
-              </a:cxn>
-              <a:cxn ang="0">
-                <a:pos x="connsiteX2" y="connsiteY2"/>
-              </a:cxn>
-              <a:cxn ang="0">
-                <a:pos x="connsiteX3" y="connsiteY3"/>
-              </a:cxn>
-              <a:cxn ang="0">
-                <a:pos x="connsiteX4" y="connsiteY4"/>
-              </a:cxn>
-              <a:cxn ang="0">
-                <a:pos x="connsiteX5" y="connsiteY5"/>
-              </a:cxn>
-              <a:cxn ang="0">
-                <a:pos x="connsiteX6" y="connsiteY6"/>
-              </a:cxn>
-              <a:cxn ang="0">
-                <a:pos x="connsiteX7" y="connsiteY7"/>
-              </a:cxn>
-              <a:cxn ang="0">
-                <a:pos x="connsiteX8" y="connsiteY8"/>
-              </a:cxn>
-              <a:cxn ang="0">
-                <a:pos x="connsiteX9" y="connsiteY9"/>
-              </a:cxn>
-              <a:cxn ang="0">
-                <a:pos x="connsiteX10" y="connsiteY10"/>
-              </a:cxn>
-              <a:cxn ang="0">
-                <a:pos x="connsiteX11" y="connsiteY11"/>
-              </a:cxn>
-              <a:cxn ang="0">
-                <a:pos x="connsiteX12" y="connsiteY12"/>
-              </a:cxn>
-              <a:cxn ang="0">
-                <a:pos x="connsiteX13" y="connsiteY13"/>
-              </a:cxn>
-              <a:cxn ang="0">
-                <a:pos x="connsiteX14" y="connsiteY14"/>
-              </a:cxn>
-              <a:cxn ang="0">
-                <a:pos x="connsiteX15" y="connsiteY15"/>
-              </a:cxn>
-              <a:cxn ang="0">
-                <a:pos x="connsiteX16" y="connsiteY16"/>
-              </a:cxn>
-            </a:cxnLst>
-            <a:rect l="l" t="t" r="r" b="b"/>
-            <a:pathLst>
-              <a:path w="941643" h="503843">
-                <a:moveTo>
-                  <a:pt x="0" y="0"/>
-                </a:moveTo>
-                <a:lnTo>
-                  <a:pt x="850334" y="0"/>
-                </a:lnTo>
-                <a:lnTo>
-                  <a:pt x="850334" y="66581"/>
-                </a:lnTo>
-                <a:lnTo>
-                  <a:pt x="857199" y="66581"/>
-                </a:lnTo>
-                <a:lnTo>
-                  <a:pt x="857199" y="69664"/>
-                </a:lnTo>
-                <a:lnTo>
-                  <a:pt x="865172" y="66770"/>
-                </a:lnTo>
-                <a:lnTo>
-                  <a:pt x="936864" y="155225"/>
-                </a:lnTo>
-                <a:lnTo>
-                  <a:pt x="865172" y="217665"/>
-                </a:lnTo>
-                <a:lnTo>
-                  <a:pt x="936864" y="306120"/>
-                </a:lnTo>
-                <a:lnTo>
-                  <a:pt x="869952" y="352949"/>
-                </a:lnTo>
-                <a:lnTo>
-                  <a:pt x="941643" y="441404"/>
-                </a:lnTo>
-                <a:lnTo>
-                  <a:pt x="865172" y="503843"/>
-                </a:lnTo>
-                <a:lnTo>
-                  <a:pt x="857199" y="502473"/>
-                </a:lnTo>
-                <a:lnTo>
-                  <a:pt x="857199" y="503843"/>
-                </a:lnTo>
-                <a:lnTo>
-                  <a:pt x="264901" y="503843"/>
-                </a:lnTo>
-                <a:lnTo>
-                  <a:pt x="264901" y="90962"/>
-                </a:lnTo>
-                <a:lnTo>
-                  <a:pt x="0" y="90962"/>
-                </a:lnTo>
-                <a:close/>
-              </a:path>
-            </a:pathLst>
-          </a:custGeom>
-          <a:solidFill>
-            <a:srgbClr val="729FCF"/>
-          </a:solidFill>
-        </p:spPr>
-        <p:style>
-          <a:lnRef idx="2">
-            <a:schemeClr val="accent1">
-              <a:shade val="50000"/>
-            </a:schemeClr>
-          </a:lnRef>
-          <a:fillRef idx="1">
-            <a:schemeClr val="accent1"/>
-          </a:fillRef>
-          <a:effectRef idx="0">
-            <a:schemeClr val="accent1"/>
-          </a:effectRef>
-          <a:fontRef idx="minor">
-            <a:schemeClr val="lt1"/>
-          </a:fontRef>
-        </p:style>
-        <p:txBody>
-          <a:bodyPr wrap="square" rtlCol="0" anchor="ctr">
-            <a:noAutofit/>
-          </a:bodyPr>
-          <a:lstStyle/>
-          <a:p>
-            <a:pPr algn="ctr"/>
-            <a:endParaRPr lang="en-US"/>
-          </a:p>
-        </p:txBody>
-      </p:sp>
-      <p:sp>
-        <p:nvSpPr>
-          <p:cNvPr id="50" name="Oval 49">
-            <a:extLst>
-              <a:ext uri="{FF2B5EF4-FFF2-40B4-BE49-F238E27FC236}">
-                <a16:creationId xmlns:a16="http://schemas.microsoft.com/office/drawing/2014/main" id="{A87BA2C2-2438-7E09-00D8-E5482B3DB33B}"/>
-              </a:ext>
-            </a:extLst>
-          </p:cNvPr>
-          <p:cNvSpPr/>
-          <p:nvPr/>
-        </p:nvSpPr>
-        <p:spPr>
-          <a:xfrm>
-            <a:off x="1520617" y="737252"/>
-            <a:ext cx="1042533" cy="520920"/>
-          </a:xfrm>
-          <a:prstGeom prst="ellipse">
-            <a:avLst/>
-          </a:prstGeom>
-          <a:noFill/>
-          <a:ln w="57150">
-            <a:solidFill>
-              <a:srgbClr val="FF3602"/>
-            </a:solidFill>
-          </a:ln>
-        </p:spPr>
-        <p:style>
-          <a:lnRef idx="2">
-            <a:schemeClr val="accent2"/>
-          </a:lnRef>
-          <a:fillRef idx="1">
-            <a:schemeClr val="lt1"/>
-          </a:fillRef>
-          <a:effectRef idx="0">
-            <a:schemeClr val="accent2"/>
-          </a:effectRef>
-          <a:fontRef idx="minor">
-            <a:schemeClr val="dk1"/>
-          </a:fontRef>
-        </p:style>
-        <p:txBody>
-          <a:bodyPr rtlCol="0" anchor="ctr"/>
-          <a:lstStyle/>
-          <a:p>
-            <a:pPr algn="ctr"/>
-            <a:endParaRPr lang="en-US"/>
-          </a:p>
-        </p:txBody>
-      </p:sp>
-      <p:sp>
-        <p:nvSpPr>
-          <p:cNvPr id="51" name="Oval 50">
-            <a:extLst>
-              <a:ext uri="{FF2B5EF4-FFF2-40B4-BE49-F238E27FC236}">
-                <a16:creationId xmlns:a16="http://schemas.microsoft.com/office/drawing/2014/main" id="{726C67A0-A012-6B40-6FCF-49DA8A150CF4}"/>
-              </a:ext>
-            </a:extLst>
-          </p:cNvPr>
-          <p:cNvSpPr/>
-          <p:nvPr/>
-        </p:nvSpPr>
-        <p:spPr>
-          <a:xfrm>
-            <a:off x="3010396" y="728363"/>
-            <a:ext cx="1042533" cy="520920"/>
-          </a:xfrm>
-          <a:prstGeom prst="ellipse">
-            <a:avLst/>
-          </a:prstGeom>
-          <a:noFill/>
-          <a:ln w="57150">
-            <a:solidFill>
-              <a:srgbClr val="FF3602"/>
-            </a:solidFill>
-          </a:ln>
-        </p:spPr>
-        <p:style>
-          <a:lnRef idx="2">
-            <a:schemeClr val="accent2"/>
-          </a:lnRef>
-          <a:fillRef idx="1">
-            <a:schemeClr val="lt1"/>
-          </a:fillRef>
-          <a:effectRef idx="0">
-            <a:schemeClr val="accent2"/>
-          </a:effectRef>
-          <a:fontRef idx="minor">
-            <a:schemeClr val="dk1"/>
-          </a:fontRef>
-        </p:style>
-        <p:txBody>
-          <a:bodyPr rtlCol="0" anchor="ctr"/>
-          <a:lstStyle/>
-          <a:p>
-            <a:pPr algn="ctr"/>
-            <a:endParaRPr lang="en-US"/>
-          </a:p>
-        </p:txBody>
-      </p:sp>
-      <p:sp>
-        <p:nvSpPr>
-          <p:cNvPr id="52" name="Oval 51">
-            <a:extLst>
-              <a:ext uri="{FF2B5EF4-FFF2-40B4-BE49-F238E27FC236}">
-                <a16:creationId xmlns:a16="http://schemas.microsoft.com/office/drawing/2014/main" id="{C088A22A-45D4-1138-6D5E-6D96E4A5C4CE}"/>
-              </a:ext>
-            </a:extLst>
-          </p:cNvPr>
-          <p:cNvSpPr/>
-          <p:nvPr/>
-        </p:nvSpPr>
-        <p:spPr>
-          <a:xfrm>
-            <a:off x="7950038" y="2380317"/>
-            <a:ext cx="1189203" cy="481167"/>
-          </a:xfrm>
-          <a:prstGeom prst="ellipse">
-            <a:avLst/>
-          </a:prstGeom>
-          <a:noFill/>
-          <a:ln w="57150">
-            <a:solidFill>
-              <a:srgbClr val="FF3602"/>
-            </a:solidFill>
-          </a:ln>
-        </p:spPr>
-        <p:style>
-          <a:lnRef idx="2">
-            <a:schemeClr val="accent2"/>
-          </a:lnRef>
-          <a:fillRef idx="1">
-            <a:schemeClr val="lt1"/>
-          </a:fillRef>
-          <a:effectRef idx="0">
-            <a:schemeClr val="accent2"/>
-          </a:effectRef>
-          <a:fontRef idx="minor">
-            <a:schemeClr val="dk1"/>
-          </a:fontRef>
-        </p:style>
-        <p:txBody>
-          <a:bodyPr rtlCol="0" anchor="ctr"/>
-          <a:lstStyle/>
-          <a:p>
-            <a:pPr algn="ctr"/>
-            <a:endParaRPr lang="en-US"/>
-          </a:p>
-        </p:txBody>
-      </p:sp>
-      <p:sp>
-        <p:nvSpPr>
-          <p:cNvPr id="53" name="Oval 52">
-            <a:extLst>
-              <a:ext uri="{FF2B5EF4-FFF2-40B4-BE49-F238E27FC236}">
-                <a16:creationId xmlns:a16="http://schemas.microsoft.com/office/drawing/2014/main" id="{D0D6CAFF-DEC6-648F-724C-FCA423D5982D}"/>
-              </a:ext>
-            </a:extLst>
-          </p:cNvPr>
-          <p:cNvSpPr/>
-          <p:nvPr/>
-        </p:nvSpPr>
-        <p:spPr>
-          <a:xfrm>
-            <a:off x="9816127" y="2326914"/>
-            <a:ext cx="1189203" cy="481167"/>
-          </a:xfrm>
-          <a:prstGeom prst="ellipse">
-            <a:avLst/>
-          </a:prstGeom>
-          <a:noFill/>
-          <a:ln w="57150">
-            <a:solidFill>
-              <a:srgbClr val="FF3602"/>
-            </a:solidFill>
-          </a:ln>
-        </p:spPr>
-        <p:style>
-          <a:lnRef idx="2">
-            <a:schemeClr val="accent2"/>
-          </a:lnRef>
-          <a:fillRef idx="1">
-            <a:schemeClr val="lt1"/>
-          </a:fillRef>
-          <a:effectRef idx="0">
-            <a:schemeClr val="accent2"/>
-          </a:effectRef>
-          <a:fontRef idx="minor">
-            <a:schemeClr val="dk1"/>
-          </a:fontRef>
-        </p:style>
-        <p:txBody>
-          <a:bodyPr rtlCol="0" anchor="ctr"/>
-          <a:lstStyle/>
-          <a:p>
-            <a:pPr algn="ctr"/>
-            <a:endParaRPr lang="en-US"/>
-          </a:p>
-        </p:txBody>
-      </p:sp>
     </p:spTree>
     <p:extLst>
       <p:ext uri="{BB962C8B-B14F-4D97-AF65-F5344CB8AC3E}">
@@ -12337,146 +12434,6 @@
 </p:sld>
 </file>
 
-<file path=ppt/slides/slide8.xml><?xml version="1.0" encoding="utf-8"?>
-<p:sld xmlns:a="http://schemas.openxmlformats.org/drawingml/2006/main" xmlns:r="http://schemas.openxmlformats.org/officeDocument/2006/relationships" xmlns:p="http://schemas.openxmlformats.org/presentationml/2006/main">
-  <p:cSld>
-    <p:spTree>
-      <p:nvGrpSpPr>
-        <p:cNvPr id="1" name=""/>
-        <p:cNvGrpSpPr/>
-        <p:nvPr/>
-      </p:nvGrpSpPr>
-      <p:grpSpPr>
-        <a:xfrm>
-          <a:off x="0" y="0"/>
-          <a:ext cx="0" cy="0"/>
-          <a:chOff x="0" y="0"/>
-          <a:chExt cx="0" cy="0"/>
-        </a:xfrm>
-      </p:grpSpPr>
-      <p:sp>
-        <p:nvSpPr>
-          <p:cNvPr id="2" name="Title 1">
-            <a:extLst>
-              <a:ext uri="{FF2B5EF4-FFF2-40B4-BE49-F238E27FC236}">
-                <a16:creationId xmlns:a16="http://schemas.microsoft.com/office/drawing/2014/main" id="{941A3D93-9094-7062-ACD9-467021A2C4DC}"/>
-              </a:ext>
-            </a:extLst>
-          </p:cNvPr>
-          <p:cNvSpPr>
-            <a:spLocks noGrp="1"/>
-          </p:cNvSpPr>
-          <p:nvPr>
-            <p:ph type="title"/>
-          </p:nvPr>
-        </p:nvSpPr>
-        <p:spPr/>
-        <p:txBody>
-          <a:bodyPr/>
-          <a:lstStyle/>
-          <a:p>
-            <a:endParaRPr lang="en-US"/>
-          </a:p>
-        </p:txBody>
-      </p:sp>
-      <p:sp>
-        <p:nvSpPr>
-          <p:cNvPr id="3" name="Content Placeholder 2">
-            <a:extLst>
-              <a:ext uri="{FF2B5EF4-FFF2-40B4-BE49-F238E27FC236}">
-                <a16:creationId xmlns:a16="http://schemas.microsoft.com/office/drawing/2014/main" id="{A12FAC96-E163-0FA0-0280-1034850252E7}"/>
-              </a:ext>
-            </a:extLst>
-          </p:cNvPr>
-          <p:cNvSpPr>
-            <a:spLocks noGrp="1"/>
-          </p:cNvSpPr>
-          <p:nvPr>
-            <p:ph idx="1"/>
-          </p:nvPr>
-        </p:nvSpPr>
-        <p:spPr/>
-        <p:txBody>
-          <a:bodyPr/>
-          <a:lstStyle/>
-          <a:p>
-            <a:endParaRPr lang="en-US"/>
-          </a:p>
-        </p:txBody>
-      </p:sp>
-      <p:pic>
-        <p:nvPicPr>
-          <p:cNvPr id="4" name="Picture 3">
-            <a:extLst>
-              <a:ext uri="{FF2B5EF4-FFF2-40B4-BE49-F238E27FC236}">
-                <a16:creationId xmlns:a16="http://schemas.microsoft.com/office/drawing/2014/main" id="{F29F13A7-1072-ED9F-958B-7D30AF3A4BBF}"/>
-              </a:ext>
-            </a:extLst>
-          </p:cNvPr>
-          <p:cNvPicPr>
-            <a:picLocks noChangeAspect="1"/>
-          </p:cNvPicPr>
-          <p:nvPr/>
-        </p:nvPicPr>
-        <p:blipFill>
-          <a:blip r:embed="rId2"/>
-          <a:stretch>
-            <a:fillRect/>
-          </a:stretch>
-        </p:blipFill>
-        <p:spPr>
-          <a:xfrm>
-            <a:off x="-546490" y="3163238"/>
-            <a:ext cx="6819900" cy="4210050"/>
-          </a:xfrm>
-          <a:prstGeom prst="rect">
-            <a:avLst/>
-          </a:prstGeom>
-        </p:spPr>
-      </p:pic>
-      <p:pic>
-        <p:nvPicPr>
-          <p:cNvPr id="5" name="Picture 4">
-            <a:extLst>
-              <a:ext uri="{FF2B5EF4-FFF2-40B4-BE49-F238E27FC236}">
-                <a16:creationId xmlns:a16="http://schemas.microsoft.com/office/drawing/2014/main" id="{06F5DAEB-6872-6B3D-E216-24BB2A806970}"/>
-              </a:ext>
-            </a:extLst>
-          </p:cNvPr>
-          <p:cNvPicPr>
-            <a:picLocks noChangeAspect="1"/>
-          </p:cNvPicPr>
-          <p:nvPr/>
-        </p:nvPicPr>
-        <p:blipFill>
-          <a:blip r:embed="rId3"/>
-          <a:stretch>
-            <a:fillRect/>
-          </a:stretch>
-        </p:blipFill>
-        <p:spPr>
-          <a:xfrm>
-            <a:off x="5328627" y="2992227"/>
-            <a:ext cx="7591425" cy="5429250"/>
-          </a:xfrm>
-          <a:prstGeom prst="rect">
-            <a:avLst/>
-          </a:prstGeom>
-        </p:spPr>
-      </p:pic>
-    </p:spTree>
-    <p:extLst>
-      <p:ext uri="{BB962C8B-B14F-4D97-AF65-F5344CB8AC3E}">
-        <p14:creationId xmlns:p14="http://schemas.microsoft.com/office/powerpoint/2010/main" val="965029579"/>
-      </p:ext>
-    </p:extLst>
-  </p:cSld>
-  <p:clrMapOvr>
-    <a:masterClrMapping/>
-  </p:clrMapOvr>
-</p:sld>
-</file>
-
 <file path=ppt/theme/theme1.xml><?xml version="1.0" encoding="utf-8"?>
 <a:theme xmlns:a="http://schemas.openxmlformats.org/drawingml/2006/main" name="Office Theme">
   <a:themeElements>
